--- a/DIAPO/Présentation.pptx
+++ b/DIAPO/Présentation.pptx
@@ -203,7 +203,7 @@
           <a:p>
             <a:fld id="{52AE69C5-FD40-4B35-ACFB-9ABA8883DECF}" type="datetimeFigureOut">
               <a:rPr lang="fr-FR" smtClean="0"/>
-              <a:t>20/10/2019</a:t>
+              <a:t>21/10/2019</a:t>
             </a:fld>
             <a:endParaRPr lang="fr-FR"/>
           </a:p>
@@ -1043,7 +1043,7 @@
           <a:p>
             <a:fld id="{D4E5B539-ACE7-4AE4-97AA-4A49E9854FF8}" type="datetimeFigureOut">
               <a:rPr lang="fr-FR" smtClean="0"/>
-              <a:t>20/10/2019</a:t>
+              <a:t>21/10/2019</a:t>
             </a:fld>
             <a:endParaRPr lang="fr-FR"/>
           </a:p>
@@ -1241,7 +1241,7 @@
           <a:p>
             <a:fld id="{D4E5B539-ACE7-4AE4-97AA-4A49E9854FF8}" type="datetimeFigureOut">
               <a:rPr lang="fr-FR" smtClean="0"/>
-              <a:t>20/10/2019</a:t>
+              <a:t>21/10/2019</a:t>
             </a:fld>
             <a:endParaRPr lang="fr-FR"/>
           </a:p>
@@ -1449,7 +1449,7 @@
           <a:p>
             <a:fld id="{D4E5B539-ACE7-4AE4-97AA-4A49E9854FF8}" type="datetimeFigureOut">
               <a:rPr lang="fr-FR" smtClean="0"/>
-              <a:t>20/10/2019</a:t>
+              <a:t>21/10/2019</a:t>
             </a:fld>
             <a:endParaRPr lang="fr-FR"/>
           </a:p>
@@ -2312,7 +2312,7 @@
           <a:p>
             <a:fld id="{D4E5B539-ACE7-4AE4-97AA-4A49E9854FF8}" type="datetimeFigureOut">
               <a:rPr lang="fr-FR" smtClean="0"/>
-              <a:t>20/10/2019</a:t>
+              <a:t>21/10/2019</a:t>
             </a:fld>
             <a:endParaRPr lang="fr-FR"/>
           </a:p>
@@ -2587,7 +2587,7 @@
           <a:p>
             <a:fld id="{D4E5B539-ACE7-4AE4-97AA-4A49E9854FF8}" type="datetimeFigureOut">
               <a:rPr lang="fr-FR" smtClean="0"/>
-              <a:t>20/10/2019</a:t>
+              <a:t>21/10/2019</a:t>
             </a:fld>
             <a:endParaRPr lang="fr-FR"/>
           </a:p>
@@ -2852,7 +2852,7 @@
           <a:p>
             <a:fld id="{D4E5B539-ACE7-4AE4-97AA-4A49E9854FF8}" type="datetimeFigureOut">
               <a:rPr lang="fr-FR" smtClean="0"/>
-              <a:t>20/10/2019</a:t>
+              <a:t>21/10/2019</a:t>
             </a:fld>
             <a:endParaRPr lang="fr-FR"/>
           </a:p>
@@ -3264,7 +3264,7 @@
           <a:p>
             <a:fld id="{D4E5B539-ACE7-4AE4-97AA-4A49E9854FF8}" type="datetimeFigureOut">
               <a:rPr lang="fr-FR" smtClean="0"/>
-              <a:t>20/10/2019</a:t>
+              <a:t>21/10/2019</a:t>
             </a:fld>
             <a:endParaRPr lang="fr-FR"/>
           </a:p>
@@ -3405,7 +3405,7 @@
           <a:p>
             <a:fld id="{D4E5B539-ACE7-4AE4-97AA-4A49E9854FF8}" type="datetimeFigureOut">
               <a:rPr lang="fr-FR" smtClean="0"/>
-              <a:t>20/10/2019</a:t>
+              <a:t>21/10/2019</a:t>
             </a:fld>
             <a:endParaRPr lang="fr-FR"/>
           </a:p>
@@ -3518,7 +3518,7 @@
           <a:p>
             <a:fld id="{D4E5B539-ACE7-4AE4-97AA-4A49E9854FF8}" type="datetimeFigureOut">
               <a:rPr lang="fr-FR" smtClean="0"/>
-              <a:t>20/10/2019</a:t>
+              <a:t>21/10/2019</a:t>
             </a:fld>
             <a:endParaRPr lang="fr-FR"/>
           </a:p>
@@ -3829,7 +3829,7 @@
           <a:p>
             <a:fld id="{D4E5B539-ACE7-4AE4-97AA-4A49E9854FF8}" type="datetimeFigureOut">
               <a:rPr lang="fr-FR" smtClean="0"/>
-              <a:t>20/10/2019</a:t>
+              <a:t>21/10/2019</a:t>
             </a:fld>
             <a:endParaRPr lang="fr-FR"/>
           </a:p>
@@ -4117,7 +4117,7 @@
           <a:p>
             <a:fld id="{D4E5B539-ACE7-4AE4-97AA-4A49E9854FF8}" type="datetimeFigureOut">
               <a:rPr lang="fr-FR" smtClean="0"/>
-              <a:t>20/10/2019</a:t>
+              <a:t>21/10/2019</a:t>
             </a:fld>
             <a:endParaRPr lang="fr-FR"/>
           </a:p>
@@ -4358,7 +4358,7 @@
           <a:p>
             <a:fld id="{D4E5B539-ACE7-4AE4-97AA-4A49E9854FF8}" type="datetimeFigureOut">
               <a:rPr lang="fr-FR" smtClean="0"/>
-              <a:t>20/10/2019</a:t>
+              <a:t>21/10/2019</a:t>
             </a:fld>
             <a:endParaRPr lang="fr-FR"/>
           </a:p>
@@ -5317,8 +5317,8 @@
         </p:nvSpPr>
         <p:spPr>
           <a:xfrm>
-            <a:off x="6869164" y="780930"/>
-            <a:ext cx="3434383" cy="830997"/>
+            <a:off x="6869164" y="747477"/>
+            <a:ext cx="3434383" cy="954107"/>
           </a:xfrm>
           <a:prstGeom prst="rect">
             <a:avLst/>
@@ -5336,7 +5336,7 @@
               <a:buChar char="Ø"/>
             </a:pPr>
             <a:r>
-              <a:rPr lang="en-US" altLang="ko-KR" sz="1200" dirty="0">
+              <a:rPr lang="en-US" altLang="ko-KR" sz="1400" dirty="0">
                 <a:solidFill>
                   <a:schemeClr val="bg1"/>
                 </a:solidFill>
@@ -5352,7 +5352,7 @@
               <a:buChar char="Ø"/>
             </a:pPr>
             <a:r>
-              <a:rPr lang="en-US" altLang="ko-KR" sz="1200" dirty="0">
+              <a:rPr lang="en-US" altLang="ko-KR" sz="1400" dirty="0">
                 <a:solidFill>
                   <a:schemeClr val="bg1"/>
                 </a:solidFill>
@@ -5364,7 +5364,7 @@
           </a:p>
           <a:p>
             <a:r>
-              <a:rPr lang="en-US" altLang="ko-KR" sz="1200" dirty="0">
+              <a:rPr lang="en-US" altLang="ko-KR" sz="1400" dirty="0">
                 <a:solidFill>
                   <a:schemeClr val="bg1"/>
                 </a:solidFill>
@@ -5375,7 +5375,7 @@
             </a:r>
           </a:p>
           <a:p>
-            <a:endParaRPr lang="en-US" altLang="ko-KR" sz="1200" dirty="0">
+            <a:endParaRPr lang="en-US" altLang="ko-KR" sz="1400" dirty="0">
               <a:solidFill>
                 <a:schemeClr val="bg1"/>
               </a:solidFill>
@@ -5548,7 +5548,7 @@
         </p:nvSpPr>
         <p:spPr>
           <a:xfrm>
-            <a:off x="5899687" y="1375979"/>
+            <a:off x="5877511" y="1320600"/>
             <a:ext cx="981106" cy="777510"/>
           </a:xfrm>
           <a:prstGeom prst="rect">
@@ -5738,8 +5738,8 @@
         </p:nvSpPr>
         <p:spPr>
           <a:xfrm>
-            <a:off x="6798479" y="2254767"/>
-            <a:ext cx="3434383" cy="1938992"/>
+            <a:off x="6798479" y="2154408"/>
+            <a:ext cx="3434383" cy="2246769"/>
           </a:xfrm>
           <a:prstGeom prst="rect">
             <a:avLst/>
@@ -5757,7 +5757,7 @@
               <a:buChar char="Ø"/>
             </a:pPr>
             <a:r>
-              <a:rPr lang="en-US" altLang="ko-KR" sz="1200" dirty="0">
+              <a:rPr lang="en-US" altLang="ko-KR" sz="1400" dirty="0">
                 <a:solidFill>
                   <a:schemeClr val="bg1"/>
                 </a:solidFill>
@@ -5773,7 +5773,7 @@
               <a:buChar char="Ø"/>
             </a:pPr>
             <a:r>
-              <a:rPr lang="en-US" altLang="ko-KR" sz="1200" dirty="0">
+              <a:rPr lang="en-US" altLang="ko-KR" sz="1400" dirty="0">
                 <a:solidFill>
                   <a:schemeClr val="bg1"/>
                 </a:solidFill>
@@ -5789,7 +5789,7 @@
               <a:buChar char="Ø"/>
             </a:pPr>
             <a:r>
-              <a:rPr lang="en-US" altLang="ko-KR" sz="1200" dirty="0">
+              <a:rPr lang="en-US" altLang="ko-KR" sz="1400" dirty="0">
                 <a:solidFill>
                   <a:schemeClr val="bg1"/>
                 </a:solidFill>
@@ -5805,7 +5805,7 @@
               <a:buChar char="Ø"/>
             </a:pPr>
             <a:r>
-              <a:rPr lang="en-US" altLang="ko-KR" sz="1200" dirty="0">
+              <a:rPr lang="en-US" altLang="ko-KR" sz="1400" dirty="0">
                 <a:solidFill>
                   <a:schemeClr val="bg1"/>
                 </a:solidFill>
@@ -5821,44 +5821,14 @@
               <a:buChar char="Ø"/>
             </a:pPr>
             <a:r>
-              <a:rPr lang="en-US" altLang="ko-KR" sz="1200" dirty="0" err="1">
+              <a:rPr lang="en-US" altLang="ko-KR" sz="1400" dirty="0">
                 <a:solidFill>
                   <a:schemeClr val="bg1"/>
                 </a:solidFill>
                 <a:latin typeface="Arial" panose="020B0604020202020204" pitchFamily="34" charset="0"/>
                 <a:cs typeface="Arial" panose="020B0604020202020204" pitchFamily="34" charset="0"/>
               </a:rPr>
-              <a:t>Avantages</a:t>
-            </a:r>
-            <a:r>
-              <a:rPr lang="en-US" altLang="ko-KR" sz="1200" dirty="0">
-                <a:solidFill>
-                  <a:schemeClr val="bg1"/>
-                </a:solidFill>
-                <a:latin typeface="Arial" panose="020B0604020202020204" pitchFamily="34" charset="0"/>
-                <a:cs typeface="Arial" panose="020B0604020202020204" pitchFamily="34" charset="0"/>
-              </a:rPr>
-              <a:t> et </a:t>
-            </a:r>
-            <a:r>
-              <a:rPr lang="en-US" altLang="ko-KR" sz="1200" dirty="0" err="1">
-                <a:solidFill>
-                  <a:schemeClr val="bg1"/>
-                </a:solidFill>
-                <a:latin typeface="Arial" panose="020B0604020202020204" pitchFamily="34" charset="0"/>
-                <a:cs typeface="Arial" panose="020B0604020202020204" pitchFamily="34" charset="0"/>
-              </a:rPr>
-              <a:t>inconvienents</a:t>
-            </a:r>
-            <a:r>
-              <a:rPr lang="en-US" altLang="ko-KR" sz="1200" dirty="0">
-                <a:solidFill>
-                  <a:schemeClr val="bg1"/>
-                </a:solidFill>
-                <a:latin typeface="Arial" panose="020B0604020202020204" pitchFamily="34" charset="0"/>
-                <a:cs typeface="Arial" panose="020B0604020202020204" pitchFamily="34" charset="0"/>
-              </a:rPr>
-              <a:t> </a:t>
+              <a:t>Avantages et inconvénients</a:t>
             </a:r>
           </a:p>
           <a:p>
@@ -5866,7 +5836,7 @@
               <a:buFont typeface="Wingdings" panose="05000000000000000000" pitchFamily="2" charset="2"/>
               <a:buChar char="Ø"/>
             </a:pPr>
-            <a:endParaRPr lang="en-US" altLang="ko-KR" sz="1200" dirty="0">
+            <a:endParaRPr lang="en-US" altLang="ko-KR" sz="1400" dirty="0">
               <a:solidFill>
                 <a:schemeClr val="bg1"/>
               </a:solidFill>
@@ -5875,7 +5845,7 @@
             </a:endParaRPr>
           </a:p>
           <a:p>
-            <a:endParaRPr lang="en-US" altLang="ko-KR" sz="1200" dirty="0">
+            <a:endParaRPr lang="en-US" altLang="ko-KR" sz="1400" dirty="0">
               <a:solidFill>
                 <a:schemeClr val="bg1"/>
               </a:solidFill>
@@ -5885,7 +5855,7 @@
           </a:p>
           <a:p>
             <a:r>
-              <a:rPr lang="en-US" altLang="ko-KR" sz="1200" dirty="0">
+              <a:rPr lang="en-US" altLang="ko-KR" sz="1400" dirty="0">
                 <a:solidFill>
                   <a:schemeClr val="bg1"/>
                 </a:solidFill>
@@ -5897,7 +5867,7 @@
           </a:p>
           <a:p>
             <a:r>
-              <a:rPr lang="en-US" altLang="ko-KR" sz="1200" dirty="0">
+              <a:rPr lang="en-US" altLang="ko-KR" sz="1400" dirty="0">
                 <a:solidFill>
                   <a:schemeClr val="bg1"/>
                 </a:solidFill>
@@ -5908,7 +5878,7 @@
             </a:r>
           </a:p>
           <a:p>
-            <a:endParaRPr lang="en-US" altLang="ko-KR" sz="1200" dirty="0">
+            <a:endParaRPr lang="en-US" altLang="ko-KR" sz="1400" dirty="0">
               <a:solidFill>
                 <a:schemeClr val="bg1"/>
               </a:solidFill>
@@ -5953,7 +5923,16 @@
                 </a:solidFill>
                 <a:cs typeface="Arial" pitchFamily="34" charset="0"/>
               </a:rPr>
-              <a:t>Les solutions possible</a:t>
+              <a:t>Les solutions </a:t>
+            </a:r>
+            <a:r>
+              <a:rPr lang="en-US" altLang="ko-KR" sz="2700" b="1" dirty="0" err="1">
+                <a:solidFill>
+                  <a:schemeClr val="bg1"/>
+                </a:solidFill>
+                <a:cs typeface="Arial" pitchFamily="34" charset="0"/>
+              </a:rPr>
+              <a:t>possibles</a:t>
             </a:r>
             <a:endParaRPr lang="ko-KR" altLang="en-US" sz="2700" b="1" dirty="0">
               <a:solidFill>
@@ -5978,8 +5957,8 @@
         </p:nvSpPr>
         <p:spPr>
           <a:xfrm>
-            <a:off x="6824814" y="3794958"/>
-            <a:ext cx="3434383" cy="646331"/>
+            <a:off x="6824814" y="3739203"/>
+            <a:ext cx="3434383" cy="738664"/>
           </a:xfrm>
           <a:prstGeom prst="rect">
             <a:avLst/>
@@ -5997,7 +5976,7 @@
               <a:buChar char="Ø"/>
             </a:pPr>
             <a:r>
-              <a:rPr lang="en-US" altLang="ko-KR" sz="1200" dirty="0">
+              <a:rPr lang="en-US" altLang="ko-KR" sz="1400" dirty="0">
                 <a:solidFill>
                   <a:schemeClr val="bg1"/>
                 </a:solidFill>
@@ -6013,7 +5992,7 @@
               <a:buChar char="Ø"/>
             </a:pPr>
             <a:r>
-              <a:rPr lang="en-US" altLang="ko-KR" sz="1200" dirty="0">
+              <a:rPr lang="en-US" altLang="ko-KR" sz="1400" dirty="0">
                 <a:solidFill>
                   <a:schemeClr val="bg1"/>
                 </a:solidFill>
@@ -6029,7 +6008,7 @@
               <a:buChar char="Ø"/>
             </a:pPr>
             <a:r>
-              <a:rPr lang="en-US" altLang="ko-KR" sz="1200" dirty="0" err="1">
+              <a:rPr lang="en-US" altLang="ko-KR" sz="1400" dirty="0" err="1">
                 <a:solidFill>
                   <a:schemeClr val="bg1"/>
                 </a:solidFill>
@@ -6039,7 +6018,7 @@
               <a:t>Comparaison</a:t>
             </a:r>
             <a:r>
-              <a:rPr lang="en-US" altLang="ko-KR" sz="1200" dirty="0">
+              <a:rPr lang="en-US" altLang="ko-KR" sz="1400" dirty="0">
                 <a:solidFill>
                   <a:schemeClr val="bg1"/>
                 </a:solidFill>
@@ -6147,8 +6126,8 @@
         </p:nvSpPr>
         <p:spPr>
           <a:xfrm>
-            <a:off x="6798479" y="5231861"/>
-            <a:ext cx="3434383" cy="1015663"/>
+            <a:off x="6798479" y="5176106"/>
+            <a:ext cx="3434383" cy="1384995"/>
           </a:xfrm>
           <a:prstGeom prst="rect">
             <a:avLst/>
@@ -6166,7 +6145,7 @@
               <a:buChar char="Ø"/>
             </a:pPr>
             <a:r>
-              <a:rPr lang="en-US" altLang="ko-KR" sz="1200" dirty="0">
+              <a:rPr lang="en-US" altLang="ko-KR" sz="1400" dirty="0">
                 <a:solidFill>
                   <a:schemeClr val="bg1"/>
                 </a:solidFill>
@@ -6182,7 +6161,7 @@
               <a:buChar char="Ø"/>
             </a:pPr>
             <a:r>
-              <a:rPr lang="en-US" altLang="ko-KR" sz="1200" dirty="0">
+              <a:rPr lang="en-US" altLang="ko-KR" sz="1400" dirty="0">
                 <a:solidFill>
                   <a:schemeClr val="bg1"/>
                 </a:solidFill>
@@ -6198,7 +6177,7 @@
               <a:buChar char="Ø"/>
             </a:pPr>
             <a:r>
-              <a:rPr lang="en-US" altLang="ko-KR" sz="1200" dirty="0">
+              <a:rPr lang="en-US" altLang="ko-KR" sz="1400" dirty="0">
                 <a:solidFill>
                   <a:schemeClr val="bg1"/>
                 </a:solidFill>
@@ -6208,7 +6187,7 @@
               <a:t>Gestion de </a:t>
             </a:r>
             <a:r>
-              <a:rPr lang="en-US" altLang="ko-KR" sz="1200" dirty="0" err="1">
+              <a:rPr lang="en-US" altLang="ko-KR" sz="1400" dirty="0" err="1">
                 <a:solidFill>
                   <a:schemeClr val="bg1"/>
                 </a:solidFill>
@@ -6217,7 +6196,7 @@
               </a:rPr>
               <a:t>projet</a:t>
             </a:r>
-            <a:endParaRPr lang="en-US" altLang="ko-KR" sz="1200" dirty="0">
+            <a:endParaRPr lang="en-US" altLang="ko-KR" sz="1400" dirty="0">
               <a:solidFill>
                 <a:schemeClr val="bg1"/>
               </a:solidFill>
@@ -6231,7 +6210,7 @@
               <a:buChar char="Ø"/>
             </a:pPr>
             <a:r>
-              <a:rPr lang="en-US" altLang="ko-KR" sz="1200" dirty="0">
+              <a:rPr lang="en-US" altLang="ko-KR" sz="1400" dirty="0">
                 <a:solidFill>
                   <a:schemeClr val="bg1"/>
                 </a:solidFill>
@@ -6241,7 +6220,7 @@
               <a:t>Les teste </a:t>
             </a:r>
             <a:r>
-              <a:rPr lang="en-US" altLang="ko-KR" sz="1200" dirty="0" err="1">
+              <a:rPr lang="en-US" altLang="ko-KR" sz="1400" dirty="0" err="1">
                 <a:solidFill>
                   <a:schemeClr val="bg1"/>
                 </a:solidFill>
@@ -6251,7 +6230,7 @@
               <a:t>unitaire</a:t>
             </a:r>
             <a:r>
-              <a:rPr lang="en-US" altLang="ko-KR" sz="1200" dirty="0">
+              <a:rPr lang="en-US" altLang="ko-KR" sz="1400" dirty="0">
                 <a:solidFill>
                   <a:schemeClr val="bg1"/>
                 </a:solidFill>
@@ -6261,17 +6240,17 @@
               <a:t> et les testes </a:t>
             </a:r>
             <a:r>
-              <a:rPr lang="en-US" altLang="ko-KR" sz="1200" dirty="0" err="1">
+              <a:rPr lang="en-US" altLang="ko-KR" sz="1400" dirty="0" err="1">
                 <a:solidFill>
                   <a:schemeClr val="bg1"/>
                 </a:solidFill>
                 <a:latin typeface="Arial" panose="020B0604020202020204" pitchFamily="34" charset="0"/>
                 <a:cs typeface="Arial" panose="020B0604020202020204" pitchFamily="34" charset="0"/>
               </a:rPr>
-              <a:t>fonctionnelle</a:t>
+              <a:t>fonctionnel</a:t>
             </a:r>
             <a:r>
-              <a:rPr lang="en-US" altLang="ko-KR" sz="1200" dirty="0">
+              <a:rPr lang="en-US" altLang="ko-KR" sz="1400" dirty="0">
                 <a:solidFill>
                   <a:schemeClr val="bg1"/>
                 </a:solidFill>
@@ -6287,7 +6266,7 @@
               <a:buChar char="Ø"/>
             </a:pPr>
             <a:r>
-              <a:rPr lang="en-US" altLang="ko-KR" sz="1200" dirty="0" err="1">
+              <a:rPr lang="en-US" altLang="ko-KR" sz="1400" dirty="0" err="1">
                 <a:solidFill>
                   <a:schemeClr val="bg1"/>
                 </a:solidFill>
@@ -6297,7 +6276,7 @@
               <a:t>Difficultés</a:t>
             </a:r>
             <a:r>
-              <a:rPr lang="en-US" altLang="ko-KR" sz="1200" dirty="0">
+              <a:rPr lang="en-US" altLang="ko-KR" sz="1400" dirty="0">
                 <a:solidFill>
                   <a:schemeClr val="bg1"/>
                 </a:solidFill>
@@ -6307,7 +6286,7 @@
               <a:t> </a:t>
             </a:r>
             <a:r>
-              <a:rPr lang="en-US" altLang="ko-KR" sz="1200" dirty="0" err="1">
+              <a:rPr lang="en-US" altLang="ko-KR" sz="1400" dirty="0" err="1">
                 <a:solidFill>
                   <a:schemeClr val="bg1"/>
                 </a:solidFill>
@@ -6317,7 +6296,7 @@
               <a:t>rencontrés</a:t>
             </a:r>
             <a:r>
-              <a:rPr lang="en-US" altLang="ko-KR" sz="1200" dirty="0">
+              <a:rPr lang="en-US" altLang="ko-KR" sz="1400" dirty="0">
                 <a:solidFill>
                   <a:schemeClr val="bg1"/>
                 </a:solidFill>
@@ -35747,7 +35726,7 @@
         </p:blipFill>
         <p:spPr bwMode="auto">
           <a:xfrm>
-            <a:off x="4507454" y="107576"/>
+            <a:off x="2710927" y="100672"/>
             <a:ext cx="6691256" cy="6656656"/>
           </a:xfrm>
           <a:prstGeom prst="rect">
@@ -35940,7 +35919,7 @@
         </p:blipFill>
         <p:spPr bwMode="auto">
           <a:xfrm>
-            <a:off x="3851238" y="148288"/>
+            <a:off x="2712720" y="148288"/>
             <a:ext cx="6766560" cy="6561424"/>
           </a:xfrm>
           <a:prstGeom prst="rect">

--- a/DIAPO/Présentation.pptx
+++ b/DIAPO/Présentation.pptx
@@ -5,7 +5,7 @@
     <p:sldMasterId id="2147483648" r:id="rId1"/>
   </p:sldMasterIdLst>
   <p:notesMasterIdLst>
-    <p:notesMasterId r:id="rId9"/>
+    <p:notesMasterId r:id="rId11"/>
   </p:notesMasterIdLst>
   <p:sldIdLst>
     <p:sldId id="318" r:id="rId2"/>
@@ -15,6 +15,8 @@
     <p:sldId id="271" r:id="rId6"/>
     <p:sldId id="320" r:id="rId7"/>
     <p:sldId id="321" r:id="rId8"/>
+    <p:sldId id="322" r:id="rId9"/>
+    <p:sldId id="323" r:id="rId10"/>
   </p:sldIdLst>
   <p:sldSz cx="12192000" cy="6858000"/>
   <p:notesSz cx="6858000" cy="9144000"/>
@@ -887,6 +889,174 @@
     <p:extLst>
       <p:ext uri="{BB962C8B-B14F-4D97-AF65-F5344CB8AC3E}">
         <p14:creationId xmlns:p14="http://schemas.microsoft.com/office/powerpoint/2010/main" val="1084965512"/>
+      </p:ext>
+    </p:extLst>
+  </p:cSld>
+  <p:clrMapOvr>
+    <a:masterClrMapping/>
+  </p:clrMapOvr>
+</p:notes>
+</file>
+
+<file path=ppt/notesSlides/notesSlide6.xml><?xml version="1.0" encoding="utf-8"?>
+<p:notes xmlns:a="http://schemas.openxmlformats.org/drawingml/2006/main" xmlns:r="http://schemas.openxmlformats.org/officeDocument/2006/relationships" xmlns:p="http://schemas.openxmlformats.org/presentationml/2006/main">
+  <p:cSld>
+    <p:spTree>
+      <p:nvGrpSpPr>
+        <p:cNvPr id="1" name=""/>
+        <p:cNvGrpSpPr/>
+        <p:nvPr/>
+      </p:nvGrpSpPr>
+      <p:grpSpPr>
+        <a:xfrm>
+          <a:off x="0" y="0"/>
+          <a:ext cx="0" cy="0"/>
+          <a:chOff x="0" y="0"/>
+          <a:chExt cx="0" cy="0"/>
+        </a:xfrm>
+      </p:grpSpPr>
+      <p:sp>
+        <p:nvSpPr>
+          <p:cNvPr id="2" name="Espace réservé de l'image des diapositives 1"/>
+          <p:cNvSpPr>
+            <a:spLocks noGrp="1" noRot="1" noChangeAspect="1"/>
+          </p:cNvSpPr>
+          <p:nvPr>
+            <p:ph type="sldImg"/>
+          </p:nvPr>
+        </p:nvSpPr>
+        <p:spPr/>
+      </p:sp>
+      <p:sp>
+        <p:nvSpPr>
+          <p:cNvPr id="3" name="Espace réservé des notes 2"/>
+          <p:cNvSpPr>
+            <a:spLocks noGrp="1"/>
+          </p:cNvSpPr>
+          <p:nvPr>
+            <p:ph type="body" idx="1"/>
+          </p:nvPr>
+        </p:nvSpPr>
+        <p:spPr/>
+        <p:txBody>
+          <a:bodyPr/>
+          <a:lstStyle/>
+          <a:p>
+            <a:endParaRPr lang="fr-FR" dirty="0"/>
+          </a:p>
+        </p:txBody>
+      </p:sp>
+      <p:sp>
+        <p:nvSpPr>
+          <p:cNvPr id="4" name="Espace réservé du numéro de diapositive 3"/>
+          <p:cNvSpPr>
+            <a:spLocks noGrp="1"/>
+          </p:cNvSpPr>
+          <p:nvPr>
+            <p:ph type="sldNum" sz="quarter" idx="5"/>
+          </p:nvPr>
+        </p:nvSpPr>
+        <p:spPr/>
+        <p:txBody>
+          <a:bodyPr/>
+          <a:lstStyle/>
+          <a:p>
+            <a:fld id="{E9C28C48-7862-44F9-B779-9D6C7FC5B6E9}" type="slidenum">
+              <a:rPr lang="fr-FR" smtClean="0"/>
+              <a:t>8</a:t>
+            </a:fld>
+            <a:endParaRPr lang="fr-FR"/>
+          </a:p>
+        </p:txBody>
+      </p:sp>
+    </p:spTree>
+    <p:extLst>
+      <p:ext uri="{BB962C8B-B14F-4D97-AF65-F5344CB8AC3E}">
+        <p14:creationId xmlns:p14="http://schemas.microsoft.com/office/powerpoint/2010/main" val="4106854881"/>
+      </p:ext>
+    </p:extLst>
+  </p:cSld>
+  <p:clrMapOvr>
+    <a:masterClrMapping/>
+  </p:clrMapOvr>
+</p:notes>
+</file>
+
+<file path=ppt/notesSlides/notesSlide7.xml><?xml version="1.0" encoding="utf-8"?>
+<p:notes xmlns:a="http://schemas.openxmlformats.org/drawingml/2006/main" xmlns:r="http://schemas.openxmlformats.org/officeDocument/2006/relationships" xmlns:p="http://schemas.openxmlformats.org/presentationml/2006/main">
+  <p:cSld>
+    <p:spTree>
+      <p:nvGrpSpPr>
+        <p:cNvPr id="1" name=""/>
+        <p:cNvGrpSpPr/>
+        <p:nvPr/>
+      </p:nvGrpSpPr>
+      <p:grpSpPr>
+        <a:xfrm>
+          <a:off x="0" y="0"/>
+          <a:ext cx="0" cy="0"/>
+          <a:chOff x="0" y="0"/>
+          <a:chExt cx="0" cy="0"/>
+        </a:xfrm>
+      </p:grpSpPr>
+      <p:sp>
+        <p:nvSpPr>
+          <p:cNvPr id="2" name="Espace réservé de l'image des diapositives 1"/>
+          <p:cNvSpPr>
+            <a:spLocks noGrp="1" noRot="1" noChangeAspect="1"/>
+          </p:cNvSpPr>
+          <p:nvPr>
+            <p:ph type="sldImg"/>
+          </p:nvPr>
+        </p:nvSpPr>
+        <p:spPr/>
+      </p:sp>
+      <p:sp>
+        <p:nvSpPr>
+          <p:cNvPr id="3" name="Espace réservé des notes 2"/>
+          <p:cNvSpPr>
+            <a:spLocks noGrp="1"/>
+          </p:cNvSpPr>
+          <p:nvPr>
+            <p:ph type="body" idx="1"/>
+          </p:nvPr>
+        </p:nvSpPr>
+        <p:spPr/>
+        <p:txBody>
+          <a:bodyPr/>
+          <a:lstStyle/>
+          <a:p>
+            <a:endParaRPr lang="fr-FR" dirty="0"/>
+          </a:p>
+        </p:txBody>
+      </p:sp>
+      <p:sp>
+        <p:nvSpPr>
+          <p:cNvPr id="4" name="Espace réservé du numéro de diapositive 3"/>
+          <p:cNvSpPr>
+            <a:spLocks noGrp="1"/>
+          </p:cNvSpPr>
+          <p:nvPr>
+            <p:ph type="sldNum" sz="quarter" idx="5"/>
+          </p:nvPr>
+        </p:nvSpPr>
+        <p:spPr/>
+        <p:txBody>
+          <a:bodyPr/>
+          <a:lstStyle/>
+          <a:p>
+            <a:fld id="{E9C28C48-7862-44F9-B779-9D6C7FC5B6E9}" type="slidenum">
+              <a:rPr lang="fr-FR" smtClean="0"/>
+              <a:t>9</a:t>
+            </a:fld>
+            <a:endParaRPr lang="fr-FR"/>
+          </a:p>
+        </p:txBody>
+      </p:sp>
+    </p:spTree>
+    <p:extLst>
+      <p:ext uri="{BB962C8B-B14F-4D97-AF65-F5344CB8AC3E}">
+        <p14:creationId xmlns:p14="http://schemas.microsoft.com/office/powerpoint/2010/main" val="3209641506"/>
       </p:ext>
     </p:extLst>
   </p:cSld>
@@ -7253,7 +7423,7 @@
         </p:nvSpPr>
         <p:spPr>
           <a:xfrm>
-            <a:off x="4488699" y="2177824"/>
+            <a:off x="4488699" y="2120674"/>
             <a:ext cx="3297699" cy="1569660"/>
           </a:xfrm>
           <a:prstGeom prst="rect">
@@ -7681,7 +7851,7 @@
         </p:nvSpPr>
         <p:spPr>
           <a:xfrm>
-            <a:off x="-71626" y="115549"/>
+            <a:off x="-14476" y="1249"/>
             <a:ext cx="12208336" cy="3732018"/>
           </a:xfrm>
           <a:prstGeom prst="rect">
@@ -35794,7 +35964,39 @@
                   <a:schemeClr val="tx1"/>
                 </a:solidFill>
               </a:rPr>
-              <a:t>Le domaine Collecte </a:t>
+              <a:t>Le </a:t>
+            </a:r>
+            <a:r>
+              <a:rPr lang="en-US" b="1" dirty="0" err="1">
+                <a:solidFill>
+                  <a:schemeClr val="tx1"/>
+                </a:solidFill>
+              </a:rPr>
+              <a:t>domaine</a:t>
+            </a:r>
+            <a:r>
+              <a:rPr lang="en-US" b="1" dirty="0">
+                <a:solidFill>
+                  <a:schemeClr val="tx1"/>
+                </a:solidFill>
+              </a:rPr>
+              <a:t> </a:t>
+            </a:r>
+            <a:r>
+              <a:rPr lang="en-US" b="1" dirty="0" err="1">
+                <a:solidFill>
+                  <a:schemeClr val="tx1"/>
+                </a:solidFill>
+              </a:rPr>
+              <a:t>collecte</a:t>
+            </a:r>
+            <a:r>
+              <a:rPr lang="en-US" b="1" dirty="0">
+                <a:solidFill>
+                  <a:schemeClr val="tx1"/>
+                </a:solidFill>
+              </a:rPr>
+              <a:t> </a:t>
             </a:r>
           </a:p>
         </p:txBody>
@@ -35935,6 +36137,1261 @@
     <p:extLst>
       <p:ext uri="{BB962C8B-B14F-4D97-AF65-F5344CB8AC3E}">
         <p14:creationId xmlns:p14="http://schemas.microsoft.com/office/powerpoint/2010/main" val="3270981971"/>
+      </p:ext>
+    </p:extLst>
+  </p:cSld>
+  <p:clrMapOvr>
+    <a:masterClrMapping/>
+  </p:clrMapOvr>
+</p:sld>
+</file>
+
+<file path=ppt/slides/slide8.xml><?xml version="1.0" encoding="utf-8"?>
+<p:sld xmlns:a="http://schemas.openxmlformats.org/drawingml/2006/main" xmlns:r="http://schemas.openxmlformats.org/officeDocument/2006/relationships" xmlns:p="http://schemas.openxmlformats.org/presentationml/2006/main">
+  <p:cSld>
+    <p:spTree>
+      <p:nvGrpSpPr>
+        <p:cNvPr id="1" name=""/>
+        <p:cNvGrpSpPr/>
+        <p:nvPr/>
+      </p:nvGrpSpPr>
+      <p:grpSpPr>
+        <a:xfrm>
+          <a:off x="0" y="0"/>
+          <a:ext cx="0" cy="0"/>
+          <a:chOff x="0" y="0"/>
+          <a:chExt cx="0" cy="0"/>
+        </a:xfrm>
+      </p:grpSpPr>
+      <p:sp>
+        <p:nvSpPr>
+          <p:cNvPr id="2" name="Ellipse 1">
+            <a:extLst>
+              <a:ext uri="{FF2B5EF4-FFF2-40B4-BE49-F238E27FC236}">
+                <a16:creationId xmlns:a16="http://schemas.microsoft.com/office/drawing/2014/main" id="{BF04672A-1DB4-45C6-AE7F-DA1949022E56}"/>
+              </a:ext>
+            </a:extLst>
+          </p:cNvPr>
+          <p:cNvSpPr/>
+          <p:nvPr/>
+        </p:nvSpPr>
+        <p:spPr>
+          <a:xfrm>
+            <a:off x="4345658" y="1257243"/>
+            <a:ext cx="3475672" cy="3284904"/>
+          </a:xfrm>
+          <a:prstGeom prst="ellipse">
+            <a:avLst/>
+          </a:prstGeom>
+          <a:solidFill>
+            <a:schemeClr val="bg1"/>
+          </a:solidFill>
+          <a:ln>
+            <a:solidFill>
+              <a:schemeClr val="bg2">
+                <a:lumMod val="50000"/>
+              </a:schemeClr>
+            </a:solidFill>
+          </a:ln>
+        </p:spPr>
+        <p:style>
+          <a:lnRef idx="2">
+            <a:schemeClr val="accent1">
+              <a:shade val="50000"/>
+            </a:schemeClr>
+          </a:lnRef>
+          <a:fillRef idx="1">
+            <a:schemeClr val="accent1"/>
+          </a:fillRef>
+          <a:effectRef idx="0">
+            <a:schemeClr val="accent1"/>
+          </a:effectRef>
+          <a:fontRef idx="minor">
+            <a:schemeClr val="lt1"/>
+          </a:fontRef>
+        </p:style>
+        <p:txBody>
+          <a:bodyPr rtlCol="0" anchor="ctr"/>
+          <a:lstStyle/>
+          <a:p>
+            <a:pPr algn="ctr"/>
+            <a:endParaRPr lang="fr-FR"/>
+          </a:p>
+        </p:txBody>
+      </p:sp>
+      <p:sp>
+        <p:nvSpPr>
+          <p:cNvPr id="4" name="Rectangle 3">
+            <a:extLst>
+              <a:ext uri="{FF2B5EF4-FFF2-40B4-BE49-F238E27FC236}">
+                <a16:creationId xmlns:a16="http://schemas.microsoft.com/office/drawing/2014/main" id="{C31FC812-CBFC-48C2-98F6-28F660722425}"/>
+              </a:ext>
+            </a:extLst>
+          </p:cNvPr>
+          <p:cNvSpPr/>
+          <p:nvPr/>
+        </p:nvSpPr>
+        <p:spPr>
+          <a:xfrm>
+            <a:off x="0" y="0"/>
+            <a:ext cx="2710927" cy="839096"/>
+          </a:xfrm>
+          <a:prstGeom prst="rect">
+            <a:avLst/>
+          </a:prstGeom>
+          <a:solidFill>
+            <a:schemeClr val="accent1">
+              <a:alpha val="40000"/>
+            </a:schemeClr>
+          </a:solidFill>
+          <a:ln>
+            <a:noFill/>
+          </a:ln>
+        </p:spPr>
+        <p:style>
+          <a:lnRef idx="2">
+            <a:schemeClr val="accent1">
+              <a:shade val="50000"/>
+            </a:schemeClr>
+          </a:lnRef>
+          <a:fillRef idx="1">
+            <a:schemeClr val="accent1"/>
+          </a:fillRef>
+          <a:effectRef idx="0">
+            <a:schemeClr val="accent1"/>
+          </a:effectRef>
+          <a:fontRef idx="minor">
+            <a:schemeClr val="lt1"/>
+          </a:fontRef>
+        </p:style>
+        <p:txBody>
+          <a:bodyPr rtlCol="0" anchor="ctr"/>
+          <a:lstStyle/>
+          <a:p>
+            <a:pPr algn="ctr"/>
+            <a:r>
+              <a:rPr lang="en-US" b="1" dirty="0">
+                <a:solidFill>
+                  <a:schemeClr val="tx1"/>
+                </a:solidFill>
+              </a:rPr>
+              <a:t>Architecture monolithique </a:t>
+            </a:r>
+          </a:p>
+        </p:txBody>
+      </p:sp>
+      <p:cxnSp>
+        <p:nvCxnSpPr>
+          <p:cNvPr id="10" name="Connecteur droit 9">
+            <a:extLst>
+              <a:ext uri="{FF2B5EF4-FFF2-40B4-BE49-F238E27FC236}">
+                <a16:creationId xmlns:a16="http://schemas.microsoft.com/office/drawing/2014/main" id="{2F5459D9-D6FB-4FF1-9D43-FAED1400D93E}"/>
+              </a:ext>
+            </a:extLst>
+          </p:cNvPr>
+          <p:cNvCxnSpPr>
+            <a:cxnSpLocks/>
+            <a:endCxn id="2" idx="4"/>
+          </p:cNvCxnSpPr>
+          <p:nvPr/>
+        </p:nvCxnSpPr>
+        <p:spPr>
+          <a:xfrm flipV="1">
+            <a:off x="6083494" y="4542147"/>
+            <a:ext cx="0" cy="361325"/>
+          </a:xfrm>
+          <a:prstGeom prst="line">
+            <a:avLst/>
+          </a:prstGeom>
+        </p:spPr>
+        <p:style>
+          <a:lnRef idx="1">
+            <a:schemeClr val="accent1"/>
+          </a:lnRef>
+          <a:fillRef idx="0">
+            <a:schemeClr val="accent1"/>
+          </a:fillRef>
+          <a:effectRef idx="0">
+            <a:schemeClr val="accent1"/>
+          </a:effectRef>
+          <a:fontRef idx="minor">
+            <a:schemeClr val="tx1"/>
+          </a:fontRef>
+        </p:style>
+      </p:cxnSp>
+      <p:pic>
+        <p:nvPicPr>
+          <p:cNvPr id="14" name="Image 13" descr="Une image contenant chope&#10;&#10;Description générée automatiquement">
+            <a:extLst>
+              <a:ext uri="{FF2B5EF4-FFF2-40B4-BE49-F238E27FC236}">
+                <a16:creationId xmlns:a16="http://schemas.microsoft.com/office/drawing/2014/main" id="{C7D8D6BE-D4E4-4EF5-8B59-FF43D84AE7DA}"/>
+              </a:ext>
+            </a:extLst>
+          </p:cNvPr>
+          <p:cNvPicPr>
+            <a:picLocks noChangeAspect="1"/>
+          </p:cNvPicPr>
+          <p:nvPr/>
+        </p:nvPicPr>
+        <p:blipFill>
+          <a:blip r:embed="rId3">
+            <a:extLst>
+              <a:ext uri="{28A0092B-C50C-407E-A947-70E740481C1C}">
+                <a14:useLocalDpi xmlns:a14="http://schemas.microsoft.com/office/drawing/2010/main" val="0"/>
+              </a:ext>
+            </a:extLst>
+          </a:blip>
+          <a:stretch>
+            <a:fillRect/>
+          </a:stretch>
+        </p:blipFill>
+        <p:spPr>
+          <a:xfrm>
+            <a:off x="5602799" y="4804231"/>
+            <a:ext cx="961390" cy="961390"/>
+          </a:xfrm>
+          <a:prstGeom prst="rect">
+            <a:avLst/>
+          </a:prstGeom>
+        </p:spPr>
+      </p:pic>
+      <p:sp>
+        <p:nvSpPr>
+          <p:cNvPr id="5" name="Oval 4">
+            <a:extLst>
+              <a:ext uri="{FF2B5EF4-FFF2-40B4-BE49-F238E27FC236}">
+                <a16:creationId xmlns:a16="http://schemas.microsoft.com/office/drawing/2014/main" id="{61AEC088-6C95-4807-BF9D-8E312C201394}"/>
+              </a:ext>
+            </a:extLst>
+          </p:cNvPr>
+          <p:cNvSpPr/>
+          <p:nvPr/>
+        </p:nvSpPr>
+        <p:spPr>
+          <a:xfrm>
+            <a:off x="5331338" y="1330860"/>
+            <a:ext cx="1591074" cy="1652370"/>
+          </a:xfrm>
+          <a:prstGeom prst="ellipse">
+            <a:avLst/>
+          </a:prstGeom>
+          <a:solidFill>
+            <a:schemeClr val="accent1">
+              <a:lumMod val="40000"/>
+              <a:lumOff val="60000"/>
+            </a:schemeClr>
+          </a:solidFill>
+          <a:ln>
+            <a:noFill/>
+          </a:ln>
+        </p:spPr>
+        <p:style>
+          <a:lnRef idx="2">
+            <a:schemeClr val="accent1">
+              <a:shade val="50000"/>
+            </a:schemeClr>
+          </a:lnRef>
+          <a:fillRef idx="1">
+            <a:schemeClr val="accent1"/>
+          </a:fillRef>
+          <a:effectRef idx="0">
+            <a:schemeClr val="accent1"/>
+          </a:effectRef>
+          <a:fontRef idx="minor">
+            <a:schemeClr val="lt1"/>
+          </a:fontRef>
+        </p:style>
+        <p:txBody>
+          <a:bodyPr rtlCol="0" anchor="ctr"/>
+          <a:lstStyle/>
+          <a:p>
+            <a:pPr algn="ctr"/>
+            <a:r>
+              <a:rPr lang="en-US" sz="1400" dirty="0">
+                <a:latin typeface="Arial" panose="020B0604020202020204" pitchFamily="34" charset="0"/>
+                <a:cs typeface="Arial" panose="020B0604020202020204" pitchFamily="34" charset="0"/>
+              </a:rPr>
+              <a:t>Interface Utilisateur</a:t>
+            </a:r>
+          </a:p>
+        </p:txBody>
+      </p:sp>
+      <p:sp>
+        <p:nvSpPr>
+          <p:cNvPr id="8" name="Oval 4">
+            <a:extLst>
+              <a:ext uri="{FF2B5EF4-FFF2-40B4-BE49-F238E27FC236}">
+                <a16:creationId xmlns:a16="http://schemas.microsoft.com/office/drawing/2014/main" id="{C226562C-1483-4D0D-ABD0-A75EC6B738CB}"/>
+              </a:ext>
+            </a:extLst>
+          </p:cNvPr>
+          <p:cNvSpPr/>
+          <p:nvPr/>
+        </p:nvSpPr>
+        <p:spPr>
+          <a:xfrm>
+            <a:off x="5893803" y="2473441"/>
+            <a:ext cx="1699089" cy="1638766"/>
+          </a:xfrm>
+          <a:prstGeom prst="ellipse">
+            <a:avLst/>
+          </a:prstGeom>
+          <a:solidFill>
+            <a:srgbClr val="F2552A"/>
+          </a:solidFill>
+          <a:ln>
+            <a:noFill/>
+          </a:ln>
+        </p:spPr>
+        <p:style>
+          <a:lnRef idx="2">
+            <a:schemeClr val="accent1">
+              <a:shade val="50000"/>
+            </a:schemeClr>
+          </a:lnRef>
+          <a:fillRef idx="1">
+            <a:schemeClr val="accent1"/>
+          </a:fillRef>
+          <a:effectRef idx="0">
+            <a:schemeClr val="accent1"/>
+          </a:effectRef>
+          <a:fontRef idx="minor">
+            <a:schemeClr val="lt1"/>
+          </a:fontRef>
+        </p:style>
+        <p:txBody>
+          <a:bodyPr rtlCol="0" anchor="ctr"/>
+          <a:lstStyle/>
+          <a:p>
+            <a:pPr algn="ctr"/>
+            <a:r>
+              <a:rPr lang="en-US" sz="1400" dirty="0" err="1">
+                <a:latin typeface="Arial" panose="020B0604020202020204" pitchFamily="34" charset="0"/>
+                <a:cs typeface="Arial" panose="020B0604020202020204" pitchFamily="34" charset="0"/>
+              </a:rPr>
+              <a:t>Accès</a:t>
+            </a:r>
+            <a:r>
+              <a:rPr lang="en-US" sz="1400" dirty="0">
+                <a:latin typeface="Arial" panose="020B0604020202020204" pitchFamily="34" charset="0"/>
+                <a:cs typeface="Arial" panose="020B0604020202020204" pitchFamily="34" charset="0"/>
+              </a:rPr>
+              <a:t> au </a:t>
+            </a:r>
+            <a:r>
+              <a:rPr lang="en-US" sz="1400" dirty="0" err="1">
+                <a:latin typeface="Arial" panose="020B0604020202020204" pitchFamily="34" charset="0"/>
+                <a:cs typeface="Arial" panose="020B0604020202020204" pitchFamily="34" charset="0"/>
+              </a:rPr>
+              <a:t>données</a:t>
+            </a:r>
+            <a:r>
+              <a:rPr lang="en-US" sz="1400" dirty="0">
+                <a:latin typeface="Arial" panose="020B0604020202020204" pitchFamily="34" charset="0"/>
+                <a:cs typeface="Arial" panose="020B0604020202020204" pitchFamily="34" charset="0"/>
+              </a:rPr>
+              <a:t> </a:t>
+            </a:r>
+          </a:p>
+        </p:txBody>
+      </p:sp>
+      <p:sp>
+        <p:nvSpPr>
+          <p:cNvPr id="7" name="Oval 4">
+            <a:extLst>
+              <a:ext uri="{FF2B5EF4-FFF2-40B4-BE49-F238E27FC236}">
+                <a16:creationId xmlns:a16="http://schemas.microsoft.com/office/drawing/2014/main" id="{18663B83-BEB9-49A1-9B9F-7A4616B32CE9}"/>
+              </a:ext>
+            </a:extLst>
+          </p:cNvPr>
+          <p:cNvSpPr/>
+          <p:nvPr/>
+        </p:nvSpPr>
+        <p:spPr>
+          <a:xfrm>
+            <a:off x="4548162" y="2477602"/>
+            <a:ext cx="1699089" cy="1651575"/>
+          </a:xfrm>
+          <a:prstGeom prst="ellipse">
+            <a:avLst/>
+          </a:prstGeom>
+          <a:solidFill>
+            <a:schemeClr val="accent1">
+              <a:lumMod val="75000"/>
+            </a:schemeClr>
+          </a:solidFill>
+          <a:ln>
+            <a:noFill/>
+          </a:ln>
+        </p:spPr>
+        <p:style>
+          <a:lnRef idx="2">
+            <a:schemeClr val="accent1">
+              <a:shade val="50000"/>
+            </a:schemeClr>
+          </a:lnRef>
+          <a:fillRef idx="1">
+            <a:schemeClr val="accent1"/>
+          </a:fillRef>
+          <a:effectRef idx="0">
+            <a:schemeClr val="accent1"/>
+          </a:effectRef>
+          <a:fontRef idx="minor">
+            <a:schemeClr val="lt1"/>
+          </a:fontRef>
+        </p:style>
+        <p:txBody>
+          <a:bodyPr rtlCol="0" anchor="ctr"/>
+          <a:lstStyle/>
+          <a:p>
+            <a:pPr algn="ctr"/>
+            <a:r>
+              <a:rPr lang="en-US" sz="1400" dirty="0">
+                <a:latin typeface="Arial" panose="020B0604020202020204" pitchFamily="34" charset="0"/>
+                <a:cs typeface="Arial" panose="020B0604020202020204" pitchFamily="34" charset="0"/>
+              </a:rPr>
+              <a:t>Logique métier</a:t>
+            </a:r>
+          </a:p>
+        </p:txBody>
+      </p:sp>
+      <p:grpSp>
+        <p:nvGrpSpPr>
+          <p:cNvPr id="17" name="Group 14">
+            <a:extLst>
+              <a:ext uri="{FF2B5EF4-FFF2-40B4-BE49-F238E27FC236}">
+                <a16:creationId xmlns:a16="http://schemas.microsoft.com/office/drawing/2014/main" id="{DFBC9494-E831-4F6F-815E-E161A14182F7}"/>
+              </a:ext>
+            </a:extLst>
+          </p:cNvPr>
+          <p:cNvGrpSpPr/>
+          <p:nvPr/>
+        </p:nvGrpSpPr>
+        <p:grpSpPr>
+          <a:xfrm rot="3868698" flipH="1">
+            <a:off x="7375380" y="1189078"/>
+            <a:ext cx="120077" cy="443661"/>
+            <a:chOff x="1408027" y="3329887"/>
+            <a:chExt cx="155342" cy="573958"/>
+          </a:xfrm>
+          <a:solidFill>
+            <a:schemeClr val="accent1">
+              <a:lumMod val="75000"/>
+            </a:schemeClr>
+          </a:solidFill>
+        </p:grpSpPr>
+        <p:sp>
+          <p:nvSpPr>
+            <p:cNvPr id="18" name="Oval 15">
+              <a:extLst>
+                <a:ext uri="{FF2B5EF4-FFF2-40B4-BE49-F238E27FC236}">
+                  <a16:creationId xmlns:a16="http://schemas.microsoft.com/office/drawing/2014/main" id="{06C0D540-3F62-4FD1-8034-400008FA1780}"/>
+                </a:ext>
+              </a:extLst>
+            </p:cNvPr>
+            <p:cNvSpPr/>
+            <p:nvPr/>
+          </p:nvSpPr>
+          <p:spPr>
+            <a:xfrm>
+              <a:off x="1408027" y="3748503"/>
+              <a:ext cx="155342" cy="155342"/>
+            </a:xfrm>
+            <a:prstGeom prst="ellipse">
+              <a:avLst/>
+            </a:prstGeom>
+            <a:grpFill/>
+            <a:ln>
+              <a:noFill/>
+            </a:ln>
+          </p:spPr>
+          <p:style>
+            <a:lnRef idx="2">
+              <a:schemeClr val="accent1">
+                <a:shade val="50000"/>
+              </a:schemeClr>
+            </a:lnRef>
+            <a:fillRef idx="1">
+              <a:schemeClr val="accent1"/>
+            </a:fillRef>
+            <a:effectRef idx="0">
+              <a:schemeClr val="accent1"/>
+            </a:effectRef>
+            <a:fontRef idx="minor">
+              <a:schemeClr val="lt1"/>
+            </a:fontRef>
+          </p:style>
+          <p:txBody>
+            <a:bodyPr rtlCol="0" anchor="ctr"/>
+            <a:lstStyle/>
+            <a:p>
+              <a:pPr algn="ctr"/>
+              <a:endParaRPr lang="ko-KR" altLang="en-US" sz="2700">
+                <a:solidFill>
+                  <a:schemeClr val="tx1">
+                    <a:lumMod val="75000"/>
+                    <a:lumOff val="25000"/>
+                  </a:schemeClr>
+                </a:solidFill>
+              </a:endParaRPr>
+            </a:p>
+          </p:txBody>
+        </p:sp>
+        <p:sp>
+          <p:nvSpPr>
+            <p:cNvPr id="19" name="Oval 16">
+              <a:extLst>
+                <a:ext uri="{FF2B5EF4-FFF2-40B4-BE49-F238E27FC236}">
+                  <a16:creationId xmlns:a16="http://schemas.microsoft.com/office/drawing/2014/main" id="{0DE7FB96-1A4D-422E-B151-C9F673DD3D05}"/>
+                </a:ext>
+              </a:extLst>
+            </p:cNvPr>
+            <p:cNvSpPr/>
+            <p:nvPr/>
+          </p:nvSpPr>
+          <p:spPr>
+            <a:xfrm>
+              <a:off x="1408027" y="3539195"/>
+              <a:ext cx="155342" cy="155342"/>
+            </a:xfrm>
+            <a:prstGeom prst="ellipse">
+              <a:avLst/>
+            </a:prstGeom>
+            <a:grpFill/>
+            <a:ln>
+              <a:noFill/>
+            </a:ln>
+          </p:spPr>
+          <p:style>
+            <a:lnRef idx="2">
+              <a:schemeClr val="accent1">
+                <a:shade val="50000"/>
+              </a:schemeClr>
+            </a:lnRef>
+            <a:fillRef idx="1">
+              <a:schemeClr val="accent1"/>
+            </a:fillRef>
+            <a:effectRef idx="0">
+              <a:schemeClr val="accent1"/>
+            </a:effectRef>
+            <a:fontRef idx="minor">
+              <a:schemeClr val="lt1"/>
+            </a:fontRef>
+          </p:style>
+          <p:txBody>
+            <a:bodyPr rtlCol="0" anchor="ctr"/>
+            <a:lstStyle/>
+            <a:p>
+              <a:pPr algn="ctr"/>
+              <a:endParaRPr lang="ko-KR" altLang="en-US" sz="2700">
+                <a:solidFill>
+                  <a:schemeClr val="tx1">
+                    <a:lumMod val="75000"/>
+                    <a:lumOff val="25000"/>
+                  </a:schemeClr>
+                </a:solidFill>
+              </a:endParaRPr>
+            </a:p>
+          </p:txBody>
+        </p:sp>
+        <p:sp>
+          <p:nvSpPr>
+            <p:cNvPr id="20" name="Oval 17">
+              <a:extLst>
+                <a:ext uri="{FF2B5EF4-FFF2-40B4-BE49-F238E27FC236}">
+                  <a16:creationId xmlns:a16="http://schemas.microsoft.com/office/drawing/2014/main" id="{D82D25ED-42CB-4D93-98C8-75E73B64DCAD}"/>
+                </a:ext>
+              </a:extLst>
+            </p:cNvPr>
+            <p:cNvSpPr/>
+            <p:nvPr/>
+          </p:nvSpPr>
+          <p:spPr>
+            <a:xfrm>
+              <a:off x="1408027" y="3329887"/>
+              <a:ext cx="155342" cy="155342"/>
+            </a:xfrm>
+            <a:prstGeom prst="ellipse">
+              <a:avLst/>
+            </a:prstGeom>
+            <a:grpFill/>
+            <a:ln>
+              <a:noFill/>
+            </a:ln>
+          </p:spPr>
+          <p:style>
+            <a:lnRef idx="2">
+              <a:schemeClr val="accent1">
+                <a:shade val="50000"/>
+              </a:schemeClr>
+            </a:lnRef>
+            <a:fillRef idx="1">
+              <a:schemeClr val="accent1"/>
+            </a:fillRef>
+            <a:effectRef idx="0">
+              <a:schemeClr val="accent1"/>
+            </a:effectRef>
+            <a:fontRef idx="minor">
+              <a:schemeClr val="lt1"/>
+            </a:fontRef>
+          </p:style>
+          <p:txBody>
+            <a:bodyPr rtlCol="0" anchor="ctr"/>
+            <a:lstStyle/>
+            <a:p>
+              <a:pPr algn="ctr"/>
+              <a:endParaRPr lang="ko-KR" altLang="en-US" sz="2700">
+                <a:solidFill>
+                  <a:schemeClr val="tx1">
+                    <a:lumMod val="75000"/>
+                    <a:lumOff val="25000"/>
+                  </a:schemeClr>
+                </a:solidFill>
+              </a:endParaRPr>
+            </a:p>
+          </p:txBody>
+        </p:sp>
+      </p:grpSp>
+      <p:grpSp>
+        <p:nvGrpSpPr>
+          <p:cNvPr id="21" name="Group 14">
+            <a:extLst>
+              <a:ext uri="{FF2B5EF4-FFF2-40B4-BE49-F238E27FC236}">
+                <a16:creationId xmlns:a16="http://schemas.microsoft.com/office/drawing/2014/main" id="{D80FBFE6-06CF-43EC-BE5F-AB378A5F1D9B}"/>
+              </a:ext>
+            </a:extLst>
+          </p:cNvPr>
+          <p:cNvGrpSpPr/>
+          <p:nvPr/>
+        </p:nvGrpSpPr>
+        <p:grpSpPr>
+          <a:xfrm rot="11796230" flipH="1">
+            <a:off x="4835352" y="4244123"/>
+            <a:ext cx="120077" cy="443661"/>
+            <a:chOff x="1408027" y="3329887"/>
+            <a:chExt cx="155342" cy="573958"/>
+          </a:xfrm>
+          <a:solidFill>
+            <a:schemeClr val="accent1">
+              <a:lumMod val="75000"/>
+            </a:schemeClr>
+          </a:solidFill>
+        </p:grpSpPr>
+        <p:sp>
+          <p:nvSpPr>
+            <p:cNvPr id="22" name="Oval 15">
+              <a:extLst>
+                <a:ext uri="{FF2B5EF4-FFF2-40B4-BE49-F238E27FC236}">
+                  <a16:creationId xmlns:a16="http://schemas.microsoft.com/office/drawing/2014/main" id="{93E0FD37-87A0-4AE9-AAE8-72A2FB6E6A0F}"/>
+                </a:ext>
+              </a:extLst>
+            </p:cNvPr>
+            <p:cNvSpPr/>
+            <p:nvPr/>
+          </p:nvSpPr>
+          <p:spPr>
+            <a:xfrm>
+              <a:off x="1408027" y="3748503"/>
+              <a:ext cx="155342" cy="155342"/>
+            </a:xfrm>
+            <a:prstGeom prst="ellipse">
+              <a:avLst/>
+            </a:prstGeom>
+            <a:grpFill/>
+            <a:ln>
+              <a:noFill/>
+            </a:ln>
+          </p:spPr>
+          <p:style>
+            <a:lnRef idx="2">
+              <a:schemeClr val="accent1">
+                <a:shade val="50000"/>
+              </a:schemeClr>
+            </a:lnRef>
+            <a:fillRef idx="1">
+              <a:schemeClr val="accent1"/>
+            </a:fillRef>
+            <a:effectRef idx="0">
+              <a:schemeClr val="accent1"/>
+            </a:effectRef>
+            <a:fontRef idx="minor">
+              <a:schemeClr val="lt1"/>
+            </a:fontRef>
+          </p:style>
+          <p:txBody>
+            <a:bodyPr rtlCol="0" anchor="ctr"/>
+            <a:lstStyle/>
+            <a:p>
+              <a:pPr algn="ctr"/>
+              <a:endParaRPr lang="ko-KR" altLang="en-US" sz="2700">
+                <a:solidFill>
+                  <a:schemeClr val="tx1">
+                    <a:lumMod val="75000"/>
+                    <a:lumOff val="25000"/>
+                  </a:schemeClr>
+                </a:solidFill>
+              </a:endParaRPr>
+            </a:p>
+          </p:txBody>
+        </p:sp>
+        <p:sp>
+          <p:nvSpPr>
+            <p:cNvPr id="23" name="Oval 16">
+              <a:extLst>
+                <a:ext uri="{FF2B5EF4-FFF2-40B4-BE49-F238E27FC236}">
+                  <a16:creationId xmlns:a16="http://schemas.microsoft.com/office/drawing/2014/main" id="{03A772CF-2765-4C43-A747-4D1EB2E016A9}"/>
+                </a:ext>
+              </a:extLst>
+            </p:cNvPr>
+            <p:cNvSpPr/>
+            <p:nvPr/>
+          </p:nvSpPr>
+          <p:spPr>
+            <a:xfrm>
+              <a:off x="1408027" y="3539195"/>
+              <a:ext cx="155342" cy="155342"/>
+            </a:xfrm>
+            <a:prstGeom prst="ellipse">
+              <a:avLst/>
+            </a:prstGeom>
+            <a:grpFill/>
+            <a:ln>
+              <a:noFill/>
+            </a:ln>
+          </p:spPr>
+          <p:style>
+            <a:lnRef idx="2">
+              <a:schemeClr val="accent1">
+                <a:shade val="50000"/>
+              </a:schemeClr>
+            </a:lnRef>
+            <a:fillRef idx="1">
+              <a:schemeClr val="accent1"/>
+            </a:fillRef>
+            <a:effectRef idx="0">
+              <a:schemeClr val="accent1"/>
+            </a:effectRef>
+            <a:fontRef idx="minor">
+              <a:schemeClr val="lt1"/>
+            </a:fontRef>
+          </p:style>
+          <p:txBody>
+            <a:bodyPr rtlCol="0" anchor="ctr"/>
+            <a:lstStyle/>
+            <a:p>
+              <a:pPr algn="ctr"/>
+              <a:endParaRPr lang="ko-KR" altLang="en-US" sz="2700">
+                <a:solidFill>
+                  <a:schemeClr val="tx1">
+                    <a:lumMod val="75000"/>
+                    <a:lumOff val="25000"/>
+                  </a:schemeClr>
+                </a:solidFill>
+              </a:endParaRPr>
+            </a:p>
+          </p:txBody>
+        </p:sp>
+        <p:sp>
+          <p:nvSpPr>
+            <p:cNvPr id="24" name="Oval 17">
+              <a:extLst>
+                <a:ext uri="{FF2B5EF4-FFF2-40B4-BE49-F238E27FC236}">
+                  <a16:creationId xmlns:a16="http://schemas.microsoft.com/office/drawing/2014/main" id="{E875CA9F-36D2-46CE-BC15-D9FBA987B2A4}"/>
+                </a:ext>
+              </a:extLst>
+            </p:cNvPr>
+            <p:cNvSpPr/>
+            <p:nvPr/>
+          </p:nvSpPr>
+          <p:spPr>
+            <a:xfrm>
+              <a:off x="1408027" y="3329887"/>
+              <a:ext cx="155342" cy="155342"/>
+            </a:xfrm>
+            <a:prstGeom prst="ellipse">
+              <a:avLst/>
+            </a:prstGeom>
+            <a:grpFill/>
+            <a:ln>
+              <a:noFill/>
+            </a:ln>
+          </p:spPr>
+          <p:style>
+            <a:lnRef idx="2">
+              <a:schemeClr val="accent1">
+                <a:shade val="50000"/>
+              </a:schemeClr>
+            </a:lnRef>
+            <a:fillRef idx="1">
+              <a:schemeClr val="accent1"/>
+            </a:fillRef>
+            <a:effectRef idx="0">
+              <a:schemeClr val="accent1"/>
+            </a:effectRef>
+            <a:fontRef idx="minor">
+              <a:schemeClr val="lt1"/>
+            </a:fontRef>
+          </p:style>
+          <p:txBody>
+            <a:bodyPr rtlCol="0" anchor="ctr"/>
+            <a:lstStyle/>
+            <a:p>
+              <a:pPr algn="ctr"/>
+              <a:endParaRPr lang="ko-KR" altLang="en-US" sz="2700">
+                <a:solidFill>
+                  <a:schemeClr val="tx1">
+                    <a:lumMod val="75000"/>
+                    <a:lumOff val="25000"/>
+                  </a:schemeClr>
+                </a:solidFill>
+              </a:endParaRPr>
+            </a:p>
+          </p:txBody>
+        </p:sp>
+      </p:grpSp>
+      <p:grpSp>
+        <p:nvGrpSpPr>
+          <p:cNvPr id="25" name="Group 14">
+            <a:extLst>
+              <a:ext uri="{FF2B5EF4-FFF2-40B4-BE49-F238E27FC236}">
+                <a16:creationId xmlns:a16="http://schemas.microsoft.com/office/drawing/2014/main" id="{B166A15E-80D4-4BC6-B296-94AD7259086A}"/>
+              </a:ext>
+            </a:extLst>
+          </p:cNvPr>
+          <p:cNvGrpSpPr/>
+          <p:nvPr/>
+        </p:nvGrpSpPr>
+        <p:grpSpPr>
+          <a:xfrm rot="6470560" flipH="1">
+            <a:off x="4122849" y="1746977"/>
+            <a:ext cx="120077" cy="443661"/>
+            <a:chOff x="1408027" y="3329887"/>
+            <a:chExt cx="155342" cy="573958"/>
+          </a:xfrm>
+          <a:solidFill>
+            <a:schemeClr val="accent6">
+              <a:lumMod val="75000"/>
+            </a:schemeClr>
+          </a:solidFill>
+        </p:grpSpPr>
+        <p:sp>
+          <p:nvSpPr>
+            <p:cNvPr id="26" name="Oval 15">
+              <a:extLst>
+                <a:ext uri="{FF2B5EF4-FFF2-40B4-BE49-F238E27FC236}">
+                  <a16:creationId xmlns:a16="http://schemas.microsoft.com/office/drawing/2014/main" id="{8E0F87B8-1798-457E-952E-137C874C8DA9}"/>
+                </a:ext>
+              </a:extLst>
+            </p:cNvPr>
+            <p:cNvSpPr/>
+            <p:nvPr/>
+          </p:nvSpPr>
+          <p:spPr>
+            <a:xfrm>
+              <a:off x="1408027" y="3748503"/>
+              <a:ext cx="155342" cy="155342"/>
+            </a:xfrm>
+            <a:prstGeom prst="ellipse">
+              <a:avLst/>
+            </a:prstGeom>
+            <a:grpFill/>
+            <a:ln>
+              <a:noFill/>
+            </a:ln>
+          </p:spPr>
+          <p:style>
+            <a:lnRef idx="2">
+              <a:schemeClr val="accent1">
+                <a:shade val="50000"/>
+              </a:schemeClr>
+            </a:lnRef>
+            <a:fillRef idx="1">
+              <a:schemeClr val="accent1"/>
+            </a:fillRef>
+            <a:effectRef idx="0">
+              <a:schemeClr val="accent1"/>
+            </a:effectRef>
+            <a:fontRef idx="minor">
+              <a:schemeClr val="lt1"/>
+            </a:fontRef>
+          </p:style>
+          <p:txBody>
+            <a:bodyPr rtlCol="0" anchor="ctr"/>
+            <a:lstStyle/>
+            <a:p>
+              <a:pPr algn="ctr"/>
+              <a:endParaRPr lang="ko-KR" altLang="en-US" sz="2700">
+                <a:solidFill>
+                  <a:schemeClr val="tx1">
+                    <a:lumMod val="75000"/>
+                    <a:lumOff val="25000"/>
+                  </a:schemeClr>
+                </a:solidFill>
+              </a:endParaRPr>
+            </a:p>
+          </p:txBody>
+        </p:sp>
+        <p:sp>
+          <p:nvSpPr>
+            <p:cNvPr id="27" name="Oval 16">
+              <a:extLst>
+                <a:ext uri="{FF2B5EF4-FFF2-40B4-BE49-F238E27FC236}">
+                  <a16:creationId xmlns:a16="http://schemas.microsoft.com/office/drawing/2014/main" id="{73A4C91A-D101-4C4A-B662-3D957016F258}"/>
+                </a:ext>
+              </a:extLst>
+            </p:cNvPr>
+            <p:cNvSpPr/>
+            <p:nvPr/>
+          </p:nvSpPr>
+          <p:spPr>
+            <a:xfrm>
+              <a:off x="1408027" y="3539195"/>
+              <a:ext cx="155342" cy="155342"/>
+            </a:xfrm>
+            <a:prstGeom prst="ellipse">
+              <a:avLst/>
+            </a:prstGeom>
+            <a:grpFill/>
+            <a:ln>
+              <a:noFill/>
+            </a:ln>
+          </p:spPr>
+          <p:style>
+            <a:lnRef idx="2">
+              <a:schemeClr val="accent1">
+                <a:shade val="50000"/>
+              </a:schemeClr>
+            </a:lnRef>
+            <a:fillRef idx="1">
+              <a:schemeClr val="accent1"/>
+            </a:fillRef>
+            <a:effectRef idx="0">
+              <a:schemeClr val="accent1"/>
+            </a:effectRef>
+            <a:fontRef idx="minor">
+              <a:schemeClr val="lt1"/>
+            </a:fontRef>
+          </p:style>
+          <p:txBody>
+            <a:bodyPr rtlCol="0" anchor="ctr"/>
+            <a:lstStyle/>
+            <a:p>
+              <a:pPr algn="ctr"/>
+              <a:endParaRPr lang="ko-KR" altLang="en-US" sz="2700">
+                <a:solidFill>
+                  <a:schemeClr val="tx1">
+                    <a:lumMod val="75000"/>
+                    <a:lumOff val="25000"/>
+                  </a:schemeClr>
+                </a:solidFill>
+              </a:endParaRPr>
+            </a:p>
+          </p:txBody>
+        </p:sp>
+        <p:sp>
+          <p:nvSpPr>
+            <p:cNvPr id="28" name="Oval 17">
+              <a:extLst>
+                <a:ext uri="{FF2B5EF4-FFF2-40B4-BE49-F238E27FC236}">
+                  <a16:creationId xmlns:a16="http://schemas.microsoft.com/office/drawing/2014/main" id="{12B57FC7-A6D5-424D-B02B-A34084B90D28}"/>
+                </a:ext>
+              </a:extLst>
+            </p:cNvPr>
+            <p:cNvSpPr/>
+            <p:nvPr/>
+          </p:nvSpPr>
+          <p:spPr>
+            <a:xfrm>
+              <a:off x="1408027" y="3329887"/>
+              <a:ext cx="155342" cy="155342"/>
+            </a:xfrm>
+            <a:prstGeom prst="ellipse">
+              <a:avLst/>
+            </a:prstGeom>
+            <a:grpFill/>
+            <a:ln>
+              <a:noFill/>
+            </a:ln>
+          </p:spPr>
+          <p:style>
+            <a:lnRef idx="2">
+              <a:schemeClr val="accent1">
+                <a:shade val="50000"/>
+              </a:schemeClr>
+            </a:lnRef>
+            <a:fillRef idx="1">
+              <a:schemeClr val="accent1"/>
+            </a:fillRef>
+            <a:effectRef idx="0">
+              <a:schemeClr val="accent1"/>
+            </a:effectRef>
+            <a:fontRef idx="minor">
+              <a:schemeClr val="lt1"/>
+            </a:fontRef>
+          </p:style>
+          <p:txBody>
+            <a:bodyPr rtlCol="0" anchor="ctr"/>
+            <a:lstStyle/>
+            <a:p>
+              <a:pPr algn="ctr"/>
+              <a:endParaRPr lang="ko-KR" altLang="en-US" sz="2700">
+                <a:solidFill>
+                  <a:schemeClr val="tx1">
+                    <a:lumMod val="75000"/>
+                    <a:lumOff val="25000"/>
+                  </a:schemeClr>
+                </a:solidFill>
+              </a:endParaRPr>
+            </a:p>
+          </p:txBody>
+        </p:sp>
+      </p:grpSp>
+      <p:sp>
+        <p:nvSpPr>
+          <p:cNvPr id="16" name="Rectangle 15">
+            <a:extLst>
+              <a:ext uri="{FF2B5EF4-FFF2-40B4-BE49-F238E27FC236}">
+                <a16:creationId xmlns:a16="http://schemas.microsoft.com/office/drawing/2014/main" id="{0F6EFF6B-66F7-4256-82BE-1F7E6E0AD745}"/>
+              </a:ext>
+            </a:extLst>
+          </p:cNvPr>
+          <p:cNvSpPr/>
+          <p:nvPr/>
+        </p:nvSpPr>
+        <p:spPr>
+          <a:xfrm>
+            <a:off x="7821330" y="1031237"/>
+            <a:ext cx="4185761" cy="369332"/>
+          </a:xfrm>
+          <a:prstGeom prst="rect">
+            <a:avLst/>
+          </a:prstGeom>
+        </p:spPr>
+        <p:txBody>
+          <a:bodyPr wrap="none">
+            <a:spAutoFit/>
+          </a:bodyPr>
+          <a:lstStyle/>
+          <a:p>
+            <a:r>
+              <a:rPr lang="fr-FR" dirty="0">
+                <a:solidFill>
+                  <a:srgbClr val="000000"/>
+                </a:solidFill>
+                <a:latin typeface="Arial" panose="020B0604020202020204" pitchFamily="34" charset="0"/>
+                <a:ea typeface="Times New Roman" panose="02020603050405020304" pitchFamily="18" charset="0"/>
+                <a:cs typeface="Arial" panose="020B0604020202020204" pitchFamily="34" charset="0"/>
+              </a:rPr>
+              <a:t>Moins de préoccupations transversales</a:t>
+            </a:r>
+            <a:endParaRPr lang="fr-FR" dirty="0">
+              <a:latin typeface="Arial" panose="020B0604020202020204" pitchFamily="34" charset="0"/>
+              <a:cs typeface="Arial" panose="020B0604020202020204" pitchFamily="34" charset="0"/>
+            </a:endParaRPr>
+          </a:p>
+        </p:txBody>
+      </p:sp>
+      <p:sp>
+        <p:nvSpPr>
+          <p:cNvPr id="29" name="Rectangle 28">
+            <a:extLst>
+              <a:ext uri="{FF2B5EF4-FFF2-40B4-BE49-F238E27FC236}">
+                <a16:creationId xmlns:a16="http://schemas.microsoft.com/office/drawing/2014/main" id="{D31D178C-CF11-4D9F-869B-EE7E3E207DAA}"/>
+              </a:ext>
+            </a:extLst>
+          </p:cNvPr>
+          <p:cNvSpPr/>
+          <p:nvPr/>
+        </p:nvSpPr>
+        <p:spPr>
+          <a:xfrm>
+            <a:off x="784535" y="4718806"/>
+            <a:ext cx="4160113" cy="369332"/>
+          </a:xfrm>
+          <a:prstGeom prst="rect">
+            <a:avLst/>
+          </a:prstGeom>
+        </p:spPr>
+        <p:txBody>
+          <a:bodyPr wrap="none">
+            <a:spAutoFit/>
+          </a:bodyPr>
+          <a:lstStyle/>
+          <a:p>
+            <a:r>
+              <a:rPr lang="fr-FR" dirty="0">
+                <a:solidFill>
+                  <a:srgbClr val="000000"/>
+                </a:solidFill>
+                <a:latin typeface="Arial" panose="020B0604020202020204" pitchFamily="34" charset="0"/>
+                <a:ea typeface="Times New Roman" panose="02020603050405020304" pitchFamily="18" charset="0"/>
+                <a:cs typeface="Arial" panose="020B0604020202020204" pitchFamily="34" charset="0"/>
+              </a:rPr>
+              <a:t>Moins de frais généraux opérationnels</a:t>
+            </a:r>
+            <a:r>
+              <a:rPr lang="fr-FR" b="1" dirty="0">
+                <a:solidFill>
+                  <a:srgbClr val="000000"/>
+                </a:solidFill>
+                <a:latin typeface="Arial" panose="020B0604020202020204" pitchFamily="34" charset="0"/>
+                <a:ea typeface="Times New Roman" panose="02020603050405020304" pitchFamily="18" charset="0"/>
+                <a:cs typeface="Arial" panose="020B0604020202020204" pitchFamily="34" charset="0"/>
+              </a:rPr>
+              <a:t> </a:t>
+            </a:r>
+            <a:endParaRPr lang="fr-FR" dirty="0">
+              <a:latin typeface="Arial" panose="020B0604020202020204" pitchFamily="34" charset="0"/>
+              <a:cs typeface="Arial" panose="020B0604020202020204" pitchFamily="34" charset="0"/>
+            </a:endParaRPr>
+          </a:p>
+        </p:txBody>
+      </p:sp>
+      <p:sp>
+        <p:nvSpPr>
+          <p:cNvPr id="30" name="Rectangle 29">
+            <a:extLst>
+              <a:ext uri="{FF2B5EF4-FFF2-40B4-BE49-F238E27FC236}">
+                <a16:creationId xmlns:a16="http://schemas.microsoft.com/office/drawing/2014/main" id="{5FDEDA6D-799A-4A9F-B33E-1E405BE316BD}"/>
+              </a:ext>
+            </a:extLst>
+          </p:cNvPr>
+          <p:cNvSpPr/>
+          <p:nvPr/>
+        </p:nvSpPr>
+        <p:spPr>
+          <a:xfrm>
+            <a:off x="2273672" y="1595780"/>
+            <a:ext cx="1620957" cy="369332"/>
+          </a:xfrm>
+          <a:prstGeom prst="rect">
+            <a:avLst/>
+          </a:prstGeom>
+        </p:spPr>
+        <p:txBody>
+          <a:bodyPr wrap="square">
+            <a:spAutoFit/>
+          </a:bodyPr>
+          <a:lstStyle/>
+          <a:p>
+            <a:r>
+              <a:rPr lang="fr-FR" dirty="0">
+                <a:solidFill>
+                  <a:srgbClr val="000000"/>
+                </a:solidFill>
+                <a:latin typeface="Arial" panose="020B0604020202020204" pitchFamily="34" charset="0"/>
+                <a:ea typeface="Times New Roman" panose="02020603050405020304" pitchFamily="18" charset="0"/>
+                <a:cs typeface="Arial" panose="020B0604020202020204" pitchFamily="34" charset="0"/>
+              </a:rPr>
+              <a:t>Performances</a:t>
+            </a:r>
+            <a:endParaRPr lang="fr-FR" dirty="0">
+              <a:latin typeface="Arial" panose="020B0604020202020204" pitchFamily="34" charset="0"/>
+              <a:cs typeface="Arial" panose="020B0604020202020204" pitchFamily="34" charset="0"/>
+            </a:endParaRPr>
+          </a:p>
+        </p:txBody>
+      </p:sp>
+    </p:spTree>
+    <p:extLst>
+      <p:ext uri="{BB962C8B-B14F-4D97-AF65-F5344CB8AC3E}">
+        <p14:creationId xmlns:p14="http://schemas.microsoft.com/office/powerpoint/2010/main" val="4260333749"/>
+      </p:ext>
+    </p:extLst>
+  </p:cSld>
+  <p:clrMapOvr>
+    <a:masterClrMapping/>
+  </p:clrMapOvr>
+</p:sld>
+</file>
+
+<file path=ppt/slides/slide9.xml><?xml version="1.0" encoding="utf-8"?>
+<p:sld xmlns:a="http://schemas.openxmlformats.org/drawingml/2006/main" xmlns:r="http://schemas.openxmlformats.org/officeDocument/2006/relationships" xmlns:p="http://schemas.openxmlformats.org/presentationml/2006/main">
+  <p:cSld>
+    <p:spTree>
+      <p:nvGrpSpPr>
+        <p:cNvPr id="1" name=""/>
+        <p:cNvGrpSpPr/>
+        <p:nvPr/>
+      </p:nvGrpSpPr>
+      <p:grpSpPr>
+        <a:xfrm>
+          <a:off x="0" y="0"/>
+          <a:ext cx="0" cy="0"/>
+          <a:chOff x="0" y="0"/>
+          <a:chExt cx="0" cy="0"/>
+        </a:xfrm>
+      </p:grpSpPr>
+      <p:sp>
+        <p:nvSpPr>
+          <p:cNvPr id="31" name="Rectangle 30">
+            <a:extLst>
+              <a:ext uri="{FF2B5EF4-FFF2-40B4-BE49-F238E27FC236}">
+                <a16:creationId xmlns:a16="http://schemas.microsoft.com/office/drawing/2014/main" id="{D8ED2E39-AB4F-42B5-9617-D1779FC29121}"/>
+              </a:ext>
+            </a:extLst>
+          </p:cNvPr>
+          <p:cNvSpPr/>
+          <p:nvPr/>
+        </p:nvSpPr>
+        <p:spPr>
+          <a:xfrm>
+            <a:off x="0" y="0"/>
+            <a:ext cx="2710927" cy="839096"/>
+          </a:xfrm>
+          <a:prstGeom prst="rect">
+            <a:avLst/>
+          </a:prstGeom>
+          <a:solidFill>
+            <a:schemeClr val="accent1">
+              <a:alpha val="40000"/>
+            </a:schemeClr>
+          </a:solidFill>
+          <a:ln>
+            <a:noFill/>
+          </a:ln>
+        </p:spPr>
+        <p:style>
+          <a:lnRef idx="2">
+            <a:schemeClr val="accent1">
+              <a:shade val="50000"/>
+            </a:schemeClr>
+          </a:lnRef>
+          <a:fillRef idx="1">
+            <a:schemeClr val="accent1"/>
+          </a:fillRef>
+          <a:effectRef idx="0">
+            <a:schemeClr val="accent1"/>
+          </a:effectRef>
+          <a:fontRef idx="minor">
+            <a:schemeClr val="lt1"/>
+          </a:fontRef>
+        </p:style>
+        <p:txBody>
+          <a:bodyPr rtlCol="0" anchor="ctr"/>
+          <a:lstStyle/>
+          <a:p>
+            <a:pPr algn="ctr"/>
+            <a:r>
+              <a:rPr lang="fr-FR" b="1" dirty="0">
+                <a:solidFill>
+                  <a:schemeClr val="tx1"/>
+                </a:solidFill>
+              </a:rPr>
+              <a:t>Problèmes lies a l'architecture existante</a:t>
+            </a:r>
+            <a:endParaRPr lang="en-US" b="1" dirty="0">
+              <a:solidFill>
+                <a:schemeClr val="tx1"/>
+              </a:solidFill>
+            </a:endParaRPr>
+          </a:p>
+        </p:txBody>
+      </p:sp>
+    </p:spTree>
+    <p:extLst>
+      <p:ext uri="{BB962C8B-B14F-4D97-AF65-F5344CB8AC3E}">
+        <p14:creationId xmlns:p14="http://schemas.microsoft.com/office/powerpoint/2010/main" val="571841547"/>
       </p:ext>
     </p:extLst>
   </p:cSld>

--- a/DIAPO/Présentation.pptx
+++ b/DIAPO/Présentation.pptx
@@ -5,7 +5,7 @@
     <p:sldMasterId id="2147483648" r:id="rId1"/>
   </p:sldMasterIdLst>
   <p:notesMasterIdLst>
-    <p:notesMasterId r:id="rId11"/>
+    <p:notesMasterId r:id="rId23"/>
   </p:notesMasterIdLst>
   <p:sldIdLst>
     <p:sldId id="318" r:id="rId2"/>
@@ -17,6 +17,18 @@
     <p:sldId id="321" r:id="rId8"/>
     <p:sldId id="322" r:id="rId9"/>
     <p:sldId id="323" r:id="rId10"/>
+    <p:sldId id="296" r:id="rId11"/>
+    <p:sldId id="324" r:id="rId12"/>
+    <p:sldId id="325" r:id="rId13"/>
+    <p:sldId id="326" r:id="rId14"/>
+    <p:sldId id="327" r:id="rId15"/>
+    <p:sldId id="328" r:id="rId16"/>
+    <p:sldId id="316" r:id="rId17"/>
+    <p:sldId id="329" r:id="rId18"/>
+    <p:sldId id="330" r:id="rId19"/>
+    <p:sldId id="331" r:id="rId20"/>
+    <p:sldId id="332" r:id="rId21"/>
+    <p:sldId id="333" r:id="rId22"/>
   </p:sldIdLst>
   <p:sldSz cx="12192000" cy="6858000"/>
   <p:notesSz cx="6858000" cy="9144000"/>
@@ -205,7 +217,7 @@
           <a:p>
             <a:fld id="{52AE69C5-FD40-4B35-ACFB-9ABA8883DECF}" type="datetimeFigureOut">
               <a:rPr lang="fr-FR" smtClean="0"/>
-              <a:t>21/10/2019</a:t>
+              <a:t>22/10/2019</a:t>
             </a:fld>
             <a:endParaRPr lang="fr-FR"/>
           </a:p>
@@ -547,6 +559,762 @@
     <p:extLst>
       <p:ext uri="{BB962C8B-B14F-4D97-AF65-F5344CB8AC3E}">
         <p14:creationId xmlns:p14="http://schemas.microsoft.com/office/powerpoint/2010/main" val="2990219027"/>
+      </p:ext>
+    </p:extLst>
+  </p:cSld>
+  <p:clrMapOvr>
+    <a:masterClrMapping/>
+  </p:clrMapOvr>
+</p:notes>
+</file>
+
+<file path=ppt/notesSlides/notesSlide10.xml><?xml version="1.0" encoding="utf-8"?>
+<p:notes xmlns:a="http://schemas.openxmlformats.org/drawingml/2006/main" xmlns:r="http://schemas.openxmlformats.org/officeDocument/2006/relationships" xmlns:p="http://schemas.openxmlformats.org/presentationml/2006/main">
+  <p:cSld>
+    <p:spTree>
+      <p:nvGrpSpPr>
+        <p:cNvPr id="1" name=""/>
+        <p:cNvGrpSpPr/>
+        <p:nvPr/>
+      </p:nvGrpSpPr>
+      <p:grpSpPr>
+        <a:xfrm>
+          <a:off x="0" y="0"/>
+          <a:ext cx="0" cy="0"/>
+          <a:chOff x="0" y="0"/>
+          <a:chExt cx="0" cy="0"/>
+        </a:xfrm>
+      </p:grpSpPr>
+      <p:sp>
+        <p:nvSpPr>
+          <p:cNvPr id="2" name="Espace réservé de l'image des diapositives 1"/>
+          <p:cNvSpPr>
+            <a:spLocks noGrp="1" noRot="1" noChangeAspect="1"/>
+          </p:cNvSpPr>
+          <p:nvPr>
+            <p:ph type="sldImg"/>
+          </p:nvPr>
+        </p:nvSpPr>
+        <p:spPr/>
+      </p:sp>
+      <p:sp>
+        <p:nvSpPr>
+          <p:cNvPr id="3" name="Espace réservé des notes 2"/>
+          <p:cNvSpPr>
+            <a:spLocks noGrp="1"/>
+          </p:cNvSpPr>
+          <p:nvPr>
+            <p:ph type="body" idx="1"/>
+          </p:nvPr>
+        </p:nvSpPr>
+        <p:spPr/>
+        <p:txBody>
+          <a:bodyPr/>
+          <a:lstStyle/>
+          <a:p>
+            <a:endParaRPr lang="fr-FR" dirty="0"/>
+          </a:p>
+        </p:txBody>
+      </p:sp>
+      <p:sp>
+        <p:nvSpPr>
+          <p:cNvPr id="4" name="Espace réservé du numéro de diapositive 3"/>
+          <p:cNvSpPr>
+            <a:spLocks noGrp="1"/>
+          </p:cNvSpPr>
+          <p:nvPr>
+            <p:ph type="sldNum" sz="quarter" idx="5"/>
+          </p:nvPr>
+        </p:nvSpPr>
+        <p:spPr/>
+        <p:txBody>
+          <a:bodyPr/>
+          <a:lstStyle/>
+          <a:p>
+            <a:fld id="{E9C28C48-7862-44F9-B779-9D6C7FC5B6E9}" type="slidenum">
+              <a:rPr lang="fr-FR" smtClean="0"/>
+              <a:t>12</a:t>
+            </a:fld>
+            <a:endParaRPr lang="fr-FR"/>
+          </a:p>
+        </p:txBody>
+      </p:sp>
+    </p:spTree>
+    <p:extLst>
+      <p:ext uri="{BB962C8B-B14F-4D97-AF65-F5344CB8AC3E}">
+        <p14:creationId xmlns:p14="http://schemas.microsoft.com/office/powerpoint/2010/main" val="3019923374"/>
+      </p:ext>
+    </p:extLst>
+  </p:cSld>
+  <p:clrMapOvr>
+    <a:masterClrMapping/>
+  </p:clrMapOvr>
+</p:notes>
+</file>
+
+<file path=ppt/notesSlides/notesSlide11.xml><?xml version="1.0" encoding="utf-8"?>
+<p:notes xmlns:a="http://schemas.openxmlformats.org/drawingml/2006/main" xmlns:r="http://schemas.openxmlformats.org/officeDocument/2006/relationships" xmlns:p="http://schemas.openxmlformats.org/presentationml/2006/main">
+  <p:cSld>
+    <p:spTree>
+      <p:nvGrpSpPr>
+        <p:cNvPr id="1" name=""/>
+        <p:cNvGrpSpPr/>
+        <p:nvPr/>
+      </p:nvGrpSpPr>
+      <p:grpSpPr>
+        <a:xfrm>
+          <a:off x="0" y="0"/>
+          <a:ext cx="0" cy="0"/>
+          <a:chOff x="0" y="0"/>
+          <a:chExt cx="0" cy="0"/>
+        </a:xfrm>
+      </p:grpSpPr>
+      <p:sp>
+        <p:nvSpPr>
+          <p:cNvPr id="2" name="Espace réservé de l'image des diapositives 1"/>
+          <p:cNvSpPr>
+            <a:spLocks noGrp="1" noRot="1" noChangeAspect="1"/>
+          </p:cNvSpPr>
+          <p:nvPr>
+            <p:ph type="sldImg"/>
+          </p:nvPr>
+        </p:nvSpPr>
+        <p:spPr/>
+      </p:sp>
+      <p:sp>
+        <p:nvSpPr>
+          <p:cNvPr id="3" name="Espace réservé des notes 2"/>
+          <p:cNvSpPr>
+            <a:spLocks noGrp="1"/>
+          </p:cNvSpPr>
+          <p:nvPr>
+            <p:ph type="body" idx="1"/>
+          </p:nvPr>
+        </p:nvSpPr>
+        <p:spPr/>
+        <p:txBody>
+          <a:bodyPr/>
+          <a:lstStyle/>
+          <a:p>
+            <a:endParaRPr lang="fr-FR" dirty="0"/>
+          </a:p>
+        </p:txBody>
+      </p:sp>
+      <p:sp>
+        <p:nvSpPr>
+          <p:cNvPr id="4" name="Espace réservé du numéro de diapositive 3"/>
+          <p:cNvSpPr>
+            <a:spLocks noGrp="1"/>
+          </p:cNvSpPr>
+          <p:nvPr>
+            <p:ph type="sldNum" sz="quarter" idx="5"/>
+          </p:nvPr>
+        </p:nvSpPr>
+        <p:spPr/>
+        <p:txBody>
+          <a:bodyPr/>
+          <a:lstStyle/>
+          <a:p>
+            <a:fld id="{E9C28C48-7862-44F9-B779-9D6C7FC5B6E9}" type="slidenum">
+              <a:rPr lang="fr-FR" smtClean="0"/>
+              <a:t>13</a:t>
+            </a:fld>
+            <a:endParaRPr lang="fr-FR"/>
+          </a:p>
+        </p:txBody>
+      </p:sp>
+    </p:spTree>
+    <p:extLst>
+      <p:ext uri="{BB962C8B-B14F-4D97-AF65-F5344CB8AC3E}">
+        <p14:creationId xmlns:p14="http://schemas.microsoft.com/office/powerpoint/2010/main" val="436304266"/>
+      </p:ext>
+    </p:extLst>
+  </p:cSld>
+  <p:clrMapOvr>
+    <a:masterClrMapping/>
+  </p:clrMapOvr>
+</p:notes>
+</file>
+
+<file path=ppt/notesSlides/notesSlide12.xml><?xml version="1.0" encoding="utf-8"?>
+<p:notes xmlns:a="http://schemas.openxmlformats.org/drawingml/2006/main" xmlns:r="http://schemas.openxmlformats.org/officeDocument/2006/relationships" xmlns:p="http://schemas.openxmlformats.org/presentationml/2006/main">
+  <p:cSld>
+    <p:spTree>
+      <p:nvGrpSpPr>
+        <p:cNvPr id="1" name=""/>
+        <p:cNvGrpSpPr/>
+        <p:nvPr/>
+      </p:nvGrpSpPr>
+      <p:grpSpPr>
+        <a:xfrm>
+          <a:off x="0" y="0"/>
+          <a:ext cx="0" cy="0"/>
+          <a:chOff x="0" y="0"/>
+          <a:chExt cx="0" cy="0"/>
+        </a:xfrm>
+      </p:grpSpPr>
+      <p:sp>
+        <p:nvSpPr>
+          <p:cNvPr id="2" name="Espace réservé de l'image des diapositives 1"/>
+          <p:cNvSpPr>
+            <a:spLocks noGrp="1" noRot="1" noChangeAspect="1"/>
+          </p:cNvSpPr>
+          <p:nvPr>
+            <p:ph type="sldImg"/>
+          </p:nvPr>
+        </p:nvSpPr>
+        <p:spPr/>
+      </p:sp>
+      <p:sp>
+        <p:nvSpPr>
+          <p:cNvPr id="3" name="Espace réservé des notes 2"/>
+          <p:cNvSpPr>
+            <a:spLocks noGrp="1"/>
+          </p:cNvSpPr>
+          <p:nvPr>
+            <p:ph type="body" idx="1"/>
+          </p:nvPr>
+        </p:nvSpPr>
+        <p:spPr/>
+        <p:txBody>
+          <a:bodyPr/>
+          <a:lstStyle/>
+          <a:p>
+            <a:endParaRPr lang="fr-FR" dirty="0"/>
+          </a:p>
+        </p:txBody>
+      </p:sp>
+      <p:sp>
+        <p:nvSpPr>
+          <p:cNvPr id="4" name="Espace réservé du numéro de diapositive 3"/>
+          <p:cNvSpPr>
+            <a:spLocks noGrp="1"/>
+          </p:cNvSpPr>
+          <p:nvPr>
+            <p:ph type="sldNum" sz="quarter" idx="5"/>
+          </p:nvPr>
+        </p:nvSpPr>
+        <p:spPr/>
+        <p:txBody>
+          <a:bodyPr/>
+          <a:lstStyle/>
+          <a:p>
+            <a:fld id="{E9C28C48-7862-44F9-B779-9D6C7FC5B6E9}" type="slidenum">
+              <a:rPr lang="fr-FR" smtClean="0"/>
+              <a:t>14</a:t>
+            </a:fld>
+            <a:endParaRPr lang="fr-FR"/>
+          </a:p>
+        </p:txBody>
+      </p:sp>
+    </p:spTree>
+    <p:extLst>
+      <p:ext uri="{BB962C8B-B14F-4D97-AF65-F5344CB8AC3E}">
+        <p14:creationId xmlns:p14="http://schemas.microsoft.com/office/powerpoint/2010/main" val="2417807289"/>
+      </p:ext>
+    </p:extLst>
+  </p:cSld>
+  <p:clrMapOvr>
+    <a:masterClrMapping/>
+  </p:clrMapOvr>
+</p:notes>
+</file>
+
+<file path=ppt/notesSlides/notesSlide13.xml><?xml version="1.0" encoding="utf-8"?>
+<p:notes xmlns:a="http://schemas.openxmlformats.org/drawingml/2006/main" xmlns:r="http://schemas.openxmlformats.org/officeDocument/2006/relationships" xmlns:p="http://schemas.openxmlformats.org/presentationml/2006/main">
+  <p:cSld>
+    <p:spTree>
+      <p:nvGrpSpPr>
+        <p:cNvPr id="1" name=""/>
+        <p:cNvGrpSpPr/>
+        <p:nvPr/>
+      </p:nvGrpSpPr>
+      <p:grpSpPr>
+        <a:xfrm>
+          <a:off x="0" y="0"/>
+          <a:ext cx="0" cy="0"/>
+          <a:chOff x="0" y="0"/>
+          <a:chExt cx="0" cy="0"/>
+        </a:xfrm>
+      </p:grpSpPr>
+      <p:sp>
+        <p:nvSpPr>
+          <p:cNvPr id="2" name="Espace réservé de l'image des diapositives 1"/>
+          <p:cNvSpPr>
+            <a:spLocks noGrp="1" noRot="1" noChangeAspect="1"/>
+          </p:cNvSpPr>
+          <p:nvPr>
+            <p:ph type="sldImg"/>
+          </p:nvPr>
+        </p:nvSpPr>
+        <p:spPr/>
+      </p:sp>
+      <p:sp>
+        <p:nvSpPr>
+          <p:cNvPr id="3" name="Espace réservé des notes 2"/>
+          <p:cNvSpPr>
+            <a:spLocks noGrp="1"/>
+          </p:cNvSpPr>
+          <p:nvPr>
+            <p:ph type="body" idx="1"/>
+          </p:nvPr>
+        </p:nvSpPr>
+        <p:spPr/>
+        <p:txBody>
+          <a:bodyPr/>
+          <a:lstStyle/>
+          <a:p>
+            <a:endParaRPr lang="fr-FR" dirty="0"/>
+          </a:p>
+        </p:txBody>
+      </p:sp>
+      <p:sp>
+        <p:nvSpPr>
+          <p:cNvPr id="4" name="Espace réservé du numéro de diapositive 3"/>
+          <p:cNvSpPr>
+            <a:spLocks noGrp="1"/>
+          </p:cNvSpPr>
+          <p:nvPr>
+            <p:ph type="sldNum" sz="quarter" idx="5"/>
+          </p:nvPr>
+        </p:nvSpPr>
+        <p:spPr/>
+        <p:txBody>
+          <a:bodyPr/>
+          <a:lstStyle/>
+          <a:p>
+            <a:fld id="{E9C28C48-7862-44F9-B779-9D6C7FC5B6E9}" type="slidenum">
+              <a:rPr lang="fr-FR" smtClean="0"/>
+              <a:t>15</a:t>
+            </a:fld>
+            <a:endParaRPr lang="fr-FR"/>
+          </a:p>
+        </p:txBody>
+      </p:sp>
+    </p:spTree>
+    <p:extLst>
+      <p:ext uri="{BB962C8B-B14F-4D97-AF65-F5344CB8AC3E}">
+        <p14:creationId xmlns:p14="http://schemas.microsoft.com/office/powerpoint/2010/main" val="268547841"/>
+      </p:ext>
+    </p:extLst>
+  </p:cSld>
+  <p:clrMapOvr>
+    <a:masterClrMapping/>
+  </p:clrMapOvr>
+</p:notes>
+</file>
+
+<file path=ppt/notesSlides/notesSlide14.xml><?xml version="1.0" encoding="utf-8"?>
+<p:notes xmlns:a="http://schemas.openxmlformats.org/drawingml/2006/main" xmlns:r="http://schemas.openxmlformats.org/officeDocument/2006/relationships" xmlns:p="http://schemas.openxmlformats.org/presentationml/2006/main">
+  <p:cSld>
+    <p:spTree>
+      <p:nvGrpSpPr>
+        <p:cNvPr id="1" name=""/>
+        <p:cNvGrpSpPr/>
+        <p:nvPr/>
+      </p:nvGrpSpPr>
+      <p:grpSpPr>
+        <a:xfrm>
+          <a:off x="0" y="0"/>
+          <a:ext cx="0" cy="0"/>
+          <a:chOff x="0" y="0"/>
+          <a:chExt cx="0" cy="0"/>
+        </a:xfrm>
+      </p:grpSpPr>
+      <p:sp>
+        <p:nvSpPr>
+          <p:cNvPr id="2" name="Espace réservé de l'image des diapositives 1"/>
+          <p:cNvSpPr>
+            <a:spLocks noGrp="1" noRot="1" noChangeAspect="1"/>
+          </p:cNvSpPr>
+          <p:nvPr>
+            <p:ph type="sldImg"/>
+          </p:nvPr>
+        </p:nvSpPr>
+        <p:spPr/>
+      </p:sp>
+      <p:sp>
+        <p:nvSpPr>
+          <p:cNvPr id="3" name="Espace réservé des notes 2"/>
+          <p:cNvSpPr>
+            <a:spLocks noGrp="1"/>
+          </p:cNvSpPr>
+          <p:nvPr>
+            <p:ph type="body" idx="1"/>
+          </p:nvPr>
+        </p:nvSpPr>
+        <p:spPr/>
+        <p:txBody>
+          <a:bodyPr/>
+          <a:lstStyle/>
+          <a:p>
+            <a:endParaRPr lang="fr-FR" dirty="0"/>
+          </a:p>
+        </p:txBody>
+      </p:sp>
+      <p:sp>
+        <p:nvSpPr>
+          <p:cNvPr id="4" name="Espace réservé du numéro de diapositive 3"/>
+          <p:cNvSpPr>
+            <a:spLocks noGrp="1"/>
+          </p:cNvSpPr>
+          <p:nvPr>
+            <p:ph type="sldNum" sz="quarter" idx="5"/>
+          </p:nvPr>
+        </p:nvSpPr>
+        <p:spPr/>
+        <p:txBody>
+          <a:bodyPr/>
+          <a:lstStyle/>
+          <a:p>
+            <a:fld id="{E9C28C48-7862-44F9-B779-9D6C7FC5B6E9}" type="slidenum">
+              <a:rPr lang="fr-FR" smtClean="0"/>
+              <a:t>17</a:t>
+            </a:fld>
+            <a:endParaRPr lang="fr-FR"/>
+          </a:p>
+        </p:txBody>
+      </p:sp>
+    </p:spTree>
+    <p:extLst>
+      <p:ext uri="{BB962C8B-B14F-4D97-AF65-F5344CB8AC3E}">
+        <p14:creationId xmlns:p14="http://schemas.microsoft.com/office/powerpoint/2010/main" val="2412467650"/>
+      </p:ext>
+    </p:extLst>
+  </p:cSld>
+  <p:clrMapOvr>
+    <a:masterClrMapping/>
+  </p:clrMapOvr>
+</p:notes>
+</file>
+
+<file path=ppt/notesSlides/notesSlide15.xml><?xml version="1.0" encoding="utf-8"?>
+<p:notes xmlns:a="http://schemas.openxmlformats.org/drawingml/2006/main" xmlns:r="http://schemas.openxmlformats.org/officeDocument/2006/relationships" xmlns:p="http://schemas.openxmlformats.org/presentationml/2006/main">
+  <p:cSld>
+    <p:spTree>
+      <p:nvGrpSpPr>
+        <p:cNvPr id="1" name=""/>
+        <p:cNvGrpSpPr/>
+        <p:nvPr/>
+      </p:nvGrpSpPr>
+      <p:grpSpPr>
+        <a:xfrm>
+          <a:off x="0" y="0"/>
+          <a:ext cx="0" cy="0"/>
+          <a:chOff x="0" y="0"/>
+          <a:chExt cx="0" cy="0"/>
+        </a:xfrm>
+      </p:grpSpPr>
+      <p:sp>
+        <p:nvSpPr>
+          <p:cNvPr id="2" name="Espace réservé de l'image des diapositives 1"/>
+          <p:cNvSpPr>
+            <a:spLocks noGrp="1" noRot="1" noChangeAspect="1"/>
+          </p:cNvSpPr>
+          <p:nvPr>
+            <p:ph type="sldImg"/>
+          </p:nvPr>
+        </p:nvSpPr>
+        <p:spPr/>
+      </p:sp>
+      <p:sp>
+        <p:nvSpPr>
+          <p:cNvPr id="3" name="Espace réservé des notes 2"/>
+          <p:cNvSpPr>
+            <a:spLocks noGrp="1"/>
+          </p:cNvSpPr>
+          <p:nvPr>
+            <p:ph type="body" idx="1"/>
+          </p:nvPr>
+        </p:nvSpPr>
+        <p:spPr/>
+        <p:txBody>
+          <a:bodyPr/>
+          <a:lstStyle/>
+          <a:p>
+            <a:endParaRPr lang="fr-FR" dirty="0"/>
+          </a:p>
+        </p:txBody>
+      </p:sp>
+      <p:sp>
+        <p:nvSpPr>
+          <p:cNvPr id="4" name="Espace réservé du numéro de diapositive 3"/>
+          <p:cNvSpPr>
+            <a:spLocks noGrp="1"/>
+          </p:cNvSpPr>
+          <p:nvPr>
+            <p:ph type="sldNum" sz="quarter" idx="5"/>
+          </p:nvPr>
+        </p:nvSpPr>
+        <p:spPr/>
+        <p:txBody>
+          <a:bodyPr/>
+          <a:lstStyle/>
+          <a:p>
+            <a:fld id="{E9C28C48-7862-44F9-B779-9D6C7FC5B6E9}" type="slidenum">
+              <a:rPr lang="fr-FR" smtClean="0"/>
+              <a:t>18</a:t>
+            </a:fld>
+            <a:endParaRPr lang="fr-FR"/>
+          </a:p>
+        </p:txBody>
+      </p:sp>
+    </p:spTree>
+    <p:extLst>
+      <p:ext uri="{BB962C8B-B14F-4D97-AF65-F5344CB8AC3E}">
+        <p14:creationId xmlns:p14="http://schemas.microsoft.com/office/powerpoint/2010/main" val="2356239685"/>
+      </p:ext>
+    </p:extLst>
+  </p:cSld>
+  <p:clrMapOvr>
+    <a:masterClrMapping/>
+  </p:clrMapOvr>
+</p:notes>
+</file>
+
+<file path=ppt/notesSlides/notesSlide16.xml><?xml version="1.0" encoding="utf-8"?>
+<p:notes xmlns:a="http://schemas.openxmlformats.org/drawingml/2006/main" xmlns:r="http://schemas.openxmlformats.org/officeDocument/2006/relationships" xmlns:p="http://schemas.openxmlformats.org/presentationml/2006/main">
+  <p:cSld>
+    <p:spTree>
+      <p:nvGrpSpPr>
+        <p:cNvPr id="1" name=""/>
+        <p:cNvGrpSpPr/>
+        <p:nvPr/>
+      </p:nvGrpSpPr>
+      <p:grpSpPr>
+        <a:xfrm>
+          <a:off x="0" y="0"/>
+          <a:ext cx="0" cy="0"/>
+          <a:chOff x="0" y="0"/>
+          <a:chExt cx="0" cy="0"/>
+        </a:xfrm>
+      </p:grpSpPr>
+      <p:sp>
+        <p:nvSpPr>
+          <p:cNvPr id="2" name="Espace réservé de l'image des diapositives 1"/>
+          <p:cNvSpPr>
+            <a:spLocks noGrp="1" noRot="1" noChangeAspect="1"/>
+          </p:cNvSpPr>
+          <p:nvPr>
+            <p:ph type="sldImg"/>
+          </p:nvPr>
+        </p:nvSpPr>
+        <p:spPr/>
+      </p:sp>
+      <p:sp>
+        <p:nvSpPr>
+          <p:cNvPr id="3" name="Espace réservé des notes 2"/>
+          <p:cNvSpPr>
+            <a:spLocks noGrp="1"/>
+          </p:cNvSpPr>
+          <p:nvPr>
+            <p:ph type="body" idx="1"/>
+          </p:nvPr>
+        </p:nvSpPr>
+        <p:spPr/>
+        <p:txBody>
+          <a:bodyPr/>
+          <a:lstStyle/>
+          <a:p>
+            <a:endParaRPr lang="fr-FR" dirty="0"/>
+          </a:p>
+        </p:txBody>
+      </p:sp>
+      <p:sp>
+        <p:nvSpPr>
+          <p:cNvPr id="4" name="Espace réservé du numéro de diapositive 3"/>
+          <p:cNvSpPr>
+            <a:spLocks noGrp="1"/>
+          </p:cNvSpPr>
+          <p:nvPr>
+            <p:ph type="sldNum" sz="quarter" idx="5"/>
+          </p:nvPr>
+        </p:nvSpPr>
+        <p:spPr/>
+        <p:txBody>
+          <a:bodyPr/>
+          <a:lstStyle/>
+          <a:p>
+            <a:fld id="{E9C28C48-7862-44F9-B779-9D6C7FC5B6E9}" type="slidenum">
+              <a:rPr lang="fr-FR" smtClean="0"/>
+              <a:t>19</a:t>
+            </a:fld>
+            <a:endParaRPr lang="fr-FR"/>
+          </a:p>
+        </p:txBody>
+      </p:sp>
+    </p:spTree>
+    <p:extLst>
+      <p:ext uri="{BB962C8B-B14F-4D97-AF65-F5344CB8AC3E}">
+        <p14:creationId xmlns:p14="http://schemas.microsoft.com/office/powerpoint/2010/main" val="2367813415"/>
+      </p:ext>
+    </p:extLst>
+  </p:cSld>
+  <p:clrMapOvr>
+    <a:masterClrMapping/>
+  </p:clrMapOvr>
+</p:notes>
+</file>
+
+<file path=ppt/notesSlides/notesSlide17.xml><?xml version="1.0" encoding="utf-8"?>
+<p:notes xmlns:a="http://schemas.openxmlformats.org/drawingml/2006/main" xmlns:r="http://schemas.openxmlformats.org/officeDocument/2006/relationships" xmlns:p="http://schemas.openxmlformats.org/presentationml/2006/main">
+  <p:cSld>
+    <p:spTree>
+      <p:nvGrpSpPr>
+        <p:cNvPr id="1" name=""/>
+        <p:cNvGrpSpPr/>
+        <p:nvPr/>
+      </p:nvGrpSpPr>
+      <p:grpSpPr>
+        <a:xfrm>
+          <a:off x="0" y="0"/>
+          <a:ext cx="0" cy="0"/>
+          <a:chOff x="0" y="0"/>
+          <a:chExt cx="0" cy="0"/>
+        </a:xfrm>
+      </p:grpSpPr>
+      <p:sp>
+        <p:nvSpPr>
+          <p:cNvPr id="2" name="Espace réservé de l'image des diapositives 1"/>
+          <p:cNvSpPr>
+            <a:spLocks noGrp="1" noRot="1" noChangeAspect="1"/>
+          </p:cNvSpPr>
+          <p:nvPr>
+            <p:ph type="sldImg"/>
+          </p:nvPr>
+        </p:nvSpPr>
+        <p:spPr/>
+      </p:sp>
+      <p:sp>
+        <p:nvSpPr>
+          <p:cNvPr id="3" name="Espace réservé des notes 2"/>
+          <p:cNvSpPr>
+            <a:spLocks noGrp="1"/>
+          </p:cNvSpPr>
+          <p:nvPr>
+            <p:ph type="body" idx="1"/>
+          </p:nvPr>
+        </p:nvSpPr>
+        <p:spPr/>
+        <p:txBody>
+          <a:bodyPr/>
+          <a:lstStyle/>
+          <a:p>
+            <a:endParaRPr lang="fr-FR" dirty="0"/>
+          </a:p>
+        </p:txBody>
+      </p:sp>
+      <p:sp>
+        <p:nvSpPr>
+          <p:cNvPr id="4" name="Espace réservé du numéro de diapositive 3"/>
+          <p:cNvSpPr>
+            <a:spLocks noGrp="1"/>
+          </p:cNvSpPr>
+          <p:nvPr>
+            <p:ph type="sldNum" sz="quarter" idx="5"/>
+          </p:nvPr>
+        </p:nvSpPr>
+        <p:spPr/>
+        <p:txBody>
+          <a:bodyPr/>
+          <a:lstStyle/>
+          <a:p>
+            <a:fld id="{E9C28C48-7862-44F9-B779-9D6C7FC5B6E9}" type="slidenum">
+              <a:rPr lang="fr-FR" smtClean="0"/>
+              <a:t>20</a:t>
+            </a:fld>
+            <a:endParaRPr lang="fr-FR"/>
+          </a:p>
+        </p:txBody>
+      </p:sp>
+    </p:spTree>
+    <p:extLst>
+      <p:ext uri="{BB962C8B-B14F-4D97-AF65-F5344CB8AC3E}">
+        <p14:creationId xmlns:p14="http://schemas.microsoft.com/office/powerpoint/2010/main" val="814297677"/>
+      </p:ext>
+    </p:extLst>
+  </p:cSld>
+  <p:clrMapOvr>
+    <a:masterClrMapping/>
+  </p:clrMapOvr>
+</p:notes>
+</file>
+
+<file path=ppt/notesSlides/notesSlide18.xml><?xml version="1.0" encoding="utf-8"?>
+<p:notes xmlns:a="http://schemas.openxmlformats.org/drawingml/2006/main" xmlns:r="http://schemas.openxmlformats.org/officeDocument/2006/relationships" xmlns:p="http://schemas.openxmlformats.org/presentationml/2006/main">
+  <p:cSld>
+    <p:spTree>
+      <p:nvGrpSpPr>
+        <p:cNvPr id="1" name=""/>
+        <p:cNvGrpSpPr/>
+        <p:nvPr/>
+      </p:nvGrpSpPr>
+      <p:grpSpPr>
+        <a:xfrm>
+          <a:off x="0" y="0"/>
+          <a:ext cx="0" cy="0"/>
+          <a:chOff x="0" y="0"/>
+          <a:chExt cx="0" cy="0"/>
+        </a:xfrm>
+      </p:grpSpPr>
+      <p:sp>
+        <p:nvSpPr>
+          <p:cNvPr id="2" name="Espace réservé de l'image des diapositives 1"/>
+          <p:cNvSpPr>
+            <a:spLocks noGrp="1" noRot="1" noChangeAspect="1"/>
+          </p:cNvSpPr>
+          <p:nvPr>
+            <p:ph type="sldImg"/>
+          </p:nvPr>
+        </p:nvSpPr>
+        <p:spPr/>
+      </p:sp>
+      <p:sp>
+        <p:nvSpPr>
+          <p:cNvPr id="3" name="Espace réservé des notes 2"/>
+          <p:cNvSpPr>
+            <a:spLocks noGrp="1"/>
+          </p:cNvSpPr>
+          <p:nvPr>
+            <p:ph type="body" idx="1"/>
+          </p:nvPr>
+        </p:nvSpPr>
+        <p:spPr/>
+        <p:txBody>
+          <a:bodyPr/>
+          <a:lstStyle/>
+          <a:p>
+            <a:endParaRPr lang="fr-FR" dirty="0"/>
+          </a:p>
+        </p:txBody>
+      </p:sp>
+      <p:sp>
+        <p:nvSpPr>
+          <p:cNvPr id="4" name="Espace réservé du numéro de diapositive 3"/>
+          <p:cNvSpPr>
+            <a:spLocks noGrp="1"/>
+          </p:cNvSpPr>
+          <p:nvPr>
+            <p:ph type="sldNum" sz="quarter" idx="5"/>
+          </p:nvPr>
+        </p:nvSpPr>
+        <p:spPr/>
+        <p:txBody>
+          <a:bodyPr/>
+          <a:lstStyle/>
+          <a:p>
+            <a:fld id="{E9C28C48-7862-44F9-B779-9D6C7FC5B6E9}" type="slidenum">
+              <a:rPr lang="fr-FR" smtClean="0"/>
+              <a:t>21</a:t>
+            </a:fld>
+            <a:endParaRPr lang="fr-FR"/>
+          </a:p>
+        </p:txBody>
+      </p:sp>
+    </p:spTree>
+    <p:extLst>
+      <p:ext uri="{BB962C8B-B14F-4D97-AF65-F5344CB8AC3E}">
+        <p14:creationId xmlns:p14="http://schemas.microsoft.com/office/powerpoint/2010/main" val="1684382601"/>
       </p:ext>
     </p:extLst>
   </p:cSld>
@@ -1066,6 +1834,174 @@
 </p:notes>
 </file>
 
+<file path=ppt/notesSlides/notesSlide8.xml><?xml version="1.0" encoding="utf-8"?>
+<p:notes xmlns:a="http://schemas.openxmlformats.org/drawingml/2006/main" xmlns:r="http://schemas.openxmlformats.org/officeDocument/2006/relationships" xmlns:p="http://schemas.openxmlformats.org/presentationml/2006/main">
+  <p:cSld>
+    <p:spTree>
+      <p:nvGrpSpPr>
+        <p:cNvPr id="1" name=""/>
+        <p:cNvGrpSpPr/>
+        <p:nvPr/>
+      </p:nvGrpSpPr>
+      <p:grpSpPr>
+        <a:xfrm>
+          <a:off x="0" y="0"/>
+          <a:ext cx="0" cy="0"/>
+          <a:chOff x="0" y="0"/>
+          <a:chExt cx="0" cy="0"/>
+        </a:xfrm>
+      </p:grpSpPr>
+      <p:sp>
+        <p:nvSpPr>
+          <p:cNvPr id="2" name="Espace réservé de l'image des diapositives 1"/>
+          <p:cNvSpPr>
+            <a:spLocks noGrp="1" noRot="1" noChangeAspect="1"/>
+          </p:cNvSpPr>
+          <p:nvPr>
+            <p:ph type="sldImg"/>
+          </p:nvPr>
+        </p:nvSpPr>
+        <p:spPr/>
+      </p:sp>
+      <p:sp>
+        <p:nvSpPr>
+          <p:cNvPr id="3" name="Espace réservé des notes 2"/>
+          <p:cNvSpPr>
+            <a:spLocks noGrp="1"/>
+          </p:cNvSpPr>
+          <p:nvPr>
+            <p:ph type="body" idx="1"/>
+          </p:nvPr>
+        </p:nvSpPr>
+        <p:spPr/>
+        <p:txBody>
+          <a:bodyPr/>
+          <a:lstStyle/>
+          <a:p>
+            <a:endParaRPr lang="fr-FR" dirty="0"/>
+          </a:p>
+        </p:txBody>
+      </p:sp>
+      <p:sp>
+        <p:nvSpPr>
+          <p:cNvPr id="4" name="Espace réservé du numéro de diapositive 3"/>
+          <p:cNvSpPr>
+            <a:spLocks noGrp="1"/>
+          </p:cNvSpPr>
+          <p:nvPr>
+            <p:ph type="sldNum" sz="quarter" idx="5"/>
+          </p:nvPr>
+        </p:nvSpPr>
+        <p:spPr/>
+        <p:txBody>
+          <a:bodyPr/>
+          <a:lstStyle/>
+          <a:p>
+            <a:fld id="{E9C28C48-7862-44F9-B779-9D6C7FC5B6E9}" type="slidenum">
+              <a:rPr lang="fr-FR" smtClean="0"/>
+              <a:t>10</a:t>
+            </a:fld>
+            <a:endParaRPr lang="fr-FR"/>
+          </a:p>
+        </p:txBody>
+      </p:sp>
+    </p:spTree>
+    <p:extLst>
+      <p:ext uri="{BB962C8B-B14F-4D97-AF65-F5344CB8AC3E}">
+        <p14:creationId xmlns:p14="http://schemas.microsoft.com/office/powerpoint/2010/main" val="1069336232"/>
+      </p:ext>
+    </p:extLst>
+  </p:cSld>
+  <p:clrMapOvr>
+    <a:masterClrMapping/>
+  </p:clrMapOvr>
+</p:notes>
+</file>
+
+<file path=ppt/notesSlides/notesSlide9.xml><?xml version="1.0" encoding="utf-8"?>
+<p:notes xmlns:a="http://schemas.openxmlformats.org/drawingml/2006/main" xmlns:r="http://schemas.openxmlformats.org/officeDocument/2006/relationships" xmlns:p="http://schemas.openxmlformats.org/presentationml/2006/main">
+  <p:cSld>
+    <p:spTree>
+      <p:nvGrpSpPr>
+        <p:cNvPr id="1" name=""/>
+        <p:cNvGrpSpPr/>
+        <p:nvPr/>
+      </p:nvGrpSpPr>
+      <p:grpSpPr>
+        <a:xfrm>
+          <a:off x="0" y="0"/>
+          <a:ext cx="0" cy="0"/>
+          <a:chOff x="0" y="0"/>
+          <a:chExt cx="0" cy="0"/>
+        </a:xfrm>
+      </p:grpSpPr>
+      <p:sp>
+        <p:nvSpPr>
+          <p:cNvPr id="2" name="Espace réservé de l'image des diapositives 1"/>
+          <p:cNvSpPr>
+            <a:spLocks noGrp="1" noRot="1" noChangeAspect="1"/>
+          </p:cNvSpPr>
+          <p:nvPr>
+            <p:ph type="sldImg"/>
+          </p:nvPr>
+        </p:nvSpPr>
+        <p:spPr/>
+      </p:sp>
+      <p:sp>
+        <p:nvSpPr>
+          <p:cNvPr id="3" name="Espace réservé des notes 2"/>
+          <p:cNvSpPr>
+            <a:spLocks noGrp="1"/>
+          </p:cNvSpPr>
+          <p:nvPr>
+            <p:ph type="body" idx="1"/>
+          </p:nvPr>
+        </p:nvSpPr>
+        <p:spPr/>
+        <p:txBody>
+          <a:bodyPr/>
+          <a:lstStyle/>
+          <a:p>
+            <a:endParaRPr lang="fr-FR" dirty="0"/>
+          </a:p>
+        </p:txBody>
+      </p:sp>
+      <p:sp>
+        <p:nvSpPr>
+          <p:cNvPr id="4" name="Espace réservé du numéro de diapositive 3"/>
+          <p:cNvSpPr>
+            <a:spLocks noGrp="1"/>
+          </p:cNvSpPr>
+          <p:nvPr>
+            <p:ph type="sldNum" sz="quarter" idx="5"/>
+          </p:nvPr>
+        </p:nvSpPr>
+        <p:spPr/>
+        <p:txBody>
+          <a:bodyPr/>
+          <a:lstStyle/>
+          <a:p>
+            <a:fld id="{E9C28C48-7862-44F9-B779-9D6C7FC5B6E9}" type="slidenum">
+              <a:rPr lang="fr-FR" smtClean="0"/>
+              <a:t>11</a:t>
+            </a:fld>
+            <a:endParaRPr lang="fr-FR"/>
+          </a:p>
+        </p:txBody>
+      </p:sp>
+    </p:spTree>
+    <p:extLst>
+      <p:ext uri="{BB962C8B-B14F-4D97-AF65-F5344CB8AC3E}">
+        <p14:creationId xmlns:p14="http://schemas.microsoft.com/office/powerpoint/2010/main" val="118765618"/>
+      </p:ext>
+    </p:extLst>
+  </p:cSld>
+  <p:clrMapOvr>
+    <a:masterClrMapping/>
+  </p:clrMapOvr>
+</p:notes>
+</file>
+
 <file path=ppt/slideLayouts/slideLayout1.xml><?xml version="1.0" encoding="utf-8"?>
 <p:sldLayout xmlns:a="http://schemas.openxmlformats.org/drawingml/2006/main" xmlns:r="http://schemas.openxmlformats.org/officeDocument/2006/relationships" xmlns:p="http://schemas.openxmlformats.org/presentationml/2006/main" type="title" preserve="1">
   <p:cSld name="Diapositive de titre">
@@ -1213,7 +2149,7 @@
           <a:p>
             <a:fld id="{D4E5B539-ACE7-4AE4-97AA-4A49E9854FF8}" type="datetimeFigureOut">
               <a:rPr lang="fr-FR" smtClean="0"/>
-              <a:t>21/10/2019</a:t>
+              <a:t>22/10/2019</a:t>
             </a:fld>
             <a:endParaRPr lang="fr-FR"/>
           </a:p>
@@ -1411,7 +2347,7 @@
           <a:p>
             <a:fld id="{D4E5B539-ACE7-4AE4-97AA-4A49E9854FF8}" type="datetimeFigureOut">
               <a:rPr lang="fr-FR" smtClean="0"/>
-              <a:t>21/10/2019</a:t>
+              <a:t>22/10/2019</a:t>
             </a:fld>
             <a:endParaRPr lang="fr-FR"/>
           </a:p>
@@ -1619,7 +2555,7 @@
           <a:p>
             <a:fld id="{D4E5B539-ACE7-4AE4-97AA-4A49E9854FF8}" type="datetimeFigureOut">
               <a:rPr lang="fr-FR" smtClean="0"/>
-              <a:t>21/10/2019</a:t>
+              <a:t>22/10/2019</a:t>
             </a:fld>
             <a:endParaRPr lang="fr-FR"/>
           </a:p>
@@ -2357,6 +3293,50 @@
 </p:sldLayout>
 </file>
 
+<file path=ppt/slideLayouts/slideLayout16.xml><?xml version="1.0" encoding="utf-8"?>
+<p:sldLayout xmlns:a="http://schemas.openxmlformats.org/drawingml/2006/main" xmlns:r="http://schemas.openxmlformats.org/officeDocument/2006/relationships" xmlns:p="http://schemas.openxmlformats.org/presentationml/2006/main" userDrawn="1">
+  <p:cSld name="End slide layout">
+    <p:bg>
+      <p:bgPr>
+        <a:blipFill dpi="0" rotWithShape="1">
+          <a:blip r:embed="rId2">
+            <a:lum/>
+          </a:blip>
+          <a:srcRect/>
+          <a:stretch>
+            <a:fillRect/>
+          </a:stretch>
+        </a:blipFill>
+        <a:effectLst/>
+      </p:bgPr>
+    </p:bg>
+    <p:spTree>
+      <p:nvGrpSpPr>
+        <p:cNvPr id="1" name=""/>
+        <p:cNvGrpSpPr/>
+        <p:nvPr/>
+      </p:nvGrpSpPr>
+      <p:grpSpPr>
+        <a:xfrm>
+          <a:off x="0" y="0"/>
+          <a:ext cx="0" cy="0"/>
+          <a:chOff x="0" y="0"/>
+          <a:chExt cx="0" cy="0"/>
+        </a:xfrm>
+      </p:grpSpPr>
+    </p:spTree>
+    <p:extLst>
+      <p:ext uri="{BB962C8B-B14F-4D97-AF65-F5344CB8AC3E}">
+        <p14:creationId xmlns:p14="http://schemas.microsoft.com/office/powerpoint/2010/main" val="3812053225"/>
+      </p:ext>
+    </p:extLst>
+  </p:cSld>
+  <p:clrMapOvr>
+    <a:masterClrMapping/>
+  </p:clrMapOvr>
+</p:sldLayout>
+</file>
+
 <file path=ppt/slideLayouts/slideLayout2.xml><?xml version="1.0" encoding="utf-8"?>
 <p:sldLayout xmlns:a="http://schemas.openxmlformats.org/drawingml/2006/main" xmlns:r="http://schemas.openxmlformats.org/officeDocument/2006/relationships" xmlns:p="http://schemas.openxmlformats.org/presentationml/2006/main" type="obj" preserve="1">
   <p:cSld name="Titre et contenu">
@@ -2482,7 +3462,7 @@
           <a:p>
             <a:fld id="{D4E5B539-ACE7-4AE4-97AA-4A49E9854FF8}" type="datetimeFigureOut">
               <a:rPr lang="fr-FR" smtClean="0"/>
-              <a:t>21/10/2019</a:t>
+              <a:t>22/10/2019</a:t>
             </a:fld>
             <a:endParaRPr lang="fr-FR"/>
           </a:p>
@@ -2757,7 +3737,7 @@
           <a:p>
             <a:fld id="{D4E5B539-ACE7-4AE4-97AA-4A49E9854FF8}" type="datetimeFigureOut">
               <a:rPr lang="fr-FR" smtClean="0"/>
-              <a:t>21/10/2019</a:t>
+              <a:t>22/10/2019</a:t>
             </a:fld>
             <a:endParaRPr lang="fr-FR"/>
           </a:p>
@@ -3022,7 +4002,7 @@
           <a:p>
             <a:fld id="{D4E5B539-ACE7-4AE4-97AA-4A49E9854FF8}" type="datetimeFigureOut">
               <a:rPr lang="fr-FR" smtClean="0"/>
-              <a:t>21/10/2019</a:t>
+              <a:t>22/10/2019</a:t>
             </a:fld>
             <a:endParaRPr lang="fr-FR"/>
           </a:p>
@@ -3434,7 +4414,7 @@
           <a:p>
             <a:fld id="{D4E5B539-ACE7-4AE4-97AA-4A49E9854FF8}" type="datetimeFigureOut">
               <a:rPr lang="fr-FR" smtClean="0"/>
-              <a:t>21/10/2019</a:t>
+              <a:t>22/10/2019</a:t>
             </a:fld>
             <a:endParaRPr lang="fr-FR"/>
           </a:p>
@@ -3575,7 +4555,7 @@
           <a:p>
             <a:fld id="{D4E5B539-ACE7-4AE4-97AA-4A49E9854FF8}" type="datetimeFigureOut">
               <a:rPr lang="fr-FR" smtClean="0"/>
-              <a:t>21/10/2019</a:t>
+              <a:t>22/10/2019</a:t>
             </a:fld>
             <a:endParaRPr lang="fr-FR"/>
           </a:p>
@@ -3688,7 +4668,7 @@
           <a:p>
             <a:fld id="{D4E5B539-ACE7-4AE4-97AA-4A49E9854FF8}" type="datetimeFigureOut">
               <a:rPr lang="fr-FR" smtClean="0"/>
-              <a:t>21/10/2019</a:t>
+              <a:t>22/10/2019</a:t>
             </a:fld>
             <a:endParaRPr lang="fr-FR"/>
           </a:p>
@@ -3999,7 +4979,7 @@
           <a:p>
             <a:fld id="{D4E5B539-ACE7-4AE4-97AA-4A49E9854FF8}" type="datetimeFigureOut">
               <a:rPr lang="fr-FR" smtClean="0"/>
-              <a:t>21/10/2019</a:t>
+              <a:t>22/10/2019</a:t>
             </a:fld>
             <a:endParaRPr lang="fr-FR"/>
           </a:p>
@@ -4287,7 +5267,7 @@
           <a:p>
             <a:fld id="{D4E5B539-ACE7-4AE4-97AA-4A49E9854FF8}" type="datetimeFigureOut">
               <a:rPr lang="fr-FR" smtClean="0"/>
-              <a:t>21/10/2019</a:t>
+              <a:t>22/10/2019</a:t>
             </a:fld>
             <a:endParaRPr lang="fr-FR"/>
           </a:p>
@@ -4528,7 +5508,7 @@
           <a:p>
             <a:fld id="{D4E5B539-ACE7-4AE4-97AA-4A49E9854FF8}" type="datetimeFigureOut">
               <a:rPr lang="fr-FR" smtClean="0"/>
-              <a:t>21/10/2019</a:t>
+              <a:t>22/10/2019</a:t>
             </a:fld>
             <a:endParaRPr lang="fr-FR"/>
           </a:p>
@@ -4648,6 +5628,7 @@
     <p:sldLayoutId id="2147483661" r:id="rId13"/>
     <p:sldLayoutId id="2147483662" r:id="rId14"/>
     <p:sldLayoutId id="2147483663" r:id="rId15"/>
+    <p:sldLayoutId id="2147483664" r:id="rId16"/>
   </p:sldLayoutIdLst>
   <p:txStyles>
     <p:titleStyle>
@@ -5393,6 +6374,1563 @@
     <p:extLst>
       <p:ext uri="{BB962C8B-B14F-4D97-AF65-F5344CB8AC3E}">
         <p14:creationId xmlns:p14="http://schemas.microsoft.com/office/powerpoint/2010/main" val="4078693176"/>
+      </p:ext>
+    </p:extLst>
+  </p:cSld>
+  <p:clrMapOvr>
+    <a:masterClrMapping/>
+  </p:clrMapOvr>
+</p:sld>
+</file>
+
+<file path=ppt/slides/slide10.xml><?xml version="1.0" encoding="utf-8"?>
+<p:sld xmlns:a="http://schemas.openxmlformats.org/drawingml/2006/main" xmlns:r="http://schemas.openxmlformats.org/officeDocument/2006/relationships" xmlns:p="http://schemas.openxmlformats.org/presentationml/2006/main">
+  <p:cSld>
+    <p:spTree>
+      <p:nvGrpSpPr>
+        <p:cNvPr id="1" name=""/>
+        <p:cNvGrpSpPr/>
+        <p:nvPr/>
+      </p:nvGrpSpPr>
+      <p:grpSpPr>
+        <a:xfrm>
+          <a:off x="0" y="0"/>
+          <a:ext cx="0" cy="0"/>
+          <a:chOff x="0" y="0"/>
+          <a:chExt cx="0" cy="0"/>
+        </a:xfrm>
+      </p:grpSpPr>
+      <p:sp>
+        <p:nvSpPr>
+          <p:cNvPr id="3" name="Rectangle 2">
+            <a:extLst>
+              <a:ext uri="{FF2B5EF4-FFF2-40B4-BE49-F238E27FC236}">
+                <a16:creationId xmlns:a16="http://schemas.microsoft.com/office/drawing/2014/main" id="{F4818F94-9467-409C-97B4-9117954BC51E}"/>
+              </a:ext>
+            </a:extLst>
+          </p:cNvPr>
+          <p:cNvSpPr/>
+          <p:nvPr/>
+        </p:nvSpPr>
+        <p:spPr>
+          <a:xfrm>
+            <a:off x="944880" y="1897378"/>
+            <a:ext cx="10302240" cy="4960622"/>
+          </a:xfrm>
+          <a:prstGeom prst="rect">
+            <a:avLst/>
+          </a:prstGeom>
+          <a:gradFill flip="none" rotWithShape="1">
+            <a:gsLst>
+              <a:gs pos="0">
+                <a:schemeClr val="accent1">
+                  <a:lumMod val="20000"/>
+                  <a:lumOff val="80000"/>
+                </a:schemeClr>
+              </a:gs>
+              <a:gs pos="0">
+                <a:srgbClr val="DAE3F3">
+                  <a:alpha val="0"/>
+                </a:srgbClr>
+              </a:gs>
+              <a:gs pos="84000">
+                <a:schemeClr val="accent1">
+                  <a:lumMod val="75000"/>
+                </a:schemeClr>
+              </a:gs>
+            </a:gsLst>
+            <a:lin ang="5400000" scaled="1"/>
+            <a:tileRect/>
+          </a:gradFill>
+          <a:ln>
+            <a:noFill/>
+          </a:ln>
+        </p:spPr>
+        <p:style>
+          <a:lnRef idx="2">
+            <a:schemeClr val="accent1">
+              <a:shade val="50000"/>
+            </a:schemeClr>
+          </a:lnRef>
+          <a:fillRef idx="1">
+            <a:schemeClr val="accent1"/>
+          </a:fillRef>
+          <a:effectRef idx="0">
+            <a:schemeClr val="accent1"/>
+          </a:effectRef>
+          <a:fontRef idx="minor">
+            <a:schemeClr val="lt1"/>
+          </a:fontRef>
+        </p:style>
+        <p:txBody>
+          <a:bodyPr rtlCol="0" anchor="ctr"/>
+          <a:lstStyle/>
+          <a:p>
+            <a:pPr algn="ctr"/>
+            <a:endParaRPr lang="en-US"/>
+          </a:p>
+        </p:txBody>
+      </p:sp>
+      <p:sp>
+        <p:nvSpPr>
+          <p:cNvPr id="4" name="TextBox 3">
+            <a:extLst>
+              <a:ext uri="{FF2B5EF4-FFF2-40B4-BE49-F238E27FC236}">
+                <a16:creationId xmlns:a16="http://schemas.microsoft.com/office/drawing/2014/main" id="{FFCB70AB-01D4-4E9B-AEB3-C9942CF9DF32}"/>
+              </a:ext>
+            </a:extLst>
+          </p:cNvPr>
+          <p:cNvSpPr txBox="1"/>
+          <p:nvPr/>
+        </p:nvSpPr>
+        <p:spPr>
+          <a:xfrm>
+            <a:off x="2610112" y="5006545"/>
+            <a:ext cx="6971775" cy="830997"/>
+          </a:xfrm>
+          <a:prstGeom prst="rect">
+            <a:avLst/>
+          </a:prstGeom>
+          <a:noFill/>
+        </p:spPr>
+        <p:txBody>
+          <a:bodyPr wrap="square" rtlCol="0" anchor="ctr">
+            <a:spAutoFit/>
+          </a:bodyPr>
+          <a:lstStyle/>
+          <a:p>
+            <a:pPr algn="ctr"/>
+            <a:r>
+              <a:rPr lang="fr-FR" altLang="ko-KR" sz="4800" b="1" spc="300" dirty="0">
+                <a:solidFill>
+                  <a:schemeClr val="bg1"/>
+                </a:solidFill>
+                <a:latin typeface="Arial" panose="020B0604020202020204" pitchFamily="34" charset="0"/>
+                <a:cs typeface="Arial" panose="020B0604020202020204" pitchFamily="34" charset="0"/>
+              </a:rPr>
+              <a:t>Solutions possibles </a:t>
+            </a:r>
+            <a:endParaRPr lang="ko-KR" altLang="en-US" sz="4800" b="1" spc="300" dirty="0">
+              <a:solidFill>
+                <a:schemeClr val="bg1"/>
+              </a:solidFill>
+              <a:latin typeface="Arial" panose="020B0604020202020204" pitchFamily="34" charset="0"/>
+              <a:cs typeface="Arial" panose="020B0604020202020204" pitchFamily="34" charset="0"/>
+            </a:endParaRPr>
+          </a:p>
+        </p:txBody>
+      </p:sp>
+    </p:spTree>
+    <p:extLst>
+      <p:ext uri="{BB962C8B-B14F-4D97-AF65-F5344CB8AC3E}">
+        <p14:creationId xmlns:p14="http://schemas.microsoft.com/office/powerpoint/2010/main" val="3871885259"/>
+      </p:ext>
+    </p:extLst>
+  </p:cSld>
+  <p:clrMapOvr>
+    <a:masterClrMapping/>
+  </p:clrMapOvr>
+</p:sld>
+</file>
+
+<file path=ppt/slides/slide11.xml><?xml version="1.0" encoding="utf-8"?>
+<p:sld xmlns:a="http://schemas.openxmlformats.org/drawingml/2006/main" xmlns:r="http://schemas.openxmlformats.org/officeDocument/2006/relationships" xmlns:p="http://schemas.openxmlformats.org/presentationml/2006/main">
+  <p:cSld>
+    <p:spTree>
+      <p:nvGrpSpPr>
+        <p:cNvPr id="1" name=""/>
+        <p:cNvGrpSpPr/>
+        <p:nvPr/>
+      </p:nvGrpSpPr>
+      <p:grpSpPr>
+        <a:xfrm>
+          <a:off x="0" y="0"/>
+          <a:ext cx="0" cy="0"/>
+          <a:chOff x="0" y="0"/>
+          <a:chExt cx="0" cy="0"/>
+        </a:xfrm>
+      </p:grpSpPr>
+      <p:sp>
+        <p:nvSpPr>
+          <p:cNvPr id="31" name="Rectangle 30">
+            <a:extLst>
+              <a:ext uri="{FF2B5EF4-FFF2-40B4-BE49-F238E27FC236}">
+                <a16:creationId xmlns:a16="http://schemas.microsoft.com/office/drawing/2014/main" id="{D8ED2E39-AB4F-42B5-9617-D1779FC29121}"/>
+              </a:ext>
+            </a:extLst>
+          </p:cNvPr>
+          <p:cNvSpPr/>
+          <p:nvPr/>
+        </p:nvSpPr>
+        <p:spPr>
+          <a:xfrm>
+            <a:off x="0" y="0"/>
+            <a:ext cx="2710927" cy="839096"/>
+          </a:xfrm>
+          <a:prstGeom prst="rect">
+            <a:avLst/>
+          </a:prstGeom>
+          <a:solidFill>
+            <a:schemeClr val="accent1">
+              <a:alpha val="40000"/>
+            </a:schemeClr>
+          </a:solidFill>
+          <a:ln>
+            <a:noFill/>
+          </a:ln>
+        </p:spPr>
+        <p:style>
+          <a:lnRef idx="2">
+            <a:schemeClr val="accent1">
+              <a:shade val="50000"/>
+            </a:schemeClr>
+          </a:lnRef>
+          <a:fillRef idx="1">
+            <a:schemeClr val="accent1"/>
+          </a:fillRef>
+          <a:effectRef idx="0">
+            <a:schemeClr val="accent1"/>
+          </a:effectRef>
+          <a:fontRef idx="minor">
+            <a:schemeClr val="lt1"/>
+          </a:fontRef>
+        </p:style>
+        <p:txBody>
+          <a:bodyPr rtlCol="0" anchor="ctr"/>
+          <a:lstStyle/>
+          <a:p>
+            <a:pPr algn="ctr"/>
+            <a:r>
+              <a:rPr lang="en-US" b="1" dirty="0">
+                <a:solidFill>
+                  <a:schemeClr val="tx1"/>
+                </a:solidFill>
+              </a:rPr>
+              <a:t>Architecture orientée microservices </a:t>
+            </a:r>
+          </a:p>
+        </p:txBody>
+      </p:sp>
+      <p:pic>
+        <p:nvPicPr>
+          <p:cNvPr id="3" name="Image 2">
+            <a:extLst>
+              <a:ext uri="{FF2B5EF4-FFF2-40B4-BE49-F238E27FC236}">
+                <a16:creationId xmlns:a16="http://schemas.microsoft.com/office/drawing/2014/main" id="{76F9E2E1-A230-474A-8496-7B116A78CADE}"/>
+              </a:ext>
+            </a:extLst>
+          </p:cNvPr>
+          <p:cNvPicPr/>
+          <p:nvPr/>
+        </p:nvPicPr>
+        <p:blipFill>
+          <a:blip r:embed="rId3">
+            <a:extLst>
+              <a:ext uri="{28A0092B-C50C-407E-A947-70E740481C1C}">
+                <a14:useLocalDpi xmlns:a14="http://schemas.microsoft.com/office/drawing/2010/main" val="0"/>
+              </a:ext>
+            </a:extLst>
+          </a:blip>
+          <a:stretch>
+            <a:fillRect/>
+          </a:stretch>
+        </p:blipFill>
+        <p:spPr>
+          <a:xfrm>
+            <a:off x="2447728" y="814440"/>
+            <a:ext cx="7296544" cy="5229119"/>
+          </a:xfrm>
+          <a:prstGeom prst="rect">
+            <a:avLst/>
+          </a:prstGeom>
+        </p:spPr>
+      </p:pic>
+    </p:spTree>
+    <p:extLst>
+      <p:ext uri="{BB962C8B-B14F-4D97-AF65-F5344CB8AC3E}">
+        <p14:creationId xmlns:p14="http://schemas.microsoft.com/office/powerpoint/2010/main" val="976457573"/>
+      </p:ext>
+    </p:extLst>
+  </p:cSld>
+  <p:clrMapOvr>
+    <a:masterClrMapping/>
+  </p:clrMapOvr>
+</p:sld>
+</file>
+
+<file path=ppt/slides/slide12.xml><?xml version="1.0" encoding="utf-8"?>
+<p:sld xmlns:a="http://schemas.openxmlformats.org/drawingml/2006/main" xmlns:r="http://schemas.openxmlformats.org/officeDocument/2006/relationships" xmlns:p="http://schemas.openxmlformats.org/presentationml/2006/main">
+  <p:cSld>
+    <p:spTree>
+      <p:nvGrpSpPr>
+        <p:cNvPr id="1" name=""/>
+        <p:cNvGrpSpPr/>
+        <p:nvPr/>
+      </p:nvGrpSpPr>
+      <p:grpSpPr>
+        <a:xfrm>
+          <a:off x="0" y="0"/>
+          <a:ext cx="0" cy="0"/>
+          <a:chOff x="0" y="0"/>
+          <a:chExt cx="0" cy="0"/>
+        </a:xfrm>
+      </p:grpSpPr>
+      <p:sp>
+        <p:nvSpPr>
+          <p:cNvPr id="31" name="Rectangle 30">
+            <a:extLst>
+              <a:ext uri="{FF2B5EF4-FFF2-40B4-BE49-F238E27FC236}">
+                <a16:creationId xmlns:a16="http://schemas.microsoft.com/office/drawing/2014/main" id="{D8ED2E39-AB4F-42B5-9617-D1779FC29121}"/>
+              </a:ext>
+            </a:extLst>
+          </p:cNvPr>
+          <p:cNvSpPr/>
+          <p:nvPr/>
+        </p:nvSpPr>
+        <p:spPr>
+          <a:xfrm>
+            <a:off x="0" y="-24656"/>
+            <a:ext cx="2710927" cy="839096"/>
+          </a:xfrm>
+          <a:prstGeom prst="rect">
+            <a:avLst/>
+          </a:prstGeom>
+          <a:solidFill>
+            <a:schemeClr val="accent1">
+              <a:alpha val="40000"/>
+            </a:schemeClr>
+          </a:solidFill>
+          <a:ln>
+            <a:noFill/>
+          </a:ln>
+        </p:spPr>
+        <p:style>
+          <a:lnRef idx="2">
+            <a:schemeClr val="accent1">
+              <a:shade val="50000"/>
+            </a:schemeClr>
+          </a:lnRef>
+          <a:fillRef idx="1">
+            <a:schemeClr val="accent1"/>
+          </a:fillRef>
+          <a:effectRef idx="0">
+            <a:schemeClr val="accent1"/>
+          </a:effectRef>
+          <a:fontRef idx="minor">
+            <a:schemeClr val="lt1"/>
+          </a:fontRef>
+        </p:style>
+        <p:txBody>
+          <a:bodyPr rtlCol="0" anchor="ctr"/>
+          <a:lstStyle/>
+          <a:p>
+            <a:pPr algn="ctr"/>
+            <a:r>
+              <a:rPr lang="en-US" b="1" dirty="0">
+                <a:solidFill>
+                  <a:schemeClr val="tx1"/>
+                </a:solidFill>
+              </a:rPr>
+              <a:t>Architecture orientée services </a:t>
+            </a:r>
+          </a:p>
+        </p:txBody>
+      </p:sp>
+    </p:spTree>
+    <p:extLst>
+      <p:ext uri="{BB962C8B-B14F-4D97-AF65-F5344CB8AC3E}">
+        <p14:creationId xmlns:p14="http://schemas.microsoft.com/office/powerpoint/2010/main" val="1356819024"/>
+      </p:ext>
+    </p:extLst>
+  </p:cSld>
+  <p:clrMapOvr>
+    <a:masterClrMapping/>
+  </p:clrMapOvr>
+</p:sld>
+</file>
+
+<file path=ppt/slides/slide13.xml><?xml version="1.0" encoding="utf-8"?>
+<p:sld xmlns:a="http://schemas.openxmlformats.org/drawingml/2006/main" xmlns:r="http://schemas.openxmlformats.org/officeDocument/2006/relationships" xmlns:p="http://schemas.openxmlformats.org/presentationml/2006/main">
+  <p:cSld>
+    <p:spTree>
+      <p:nvGrpSpPr>
+        <p:cNvPr id="1" name=""/>
+        <p:cNvGrpSpPr/>
+        <p:nvPr/>
+      </p:nvGrpSpPr>
+      <p:grpSpPr>
+        <a:xfrm>
+          <a:off x="0" y="0"/>
+          <a:ext cx="0" cy="0"/>
+          <a:chOff x="0" y="0"/>
+          <a:chExt cx="0" cy="0"/>
+        </a:xfrm>
+      </p:grpSpPr>
+      <p:sp>
+        <p:nvSpPr>
+          <p:cNvPr id="31" name="Rectangle 30">
+            <a:extLst>
+              <a:ext uri="{FF2B5EF4-FFF2-40B4-BE49-F238E27FC236}">
+                <a16:creationId xmlns:a16="http://schemas.microsoft.com/office/drawing/2014/main" id="{D8ED2E39-AB4F-42B5-9617-D1779FC29121}"/>
+              </a:ext>
+            </a:extLst>
+          </p:cNvPr>
+          <p:cNvSpPr/>
+          <p:nvPr/>
+        </p:nvSpPr>
+        <p:spPr>
+          <a:xfrm>
+            <a:off x="0" y="0"/>
+            <a:ext cx="2710927" cy="839096"/>
+          </a:xfrm>
+          <a:prstGeom prst="rect">
+            <a:avLst/>
+          </a:prstGeom>
+          <a:solidFill>
+            <a:schemeClr val="accent1">
+              <a:alpha val="40000"/>
+            </a:schemeClr>
+          </a:solidFill>
+          <a:ln>
+            <a:noFill/>
+          </a:ln>
+        </p:spPr>
+        <p:style>
+          <a:lnRef idx="2">
+            <a:schemeClr val="accent1">
+              <a:shade val="50000"/>
+            </a:schemeClr>
+          </a:lnRef>
+          <a:fillRef idx="1">
+            <a:schemeClr val="accent1"/>
+          </a:fillRef>
+          <a:effectRef idx="0">
+            <a:schemeClr val="accent1"/>
+          </a:effectRef>
+          <a:fontRef idx="minor">
+            <a:schemeClr val="lt1"/>
+          </a:fontRef>
+        </p:style>
+        <p:txBody>
+          <a:bodyPr rtlCol="0" anchor="ctr"/>
+          <a:lstStyle/>
+          <a:p>
+            <a:pPr algn="ctr"/>
+            <a:r>
+              <a:rPr lang="en-US" b="1" dirty="0" err="1">
+                <a:solidFill>
+                  <a:schemeClr val="tx1"/>
+                </a:solidFill>
+              </a:rPr>
+              <a:t>qualité</a:t>
+            </a:r>
+            <a:endParaRPr lang="en-US" b="1" dirty="0">
+              <a:solidFill>
+                <a:schemeClr val="tx1"/>
+              </a:solidFill>
+            </a:endParaRPr>
+          </a:p>
+        </p:txBody>
+      </p:sp>
+    </p:spTree>
+    <p:extLst>
+      <p:ext uri="{BB962C8B-B14F-4D97-AF65-F5344CB8AC3E}">
+        <p14:creationId xmlns:p14="http://schemas.microsoft.com/office/powerpoint/2010/main" val="1279492487"/>
+      </p:ext>
+    </p:extLst>
+  </p:cSld>
+  <p:clrMapOvr>
+    <a:masterClrMapping/>
+  </p:clrMapOvr>
+</p:sld>
+</file>
+
+<file path=ppt/slides/slide14.xml><?xml version="1.0" encoding="utf-8"?>
+<p:sld xmlns:a="http://schemas.openxmlformats.org/drawingml/2006/main" xmlns:r="http://schemas.openxmlformats.org/officeDocument/2006/relationships" xmlns:p="http://schemas.openxmlformats.org/presentationml/2006/main">
+  <p:cSld>
+    <p:spTree>
+      <p:nvGrpSpPr>
+        <p:cNvPr id="1" name=""/>
+        <p:cNvGrpSpPr/>
+        <p:nvPr/>
+      </p:nvGrpSpPr>
+      <p:grpSpPr>
+        <a:xfrm>
+          <a:off x="0" y="0"/>
+          <a:ext cx="0" cy="0"/>
+          <a:chOff x="0" y="0"/>
+          <a:chExt cx="0" cy="0"/>
+        </a:xfrm>
+      </p:grpSpPr>
+      <p:sp>
+        <p:nvSpPr>
+          <p:cNvPr id="31" name="Rectangle 30">
+            <a:extLst>
+              <a:ext uri="{FF2B5EF4-FFF2-40B4-BE49-F238E27FC236}">
+                <a16:creationId xmlns:a16="http://schemas.microsoft.com/office/drawing/2014/main" id="{D8ED2E39-AB4F-42B5-9617-D1779FC29121}"/>
+              </a:ext>
+            </a:extLst>
+          </p:cNvPr>
+          <p:cNvSpPr/>
+          <p:nvPr/>
+        </p:nvSpPr>
+        <p:spPr>
+          <a:xfrm>
+            <a:off x="0" y="0"/>
+            <a:ext cx="2710927" cy="839096"/>
+          </a:xfrm>
+          <a:prstGeom prst="rect">
+            <a:avLst/>
+          </a:prstGeom>
+          <a:solidFill>
+            <a:schemeClr val="accent1">
+              <a:alpha val="40000"/>
+            </a:schemeClr>
+          </a:solidFill>
+          <a:ln>
+            <a:noFill/>
+          </a:ln>
+        </p:spPr>
+        <p:style>
+          <a:lnRef idx="2">
+            <a:schemeClr val="accent1">
+              <a:shade val="50000"/>
+            </a:schemeClr>
+          </a:lnRef>
+          <a:fillRef idx="1">
+            <a:schemeClr val="accent1"/>
+          </a:fillRef>
+          <a:effectRef idx="0">
+            <a:schemeClr val="accent1"/>
+          </a:effectRef>
+          <a:fontRef idx="minor">
+            <a:schemeClr val="lt1"/>
+          </a:fontRef>
+        </p:style>
+        <p:txBody>
+          <a:bodyPr rtlCol="0" anchor="ctr"/>
+          <a:lstStyle/>
+          <a:p>
+            <a:pPr algn="ctr"/>
+            <a:r>
+              <a:rPr lang="en-US" b="1" dirty="0" err="1">
+                <a:solidFill>
+                  <a:schemeClr val="tx1"/>
+                </a:solidFill>
+              </a:rPr>
+              <a:t>cout</a:t>
+            </a:r>
+            <a:endParaRPr lang="en-US" b="1" dirty="0">
+              <a:solidFill>
+                <a:schemeClr val="tx1"/>
+              </a:solidFill>
+            </a:endParaRPr>
+          </a:p>
+        </p:txBody>
+      </p:sp>
+    </p:spTree>
+    <p:extLst>
+      <p:ext uri="{BB962C8B-B14F-4D97-AF65-F5344CB8AC3E}">
+        <p14:creationId xmlns:p14="http://schemas.microsoft.com/office/powerpoint/2010/main" val="1572964555"/>
+      </p:ext>
+    </p:extLst>
+  </p:cSld>
+  <p:clrMapOvr>
+    <a:masterClrMapping/>
+  </p:clrMapOvr>
+</p:sld>
+</file>
+
+<file path=ppt/slides/slide15.xml><?xml version="1.0" encoding="utf-8"?>
+<p:sld xmlns:a="http://schemas.openxmlformats.org/drawingml/2006/main" xmlns:r="http://schemas.openxmlformats.org/officeDocument/2006/relationships" xmlns:p="http://schemas.openxmlformats.org/presentationml/2006/main">
+  <p:cSld>
+    <p:spTree>
+      <p:nvGrpSpPr>
+        <p:cNvPr id="1" name=""/>
+        <p:cNvGrpSpPr/>
+        <p:nvPr/>
+      </p:nvGrpSpPr>
+      <p:grpSpPr>
+        <a:xfrm>
+          <a:off x="0" y="0"/>
+          <a:ext cx="0" cy="0"/>
+          <a:chOff x="0" y="0"/>
+          <a:chExt cx="0" cy="0"/>
+        </a:xfrm>
+      </p:grpSpPr>
+      <p:sp>
+        <p:nvSpPr>
+          <p:cNvPr id="31" name="Rectangle 30">
+            <a:extLst>
+              <a:ext uri="{FF2B5EF4-FFF2-40B4-BE49-F238E27FC236}">
+                <a16:creationId xmlns:a16="http://schemas.microsoft.com/office/drawing/2014/main" id="{D8ED2E39-AB4F-42B5-9617-D1779FC29121}"/>
+              </a:ext>
+            </a:extLst>
+          </p:cNvPr>
+          <p:cNvSpPr/>
+          <p:nvPr/>
+        </p:nvSpPr>
+        <p:spPr>
+          <a:xfrm>
+            <a:off x="0" y="0"/>
+            <a:ext cx="2710927" cy="839096"/>
+          </a:xfrm>
+          <a:prstGeom prst="rect">
+            <a:avLst/>
+          </a:prstGeom>
+          <a:solidFill>
+            <a:schemeClr val="accent1">
+              <a:alpha val="40000"/>
+            </a:schemeClr>
+          </a:solidFill>
+          <a:ln>
+            <a:noFill/>
+          </a:ln>
+        </p:spPr>
+        <p:style>
+          <a:lnRef idx="2">
+            <a:schemeClr val="accent1">
+              <a:shade val="50000"/>
+            </a:schemeClr>
+          </a:lnRef>
+          <a:fillRef idx="1">
+            <a:schemeClr val="accent1"/>
+          </a:fillRef>
+          <a:effectRef idx="0">
+            <a:schemeClr val="accent1"/>
+          </a:effectRef>
+          <a:fontRef idx="minor">
+            <a:schemeClr val="lt1"/>
+          </a:fontRef>
+        </p:style>
+        <p:txBody>
+          <a:bodyPr rtlCol="0" anchor="ctr"/>
+          <a:lstStyle/>
+          <a:p>
+            <a:pPr algn="ctr"/>
+            <a:r>
+              <a:rPr lang="en-US" b="1" dirty="0" err="1">
+                <a:solidFill>
+                  <a:schemeClr val="tx1"/>
+                </a:solidFill>
+              </a:rPr>
+              <a:t>delai</a:t>
+            </a:r>
+            <a:endParaRPr lang="en-US" b="1" dirty="0">
+              <a:solidFill>
+                <a:schemeClr val="tx1"/>
+              </a:solidFill>
+            </a:endParaRPr>
+          </a:p>
+        </p:txBody>
+      </p:sp>
+    </p:spTree>
+    <p:extLst>
+      <p:ext uri="{BB962C8B-B14F-4D97-AF65-F5344CB8AC3E}">
+        <p14:creationId xmlns:p14="http://schemas.microsoft.com/office/powerpoint/2010/main" val="578807082"/>
+      </p:ext>
+    </p:extLst>
+  </p:cSld>
+  <p:clrMapOvr>
+    <a:masterClrMapping/>
+  </p:clrMapOvr>
+</p:sld>
+</file>
+
+<file path=ppt/slides/slide16.xml><?xml version="1.0" encoding="utf-8"?>
+<p:sld xmlns:a="http://schemas.openxmlformats.org/drawingml/2006/main" xmlns:r="http://schemas.openxmlformats.org/officeDocument/2006/relationships" xmlns:p="http://schemas.openxmlformats.org/presentationml/2006/main">
+  <p:cSld>
+    <p:spTree>
+      <p:nvGrpSpPr>
+        <p:cNvPr id="1" name=""/>
+        <p:cNvGrpSpPr/>
+        <p:nvPr/>
+      </p:nvGrpSpPr>
+      <p:grpSpPr>
+        <a:xfrm>
+          <a:off x="0" y="0"/>
+          <a:ext cx="0" cy="0"/>
+          <a:chOff x="0" y="0"/>
+          <a:chExt cx="0" cy="0"/>
+        </a:xfrm>
+      </p:grpSpPr>
+      <p:sp>
+        <p:nvSpPr>
+          <p:cNvPr id="15" name="Rectangle 14">
+            <a:extLst>
+              <a:ext uri="{FF2B5EF4-FFF2-40B4-BE49-F238E27FC236}">
+                <a16:creationId xmlns:a16="http://schemas.microsoft.com/office/drawing/2014/main" id="{B2002146-F106-483B-8C4D-E251FF6B1B7F}"/>
+              </a:ext>
+            </a:extLst>
+          </p:cNvPr>
+          <p:cNvSpPr/>
+          <p:nvPr/>
+        </p:nvSpPr>
+        <p:spPr>
+          <a:xfrm>
+            <a:off x="0" y="4572786"/>
+            <a:ext cx="12191999" cy="1850554"/>
+          </a:xfrm>
+          <a:prstGeom prst="rect">
+            <a:avLst/>
+          </a:prstGeom>
+          <a:solidFill>
+            <a:schemeClr val="accent1">
+              <a:alpha val="70000"/>
+            </a:schemeClr>
+          </a:solidFill>
+          <a:ln>
+            <a:noFill/>
+          </a:ln>
+        </p:spPr>
+        <p:style>
+          <a:lnRef idx="2">
+            <a:schemeClr val="accent1">
+              <a:shade val="50000"/>
+            </a:schemeClr>
+          </a:lnRef>
+          <a:fillRef idx="1">
+            <a:schemeClr val="accent1"/>
+          </a:fillRef>
+          <a:effectRef idx="0">
+            <a:schemeClr val="accent1"/>
+          </a:effectRef>
+          <a:fontRef idx="minor">
+            <a:schemeClr val="lt1"/>
+          </a:fontRef>
+        </p:style>
+        <p:txBody>
+          <a:bodyPr rtlCol="0" anchor="ctr"/>
+          <a:lstStyle/>
+          <a:p>
+            <a:pPr algn="ctr"/>
+            <a:endParaRPr lang="en-US">
+              <a:solidFill>
+                <a:schemeClr val="bg1"/>
+              </a:solidFill>
+            </a:endParaRPr>
+          </a:p>
+        </p:txBody>
+      </p:sp>
+      <p:sp>
+        <p:nvSpPr>
+          <p:cNvPr id="3" name="TextBox 2">
+            <a:extLst>
+              <a:ext uri="{FF2B5EF4-FFF2-40B4-BE49-F238E27FC236}">
+                <a16:creationId xmlns:a16="http://schemas.microsoft.com/office/drawing/2014/main" id="{020C8F30-9C91-4D39-A29C-BCE4134E41E9}"/>
+              </a:ext>
+            </a:extLst>
+          </p:cNvPr>
+          <p:cNvSpPr txBox="1"/>
+          <p:nvPr/>
+        </p:nvSpPr>
+        <p:spPr>
+          <a:xfrm>
+            <a:off x="-1" y="4851084"/>
+            <a:ext cx="12192000" cy="1015663"/>
+          </a:xfrm>
+          <a:prstGeom prst="rect">
+            <a:avLst/>
+          </a:prstGeom>
+          <a:noFill/>
+        </p:spPr>
+        <p:txBody>
+          <a:bodyPr wrap="square" rtlCol="0" anchor="ctr">
+            <a:spAutoFit/>
+          </a:bodyPr>
+          <a:lstStyle/>
+          <a:p>
+            <a:pPr algn="ctr"/>
+            <a:r>
+              <a:rPr lang="fr-FR" altLang="ko-KR" sz="6000" dirty="0">
+                <a:solidFill>
+                  <a:schemeClr val="bg1"/>
+                </a:solidFill>
+                <a:latin typeface="Arial" panose="020B0604020202020204" pitchFamily="34" charset="0"/>
+                <a:cs typeface="Arial" panose="020B0604020202020204" pitchFamily="34" charset="0"/>
+              </a:rPr>
+              <a:t>Réalisation</a:t>
+            </a:r>
+            <a:endParaRPr lang="ko-KR" altLang="en-US" sz="6000" dirty="0">
+              <a:solidFill>
+                <a:schemeClr val="bg1"/>
+              </a:solidFill>
+              <a:latin typeface="Arial" panose="020B0604020202020204" pitchFamily="34" charset="0"/>
+              <a:cs typeface="Arial" panose="020B0604020202020204" pitchFamily="34" charset="0"/>
+            </a:endParaRPr>
+          </a:p>
+        </p:txBody>
+      </p:sp>
+      <p:grpSp>
+        <p:nvGrpSpPr>
+          <p:cNvPr id="5" name="Group 4">
+            <a:extLst>
+              <a:ext uri="{FF2B5EF4-FFF2-40B4-BE49-F238E27FC236}">
+                <a16:creationId xmlns:a16="http://schemas.microsoft.com/office/drawing/2014/main" id="{A795E6C6-E728-4964-884A-D05AE1EA6B1A}"/>
+              </a:ext>
+            </a:extLst>
+          </p:cNvPr>
+          <p:cNvGrpSpPr/>
+          <p:nvPr/>
+        </p:nvGrpSpPr>
+        <p:grpSpPr>
+          <a:xfrm>
+            <a:off x="5652748" y="6509779"/>
+            <a:ext cx="881742" cy="137160"/>
+            <a:chOff x="5215346" y="150098"/>
+            <a:chExt cx="881742" cy="137160"/>
+          </a:xfrm>
+          <a:solidFill>
+            <a:schemeClr val="bg1"/>
+          </a:solidFill>
+        </p:grpSpPr>
+        <p:sp>
+          <p:nvSpPr>
+            <p:cNvPr id="6" name="Rectangle 5">
+              <a:extLst>
+                <a:ext uri="{FF2B5EF4-FFF2-40B4-BE49-F238E27FC236}">
+                  <a16:creationId xmlns:a16="http://schemas.microsoft.com/office/drawing/2014/main" id="{C04EA634-8988-45C1-85E2-AF0B27F4A83E}"/>
+                </a:ext>
+              </a:extLst>
+            </p:cNvPr>
+            <p:cNvSpPr/>
+            <p:nvPr userDrawn="1"/>
+          </p:nvSpPr>
+          <p:spPr>
+            <a:xfrm>
+              <a:off x="5215346" y="150098"/>
+              <a:ext cx="137160" cy="137160"/>
+            </a:xfrm>
+            <a:prstGeom prst="rect">
+              <a:avLst/>
+            </a:prstGeom>
+            <a:grpFill/>
+            <a:ln>
+              <a:noFill/>
+            </a:ln>
+          </p:spPr>
+          <p:style>
+            <a:lnRef idx="2">
+              <a:schemeClr val="accent1">
+                <a:shade val="50000"/>
+              </a:schemeClr>
+            </a:lnRef>
+            <a:fillRef idx="1">
+              <a:schemeClr val="accent1"/>
+            </a:fillRef>
+            <a:effectRef idx="0">
+              <a:schemeClr val="accent1"/>
+            </a:effectRef>
+            <a:fontRef idx="minor">
+              <a:schemeClr val="lt1"/>
+            </a:fontRef>
+          </p:style>
+          <p:txBody>
+            <a:bodyPr rtlCol="0" anchor="ctr"/>
+            <a:lstStyle/>
+            <a:p>
+              <a:pPr algn="ctr"/>
+              <a:endParaRPr lang="en-US">
+                <a:solidFill>
+                  <a:schemeClr val="bg1"/>
+                </a:solidFill>
+              </a:endParaRPr>
+            </a:p>
+          </p:txBody>
+        </p:sp>
+        <p:sp>
+          <p:nvSpPr>
+            <p:cNvPr id="7" name="Rectangle 6">
+              <a:extLst>
+                <a:ext uri="{FF2B5EF4-FFF2-40B4-BE49-F238E27FC236}">
+                  <a16:creationId xmlns:a16="http://schemas.microsoft.com/office/drawing/2014/main" id="{CC4C736D-D4E2-4A6E-AA8F-A39527332EED}"/>
+                </a:ext>
+              </a:extLst>
+            </p:cNvPr>
+            <p:cNvSpPr/>
+            <p:nvPr userDrawn="1"/>
+          </p:nvSpPr>
+          <p:spPr>
+            <a:xfrm>
+              <a:off x="5463540" y="150098"/>
+              <a:ext cx="137160" cy="137160"/>
+            </a:xfrm>
+            <a:prstGeom prst="rect">
+              <a:avLst/>
+            </a:prstGeom>
+            <a:grpFill/>
+            <a:ln>
+              <a:noFill/>
+            </a:ln>
+          </p:spPr>
+          <p:style>
+            <a:lnRef idx="2">
+              <a:schemeClr val="accent1">
+                <a:shade val="50000"/>
+              </a:schemeClr>
+            </a:lnRef>
+            <a:fillRef idx="1">
+              <a:schemeClr val="accent1"/>
+            </a:fillRef>
+            <a:effectRef idx="0">
+              <a:schemeClr val="accent1"/>
+            </a:effectRef>
+            <a:fontRef idx="minor">
+              <a:schemeClr val="lt1"/>
+            </a:fontRef>
+          </p:style>
+          <p:txBody>
+            <a:bodyPr rtlCol="0" anchor="ctr"/>
+            <a:lstStyle/>
+            <a:p>
+              <a:pPr algn="ctr"/>
+              <a:endParaRPr lang="en-US">
+                <a:solidFill>
+                  <a:schemeClr val="bg1"/>
+                </a:solidFill>
+              </a:endParaRPr>
+            </a:p>
+          </p:txBody>
+        </p:sp>
+        <p:sp>
+          <p:nvSpPr>
+            <p:cNvPr id="8" name="Rectangle 7">
+              <a:extLst>
+                <a:ext uri="{FF2B5EF4-FFF2-40B4-BE49-F238E27FC236}">
+                  <a16:creationId xmlns:a16="http://schemas.microsoft.com/office/drawing/2014/main" id="{F3568D6C-739E-4E50-A44F-D75A571CD193}"/>
+                </a:ext>
+              </a:extLst>
+            </p:cNvPr>
+            <p:cNvSpPr/>
+            <p:nvPr userDrawn="1"/>
+          </p:nvSpPr>
+          <p:spPr>
+            <a:xfrm>
+              <a:off x="5711734" y="150098"/>
+              <a:ext cx="137160" cy="137160"/>
+            </a:xfrm>
+            <a:prstGeom prst="rect">
+              <a:avLst/>
+            </a:prstGeom>
+            <a:grpFill/>
+            <a:ln>
+              <a:noFill/>
+            </a:ln>
+          </p:spPr>
+          <p:style>
+            <a:lnRef idx="2">
+              <a:schemeClr val="accent1">
+                <a:shade val="50000"/>
+              </a:schemeClr>
+            </a:lnRef>
+            <a:fillRef idx="1">
+              <a:schemeClr val="accent1"/>
+            </a:fillRef>
+            <a:effectRef idx="0">
+              <a:schemeClr val="accent1"/>
+            </a:effectRef>
+            <a:fontRef idx="minor">
+              <a:schemeClr val="lt1"/>
+            </a:fontRef>
+          </p:style>
+          <p:txBody>
+            <a:bodyPr rtlCol="0" anchor="ctr"/>
+            <a:lstStyle/>
+            <a:p>
+              <a:pPr algn="ctr"/>
+              <a:endParaRPr lang="en-US">
+                <a:solidFill>
+                  <a:schemeClr val="bg1"/>
+                </a:solidFill>
+              </a:endParaRPr>
+            </a:p>
+          </p:txBody>
+        </p:sp>
+        <p:sp>
+          <p:nvSpPr>
+            <p:cNvPr id="9" name="Rectangle 8">
+              <a:extLst>
+                <a:ext uri="{FF2B5EF4-FFF2-40B4-BE49-F238E27FC236}">
+                  <a16:creationId xmlns:a16="http://schemas.microsoft.com/office/drawing/2014/main" id="{EBA573B1-77EB-4AC0-8EBD-1465AB9FB4E4}"/>
+                </a:ext>
+              </a:extLst>
+            </p:cNvPr>
+            <p:cNvSpPr/>
+            <p:nvPr userDrawn="1"/>
+          </p:nvSpPr>
+          <p:spPr>
+            <a:xfrm>
+              <a:off x="5959928" y="150098"/>
+              <a:ext cx="137160" cy="137160"/>
+            </a:xfrm>
+            <a:prstGeom prst="rect">
+              <a:avLst/>
+            </a:prstGeom>
+            <a:grpFill/>
+            <a:ln>
+              <a:noFill/>
+            </a:ln>
+          </p:spPr>
+          <p:style>
+            <a:lnRef idx="2">
+              <a:schemeClr val="accent1">
+                <a:shade val="50000"/>
+              </a:schemeClr>
+            </a:lnRef>
+            <a:fillRef idx="1">
+              <a:schemeClr val="accent1"/>
+            </a:fillRef>
+            <a:effectRef idx="0">
+              <a:schemeClr val="accent1"/>
+            </a:effectRef>
+            <a:fontRef idx="minor">
+              <a:schemeClr val="lt1"/>
+            </a:fontRef>
+          </p:style>
+          <p:txBody>
+            <a:bodyPr rtlCol="0" anchor="ctr"/>
+            <a:lstStyle/>
+            <a:p>
+              <a:pPr algn="ctr"/>
+              <a:endParaRPr lang="en-US">
+                <a:solidFill>
+                  <a:schemeClr val="bg1"/>
+                </a:solidFill>
+              </a:endParaRPr>
+            </a:p>
+          </p:txBody>
+        </p:sp>
+      </p:grpSp>
+      <p:grpSp>
+        <p:nvGrpSpPr>
+          <p:cNvPr id="10" name="Group 9">
+            <a:extLst>
+              <a:ext uri="{FF2B5EF4-FFF2-40B4-BE49-F238E27FC236}">
+                <a16:creationId xmlns:a16="http://schemas.microsoft.com/office/drawing/2014/main" id="{520FA3AE-1B39-46DB-BAFE-D2046864A49D}"/>
+              </a:ext>
+            </a:extLst>
+          </p:cNvPr>
+          <p:cNvGrpSpPr/>
+          <p:nvPr/>
+        </p:nvGrpSpPr>
+        <p:grpSpPr>
+          <a:xfrm>
+            <a:off x="5652748" y="4354601"/>
+            <a:ext cx="881742" cy="137160"/>
+            <a:chOff x="5215346" y="150098"/>
+            <a:chExt cx="881742" cy="137160"/>
+          </a:xfrm>
+          <a:solidFill>
+            <a:schemeClr val="bg1"/>
+          </a:solidFill>
+        </p:grpSpPr>
+        <p:sp>
+          <p:nvSpPr>
+            <p:cNvPr id="11" name="Rectangle 10">
+              <a:extLst>
+                <a:ext uri="{FF2B5EF4-FFF2-40B4-BE49-F238E27FC236}">
+                  <a16:creationId xmlns:a16="http://schemas.microsoft.com/office/drawing/2014/main" id="{DA10EB0C-9DDA-4075-8757-A5A0E29DAF88}"/>
+                </a:ext>
+              </a:extLst>
+            </p:cNvPr>
+            <p:cNvSpPr/>
+            <p:nvPr userDrawn="1"/>
+          </p:nvSpPr>
+          <p:spPr>
+            <a:xfrm>
+              <a:off x="5215346" y="150098"/>
+              <a:ext cx="137160" cy="137160"/>
+            </a:xfrm>
+            <a:prstGeom prst="rect">
+              <a:avLst/>
+            </a:prstGeom>
+            <a:grpFill/>
+            <a:ln>
+              <a:noFill/>
+            </a:ln>
+          </p:spPr>
+          <p:style>
+            <a:lnRef idx="2">
+              <a:schemeClr val="accent1">
+                <a:shade val="50000"/>
+              </a:schemeClr>
+            </a:lnRef>
+            <a:fillRef idx="1">
+              <a:schemeClr val="accent1"/>
+            </a:fillRef>
+            <a:effectRef idx="0">
+              <a:schemeClr val="accent1"/>
+            </a:effectRef>
+            <a:fontRef idx="minor">
+              <a:schemeClr val="lt1"/>
+            </a:fontRef>
+          </p:style>
+          <p:txBody>
+            <a:bodyPr rtlCol="0" anchor="ctr"/>
+            <a:lstStyle/>
+            <a:p>
+              <a:pPr algn="ctr"/>
+              <a:endParaRPr lang="en-US">
+                <a:solidFill>
+                  <a:schemeClr val="bg1"/>
+                </a:solidFill>
+              </a:endParaRPr>
+            </a:p>
+          </p:txBody>
+        </p:sp>
+        <p:sp>
+          <p:nvSpPr>
+            <p:cNvPr id="12" name="Rectangle 11">
+              <a:extLst>
+                <a:ext uri="{FF2B5EF4-FFF2-40B4-BE49-F238E27FC236}">
+                  <a16:creationId xmlns:a16="http://schemas.microsoft.com/office/drawing/2014/main" id="{1EA331E6-CA97-412D-8FE9-C2A5CB52D369}"/>
+                </a:ext>
+              </a:extLst>
+            </p:cNvPr>
+            <p:cNvSpPr/>
+            <p:nvPr userDrawn="1"/>
+          </p:nvSpPr>
+          <p:spPr>
+            <a:xfrm>
+              <a:off x="5463540" y="150098"/>
+              <a:ext cx="137160" cy="137160"/>
+            </a:xfrm>
+            <a:prstGeom prst="rect">
+              <a:avLst/>
+            </a:prstGeom>
+            <a:grpFill/>
+            <a:ln>
+              <a:noFill/>
+            </a:ln>
+          </p:spPr>
+          <p:style>
+            <a:lnRef idx="2">
+              <a:schemeClr val="accent1">
+                <a:shade val="50000"/>
+              </a:schemeClr>
+            </a:lnRef>
+            <a:fillRef idx="1">
+              <a:schemeClr val="accent1"/>
+            </a:fillRef>
+            <a:effectRef idx="0">
+              <a:schemeClr val="accent1"/>
+            </a:effectRef>
+            <a:fontRef idx="minor">
+              <a:schemeClr val="lt1"/>
+            </a:fontRef>
+          </p:style>
+          <p:txBody>
+            <a:bodyPr rtlCol="0" anchor="ctr"/>
+            <a:lstStyle/>
+            <a:p>
+              <a:pPr algn="ctr"/>
+              <a:endParaRPr lang="en-US">
+                <a:solidFill>
+                  <a:schemeClr val="bg1"/>
+                </a:solidFill>
+              </a:endParaRPr>
+            </a:p>
+          </p:txBody>
+        </p:sp>
+        <p:sp>
+          <p:nvSpPr>
+            <p:cNvPr id="13" name="Rectangle 12">
+              <a:extLst>
+                <a:ext uri="{FF2B5EF4-FFF2-40B4-BE49-F238E27FC236}">
+                  <a16:creationId xmlns:a16="http://schemas.microsoft.com/office/drawing/2014/main" id="{BEFAFF58-7C0C-4719-940D-9F5B7CFFC068}"/>
+                </a:ext>
+              </a:extLst>
+            </p:cNvPr>
+            <p:cNvSpPr/>
+            <p:nvPr userDrawn="1"/>
+          </p:nvSpPr>
+          <p:spPr>
+            <a:xfrm>
+              <a:off x="5711734" y="150098"/>
+              <a:ext cx="137160" cy="137160"/>
+            </a:xfrm>
+            <a:prstGeom prst="rect">
+              <a:avLst/>
+            </a:prstGeom>
+            <a:grpFill/>
+            <a:ln>
+              <a:noFill/>
+            </a:ln>
+          </p:spPr>
+          <p:style>
+            <a:lnRef idx="2">
+              <a:schemeClr val="accent1">
+                <a:shade val="50000"/>
+              </a:schemeClr>
+            </a:lnRef>
+            <a:fillRef idx="1">
+              <a:schemeClr val="accent1"/>
+            </a:fillRef>
+            <a:effectRef idx="0">
+              <a:schemeClr val="accent1"/>
+            </a:effectRef>
+            <a:fontRef idx="minor">
+              <a:schemeClr val="lt1"/>
+            </a:fontRef>
+          </p:style>
+          <p:txBody>
+            <a:bodyPr rtlCol="0" anchor="ctr"/>
+            <a:lstStyle/>
+            <a:p>
+              <a:pPr algn="ctr"/>
+              <a:endParaRPr lang="en-US">
+                <a:solidFill>
+                  <a:schemeClr val="bg1"/>
+                </a:solidFill>
+              </a:endParaRPr>
+            </a:p>
+          </p:txBody>
+        </p:sp>
+        <p:sp>
+          <p:nvSpPr>
+            <p:cNvPr id="14" name="Rectangle 13">
+              <a:extLst>
+                <a:ext uri="{FF2B5EF4-FFF2-40B4-BE49-F238E27FC236}">
+                  <a16:creationId xmlns:a16="http://schemas.microsoft.com/office/drawing/2014/main" id="{12D800E5-985C-4788-AF1F-0565AA8BB2D3}"/>
+                </a:ext>
+              </a:extLst>
+            </p:cNvPr>
+            <p:cNvSpPr/>
+            <p:nvPr userDrawn="1"/>
+          </p:nvSpPr>
+          <p:spPr>
+            <a:xfrm>
+              <a:off x="5959928" y="150098"/>
+              <a:ext cx="137160" cy="137160"/>
+            </a:xfrm>
+            <a:prstGeom prst="rect">
+              <a:avLst/>
+            </a:prstGeom>
+            <a:grpFill/>
+            <a:ln>
+              <a:noFill/>
+            </a:ln>
+          </p:spPr>
+          <p:style>
+            <a:lnRef idx="2">
+              <a:schemeClr val="accent1">
+                <a:shade val="50000"/>
+              </a:schemeClr>
+            </a:lnRef>
+            <a:fillRef idx="1">
+              <a:schemeClr val="accent1"/>
+            </a:fillRef>
+            <a:effectRef idx="0">
+              <a:schemeClr val="accent1"/>
+            </a:effectRef>
+            <a:fontRef idx="minor">
+              <a:schemeClr val="lt1"/>
+            </a:fontRef>
+          </p:style>
+          <p:txBody>
+            <a:bodyPr rtlCol="0" anchor="ctr"/>
+            <a:lstStyle/>
+            <a:p>
+              <a:pPr algn="ctr"/>
+              <a:endParaRPr lang="en-US">
+                <a:solidFill>
+                  <a:schemeClr val="bg1"/>
+                </a:solidFill>
+              </a:endParaRPr>
+            </a:p>
+          </p:txBody>
+        </p:sp>
+      </p:grpSp>
+    </p:spTree>
+    <p:extLst>
+      <p:ext uri="{BB962C8B-B14F-4D97-AF65-F5344CB8AC3E}">
+        <p14:creationId xmlns:p14="http://schemas.microsoft.com/office/powerpoint/2010/main" val="1832103495"/>
+      </p:ext>
+    </p:extLst>
+  </p:cSld>
+  <p:clrMapOvr>
+    <a:masterClrMapping/>
+  </p:clrMapOvr>
+</p:sld>
+</file>
+
+<file path=ppt/slides/slide17.xml><?xml version="1.0" encoding="utf-8"?>
+<p:sld xmlns:a="http://schemas.openxmlformats.org/drawingml/2006/main" xmlns:r="http://schemas.openxmlformats.org/officeDocument/2006/relationships" xmlns:p="http://schemas.openxmlformats.org/presentationml/2006/main">
+  <p:cSld>
+    <p:spTree>
+      <p:nvGrpSpPr>
+        <p:cNvPr id="1" name=""/>
+        <p:cNvGrpSpPr/>
+        <p:nvPr/>
+      </p:nvGrpSpPr>
+      <p:grpSpPr>
+        <a:xfrm>
+          <a:off x="0" y="0"/>
+          <a:ext cx="0" cy="0"/>
+          <a:chOff x="0" y="0"/>
+          <a:chExt cx="0" cy="0"/>
+        </a:xfrm>
+      </p:grpSpPr>
+      <p:sp>
+        <p:nvSpPr>
+          <p:cNvPr id="31" name="Rectangle 30">
+            <a:extLst>
+              <a:ext uri="{FF2B5EF4-FFF2-40B4-BE49-F238E27FC236}">
+                <a16:creationId xmlns:a16="http://schemas.microsoft.com/office/drawing/2014/main" id="{D8ED2E39-AB4F-42B5-9617-D1779FC29121}"/>
+              </a:ext>
+            </a:extLst>
+          </p:cNvPr>
+          <p:cNvSpPr/>
+          <p:nvPr/>
+        </p:nvSpPr>
+        <p:spPr>
+          <a:xfrm>
+            <a:off x="0" y="0"/>
+            <a:ext cx="2710927" cy="839096"/>
+          </a:xfrm>
+          <a:prstGeom prst="rect">
+            <a:avLst/>
+          </a:prstGeom>
+          <a:solidFill>
+            <a:schemeClr val="accent1">
+              <a:alpha val="40000"/>
+            </a:schemeClr>
+          </a:solidFill>
+          <a:ln>
+            <a:noFill/>
+          </a:ln>
+        </p:spPr>
+        <p:style>
+          <a:lnRef idx="2">
+            <a:schemeClr val="accent1">
+              <a:shade val="50000"/>
+            </a:schemeClr>
+          </a:lnRef>
+          <a:fillRef idx="1">
+            <a:schemeClr val="accent1"/>
+          </a:fillRef>
+          <a:effectRef idx="0">
+            <a:schemeClr val="accent1"/>
+          </a:effectRef>
+          <a:fontRef idx="minor">
+            <a:schemeClr val="lt1"/>
+          </a:fontRef>
+        </p:style>
+        <p:txBody>
+          <a:bodyPr rtlCol="0" anchor="ctr"/>
+          <a:lstStyle/>
+          <a:p>
+            <a:pPr algn="ctr"/>
+            <a:r>
+              <a:rPr lang="en-US" b="1" dirty="0">
+                <a:solidFill>
+                  <a:schemeClr val="tx1"/>
+                </a:solidFill>
+              </a:rPr>
+              <a:t>Planification</a:t>
+            </a:r>
+          </a:p>
+        </p:txBody>
+      </p:sp>
+    </p:spTree>
+    <p:extLst>
+      <p:ext uri="{BB962C8B-B14F-4D97-AF65-F5344CB8AC3E}">
+        <p14:creationId xmlns:p14="http://schemas.microsoft.com/office/powerpoint/2010/main" val="3539075741"/>
+      </p:ext>
+    </p:extLst>
+  </p:cSld>
+  <p:clrMapOvr>
+    <a:masterClrMapping/>
+  </p:clrMapOvr>
+</p:sld>
+</file>
+
+<file path=ppt/slides/slide18.xml><?xml version="1.0" encoding="utf-8"?>
+<p:sld xmlns:a="http://schemas.openxmlformats.org/drawingml/2006/main" xmlns:r="http://schemas.openxmlformats.org/officeDocument/2006/relationships" xmlns:p="http://schemas.openxmlformats.org/presentationml/2006/main">
+  <p:cSld>
+    <p:spTree>
+      <p:nvGrpSpPr>
+        <p:cNvPr id="1" name=""/>
+        <p:cNvGrpSpPr/>
+        <p:nvPr/>
+      </p:nvGrpSpPr>
+      <p:grpSpPr>
+        <a:xfrm>
+          <a:off x="0" y="0"/>
+          <a:ext cx="0" cy="0"/>
+          <a:chOff x="0" y="0"/>
+          <a:chExt cx="0" cy="0"/>
+        </a:xfrm>
+      </p:grpSpPr>
+      <p:sp>
+        <p:nvSpPr>
+          <p:cNvPr id="31" name="Rectangle 30">
+            <a:extLst>
+              <a:ext uri="{FF2B5EF4-FFF2-40B4-BE49-F238E27FC236}">
+                <a16:creationId xmlns:a16="http://schemas.microsoft.com/office/drawing/2014/main" id="{D8ED2E39-AB4F-42B5-9617-D1779FC29121}"/>
+              </a:ext>
+            </a:extLst>
+          </p:cNvPr>
+          <p:cNvSpPr/>
+          <p:nvPr/>
+        </p:nvSpPr>
+        <p:spPr>
+          <a:xfrm>
+            <a:off x="0" y="0"/>
+            <a:ext cx="2710927" cy="839096"/>
+          </a:xfrm>
+          <a:prstGeom prst="rect">
+            <a:avLst/>
+          </a:prstGeom>
+          <a:solidFill>
+            <a:schemeClr val="accent1">
+              <a:alpha val="40000"/>
+            </a:schemeClr>
+          </a:solidFill>
+          <a:ln>
+            <a:noFill/>
+          </a:ln>
+        </p:spPr>
+        <p:style>
+          <a:lnRef idx="2">
+            <a:schemeClr val="accent1">
+              <a:shade val="50000"/>
+            </a:schemeClr>
+          </a:lnRef>
+          <a:fillRef idx="1">
+            <a:schemeClr val="accent1"/>
+          </a:fillRef>
+          <a:effectRef idx="0">
+            <a:schemeClr val="accent1"/>
+          </a:effectRef>
+          <a:fontRef idx="minor">
+            <a:schemeClr val="lt1"/>
+          </a:fontRef>
+        </p:style>
+        <p:txBody>
+          <a:bodyPr rtlCol="0" anchor="ctr"/>
+          <a:lstStyle/>
+          <a:p>
+            <a:pPr algn="ctr"/>
+            <a:r>
+              <a:rPr lang="en-US" b="1" dirty="0">
+                <a:solidFill>
+                  <a:schemeClr val="tx1"/>
+                </a:solidFill>
+              </a:rPr>
+              <a:t>Choix des technologies </a:t>
+            </a:r>
+          </a:p>
+        </p:txBody>
+      </p:sp>
+    </p:spTree>
+    <p:extLst>
+      <p:ext uri="{BB962C8B-B14F-4D97-AF65-F5344CB8AC3E}">
+        <p14:creationId xmlns:p14="http://schemas.microsoft.com/office/powerpoint/2010/main" val="1822575412"/>
+      </p:ext>
+    </p:extLst>
+  </p:cSld>
+  <p:clrMapOvr>
+    <a:masterClrMapping/>
+  </p:clrMapOvr>
+</p:sld>
+</file>
+
+<file path=ppt/slides/slide19.xml><?xml version="1.0" encoding="utf-8"?>
+<p:sld xmlns:a="http://schemas.openxmlformats.org/drawingml/2006/main" xmlns:r="http://schemas.openxmlformats.org/officeDocument/2006/relationships" xmlns:p="http://schemas.openxmlformats.org/presentationml/2006/main">
+  <p:cSld>
+    <p:spTree>
+      <p:nvGrpSpPr>
+        <p:cNvPr id="1" name=""/>
+        <p:cNvGrpSpPr/>
+        <p:nvPr/>
+      </p:nvGrpSpPr>
+      <p:grpSpPr>
+        <a:xfrm>
+          <a:off x="0" y="0"/>
+          <a:ext cx="0" cy="0"/>
+          <a:chOff x="0" y="0"/>
+          <a:chExt cx="0" cy="0"/>
+        </a:xfrm>
+      </p:grpSpPr>
+      <p:sp>
+        <p:nvSpPr>
+          <p:cNvPr id="31" name="Rectangle 30">
+            <a:extLst>
+              <a:ext uri="{FF2B5EF4-FFF2-40B4-BE49-F238E27FC236}">
+                <a16:creationId xmlns:a16="http://schemas.microsoft.com/office/drawing/2014/main" id="{D8ED2E39-AB4F-42B5-9617-D1779FC29121}"/>
+              </a:ext>
+            </a:extLst>
+          </p:cNvPr>
+          <p:cNvSpPr/>
+          <p:nvPr/>
+        </p:nvSpPr>
+        <p:spPr>
+          <a:xfrm>
+            <a:off x="0" y="0"/>
+            <a:ext cx="2710927" cy="839096"/>
+          </a:xfrm>
+          <a:prstGeom prst="rect">
+            <a:avLst/>
+          </a:prstGeom>
+          <a:solidFill>
+            <a:schemeClr val="accent1">
+              <a:alpha val="40000"/>
+            </a:schemeClr>
+          </a:solidFill>
+          <a:ln>
+            <a:noFill/>
+          </a:ln>
+        </p:spPr>
+        <p:style>
+          <a:lnRef idx="2">
+            <a:schemeClr val="accent1">
+              <a:shade val="50000"/>
+            </a:schemeClr>
+          </a:lnRef>
+          <a:fillRef idx="1">
+            <a:schemeClr val="accent1"/>
+          </a:fillRef>
+          <a:effectRef idx="0">
+            <a:schemeClr val="accent1"/>
+          </a:effectRef>
+          <a:fontRef idx="minor">
+            <a:schemeClr val="lt1"/>
+          </a:fontRef>
+        </p:style>
+        <p:txBody>
+          <a:bodyPr rtlCol="0" anchor="ctr"/>
+          <a:lstStyle/>
+          <a:p>
+            <a:pPr algn="ctr"/>
+            <a:r>
+              <a:rPr lang="en-US" b="1" dirty="0">
+                <a:solidFill>
+                  <a:schemeClr val="tx1"/>
+                </a:solidFill>
+              </a:rPr>
+              <a:t>Gestion de </a:t>
+            </a:r>
+            <a:r>
+              <a:rPr lang="en-US" b="1" dirty="0" err="1">
+                <a:solidFill>
+                  <a:schemeClr val="tx1"/>
+                </a:solidFill>
+              </a:rPr>
+              <a:t>projet</a:t>
+            </a:r>
+            <a:endParaRPr lang="en-US" b="1" dirty="0">
+              <a:solidFill>
+                <a:schemeClr val="tx1"/>
+              </a:solidFill>
+            </a:endParaRPr>
+          </a:p>
+        </p:txBody>
+      </p:sp>
+    </p:spTree>
+    <p:extLst>
+      <p:ext uri="{BB962C8B-B14F-4D97-AF65-F5344CB8AC3E}">
+        <p14:creationId xmlns:p14="http://schemas.microsoft.com/office/powerpoint/2010/main" val="3465884108"/>
       </p:ext>
     </p:extLst>
   </p:cSld>
@@ -6482,6 +9020,336 @@
     <p:extLst>
       <p:ext uri="{BB962C8B-B14F-4D97-AF65-F5344CB8AC3E}">
         <p14:creationId xmlns:p14="http://schemas.microsoft.com/office/powerpoint/2010/main" val="624062513"/>
+      </p:ext>
+    </p:extLst>
+  </p:cSld>
+  <p:clrMapOvr>
+    <a:masterClrMapping/>
+  </p:clrMapOvr>
+</p:sld>
+</file>
+
+<file path=ppt/slides/slide20.xml><?xml version="1.0" encoding="utf-8"?>
+<p:sld xmlns:a="http://schemas.openxmlformats.org/drawingml/2006/main" xmlns:r="http://schemas.openxmlformats.org/officeDocument/2006/relationships" xmlns:p="http://schemas.openxmlformats.org/presentationml/2006/main">
+  <p:cSld>
+    <p:spTree>
+      <p:nvGrpSpPr>
+        <p:cNvPr id="1" name=""/>
+        <p:cNvGrpSpPr/>
+        <p:nvPr/>
+      </p:nvGrpSpPr>
+      <p:grpSpPr>
+        <a:xfrm>
+          <a:off x="0" y="0"/>
+          <a:ext cx="0" cy="0"/>
+          <a:chOff x="0" y="0"/>
+          <a:chExt cx="0" cy="0"/>
+        </a:xfrm>
+      </p:grpSpPr>
+      <p:sp>
+        <p:nvSpPr>
+          <p:cNvPr id="31" name="Rectangle 30">
+            <a:extLst>
+              <a:ext uri="{FF2B5EF4-FFF2-40B4-BE49-F238E27FC236}">
+                <a16:creationId xmlns:a16="http://schemas.microsoft.com/office/drawing/2014/main" id="{D8ED2E39-AB4F-42B5-9617-D1779FC29121}"/>
+              </a:ext>
+            </a:extLst>
+          </p:cNvPr>
+          <p:cNvSpPr/>
+          <p:nvPr/>
+        </p:nvSpPr>
+        <p:spPr>
+          <a:xfrm>
+            <a:off x="0" y="0"/>
+            <a:ext cx="2710927" cy="839096"/>
+          </a:xfrm>
+          <a:prstGeom prst="rect">
+            <a:avLst/>
+          </a:prstGeom>
+          <a:solidFill>
+            <a:schemeClr val="accent1">
+              <a:alpha val="40000"/>
+            </a:schemeClr>
+          </a:solidFill>
+          <a:ln>
+            <a:noFill/>
+          </a:ln>
+        </p:spPr>
+        <p:style>
+          <a:lnRef idx="2">
+            <a:schemeClr val="accent1">
+              <a:shade val="50000"/>
+            </a:schemeClr>
+          </a:lnRef>
+          <a:fillRef idx="1">
+            <a:schemeClr val="accent1"/>
+          </a:fillRef>
+          <a:effectRef idx="0">
+            <a:schemeClr val="accent1"/>
+          </a:effectRef>
+          <a:fontRef idx="minor">
+            <a:schemeClr val="lt1"/>
+          </a:fontRef>
+        </p:style>
+        <p:txBody>
+          <a:bodyPr rtlCol="0" anchor="ctr"/>
+          <a:lstStyle/>
+          <a:p>
+            <a:pPr algn="ctr"/>
+            <a:r>
+              <a:rPr lang="en-US" b="1" dirty="0">
+                <a:solidFill>
+                  <a:schemeClr val="tx1"/>
+                </a:solidFill>
+              </a:rPr>
+              <a:t>Test </a:t>
+            </a:r>
+            <a:r>
+              <a:rPr lang="en-US" b="1" dirty="0" err="1">
+                <a:solidFill>
+                  <a:schemeClr val="tx1"/>
+                </a:solidFill>
+              </a:rPr>
+              <a:t>unitaire</a:t>
+            </a:r>
+            <a:r>
+              <a:rPr lang="en-US" b="1" dirty="0">
+                <a:solidFill>
+                  <a:schemeClr val="tx1"/>
+                </a:solidFill>
+              </a:rPr>
+              <a:t> et </a:t>
+            </a:r>
+            <a:r>
+              <a:rPr lang="en-US" b="1" dirty="0" err="1">
+                <a:solidFill>
+                  <a:schemeClr val="tx1"/>
+                </a:solidFill>
+              </a:rPr>
+              <a:t>intégration</a:t>
+            </a:r>
+            <a:r>
+              <a:rPr lang="en-US" b="1" dirty="0">
+                <a:solidFill>
+                  <a:schemeClr val="tx1"/>
+                </a:solidFill>
+              </a:rPr>
+              <a:t> </a:t>
+            </a:r>
+          </a:p>
+        </p:txBody>
+      </p:sp>
+    </p:spTree>
+    <p:extLst>
+      <p:ext uri="{BB962C8B-B14F-4D97-AF65-F5344CB8AC3E}">
+        <p14:creationId xmlns:p14="http://schemas.microsoft.com/office/powerpoint/2010/main" val="241471949"/>
+      </p:ext>
+    </p:extLst>
+  </p:cSld>
+  <p:clrMapOvr>
+    <a:masterClrMapping/>
+  </p:clrMapOvr>
+</p:sld>
+</file>
+
+<file path=ppt/slides/slide21.xml><?xml version="1.0" encoding="utf-8"?>
+<p:sld xmlns:a="http://schemas.openxmlformats.org/drawingml/2006/main" xmlns:r="http://schemas.openxmlformats.org/officeDocument/2006/relationships" xmlns:p="http://schemas.openxmlformats.org/presentationml/2006/main">
+  <p:cSld>
+    <p:spTree>
+      <p:nvGrpSpPr>
+        <p:cNvPr id="1" name=""/>
+        <p:cNvGrpSpPr/>
+        <p:nvPr/>
+      </p:nvGrpSpPr>
+      <p:grpSpPr>
+        <a:xfrm>
+          <a:off x="0" y="0"/>
+          <a:ext cx="0" cy="0"/>
+          <a:chOff x="0" y="0"/>
+          <a:chExt cx="0" cy="0"/>
+        </a:xfrm>
+      </p:grpSpPr>
+      <p:sp>
+        <p:nvSpPr>
+          <p:cNvPr id="17" name="Rectangle 16">
+            <a:extLst>
+              <a:ext uri="{FF2B5EF4-FFF2-40B4-BE49-F238E27FC236}">
+                <a16:creationId xmlns:a16="http://schemas.microsoft.com/office/drawing/2014/main" id="{B2F9B2C9-5B24-4CE2-906B-AF6BC4C43525}"/>
+              </a:ext>
+            </a:extLst>
+          </p:cNvPr>
+          <p:cNvSpPr/>
+          <p:nvPr/>
+        </p:nvSpPr>
+        <p:spPr>
+          <a:xfrm>
+            <a:off x="1" y="2009775"/>
+            <a:ext cx="12192000" cy="2838450"/>
+          </a:xfrm>
+          <a:prstGeom prst="rect">
+            <a:avLst/>
+          </a:prstGeom>
+          <a:solidFill>
+            <a:schemeClr val="accent1">
+              <a:alpha val="40000"/>
+            </a:schemeClr>
+          </a:solidFill>
+          <a:ln>
+            <a:noFill/>
+          </a:ln>
+        </p:spPr>
+        <p:style>
+          <a:lnRef idx="2">
+            <a:schemeClr val="accent1">
+              <a:shade val="50000"/>
+            </a:schemeClr>
+          </a:lnRef>
+          <a:fillRef idx="1">
+            <a:schemeClr val="accent1"/>
+          </a:fillRef>
+          <a:effectRef idx="0">
+            <a:schemeClr val="accent1"/>
+          </a:effectRef>
+          <a:fontRef idx="minor">
+            <a:schemeClr val="lt1"/>
+          </a:fontRef>
+        </p:style>
+        <p:txBody>
+          <a:bodyPr rtlCol="0" anchor="ctr"/>
+          <a:lstStyle/>
+          <a:p>
+            <a:pPr algn="ctr"/>
+            <a:endParaRPr lang="en-US"/>
+          </a:p>
+        </p:txBody>
+      </p:sp>
+      <p:sp>
+        <p:nvSpPr>
+          <p:cNvPr id="25" name="Rectangle 24">
+            <a:extLst>
+              <a:ext uri="{FF2B5EF4-FFF2-40B4-BE49-F238E27FC236}">
+                <a16:creationId xmlns:a16="http://schemas.microsoft.com/office/drawing/2014/main" id="{F68F0B33-608C-447A-8C5D-29E476EDA396}"/>
+              </a:ext>
+            </a:extLst>
+          </p:cNvPr>
+          <p:cNvSpPr/>
+          <p:nvPr/>
+        </p:nvSpPr>
+        <p:spPr>
+          <a:xfrm>
+            <a:off x="-1" y="2143125"/>
+            <a:ext cx="12192000" cy="2571750"/>
+          </a:xfrm>
+          <a:prstGeom prst="rect">
+            <a:avLst/>
+          </a:prstGeom>
+          <a:solidFill>
+            <a:schemeClr val="accent1">
+              <a:alpha val="40000"/>
+            </a:schemeClr>
+          </a:solidFill>
+          <a:ln>
+            <a:noFill/>
+          </a:ln>
+        </p:spPr>
+        <p:style>
+          <a:lnRef idx="2">
+            <a:schemeClr val="accent1">
+              <a:shade val="50000"/>
+            </a:schemeClr>
+          </a:lnRef>
+          <a:fillRef idx="1">
+            <a:schemeClr val="accent1"/>
+          </a:fillRef>
+          <a:effectRef idx="0">
+            <a:schemeClr val="accent1"/>
+          </a:effectRef>
+          <a:fontRef idx="minor">
+            <a:schemeClr val="lt1"/>
+          </a:fontRef>
+        </p:style>
+        <p:txBody>
+          <a:bodyPr rtlCol="0" anchor="ctr"/>
+          <a:lstStyle/>
+          <a:p>
+            <a:pPr algn="ctr"/>
+            <a:endParaRPr lang="en-US"/>
+          </a:p>
+        </p:txBody>
+      </p:sp>
+      <p:sp>
+        <p:nvSpPr>
+          <p:cNvPr id="26" name="TextBox 9">
+            <a:extLst>
+              <a:ext uri="{FF2B5EF4-FFF2-40B4-BE49-F238E27FC236}">
+                <a16:creationId xmlns:a16="http://schemas.microsoft.com/office/drawing/2014/main" id="{ED4F2838-33A2-4E1A-8EC1-2B78EBA137A8}"/>
+              </a:ext>
+            </a:extLst>
+          </p:cNvPr>
+          <p:cNvSpPr txBox="1"/>
+          <p:nvPr/>
+        </p:nvSpPr>
+        <p:spPr>
+          <a:xfrm>
+            <a:off x="2801072" y="3175004"/>
+            <a:ext cx="6589854" cy="707886"/>
+          </a:xfrm>
+          <a:prstGeom prst="rect">
+            <a:avLst/>
+          </a:prstGeom>
+          <a:noFill/>
+        </p:spPr>
+        <p:txBody>
+          <a:bodyPr wrap="square" rtlCol="0" anchor="ctr">
+            <a:spAutoFit/>
+          </a:bodyPr>
+          <a:lstStyle/>
+          <a:p>
+            <a:pPr algn="ctr"/>
+            <a:r>
+              <a:rPr lang="en-US" altLang="ko-KR" sz="4000" b="1" dirty="0">
+                <a:solidFill>
+                  <a:schemeClr val="bg1"/>
+                </a:solidFill>
+                <a:latin typeface="Arial" panose="020B0604020202020204" pitchFamily="34" charset="0"/>
+                <a:cs typeface="Arial" panose="020B0604020202020204" pitchFamily="34" charset="0"/>
+              </a:rPr>
+              <a:t>Merci pour </a:t>
+            </a:r>
+            <a:r>
+              <a:rPr lang="en-US" altLang="ko-KR" sz="4000" b="1" dirty="0" err="1">
+                <a:solidFill>
+                  <a:schemeClr val="bg1"/>
+                </a:solidFill>
+                <a:latin typeface="Arial" panose="020B0604020202020204" pitchFamily="34" charset="0"/>
+                <a:cs typeface="Arial" panose="020B0604020202020204" pitchFamily="34" charset="0"/>
+              </a:rPr>
+              <a:t>votre</a:t>
+            </a:r>
+            <a:r>
+              <a:rPr lang="en-US" altLang="ko-KR" sz="4000" b="1" dirty="0">
+                <a:solidFill>
+                  <a:schemeClr val="bg1"/>
+                </a:solidFill>
+                <a:latin typeface="Arial" panose="020B0604020202020204" pitchFamily="34" charset="0"/>
+                <a:cs typeface="Arial" panose="020B0604020202020204" pitchFamily="34" charset="0"/>
+              </a:rPr>
+              <a:t> attention </a:t>
+            </a:r>
+            <a:endParaRPr lang="ko-KR" altLang="en-US" sz="4000" b="1" dirty="0">
+              <a:solidFill>
+                <a:schemeClr val="bg1"/>
+              </a:solidFill>
+              <a:latin typeface="Arial" panose="020B0604020202020204" pitchFamily="34" charset="0"/>
+              <a:cs typeface="Arial" panose="020B0604020202020204" pitchFamily="34" charset="0"/>
+            </a:endParaRPr>
+          </a:p>
+        </p:txBody>
+      </p:sp>
+    </p:spTree>
+    <p:extLst>
+      <p:ext uri="{BB962C8B-B14F-4D97-AF65-F5344CB8AC3E}">
+        <p14:creationId xmlns:p14="http://schemas.microsoft.com/office/powerpoint/2010/main" val="30145065"/>
       </p:ext>
     </p:extLst>
   </p:cSld>

--- a/DIAPO/Présentation.pptx
+++ b/DIAPO/Présentation.pptx
@@ -217,7 +217,7 @@
           <a:p>
             <a:fld id="{52AE69C5-FD40-4B35-ACFB-9ABA8883DECF}" type="datetimeFigureOut">
               <a:rPr lang="fr-FR" smtClean="0"/>
-              <a:t>22/10/2019</a:t>
+              <a:t>23/10/2019</a:t>
             </a:fld>
             <a:endParaRPr lang="fr-FR"/>
           </a:p>
@@ -2149,7 +2149,7 @@
           <a:p>
             <a:fld id="{D4E5B539-ACE7-4AE4-97AA-4A49E9854FF8}" type="datetimeFigureOut">
               <a:rPr lang="fr-FR" smtClean="0"/>
-              <a:t>22/10/2019</a:t>
+              <a:t>23/10/2019</a:t>
             </a:fld>
             <a:endParaRPr lang="fr-FR"/>
           </a:p>
@@ -2347,7 +2347,7 @@
           <a:p>
             <a:fld id="{D4E5B539-ACE7-4AE4-97AA-4A49E9854FF8}" type="datetimeFigureOut">
               <a:rPr lang="fr-FR" smtClean="0"/>
-              <a:t>22/10/2019</a:t>
+              <a:t>23/10/2019</a:t>
             </a:fld>
             <a:endParaRPr lang="fr-FR"/>
           </a:p>
@@ -2555,7 +2555,7 @@
           <a:p>
             <a:fld id="{D4E5B539-ACE7-4AE4-97AA-4A49E9854FF8}" type="datetimeFigureOut">
               <a:rPr lang="fr-FR" smtClean="0"/>
-              <a:t>22/10/2019</a:t>
+              <a:t>23/10/2019</a:t>
             </a:fld>
             <a:endParaRPr lang="fr-FR"/>
           </a:p>
@@ -3462,7 +3462,7 @@
           <a:p>
             <a:fld id="{D4E5B539-ACE7-4AE4-97AA-4A49E9854FF8}" type="datetimeFigureOut">
               <a:rPr lang="fr-FR" smtClean="0"/>
-              <a:t>22/10/2019</a:t>
+              <a:t>23/10/2019</a:t>
             </a:fld>
             <a:endParaRPr lang="fr-FR"/>
           </a:p>
@@ -3737,7 +3737,7 @@
           <a:p>
             <a:fld id="{D4E5B539-ACE7-4AE4-97AA-4A49E9854FF8}" type="datetimeFigureOut">
               <a:rPr lang="fr-FR" smtClean="0"/>
-              <a:t>22/10/2019</a:t>
+              <a:t>23/10/2019</a:t>
             </a:fld>
             <a:endParaRPr lang="fr-FR"/>
           </a:p>
@@ -4002,7 +4002,7 @@
           <a:p>
             <a:fld id="{D4E5B539-ACE7-4AE4-97AA-4A49E9854FF8}" type="datetimeFigureOut">
               <a:rPr lang="fr-FR" smtClean="0"/>
-              <a:t>22/10/2019</a:t>
+              <a:t>23/10/2019</a:t>
             </a:fld>
             <a:endParaRPr lang="fr-FR"/>
           </a:p>
@@ -4414,7 +4414,7 @@
           <a:p>
             <a:fld id="{D4E5B539-ACE7-4AE4-97AA-4A49E9854FF8}" type="datetimeFigureOut">
               <a:rPr lang="fr-FR" smtClean="0"/>
-              <a:t>22/10/2019</a:t>
+              <a:t>23/10/2019</a:t>
             </a:fld>
             <a:endParaRPr lang="fr-FR"/>
           </a:p>
@@ -4555,7 +4555,7 @@
           <a:p>
             <a:fld id="{D4E5B539-ACE7-4AE4-97AA-4A49E9854FF8}" type="datetimeFigureOut">
               <a:rPr lang="fr-FR" smtClean="0"/>
-              <a:t>22/10/2019</a:t>
+              <a:t>23/10/2019</a:t>
             </a:fld>
             <a:endParaRPr lang="fr-FR"/>
           </a:p>
@@ -4668,7 +4668,7 @@
           <a:p>
             <a:fld id="{D4E5B539-ACE7-4AE4-97AA-4A49E9854FF8}" type="datetimeFigureOut">
               <a:rPr lang="fr-FR" smtClean="0"/>
-              <a:t>22/10/2019</a:t>
+              <a:t>23/10/2019</a:t>
             </a:fld>
             <a:endParaRPr lang="fr-FR"/>
           </a:p>
@@ -4979,7 +4979,7 @@
           <a:p>
             <a:fld id="{D4E5B539-ACE7-4AE4-97AA-4A49E9854FF8}" type="datetimeFigureOut">
               <a:rPr lang="fr-FR" smtClean="0"/>
-              <a:t>22/10/2019</a:t>
+              <a:t>23/10/2019</a:t>
             </a:fld>
             <a:endParaRPr lang="fr-FR"/>
           </a:p>
@@ -5267,7 +5267,7 @@
           <a:p>
             <a:fld id="{D4E5B539-ACE7-4AE4-97AA-4A49E9854FF8}" type="datetimeFigureOut">
               <a:rPr lang="fr-FR" smtClean="0"/>
-              <a:t>22/10/2019</a:t>
+              <a:t>23/10/2019</a:t>
             </a:fld>
             <a:endParaRPr lang="fr-FR"/>
           </a:p>
@@ -5508,7 +5508,7 @@
           <a:p>
             <a:fld id="{D4E5B539-ACE7-4AE4-97AA-4A49E9854FF8}" type="datetimeFigureOut">
               <a:rPr lang="fr-FR" smtClean="0"/>
-              <a:t>22/10/2019</a:t>
+              <a:t>23/10/2019</a:t>
             </a:fld>
             <a:endParaRPr lang="fr-FR"/>
           </a:p>
@@ -6637,7 +6637,7 @@
         </p:blipFill>
         <p:spPr>
           <a:xfrm>
-            <a:off x="2447728" y="814440"/>
+            <a:off x="2447728" y="850300"/>
             <a:ext cx="7296544" cy="5229119"/>
           </a:xfrm>
           <a:prstGeom prst="rect">
@@ -30543,7 +30543,7 @@
         </p:nvSpPr>
         <p:spPr>
           <a:xfrm>
-            <a:off x="9965169" y="659524"/>
+            <a:off x="9965169" y="489399"/>
             <a:ext cx="1774988" cy="2444896"/>
           </a:xfrm>
           <a:prstGeom prst="roundRect">
@@ -30605,7 +30605,7 @@
         </p:blipFill>
         <p:spPr bwMode="auto">
           <a:xfrm>
-            <a:off x="10251413" y="2616267"/>
+            <a:off x="10251413" y="2446142"/>
             <a:ext cx="1286907" cy="383854"/>
           </a:xfrm>
           <a:prstGeom prst="rect">
@@ -38203,7 +38203,7 @@
         </p:nvSpPr>
         <p:spPr>
           <a:xfrm>
-            <a:off x="9902416" y="3125217"/>
+            <a:off x="9902416" y="2955092"/>
             <a:ext cx="1825884" cy="307777"/>
           </a:xfrm>
           <a:prstGeom prst="rect">
@@ -38256,7 +38256,7 @@
         </p:blipFill>
         <p:spPr>
           <a:xfrm>
-            <a:off x="10190983" y="752265"/>
+            <a:off x="10190983" y="582140"/>
             <a:ext cx="1435298" cy="1620638"/>
           </a:xfrm>
           <a:prstGeom prst="rect">
@@ -38338,6 +38338,45 @@
                 <a:cs typeface="Arial" panose="020B0604020202020204" pitchFamily="34" charset="0"/>
               </a:rPr>
               <a:t>Le processus de la monétisation </a:t>
+            </a:r>
+          </a:p>
+        </p:txBody>
+      </p:sp>
+      <p:sp>
+        <p:nvSpPr>
+          <p:cNvPr id="76" name="ZoneTexte 75">
+            <a:extLst>
+              <a:ext uri="{FF2B5EF4-FFF2-40B4-BE49-F238E27FC236}">
+                <a16:creationId xmlns:a16="http://schemas.microsoft.com/office/drawing/2014/main" id="{58C563DA-246D-4551-9BA4-1BC2FF89FD80}"/>
+              </a:ext>
+            </a:extLst>
+          </p:cNvPr>
+          <p:cNvSpPr txBox="1"/>
+          <p:nvPr/>
+        </p:nvSpPr>
+        <p:spPr>
+          <a:xfrm>
+            <a:off x="9881706" y="3312179"/>
+            <a:ext cx="1800236" cy="307777"/>
+          </a:xfrm>
+          <a:prstGeom prst="rect">
+            <a:avLst/>
+          </a:prstGeom>
+          <a:noFill/>
+        </p:spPr>
+        <p:txBody>
+          <a:bodyPr wrap="none" rtlCol="0">
+            <a:spAutoFit/>
+          </a:bodyPr>
+          <a:lstStyle/>
+          <a:p>
+            <a:pPr algn="ctr"/>
+            <a:r>
+              <a:rPr lang="fr-FR" sz="1400" dirty="0">
+                <a:latin typeface="Arial" panose="020B0604020202020204" pitchFamily="34" charset="0"/>
+                <a:cs typeface="Arial" panose="020B0604020202020204" pitchFamily="34" charset="0"/>
+              </a:rPr>
+              <a:t>CPL : Coût par lead </a:t>
             </a:r>
           </a:p>
         </p:txBody>
@@ -38440,7 +38479,7 @@
         </p:nvSpPr>
         <p:spPr>
           <a:xfrm>
-            <a:off x="-1" y="2143125"/>
+            <a:off x="0" y="2143125"/>
             <a:ext cx="12192000" cy="2571750"/>
           </a:xfrm>
           <a:prstGeom prst="rect">
@@ -38673,8 +38712,8 @@
         </p:nvSpPr>
         <p:spPr>
           <a:xfrm>
-            <a:off x="5335791" y="2670458"/>
-            <a:ext cx="6439782" cy="1323439"/>
+            <a:off x="5335791" y="2978234"/>
+            <a:ext cx="6439782" cy="707886"/>
           </a:xfrm>
           <a:prstGeom prst="rect">
             <a:avLst/>
@@ -38688,6 +38727,16 @@
           <a:lstStyle/>
           <a:p>
             <a:r>
+              <a:rPr lang="en-US" altLang="ko-KR" sz="4000" b="1" dirty="0" err="1">
+                <a:solidFill>
+                  <a:schemeClr val="bg1"/>
+                </a:solidFill>
+                <a:latin typeface="Arial" panose="020B0604020202020204" pitchFamily="34" charset="0"/>
+                <a:cs typeface="Arial" panose="020B0604020202020204" pitchFamily="34" charset="0"/>
+              </a:rPr>
+              <a:t>L’analyse</a:t>
+            </a:r>
+            <a:r>
               <a:rPr lang="en-US" altLang="ko-KR" sz="4000" b="1" dirty="0">
                 <a:solidFill>
                   <a:schemeClr val="bg1"/>
@@ -38695,7 +38744,17 @@
                 <a:latin typeface="Arial" panose="020B0604020202020204" pitchFamily="34" charset="0"/>
                 <a:cs typeface="Arial" panose="020B0604020202020204" pitchFamily="34" charset="0"/>
               </a:rPr>
-              <a:t>L’analyse d’existant et problimatique </a:t>
+              <a:t> de </a:t>
+            </a:r>
+            <a:r>
+              <a:rPr lang="en-US" altLang="ko-KR" sz="4000" b="1" dirty="0" err="1">
+                <a:solidFill>
+                  <a:schemeClr val="bg1"/>
+                </a:solidFill>
+                <a:latin typeface="Arial" panose="020B0604020202020204" pitchFamily="34" charset="0"/>
+                <a:cs typeface="Arial" panose="020B0604020202020204" pitchFamily="34" charset="0"/>
+              </a:rPr>
+              <a:t>l’existant</a:t>
             </a:r>
             <a:endParaRPr lang="ko-KR" altLang="en-US" sz="4000" b="1" dirty="0">
               <a:solidFill>
@@ -39215,7 +39274,7 @@
         </p:blipFill>
         <p:spPr>
           <a:xfrm>
-            <a:off x="5602799" y="4804231"/>
+            <a:off x="5629693" y="4804231"/>
             <a:ext cx="961390" cy="961390"/>
           </a:xfrm>
           <a:prstGeom prst="rect">
@@ -39633,8 +39692,8 @@
           <p:nvPr/>
         </p:nvGrpSpPr>
         <p:grpSpPr>
-          <a:xfrm rot="11796230" flipH="1">
-            <a:off x="4835352" y="4244123"/>
+          <a:xfrm rot="13236671" flipH="1">
+            <a:off x="4489933" y="4073211"/>
             <a:ext cx="120077" cy="443661"/>
             <a:chOff x="1408027" y="3329887"/>
             <a:chExt cx="155342" cy="573958"/>
@@ -40028,7 +40087,7 @@
         </p:nvSpPr>
         <p:spPr>
           <a:xfrm>
-            <a:off x="7821330" y="1031237"/>
+            <a:off x="7705588" y="1041576"/>
             <a:ext cx="4185761" cy="369332"/>
           </a:xfrm>
           <a:prstGeom prst="rect">
@@ -40073,7 +40132,7 @@
         </p:nvSpPr>
         <p:spPr>
           <a:xfrm>
-            <a:off x="784535" y="4718806"/>
+            <a:off x="275639" y="4486708"/>
             <a:ext cx="4160113" cy="369332"/>
           </a:xfrm>
           <a:prstGeom prst="rect">
@@ -40152,6 +40211,248 @@
                 <a:cs typeface="Arial" panose="020B0604020202020204" pitchFamily="34" charset="0"/>
               </a:rPr>
               <a:t>Performances</a:t>
+            </a:r>
+            <a:endParaRPr lang="fr-FR" dirty="0">
+              <a:latin typeface="Arial" panose="020B0604020202020204" pitchFamily="34" charset="0"/>
+              <a:cs typeface="Arial" panose="020B0604020202020204" pitchFamily="34" charset="0"/>
+            </a:endParaRPr>
+          </a:p>
+        </p:txBody>
+      </p:sp>
+      <p:grpSp>
+        <p:nvGrpSpPr>
+          <p:cNvPr id="31" name="Group 14">
+            <a:extLst>
+              <a:ext uri="{FF2B5EF4-FFF2-40B4-BE49-F238E27FC236}">
+                <a16:creationId xmlns:a16="http://schemas.microsoft.com/office/drawing/2014/main" id="{44359C39-E457-4F22-ACDC-FCF392AC2936}"/>
+              </a:ext>
+            </a:extLst>
+          </p:cNvPr>
+          <p:cNvGrpSpPr/>
+          <p:nvPr/>
+        </p:nvGrpSpPr>
+        <p:grpSpPr>
+          <a:xfrm rot="9032498" flipH="1">
+            <a:off x="7621705" y="3835493"/>
+            <a:ext cx="120077" cy="443661"/>
+            <a:chOff x="1408027" y="3329887"/>
+            <a:chExt cx="155342" cy="573958"/>
+          </a:xfrm>
+          <a:solidFill>
+            <a:schemeClr val="accent1">
+              <a:lumMod val="75000"/>
+            </a:schemeClr>
+          </a:solidFill>
+        </p:grpSpPr>
+        <p:sp>
+          <p:nvSpPr>
+            <p:cNvPr id="32" name="Oval 15">
+              <a:extLst>
+                <a:ext uri="{FF2B5EF4-FFF2-40B4-BE49-F238E27FC236}">
+                  <a16:creationId xmlns:a16="http://schemas.microsoft.com/office/drawing/2014/main" id="{E8B30B72-2464-4344-9214-C8C6665E721A}"/>
+                </a:ext>
+              </a:extLst>
+            </p:cNvPr>
+            <p:cNvSpPr/>
+            <p:nvPr/>
+          </p:nvSpPr>
+          <p:spPr>
+            <a:xfrm>
+              <a:off x="1408027" y="3748503"/>
+              <a:ext cx="155342" cy="155342"/>
+            </a:xfrm>
+            <a:prstGeom prst="ellipse">
+              <a:avLst/>
+            </a:prstGeom>
+            <a:grpFill/>
+            <a:ln>
+              <a:noFill/>
+            </a:ln>
+          </p:spPr>
+          <p:style>
+            <a:lnRef idx="2">
+              <a:schemeClr val="accent1">
+                <a:shade val="50000"/>
+              </a:schemeClr>
+            </a:lnRef>
+            <a:fillRef idx="1">
+              <a:schemeClr val="accent1"/>
+            </a:fillRef>
+            <a:effectRef idx="0">
+              <a:schemeClr val="accent1"/>
+            </a:effectRef>
+            <a:fontRef idx="minor">
+              <a:schemeClr val="lt1"/>
+            </a:fontRef>
+          </p:style>
+          <p:txBody>
+            <a:bodyPr rtlCol="0" anchor="ctr"/>
+            <a:lstStyle/>
+            <a:p>
+              <a:pPr algn="ctr"/>
+              <a:endParaRPr lang="ko-KR" altLang="en-US" sz="2700">
+                <a:solidFill>
+                  <a:schemeClr val="tx1">
+                    <a:lumMod val="75000"/>
+                    <a:lumOff val="25000"/>
+                  </a:schemeClr>
+                </a:solidFill>
+              </a:endParaRPr>
+            </a:p>
+          </p:txBody>
+        </p:sp>
+        <p:sp>
+          <p:nvSpPr>
+            <p:cNvPr id="33" name="Oval 16">
+              <a:extLst>
+                <a:ext uri="{FF2B5EF4-FFF2-40B4-BE49-F238E27FC236}">
+                  <a16:creationId xmlns:a16="http://schemas.microsoft.com/office/drawing/2014/main" id="{1BEC8E17-536D-4223-A9FE-D2ADF5314D91}"/>
+                </a:ext>
+              </a:extLst>
+            </p:cNvPr>
+            <p:cNvSpPr/>
+            <p:nvPr/>
+          </p:nvSpPr>
+          <p:spPr>
+            <a:xfrm>
+              <a:off x="1408027" y="3539195"/>
+              <a:ext cx="155342" cy="155342"/>
+            </a:xfrm>
+            <a:prstGeom prst="ellipse">
+              <a:avLst/>
+            </a:prstGeom>
+            <a:grpFill/>
+            <a:ln>
+              <a:noFill/>
+            </a:ln>
+          </p:spPr>
+          <p:style>
+            <a:lnRef idx="2">
+              <a:schemeClr val="accent1">
+                <a:shade val="50000"/>
+              </a:schemeClr>
+            </a:lnRef>
+            <a:fillRef idx="1">
+              <a:schemeClr val="accent1"/>
+            </a:fillRef>
+            <a:effectRef idx="0">
+              <a:schemeClr val="accent1"/>
+            </a:effectRef>
+            <a:fontRef idx="minor">
+              <a:schemeClr val="lt1"/>
+            </a:fontRef>
+          </p:style>
+          <p:txBody>
+            <a:bodyPr rtlCol="0" anchor="ctr"/>
+            <a:lstStyle/>
+            <a:p>
+              <a:pPr algn="ctr"/>
+              <a:endParaRPr lang="ko-KR" altLang="en-US" sz="2700">
+                <a:solidFill>
+                  <a:schemeClr val="tx1">
+                    <a:lumMod val="75000"/>
+                    <a:lumOff val="25000"/>
+                  </a:schemeClr>
+                </a:solidFill>
+              </a:endParaRPr>
+            </a:p>
+          </p:txBody>
+        </p:sp>
+        <p:sp>
+          <p:nvSpPr>
+            <p:cNvPr id="34" name="Oval 17">
+              <a:extLst>
+                <a:ext uri="{FF2B5EF4-FFF2-40B4-BE49-F238E27FC236}">
+                  <a16:creationId xmlns:a16="http://schemas.microsoft.com/office/drawing/2014/main" id="{17BF4B99-5A66-4B2E-82F1-1F9984AE40F3}"/>
+                </a:ext>
+              </a:extLst>
+            </p:cNvPr>
+            <p:cNvSpPr/>
+            <p:nvPr/>
+          </p:nvSpPr>
+          <p:spPr>
+            <a:xfrm>
+              <a:off x="1408027" y="3329887"/>
+              <a:ext cx="155342" cy="155342"/>
+            </a:xfrm>
+            <a:prstGeom prst="ellipse">
+              <a:avLst/>
+            </a:prstGeom>
+            <a:grpFill/>
+            <a:ln>
+              <a:noFill/>
+            </a:ln>
+          </p:spPr>
+          <p:style>
+            <a:lnRef idx="2">
+              <a:schemeClr val="accent1">
+                <a:shade val="50000"/>
+              </a:schemeClr>
+            </a:lnRef>
+            <a:fillRef idx="1">
+              <a:schemeClr val="accent1"/>
+            </a:fillRef>
+            <a:effectRef idx="0">
+              <a:schemeClr val="accent1"/>
+            </a:effectRef>
+            <a:fontRef idx="minor">
+              <a:schemeClr val="lt1"/>
+            </a:fontRef>
+          </p:style>
+          <p:txBody>
+            <a:bodyPr rtlCol="0" anchor="ctr"/>
+            <a:lstStyle/>
+            <a:p>
+              <a:pPr algn="ctr"/>
+              <a:endParaRPr lang="ko-KR" altLang="en-US" sz="2700">
+                <a:solidFill>
+                  <a:schemeClr val="tx1">
+                    <a:lumMod val="75000"/>
+                    <a:lumOff val="25000"/>
+                  </a:schemeClr>
+                </a:solidFill>
+              </a:endParaRPr>
+            </a:p>
+          </p:txBody>
+        </p:sp>
+      </p:grpSp>
+      <p:sp>
+        <p:nvSpPr>
+          <p:cNvPr id="35" name="Rectangle 34">
+            <a:extLst>
+              <a:ext uri="{FF2B5EF4-FFF2-40B4-BE49-F238E27FC236}">
+                <a16:creationId xmlns:a16="http://schemas.microsoft.com/office/drawing/2014/main" id="{0474A0B2-8692-46E6-8D98-6BCC39001DB6}"/>
+              </a:ext>
+            </a:extLst>
+          </p:cNvPr>
+          <p:cNvSpPr/>
+          <p:nvPr/>
+        </p:nvSpPr>
+        <p:spPr>
+          <a:xfrm>
+            <a:off x="7843115" y="4274083"/>
+            <a:ext cx="2249334" cy="369332"/>
+          </a:xfrm>
+          <a:prstGeom prst="rect">
+            <a:avLst/>
+          </a:prstGeom>
+        </p:spPr>
+        <p:txBody>
+          <a:bodyPr wrap="none">
+            <a:spAutoFit/>
+          </a:bodyPr>
+          <a:lstStyle/>
+          <a:p>
+            <a:r>
+              <a:rPr lang="fr-FR" dirty="0">
+                <a:solidFill>
+                  <a:srgbClr val="000000"/>
+                </a:solidFill>
+                <a:latin typeface="Arial" panose="020B0604020202020204" pitchFamily="34" charset="0"/>
+                <a:ea typeface="Times New Roman" panose="02020603050405020304" pitchFamily="18" charset="0"/>
+                <a:cs typeface="Arial" panose="020B0604020202020204" pitchFamily="34" charset="0"/>
+              </a:rPr>
+              <a:t>Facilement testable </a:t>
             </a:r>
             <a:endParaRPr lang="fr-FR" dirty="0">
               <a:latin typeface="Arial" panose="020B0604020202020204" pitchFamily="34" charset="0"/>

--- a/DIAPO/Présentation.pptx
+++ b/DIAPO/Présentation.pptx
@@ -40132,7 +40132,7 @@
         </p:nvSpPr>
         <p:spPr>
           <a:xfrm>
-            <a:off x="275639" y="4486708"/>
+            <a:off x="328032" y="4434899"/>
             <a:ext cx="4160113" cy="369332"/>
           </a:xfrm>
           <a:prstGeom prst="rect">
@@ -40232,8 +40232,8 @@
           <p:nvPr/>
         </p:nvGrpSpPr>
         <p:grpSpPr>
-          <a:xfrm rot="9032498" flipH="1">
-            <a:off x="7621705" y="3835493"/>
+          <a:xfrm rot="8084874" flipH="1">
+            <a:off x="7666793" y="3981599"/>
             <a:ext cx="120077" cy="443661"/>
             <a:chOff x="1408027" y="3329887"/>
             <a:chExt cx="155342" cy="573958"/>
@@ -40430,7 +40430,7 @@
         </p:nvSpPr>
         <p:spPr>
           <a:xfrm>
-            <a:off x="7843115" y="4274083"/>
+            <a:off x="7926644" y="4317857"/>
             <a:ext cx="2249334" cy="369332"/>
           </a:xfrm>
           <a:prstGeom prst="rect">
@@ -40457,6 +40457,1077 @@
             <a:endParaRPr lang="fr-FR" dirty="0">
               <a:latin typeface="Arial" panose="020B0604020202020204" pitchFamily="34" charset="0"/>
               <a:cs typeface="Arial" panose="020B0604020202020204" pitchFamily="34" charset="0"/>
+            </a:endParaRPr>
+          </a:p>
+        </p:txBody>
+      </p:sp>
+      <p:grpSp>
+        <p:nvGrpSpPr>
+          <p:cNvPr id="36" name="Group 14">
+            <a:extLst>
+              <a:ext uri="{FF2B5EF4-FFF2-40B4-BE49-F238E27FC236}">
+                <a16:creationId xmlns:a16="http://schemas.microsoft.com/office/drawing/2014/main" id="{5263F287-7414-4172-8121-E78FB159EA9F}"/>
+              </a:ext>
+            </a:extLst>
+          </p:cNvPr>
+          <p:cNvGrpSpPr/>
+          <p:nvPr/>
+        </p:nvGrpSpPr>
+        <p:grpSpPr>
+          <a:xfrm rot="4641698" flipH="1">
+            <a:off x="8096953" y="2449999"/>
+            <a:ext cx="120077" cy="443661"/>
+            <a:chOff x="1408027" y="3329887"/>
+            <a:chExt cx="155342" cy="573958"/>
+          </a:xfrm>
+          <a:solidFill>
+            <a:schemeClr val="accent6">
+              <a:lumMod val="75000"/>
+            </a:schemeClr>
+          </a:solidFill>
+        </p:grpSpPr>
+        <p:sp>
+          <p:nvSpPr>
+            <p:cNvPr id="37" name="Oval 15">
+              <a:extLst>
+                <a:ext uri="{FF2B5EF4-FFF2-40B4-BE49-F238E27FC236}">
+                  <a16:creationId xmlns:a16="http://schemas.microsoft.com/office/drawing/2014/main" id="{C36878B7-960D-4E86-A12F-C097F95ABF4E}"/>
+                </a:ext>
+              </a:extLst>
+            </p:cNvPr>
+            <p:cNvSpPr/>
+            <p:nvPr/>
+          </p:nvSpPr>
+          <p:spPr>
+            <a:xfrm>
+              <a:off x="1408027" y="3748503"/>
+              <a:ext cx="155342" cy="155342"/>
+            </a:xfrm>
+            <a:prstGeom prst="ellipse">
+              <a:avLst/>
+            </a:prstGeom>
+            <a:grpFill/>
+            <a:ln>
+              <a:noFill/>
+            </a:ln>
+          </p:spPr>
+          <p:style>
+            <a:lnRef idx="2">
+              <a:schemeClr val="accent1">
+                <a:shade val="50000"/>
+              </a:schemeClr>
+            </a:lnRef>
+            <a:fillRef idx="1">
+              <a:schemeClr val="accent1"/>
+            </a:fillRef>
+            <a:effectRef idx="0">
+              <a:schemeClr val="accent1"/>
+            </a:effectRef>
+            <a:fontRef idx="minor">
+              <a:schemeClr val="lt1"/>
+            </a:fontRef>
+          </p:style>
+          <p:txBody>
+            <a:bodyPr rtlCol="0" anchor="ctr"/>
+            <a:lstStyle/>
+            <a:p>
+              <a:pPr algn="ctr"/>
+              <a:endParaRPr lang="ko-KR" altLang="en-US" sz="2700">
+                <a:solidFill>
+                  <a:schemeClr val="tx1">
+                    <a:lumMod val="75000"/>
+                    <a:lumOff val="25000"/>
+                  </a:schemeClr>
+                </a:solidFill>
+              </a:endParaRPr>
+            </a:p>
+          </p:txBody>
+        </p:sp>
+        <p:sp>
+          <p:nvSpPr>
+            <p:cNvPr id="38" name="Oval 16">
+              <a:extLst>
+                <a:ext uri="{FF2B5EF4-FFF2-40B4-BE49-F238E27FC236}">
+                  <a16:creationId xmlns:a16="http://schemas.microsoft.com/office/drawing/2014/main" id="{F550D3F2-D03D-4A78-919F-FDE8EFCFB719}"/>
+                </a:ext>
+              </a:extLst>
+            </p:cNvPr>
+            <p:cNvSpPr/>
+            <p:nvPr/>
+          </p:nvSpPr>
+          <p:spPr>
+            <a:xfrm>
+              <a:off x="1408027" y="3539195"/>
+              <a:ext cx="155342" cy="155342"/>
+            </a:xfrm>
+            <a:prstGeom prst="ellipse">
+              <a:avLst/>
+            </a:prstGeom>
+            <a:grpFill/>
+            <a:ln>
+              <a:noFill/>
+            </a:ln>
+          </p:spPr>
+          <p:style>
+            <a:lnRef idx="2">
+              <a:schemeClr val="accent1">
+                <a:shade val="50000"/>
+              </a:schemeClr>
+            </a:lnRef>
+            <a:fillRef idx="1">
+              <a:schemeClr val="accent1"/>
+            </a:fillRef>
+            <a:effectRef idx="0">
+              <a:schemeClr val="accent1"/>
+            </a:effectRef>
+            <a:fontRef idx="minor">
+              <a:schemeClr val="lt1"/>
+            </a:fontRef>
+          </p:style>
+          <p:txBody>
+            <a:bodyPr rtlCol="0" anchor="ctr"/>
+            <a:lstStyle/>
+            <a:p>
+              <a:pPr algn="ctr"/>
+              <a:endParaRPr lang="ko-KR" altLang="en-US" sz="2700">
+                <a:solidFill>
+                  <a:schemeClr val="tx1">
+                    <a:lumMod val="75000"/>
+                    <a:lumOff val="25000"/>
+                  </a:schemeClr>
+                </a:solidFill>
+              </a:endParaRPr>
+            </a:p>
+          </p:txBody>
+        </p:sp>
+        <p:sp>
+          <p:nvSpPr>
+            <p:cNvPr id="39" name="Oval 17">
+              <a:extLst>
+                <a:ext uri="{FF2B5EF4-FFF2-40B4-BE49-F238E27FC236}">
+                  <a16:creationId xmlns:a16="http://schemas.microsoft.com/office/drawing/2014/main" id="{C44FD71A-C189-48E0-96E6-6AA5E61DF578}"/>
+                </a:ext>
+              </a:extLst>
+            </p:cNvPr>
+            <p:cNvSpPr/>
+            <p:nvPr/>
+          </p:nvSpPr>
+          <p:spPr>
+            <a:xfrm>
+              <a:off x="1408027" y="3329887"/>
+              <a:ext cx="155342" cy="155342"/>
+            </a:xfrm>
+            <a:prstGeom prst="ellipse">
+              <a:avLst/>
+            </a:prstGeom>
+            <a:grpFill/>
+            <a:ln>
+              <a:noFill/>
+            </a:ln>
+          </p:spPr>
+          <p:style>
+            <a:lnRef idx="2">
+              <a:schemeClr val="accent1">
+                <a:shade val="50000"/>
+              </a:schemeClr>
+            </a:lnRef>
+            <a:fillRef idx="1">
+              <a:schemeClr val="accent1"/>
+            </a:fillRef>
+            <a:effectRef idx="0">
+              <a:schemeClr val="accent1"/>
+            </a:effectRef>
+            <a:fontRef idx="minor">
+              <a:schemeClr val="lt1"/>
+            </a:fontRef>
+          </p:style>
+          <p:txBody>
+            <a:bodyPr rtlCol="0" anchor="ctr"/>
+            <a:lstStyle/>
+            <a:p>
+              <a:pPr algn="ctr"/>
+              <a:endParaRPr lang="ko-KR" altLang="en-US" sz="2700">
+                <a:solidFill>
+                  <a:schemeClr val="tx1">
+                    <a:lumMod val="75000"/>
+                    <a:lumOff val="25000"/>
+                  </a:schemeClr>
+                </a:solidFill>
+              </a:endParaRPr>
+            </a:p>
+          </p:txBody>
+        </p:sp>
+      </p:grpSp>
+      <p:sp>
+        <p:nvSpPr>
+          <p:cNvPr id="40" name="Rectangle 39">
+            <a:extLst>
+              <a:ext uri="{FF2B5EF4-FFF2-40B4-BE49-F238E27FC236}">
+                <a16:creationId xmlns:a16="http://schemas.microsoft.com/office/drawing/2014/main" id="{1045D4C6-28A9-4E9A-8D0B-279F51D9C2FB}"/>
+              </a:ext>
+            </a:extLst>
+          </p:cNvPr>
+          <p:cNvSpPr/>
+          <p:nvPr/>
+        </p:nvSpPr>
+        <p:spPr>
+          <a:xfrm>
+            <a:off x="8492653" y="2395383"/>
+            <a:ext cx="2009174" cy="369332"/>
+          </a:xfrm>
+          <a:prstGeom prst="rect">
+            <a:avLst/>
+          </a:prstGeom>
+        </p:spPr>
+        <p:txBody>
+          <a:bodyPr wrap="square">
+            <a:spAutoFit/>
+          </a:bodyPr>
+          <a:lstStyle/>
+          <a:p>
+            <a:r>
+              <a:rPr lang="fr-FR" dirty="0">
+                <a:solidFill>
+                  <a:srgbClr val="000000"/>
+                </a:solidFill>
+                <a:latin typeface="Arial" panose="020B0604020202020204" pitchFamily="34" charset="0"/>
+                <a:ea typeface="Times New Roman" panose="02020603050405020304" pitchFamily="18" charset="0"/>
+                <a:cs typeface="Arial" panose="020B0604020202020204" pitchFamily="34" charset="0"/>
+              </a:rPr>
+              <a:t>Gain de temps</a:t>
+            </a:r>
+            <a:endParaRPr lang="fr-FR" dirty="0">
+              <a:latin typeface="Arial" panose="020B0604020202020204" pitchFamily="34" charset="0"/>
+              <a:cs typeface="Arial" panose="020B0604020202020204" pitchFamily="34" charset="0"/>
+            </a:endParaRPr>
+          </a:p>
+        </p:txBody>
+      </p:sp>
+      <p:sp>
+        <p:nvSpPr>
+          <p:cNvPr id="41" name="Teardrop 1">
+            <a:extLst>
+              <a:ext uri="{FF2B5EF4-FFF2-40B4-BE49-F238E27FC236}">
+                <a16:creationId xmlns:a16="http://schemas.microsoft.com/office/drawing/2014/main" id="{ACE1EC6F-D1F9-41A8-93F3-D8AFE73C5D3A}"/>
+              </a:ext>
+            </a:extLst>
+          </p:cNvPr>
+          <p:cNvSpPr/>
+          <p:nvPr/>
+        </p:nvSpPr>
+        <p:spPr>
+          <a:xfrm rot="18805991">
+            <a:off x="10048440" y="2391668"/>
+            <a:ext cx="376862" cy="372930"/>
+          </a:xfrm>
+          <a:custGeom>
+            <a:avLst/>
+            <a:gdLst/>
+            <a:ahLst/>
+            <a:cxnLst/>
+            <a:rect l="l" t="t" r="r" b="b"/>
+            <a:pathLst>
+              <a:path w="1807241" h="1788383">
+                <a:moveTo>
+                  <a:pt x="712876" y="1117592"/>
+                </a:moveTo>
+                <a:cubicBezTo>
+                  <a:pt x="771173" y="1181828"/>
+                  <a:pt x="811089" y="1255910"/>
+                  <a:pt x="847925" y="1348018"/>
+                </a:cubicBezTo>
+                <a:cubicBezTo>
+                  <a:pt x="814544" y="1418896"/>
+                  <a:pt x="753893" y="1474052"/>
+                  <a:pt x="679064" y="1498332"/>
+                </a:cubicBezTo>
+                <a:lnTo>
+                  <a:pt x="308226" y="1106637"/>
+                </a:lnTo>
+                <a:cubicBezTo>
+                  <a:pt x="336560" y="1033247"/>
+                  <a:pt x="394949" y="975701"/>
+                  <a:pt x="467546" y="946245"/>
+                </a:cubicBezTo>
+                <a:cubicBezTo>
+                  <a:pt x="577903" y="998968"/>
+                  <a:pt x="654580" y="1053357"/>
+                  <a:pt x="712876" y="1117592"/>
+                </a:cubicBezTo>
+                <a:close/>
+                <a:moveTo>
+                  <a:pt x="1038527" y="398886"/>
+                </a:moveTo>
+                <a:lnTo>
+                  <a:pt x="1405560" y="786562"/>
+                </a:lnTo>
+                <a:cubicBezTo>
+                  <a:pt x="1374476" y="799049"/>
+                  <a:pt x="1340402" y="804299"/>
+                  <a:pt x="1305054" y="803332"/>
+                </a:cubicBezTo>
+                <a:lnTo>
+                  <a:pt x="1008167" y="795212"/>
+                </a:lnTo>
+                <a:lnTo>
+                  <a:pt x="1016288" y="498325"/>
+                </a:lnTo>
+                <a:cubicBezTo>
+                  <a:pt x="1017255" y="462976"/>
+                  <a:pt x="1024360" y="429240"/>
+                  <a:pt x="1038527" y="398886"/>
+                </a:cubicBezTo>
+                <a:close/>
+                <a:moveTo>
+                  <a:pt x="1097925" y="218888"/>
+                </a:moveTo>
+                <a:cubicBezTo>
+                  <a:pt x="992582" y="279303"/>
+                  <a:pt x="921871" y="392886"/>
+                  <a:pt x="921053" y="523256"/>
+                </a:cubicBezTo>
+                <a:lnTo>
+                  <a:pt x="919136" y="828763"/>
+                </a:lnTo>
+                <a:lnTo>
+                  <a:pt x="830924" y="915875"/>
+                </a:lnTo>
+                <a:lnTo>
+                  <a:pt x="525417" y="913958"/>
+                </a:lnTo>
+                <a:cubicBezTo>
+                  <a:pt x="403891" y="913196"/>
+                  <a:pt x="296188" y="973343"/>
+                  <a:pt x="234366" y="1067831"/>
+                </a:cubicBezTo>
+                <a:lnTo>
+                  <a:pt x="710285" y="1570519"/>
+                </a:lnTo>
+                <a:cubicBezTo>
+                  <a:pt x="811872" y="1510375"/>
+                  <a:pt x="878808" y="1399439"/>
+                  <a:pt x="879603" y="1272618"/>
+                </a:cubicBezTo>
+                <a:lnTo>
+                  <a:pt x="881520" y="967111"/>
+                </a:lnTo>
+                <a:lnTo>
+                  <a:pt x="969732" y="879999"/>
+                </a:lnTo>
+                <a:lnTo>
+                  <a:pt x="1275239" y="881916"/>
+                </a:lnTo>
+                <a:cubicBezTo>
+                  <a:pt x="1400271" y="882701"/>
+                  <a:pt x="1510670" y="819011"/>
+                  <a:pt x="1573529" y="721242"/>
+                </a:cubicBezTo>
+                <a:close/>
+                <a:moveTo>
+                  <a:pt x="1162945" y="27894"/>
+                </a:moveTo>
+                <a:lnTo>
+                  <a:pt x="1782798" y="682611"/>
+                </a:lnTo>
+                <a:cubicBezTo>
+                  <a:pt x="1816692" y="718411"/>
+                  <a:pt x="1815147" y="774907"/>
+                  <a:pt x="1779347" y="808801"/>
+                </a:cubicBezTo>
+                <a:cubicBezTo>
+                  <a:pt x="1743547" y="842694"/>
+                  <a:pt x="1687050" y="841149"/>
+                  <a:pt x="1653157" y="805349"/>
+                </a:cubicBezTo>
+                <a:lnTo>
+                  <a:pt x="1644015" y="795693"/>
+                </a:lnTo>
+                <a:cubicBezTo>
+                  <a:pt x="1561789" y="910282"/>
+                  <a:pt x="1426630" y="983636"/>
+                  <a:pt x="1274606" y="982683"/>
+                </a:cubicBezTo>
+                <a:lnTo>
+                  <a:pt x="980378" y="980836"/>
+                </a:lnTo>
+                <a:lnTo>
+                  <a:pt x="980378" y="1270380"/>
+                </a:lnTo>
+                <a:cubicBezTo>
+                  <a:pt x="980378" y="1427425"/>
+                  <a:pt x="901198" y="1565976"/>
+                  <a:pt x="779756" y="1647056"/>
+                </a:cubicBezTo>
+                <a:cubicBezTo>
+                  <a:pt x="807405" y="1681913"/>
+                  <a:pt x="803595" y="1732594"/>
+                  <a:pt x="770486" y="1763941"/>
+                </a:cubicBezTo>
+                <a:cubicBezTo>
+                  <a:pt x="734686" y="1797834"/>
+                  <a:pt x="678189" y="1796289"/>
+                  <a:pt x="644296" y="1760489"/>
+                </a:cubicBezTo>
+                <a:lnTo>
+                  <a:pt x="24442" y="1105772"/>
+                </a:lnTo>
+                <a:cubicBezTo>
+                  <a:pt x="-9451" y="1069973"/>
+                  <a:pt x="-7906" y="1013476"/>
+                  <a:pt x="27894" y="979583"/>
+                </a:cubicBezTo>
+                <a:cubicBezTo>
+                  <a:pt x="63694" y="945689"/>
+                  <a:pt x="120190" y="947235"/>
+                  <a:pt x="154084" y="983034"/>
+                </a:cubicBezTo>
+                <a:lnTo>
+                  <a:pt x="163237" y="992702"/>
+                </a:lnTo>
+                <a:cubicBezTo>
+                  <a:pt x="244774" y="882877"/>
+                  <a:pt x="375836" y="813180"/>
+                  <a:pt x="523178" y="813180"/>
+                </a:cubicBezTo>
+                <a:lnTo>
+                  <a:pt x="818460" y="813180"/>
+                </a:lnTo>
+                <a:lnTo>
+                  <a:pt x="820284" y="522622"/>
+                </a:lnTo>
+                <a:cubicBezTo>
+                  <a:pt x="821285" y="363119"/>
+                  <a:pt x="903845" y="223207"/>
+                  <a:pt x="1028952" y="143673"/>
+                </a:cubicBezTo>
+                <a:cubicBezTo>
+                  <a:pt x="999689" y="108599"/>
+                  <a:pt x="1002953" y="56445"/>
+                  <a:pt x="1036755" y="24443"/>
+                </a:cubicBezTo>
+                <a:cubicBezTo>
+                  <a:pt x="1072555" y="-9451"/>
+                  <a:pt x="1129052" y="-7906"/>
+                  <a:pt x="1162945" y="27894"/>
+                </a:cubicBezTo>
+                <a:close/>
+              </a:path>
+            </a:pathLst>
+          </a:custGeom>
+          <a:solidFill>
+            <a:schemeClr val="accent1"/>
+          </a:solidFill>
+          <a:ln>
+            <a:noFill/>
+          </a:ln>
+        </p:spPr>
+        <p:style>
+          <a:lnRef idx="2">
+            <a:schemeClr val="accent1">
+              <a:shade val="50000"/>
+            </a:schemeClr>
+          </a:lnRef>
+          <a:fillRef idx="1">
+            <a:schemeClr val="accent1"/>
+          </a:fillRef>
+          <a:effectRef idx="0">
+            <a:schemeClr val="accent1"/>
+          </a:effectRef>
+          <a:fontRef idx="minor">
+            <a:schemeClr val="lt1"/>
+          </a:fontRef>
+        </p:style>
+        <p:txBody>
+          <a:bodyPr rot="0" spcFirstLastPara="0" vertOverflow="overflow" horzOverflow="overflow" vert="horz" wrap="square" lIns="91440" tIns="45720" rIns="91440" bIns="45720" numCol="1" spcCol="0" rtlCol="0" fromWordArt="0" anchor="ctr" anchorCtr="0" forceAA="0" compatLnSpc="1">
+            <a:prstTxWarp prst="textNoShape">
+              <a:avLst/>
+            </a:prstTxWarp>
+            <a:noAutofit/>
+          </a:bodyPr>
+          <a:lstStyle/>
+          <a:p>
+            <a:pPr algn="ctr"/>
+            <a:endParaRPr lang="ko-KR" altLang="en-US" dirty="0">
+              <a:solidFill>
+                <a:schemeClr val="tx1"/>
+              </a:solidFill>
+            </a:endParaRPr>
+          </a:p>
+        </p:txBody>
+      </p:sp>
+      <p:sp>
+        <p:nvSpPr>
+          <p:cNvPr id="42" name="Oval 21">
+            <a:extLst>
+              <a:ext uri="{FF2B5EF4-FFF2-40B4-BE49-F238E27FC236}">
+                <a16:creationId xmlns:a16="http://schemas.microsoft.com/office/drawing/2014/main" id="{3F430D61-070F-4F68-84AC-F951E4CA1687}"/>
+              </a:ext>
+            </a:extLst>
+          </p:cNvPr>
+          <p:cNvSpPr>
+            <a:spLocks noChangeAspect="1"/>
+          </p:cNvSpPr>
+          <p:nvPr/>
+        </p:nvSpPr>
+        <p:spPr>
+          <a:xfrm>
+            <a:off x="1975718" y="1607474"/>
+            <a:ext cx="354676" cy="357638"/>
+          </a:xfrm>
+          <a:custGeom>
+            <a:avLst/>
+            <a:gdLst/>
+            <a:ahLst/>
+            <a:cxnLst/>
+            <a:rect l="l" t="t" r="r" b="b"/>
+            <a:pathLst>
+              <a:path w="1652142" h="1665940">
+                <a:moveTo>
+                  <a:pt x="898689" y="548008"/>
+                </a:moveTo>
+                <a:cubicBezTo>
+                  <a:pt x="737950" y="504938"/>
+                  <a:pt x="572731" y="600328"/>
+                  <a:pt x="529661" y="761066"/>
+                </a:cubicBezTo>
+                <a:cubicBezTo>
+                  <a:pt x="486591" y="921805"/>
+                  <a:pt x="581980" y="1087025"/>
+                  <a:pt x="742719" y="1130094"/>
+                </a:cubicBezTo>
+                <a:cubicBezTo>
+                  <a:pt x="903458" y="1173164"/>
+                  <a:pt x="1068677" y="1077775"/>
+                  <a:pt x="1111747" y="917036"/>
+                </a:cubicBezTo>
+                <a:cubicBezTo>
+                  <a:pt x="1154817" y="756297"/>
+                  <a:pt x="1059428" y="591077"/>
+                  <a:pt x="898689" y="548008"/>
+                </a:cubicBezTo>
+                <a:close/>
+                <a:moveTo>
+                  <a:pt x="952303" y="347916"/>
+                </a:moveTo>
+                <a:cubicBezTo>
+                  <a:pt x="1223549" y="420596"/>
+                  <a:pt x="1384519" y="699404"/>
+                  <a:pt x="1311839" y="970650"/>
+                </a:cubicBezTo>
+                <a:cubicBezTo>
+                  <a:pt x="1239159" y="1241896"/>
+                  <a:pt x="960351" y="1402866"/>
+                  <a:pt x="689105" y="1330186"/>
+                </a:cubicBezTo>
+                <a:cubicBezTo>
+                  <a:pt x="417859" y="1257506"/>
+                  <a:pt x="256889" y="978698"/>
+                  <a:pt x="329569" y="707451"/>
+                </a:cubicBezTo>
+                <a:cubicBezTo>
+                  <a:pt x="402249" y="436205"/>
+                  <a:pt x="681057" y="275235"/>
+                  <a:pt x="952303" y="347916"/>
+                </a:cubicBezTo>
+                <a:close/>
+                <a:moveTo>
+                  <a:pt x="971799" y="275155"/>
+                </a:moveTo>
+                <a:cubicBezTo>
+                  <a:pt x="660368" y="191707"/>
+                  <a:pt x="340256" y="376524"/>
+                  <a:pt x="256808" y="687955"/>
+                </a:cubicBezTo>
+                <a:cubicBezTo>
+                  <a:pt x="173361" y="999387"/>
+                  <a:pt x="358178" y="1319499"/>
+                  <a:pt x="669609" y="1402947"/>
+                </a:cubicBezTo>
+                <a:cubicBezTo>
+                  <a:pt x="981040" y="1486395"/>
+                  <a:pt x="1301152" y="1301577"/>
+                  <a:pt x="1384600" y="990146"/>
+                </a:cubicBezTo>
+                <a:cubicBezTo>
+                  <a:pt x="1468047" y="678715"/>
+                  <a:pt x="1283230" y="358603"/>
+                  <a:pt x="971799" y="275155"/>
+                </a:cubicBezTo>
+                <a:close/>
+                <a:moveTo>
+                  <a:pt x="1652142" y="394531"/>
+                </a:moveTo>
+                <a:lnTo>
+                  <a:pt x="1649662" y="403784"/>
+                </a:lnTo>
+                <a:lnTo>
+                  <a:pt x="1647140" y="399895"/>
+                </a:lnTo>
+                <a:close/>
+                <a:moveTo>
+                  <a:pt x="1158157" y="65026"/>
+                </a:moveTo>
+                <a:lnTo>
+                  <a:pt x="1154679" y="271718"/>
+                </a:lnTo>
+                <a:lnTo>
+                  <a:pt x="1148331" y="270017"/>
+                </a:lnTo>
+                <a:cubicBezTo>
+                  <a:pt x="1200055" y="299127"/>
+                  <a:pt x="1246804" y="334821"/>
+                  <a:pt x="1286346" y="377149"/>
+                </a:cubicBezTo>
+                <a:lnTo>
+                  <a:pt x="1470353" y="331395"/>
+                </a:lnTo>
+                <a:lnTo>
+                  <a:pt x="1588305" y="553229"/>
+                </a:lnTo>
+                <a:lnTo>
+                  <a:pt x="1457194" y="671432"/>
+                </a:lnTo>
+                <a:cubicBezTo>
+                  <a:pt x="1473630" y="731297"/>
+                  <a:pt x="1481376" y="793983"/>
+                  <a:pt x="1478595" y="857704"/>
+                </a:cubicBezTo>
+                <a:lnTo>
+                  <a:pt x="1642362" y="948616"/>
+                </a:lnTo>
+                <a:lnTo>
+                  <a:pt x="1577335" y="1191298"/>
+                </a:lnTo>
+                <a:lnTo>
+                  <a:pt x="1378614" y="1187955"/>
+                </a:lnTo>
+                <a:cubicBezTo>
+                  <a:pt x="1353489" y="1229936"/>
+                  <a:pt x="1323048" y="1267799"/>
+                  <a:pt x="1288939" y="1301599"/>
+                </a:cubicBezTo>
+                <a:lnTo>
+                  <a:pt x="1354201" y="1471932"/>
+                </a:lnTo>
+                <a:lnTo>
+                  <a:pt x="1148396" y="1616039"/>
+                </a:lnTo>
+                <a:lnTo>
+                  <a:pt x="992294" y="1480516"/>
+                </a:lnTo>
+                <a:lnTo>
+                  <a:pt x="1011291" y="1467215"/>
+                </a:lnTo>
+                <a:cubicBezTo>
+                  <a:pt x="951500" y="1486565"/>
+                  <a:pt x="888271" y="1495869"/>
+                  <a:pt x="823805" y="1495510"/>
+                </a:cubicBezTo>
+                <a:lnTo>
+                  <a:pt x="729193" y="1665940"/>
+                </a:lnTo>
+                <a:lnTo>
+                  <a:pt x="486511" y="1600914"/>
+                </a:lnTo>
+                <a:lnTo>
+                  <a:pt x="489790" y="1406012"/>
+                </a:lnTo>
+                <a:cubicBezTo>
+                  <a:pt x="438364" y="1376702"/>
+                  <a:pt x="391917" y="1340859"/>
+                  <a:pt x="352658" y="1298452"/>
+                </a:cubicBezTo>
+                <a:lnTo>
+                  <a:pt x="355803" y="1305197"/>
+                </a:lnTo>
+                <a:lnTo>
+                  <a:pt x="152856" y="1344512"/>
+                </a:lnTo>
+                <a:lnTo>
+                  <a:pt x="46675" y="1116809"/>
+                </a:lnTo>
+                <a:lnTo>
+                  <a:pt x="183929" y="1005520"/>
+                </a:lnTo>
+                <a:cubicBezTo>
+                  <a:pt x="169279" y="951824"/>
+                  <a:pt x="161626" y="895865"/>
+                  <a:pt x="161615" y="838915"/>
+                </a:cubicBezTo>
+                <a:lnTo>
+                  <a:pt x="0" y="749197"/>
+                </a:lnTo>
+                <a:lnTo>
+                  <a:pt x="65026" y="506515"/>
+                </a:lnTo>
+                <a:lnTo>
+                  <a:pt x="250227" y="509630"/>
+                </a:lnTo>
+                <a:cubicBezTo>
+                  <a:pt x="275353" y="465291"/>
+                  <a:pt x="305693" y="424864"/>
+                  <a:pt x="340015" y="388679"/>
+                </a:cubicBezTo>
+                <a:lnTo>
+                  <a:pt x="277984" y="197357"/>
+                </a:lnTo>
+                <a:lnTo>
+                  <a:pt x="491050" y="64219"/>
+                </a:lnTo>
+                <a:lnTo>
+                  <a:pt x="639843" y="207726"/>
+                </a:lnTo>
+                <a:lnTo>
+                  <a:pt x="638348" y="208660"/>
+                </a:lnTo>
+                <a:cubicBezTo>
+                  <a:pt x="696840" y="190256"/>
+                  <a:pt x="758594" y="181748"/>
+                  <a:pt x="821488" y="182440"/>
+                </a:cubicBezTo>
+                <a:lnTo>
+                  <a:pt x="815140" y="180739"/>
+                </a:lnTo>
+                <a:lnTo>
+                  <a:pt x="915476" y="0"/>
+                </a:lnTo>
+                <a:close/>
+              </a:path>
+            </a:pathLst>
+          </a:custGeom>
+          <a:solidFill>
+            <a:schemeClr val="accent4"/>
+          </a:solidFill>
+          <a:ln>
+            <a:noFill/>
+          </a:ln>
+        </p:spPr>
+        <p:style>
+          <a:lnRef idx="2">
+            <a:schemeClr val="accent1">
+              <a:shade val="50000"/>
+            </a:schemeClr>
+          </a:lnRef>
+          <a:fillRef idx="1">
+            <a:schemeClr val="accent1"/>
+          </a:fillRef>
+          <a:effectRef idx="0">
+            <a:schemeClr val="accent1"/>
+          </a:effectRef>
+          <a:fontRef idx="minor">
+            <a:schemeClr val="lt1"/>
+          </a:fontRef>
+        </p:style>
+        <p:txBody>
+          <a:bodyPr rot="0" spcFirstLastPara="0" vert="horz" wrap="square" lIns="91440" tIns="45720" rIns="91440" bIns="45720" numCol="1" spcCol="0" rtlCol="0" fromWordArt="0" anchor="ctr" anchorCtr="0" forceAA="0" compatLnSpc="1">
+            <a:prstTxWarp prst="textNoShape">
+              <a:avLst/>
+            </a:prstTxWarp>
+            <a:noAutofit/>
+          </a:bodyPr>
+          <a:lstStyle>
+            <a:defPPr>
+              <a:defRPr lang="ko-KR"/>
+            </a:defPPr>
+            <a:lvl1pPr marL="0" algn="l" defTabSz="914400" rtl="0" eaLnBrk="1" latinLnBrk="1" hangingPunct="1">
+              <a:defRPr sz="1800" kern="1200">
+                <a:solidFill>
+                  <a:schemeClr val="lt1"/>
+                </a:solidFill>
+                <a:latin typeface="+mn-lt"/>
+                <a:ea typeface="+mn-ea"/>
+                <a:cs typeface="+mn-cs"/>
+              </a:defRPr>
+            </a:lvl1pPr>
+            <a:lvl2pPr marL="457200" algn="l" defTabSz="914400" rtl="0" eaLnBrk="1" latinLnBrk="1" hangingPunct="1">
+              <a:defRPr sz="1800" kern="1200">
+                <a:solidFill>
+                  <a:schemeClr val="lt1"/>
+                </a:solidFill>
+                <a:latin typeface="+mn-lt"/>
+                <a:ea typeface="+mn-ea"/>
+                <a:cs typeface="+mn-cs"/>
+              </a:defRPr>
+            </a:lvl2pPr>
+            <a:lvl3pPr marL="914400" algn="l" defTabSz="914400" rtl="0" eaLnBrk="1" latinLnBrk="1" hangingPunct="1">
+              <a:defRPr sz="1800" kern="1200">
+                <a:solidFill>
+                  <a:schemeClr val="lt1"/>
+                </a:solidFill>
+                <a:latin typeface="+mn-lt"/>
+                <a:ea typeface="+mn-ea"/>
+                <a:cs typeface="+mn-cs"/>
+              </a:defRPr>
+            </a:lvl3pPr>
+            <a:lvl4pPr marL="1371600" algn="l" defTabSz="914400" rtl="0" eaLnBrk="1" latinLnBrk="1" hangingPunct="1">
+              <a:defRPr sz="1800" kern="1200">
+                <a:solidFill>
+                  <a:schemeClr val="lt1"/>
+                </a:solidFill>
+                <a:latin typeface="+mn-lt"/>
+                <a:ea typeface="+mn-ea"/>
+                <a:cs typeface="+mn-cs"/>
+              </a:defRPr>
+            </a:lvl4pPr>
+            <a:lvl5pPr marL="1828800" algn="l" defTabSz="914400" rtl="0" eaLnBrk="1" latinLnBrk="1" hangingPunct="1">
+              <a:defRPr sz="1800" kern="1200">
+                <a:solidFill>
+                  <a:schemeClr val="lt1"/>
+                </a:solidFill>
+                <a:latin typeface="+mn-lt"/>
+                <a:ea typeface="+mn-ea"/>
+                <a:cs typeface="+mn-cs"/>
+              </a:defRPr>
+            </a:lvl5pPr>
+            <a:lvl6pPr marL="2286000" algn="l" defTabSz="914400" rtl="0" eaLnBrk="1" latinLnBrk="1" hangingPunct="1">
+              <a:defRPr sz="1800" kern="1200">
+                <a:solidFill>
+                  <a:schemeClr val="lt1"/>
+                </a:solidFill>
+                <a:latin typeface="+mn-lt"/>
+                <a:ea typeface="+mn-ea"/>
+                <a:cs typeface="+mn-cs"/>
+              </a:defRPr>
+            </a:lvl6pPr>
+            <a:lvl7pPr marL="2743200" algn="l" defTabSz="914400" rtl="0" eaLnBrk="1" latinLnBrk="1" hangingPunct="1">
+              <a:defRPr sz="1800" kern="1200">
+                <a:solidFill>
+                  <a:schemeClr val="lt1"/>
+                </a:solidFill>
+                <a:latin typeface="+mn-lt"/>
+                <a:ea typeface="+mn-ea"/>
+                <a:cs typeface="+mn-cs"/>
+              </a:defRPr>
+            </a:lvl7pPr>
+            <a:lvl8pPr marL="3200400" algn="l" defTabSz="914400" rtl="0" eaLnBrk="1" latinLnBrk="1" hangingPunct="1">
+              <a:defRPr sz="1800" kern="1200">
+                <a:solidFill>
+                  <a:schemeClr val="lt1"/>
+                </a:solidFill>
+                <a:latin typeface="+mn-lt"/>
+                <a:ea typeface="+mn-ea"/>
+                <a:cs typeface="+mn-cs"/>
+              </a:defRPr>
+            </a:lvl8pPr>
+            <a:lvl9pPr marL="3657600" algn="l" defTabSz="914400" rtl="0" eaLnBrk="1" latinLnBrk="1" hangingPunct="1">
+              <a:defRPr sz="1800" kern="1200">
+                <a:solidFill>
+                  <a:schemeClr val="lt1"/>
+                </a:solidFill>
+                <a:latin typeface="+mn-lt"/>
+                <a:ea typeface="+mn-ea"/>
+                <a:cs typeface="+mn-cs"/>
+              </a:defRPr>
+            </a:lvl9pPr>
+          </a:lstStyle>
+          <a:p>
+            <a:pPr algn="ctr"/>
+            <a:endParaRPr lang="ko-KR" altLang="en-US" dirty="0"/>
+          </a:p>
+        </p:txBody>
+      </p:sp>
+      <p:sp>
+        <p:nvSpPr>
+          <p:cNvPr id="43" name="Block Arc 11">
+            <a:extLst>
+              <a:ext uri="{FF2B5EF4-FFF2-40B4-BE49-F238E27FC236}">
+                <a16:creationId xmlns:a16="http://schemas.microsoft.com/office/drawing/2014/main" id="{54A36028-D495-4813-885C-A4D310A14238}"/>
+              </a:ext>
+            </a:extLst>
+          </p:cNvPr>
+          <p:cNvSpPr/>
+          <p:nvPr/>
+        </p:nvSpPr>
+        <p:spPr>
+          <a:xfrm rot="10800000">
+            <a:off x="0" y="4334412"/>
+            <a:ext cx="320105" cy="520850"/>
+          </a:xfrm>
+          <a:custGeom>
+            <a:avLst/>
+            <a:gdLst/>
+            <a:ahLst/>
+            <a:cxnLst/>
+            <a:rect l="l" t="t" r="r" b="b"/>
+            <a:pathLst>
+              <a:path w="3636337" h="7138182">
+                <a:moveTo>
+                  <a:pt x="1563551" y="3029061"/>
+                </a:moveTo>
+                <a:lnTo>
+                  <a:pt x="1563551" y="1171769"/>
+                </a:lnTo>
+                <a:cubicBezTo>
+                  <a:pt x="1444523" y="1201084"/>
+                  <a:pt x="1330799" y="1254073"/>
+                  <a:pt x="1228219" y="1328453"/>
+                </a:cubicBezTo>
+                <a:cubicBezTo>
+                  <a:pt x="927220" y="1546705"/>
+                  <a:pt x="771440" y="1913395"/>
+                  <a:pt x="823311" y="2281559"/>
+                </a:cubicBezTo>
+                <a:cubicBezTo>
+                  <a:pt x="886035" y="2761950"/>
+                  <a:pt x="1181988" y="2923981"/>
+                  <a:pt x="1563551" y="3029061"/>
+                </a:cubicBezTo>
+                <a:close/>
+                <a:moveTo>
+                  <a:pt x="2056123" y="5971053"/>
+                </a:moveTo>
+                <a:cubicBezTo>
+                  <a:pt x="2180706" y="5941789"/>
+                  <a:pt x="2300029" y="5887431"/>
+                  <a:pt x="2407191" y="5809729"/>
+                </a:cubicBezTo>
+                <a:cubicBezTo>
+                  <a:pt x="2708190" y="5591477"/>
+                  <a:pt x="2863970" y="5224787"/>
+                  <a:pt x="2812099" y="4856623"/>
+                </a:cubicBezTo>
+                <a:cubicBezTo>
+                  <a:pt x="2712300" y="4365494"/>
+                  <a:pt x="2419393" y="4148018"/>
+                  <a:pt x="2056123" y="4007016"/>
+                </a:cubicBezTo>
+                <a:close/>
+                <a:moveTo>
+                  <a:pt x="2056123" y="7138182"/>
+                </a:moveTo>
+                <a:lnTo>
+                  <a:pt x="1563551" y="7138182"/>
+                </a:lnTo>
+                <a:lnTo>
+                  <a:pt x="1563551" y="6796553"/>
+                </a:lnTo>
+                <a:cubicBezTo>
+                  <a:pt x="1376287" y="6771102"/>
+                  <a:pt x="1191751" y="6715291"/>
+                  <a:pt x="1016794" y="6629471"/>
+                </a:cubicBezTo>
+                <a:cubicBezTo>
+                  <a:pt x="412303" y="6332946"/>
+                  <a:pt x="21102" y="5726704"/>
+                  <a:pt x="0" y="5053734"/>
+                </a:cubicBezTo>
+                <a:lnTo>
+                  <a:pt x="813973" y="5028205"/>
+                </a:lnTo>
+                <a:cubicBezTo>
+                  <a:pt x="825624" y="5399818"/>
+                  <a:pt x="1041643" y="5734588"/>
+                  <a:pt x="1375441" y="5898325"/>
+                </a:cubicBezTo>
+                <a:cubicBezTo>
+                  <a:pt x="1436179" y="5928119"/>
+                  <a:pt x="1499008" y="5951362"/>
+                  <a:pt x="1563551" y="5965918"/>
+                </a:cubicBezTo>
+                <a:lnTo>
+                  <a:pt x="1563551" y="3847635"/>
+                </a:lnTo>
+                <a:cubicBezTo>
+                  <a:pt x="920238" y="3662345"/>
+                  <a:pt x="233045" y="3450393"/>
+                  <a:pt x="16852" y="2382091"/>
+                </a:cubicBezTo>
+                <a:cubicBezTo>
+                  <a:pt x="-73403" y="1719933"/>
+                  <a:pt x="208577" y="1061859"/>
+                  <a:pt x="750173" y="669157"/>
+                </a:cubicBezTo>
+                <a:cubicBezTo>
+                  <a:pt x="994931" y="491686"/>
+                  <a:pt x="1274723" y="381458"/>
+                  <a:pt x="1563551" y="341319"/>
+                </a:cubicBezTo>
+                <a:lnTo>
+                  <a:pt x="1563551" y="0"/>
+                </a:lnTo>
+                <a:lnTo>
+                  <a:pt x="2056123" y="0"/>
+                </a:lnTo>
+                <a:lnTo>
+                  <a:pt x="2056123" y="339268"/>
+                </a:lnTo>
+                <a:cubicBezTo>
+                  <a:pt x="2248752" y="363969"/>
+                  <a:pt x="2438747" y="420481"/>
+                  <a:pt x="2618616" y="508711"/>
+                </a:cubicBezTo>
+                <a:cubicBezTo>
+                  <a:pt x="3223107" y="805237"/>
+                  <a:pt x="3614308" y="1411478"/>
+                  <a:pt x="3635410" y="2084448"/>
+                </a:cubicBezTo>
+                <a:lnTo>
+                  <a:pt x="2821437" y="2109978"/>
+                </a:lnTo>
+                <a:cubicBezTo>
+                  <a:pt x="2809786" y="1738364"/>
+                  <a:pt x="2593767" y="1403594"/>
+                  <a:pt x="2259969" y="1239857"/>
+                </a:cubicBezTo>
+                <a:cubicBezTo>
+                  <a:pt x="2194243" y="1207617"/>
+                  <a:pt x="2126069" y="1183046"/>
+                  <a:pt x="2056123" y="1168235"/>
+                </a:cubicBezTo>
+                <a:lnTo>
+                  <a:pt x="2056123" y="3150890"/>
+                </a:lnTo>
+                <a:cubicBezTo>
+                  <a:pt x="2675271" y="3303511"/>
+                  <a:pt x="3347939" y="3564428"/>
+                  <a:pt x="3618512" y="4743007"/>
+                </a:cubicBezTo>
+                <a:cubicBezTo>
+                  <a:pt x="3712448" y="5409725"/>
+                  <a:pt x="3430336" y="6073786"/>
+                  <a:pt x="2885237" y="6469025"/>
+                </a:cubicBezTo>
+                <a:cubicBezTo>
+                  <a:pt x="2636047" y="6649712"/>
+                  <a:pt x="2350538" y="6760700"/>
+                  <a:pt x="2056123" y="6798748"/>
+                </a:cubicBezTo>
+                <a:close/>
+              </a:path>
+            </a:pathLst>
+          </a:custGeom>
+          <a:solidFill>
+            <a:schemeClr val="accent2"/>
+          </a:solidFill>
+          <a:ln>
+            <a:noFill/>
+          </a:ln>
+        </p:spPr>
+        <p:style>
+          <a:lnRef idx="2">
+            <a:schemeClr val="accent1">
+              <a:shade val="50000"/>
+            </a:schemeClr>
+          </a:lnRef>
+          <a:fillRef idx="1">
+            <a:schemeClr val="accent1"/>
+          </a:fillRef>
+          <a:effectRef idx="0">
+            <a:schemeClr val="accent1"/>
+          </a:effectRef>
+          <a:fontRef idx="minor">
+            <a:schemeClr val="lt1"/>
+          </a:fontRef>
+        </p:style>
+        <p:txBody>
+          <a:bodyPr rtlCol="0" anchor="ctr"/>
+          <a:lstStyle/>
+          <a:p>
+            <a:pPr algn="ctr"/>
+            <a:endParaRPr lang="ko-KR" altLang="en-US" sz="2700">
+              <a:solidFill>
+                <a:schemeClr val="tx1"/>
+              </a:solidFill>
             </a:endParaRPr>
           </a:p>
         </p:txBody>

--- a/DIAPO/Présentation.pptx
+++ b/DIAPO/Présentation.pptx
@@ -5,7 +5,7 @@
     <p:sldMasterId id="2147483648" r:id="rId1"/>
   </p:sldMasterIdLst>
   <p:notesMasterIdLst>
-    <p:notesMasterId r:id="rId23"/>
+    <p:notesMasterId r:id="rId28"/>
   </p:notesMasterIdLst>
   <p:sldIdLst>
     <p:sldId id="318" r:id="rId2"/>
@@ -20,15 +20,20 @@
     <p:sldId id="296" r:id="rId11"/>
     <p:sldId id="324" r:id="rId12"/>
     <p:sldId id="325" r:id="rId13"/>
-    <p:sldId id="326" r:id="rId14"/>
-    <p:sldId id="327" r:id="rId15"/>
-    <p:sldId id="328" r:id="rId16"/>
-    <p:sldId id="316" r:id="rId17"/>
-    <p:sldId id="329" r:id="rId18"/>
-    <p:sldId id="330" r:id="rId19"/>
-    <p:sldId id="331" r:id="rId20"/>
-    <p:sldId id="332" r:id="rId21"/>
-    <p:sldId id="333" r:id="rId22"/>
+    <p:sldId id="334" r:id="rId14"/>
+    <p:sldId id="326" r:id="rId15"/>
+    <p:sldId id="327" r:id="rId16"/>
+    <p:sldId id="328" r:id="rId17"/>
+    <p:sldId id="316" r:id="rId18"/>
+    <p:sldId id="329" r:id="rId19"/>
+    <p:sldId id="330" r:id="rId20"/>
+    <p:sldId id="331" r:id="rId21"/>
+    <p:sldId id="332" r:id="rId22"/>
+    <p:sldId id="333" r:id="rId23"/>
+    <p:sldId id="337" r:id="rId24"/>
+    <p:sldId id="335" r:id="rId25"/>
+    <p:sldId id="336" r:id="rId26"/>
+    <p:sldId id="338" r:id="rId27"/>
   </p:sldIdLst>
   <p:sldSz cx="12192000" cy="6858000"/>
   <p:notesSz cx="6858000" cy="9144000"/>
@@ -217,7 +222,7 @@
           <a:p>
             <a:fld id="{52AE69C5-FD40-4B35-ACFB-9ABA8883DECF}" type="datetimeFigureOut">
               <a:rPr lang="fr-FR" smtClean="0"/>
-              <a:t>23/10/2019</a:t>
+              <a:t>27/10/2019</a:t>
             </a:fld>
             <a:endParaRPr lang="fr-FR"/>
           </a:p>
@@ -633,7 +638,7 @@
           <a:p>
             <a:fld id="{E9C28C48-7862-44F9-B779-9D6C7FC5B6E9}" type="slidenum">
               <a:rPr lang="fr-FR" smtClean="0"/>
-              <a:t>12</a:t>
+              <a:t>11</a:t>
             </a:fld>
             <a:endParaRPr lang="fr-FR"/>
           </a:p>
@@ -642,7 +647,7 @@
     </p:spTree>
     <p:extLst>
       <p:ext uri="{BB962C8B-B14F-4D97-AF65-F5344CB8AC3E}">
-        <p14:creationId xmlns:p14="http://schemas.microsoft.com/office/powerpoint/2010/main" val="3019923374"/>
+        <p14:creationId xmlns:p14="http://schemas.microsoft.com/office/powerpoint/2010/main" val="118765618"/>
       </p:ext>
     </p:extLst>
   </p:cSld>
@@ -717,7 +722,7 @@
           <a:p>
             <a:fld id="{E9C28C48-7862-44F9-B779-9D6C7FC5B6E9}" type="slidenum">
               <a:rPr lang="fr-FR" smtClean="0"/>
-              <a:t>13</a:t>
+              <a:t>12</a:t>
             </a:fld>
             <a:endParaRPr lang="fr-FR"/>
           </a:p>
@@ -726,7 +731,7 @@
     </p:spTree>
     <p:extLst>
       <p:ext uri="{BB962C8B-B14F-4D97-AF65-F5344CB8AC3E}">
-        <p14:creationId xmlns:p14="http://schemas.microsoft.com/office/powerpoint/2010/main" val="436304266"/>
+        <p14:creationId xmlns:p14="http://schemas.microsoft.com/office/powerpoint/2010/main" val="3019923374"/>
       </p:ext>
     </p:extLst>
   </p:cSld>
@@ -801,7 +806,7 @@
           <a:p>
             <a:fld id="{E9C28C48-7862-44F9-B779-9D6C7FC5B6E9}" type="slidenum">
               <a:rPr lang="fr-FR" smtClean="0"/>
-              <a:t>14</a:t>
+              <a:t>13</a:t>
             </a:fld>
             <a:endParaRPr lang="fr-FR"/>
           </a:p>
@@ -810,7 +815,7 @@
     </p:spTree>
     <p:extLst>
       <p:ext uri="{BB962C8B-B14F-4D97-AF65-F5344CB8AC3E}">
-        <p14:creationId xmlns:p14="http://schemas.microsoft.com/office/powerpoint/2010/main" val="2417807289"/>
+        <p14:creationId xmlns:p14="http://schemas.microsoft.com/office/powerpoint/2010/main" val="2118278246"/>
       </p:ext>
     </p:extLst>
   </p:cSld>
@@ -885,7 +890,7 @@
           <a:p>
             <a:fld id="{E9C28C48-7862-44F9-B779-9D6C7FC5B6E9}" type="slidenum">
               <a:rPr lang="fr-FR" smtClean="0"/>
-              <a:t>15</a:t>
+              <a:t>14</a:t>
             </a:fld>
             <a:endParaRPr lang="fr-FR"/>
           </a:p>
@@ -894,7 +899,7 @@
     </p:spTree>
     <p:extLst>
       <p:ext uri="{BB962C8B-B14F-4D97-AF65-F5344CB8AC3E}">
-        <p14:creationId xmlns:p14="http://schemas.microsoft.com/office/powerpoint/2010/main" val="268547841"/>
+        <p14:creationId xmlns:p14="http://schemas.microsoft.com/office/powerpoint/2010/main" val="436304266"/>
       </p:ext>
     </p:extLst>
   </p:cSld>
@@ -969,7 +974,7 @@
           <a:p>
             <a:fld id="{E9C28C48-7862-44F9-B779-9D6C7FC5B6E9}" type="slidenum">
               <a:rPr lang="fr-FR" smtClean="0"/>
-              <a:t>17</a:t>
+              <a:t>15</a:t>
             </a:fld>
             <a:endParaRPr lang="fr-FR"/>
           </a:p>
@@ -978,7 +983,7 @@
     </p:spTree>
     <p:extLst>
       <p:ext uri="{BB962C8B-B14F-4D97-AF65-F5344CB8AC3E}">
-        <p14:creationId xmlns:p14="http://schemas.microsoft.com/office/powerpoint/2010/main" val="2412467650"/>
+        <p14:creationId xmlns:p14="http://schemas.microsoft.com/office/powerpoint/2010/main" val="2417807289"/>
       </p:ext>
     </p:extLst>
   </p:cSld>
@@ -1053,7 +1058,7 @@
           <a:p>
             <a:fld id="{E9C28C48-7862-44F9-B779-9D6C7FC5B6E9}" type="slidenum">
               <a:rPr lang="fr-FR" smtClean="0"/>
-              <a:t>18</a:t>
+              <a:t>16</a:t>
             </a:fld>
             <a:endParaRPr lang="fr-FR"/>
           </a:p>
@@ -1062,7 +1067,7 @@
     </p:spTree>
     <p:extLst>
       <p:ext uri="{BB962C8B-B14F-4D97-AF65-F5344CB8AC3E}">
-        <p14:creationId xmlns:p14="http://schemas.microsoft.com/office/powerpoint/2010/main" val="2356239685"/>
+        <p14:creationId xmlns:p14="http://schemas.microsoft.com/office/powerpoint/2010/main" val="268547841"/>
       </p:ext>
     </p:extLst>
   </p:cSld>
@@ -1137,7 +1142,7 @@
           <a:p>
             <a:fld id="{E9C28C48-7862-44F9-B779-9D6C7FC5B6E9}" type="slidenum">
               <a:rPr lang="fr-FR" smtClean="0"/>
-              <a:t>19</a:t>
+              <a:t>18</a:t>
             </a:fld>
             <a:endParaRPr lang="fr-FR"/>
           </a:p>
@@ -1146,7 +1151,7 @@
     </p:spTree>
     <p:extLst>
       <p:ext uri="{BB962C8B-B14F-4D97-AF65-F5344CB8AC3E}">
-        <p14:creationId xmlns:p14="http://schemas.microsoft.com/office/powerpoint/2010/main" val="2367813415"/>
+        <p14:creationId xmlns:p14="http://schemas.microsoft.com/office/powerpoint/2010/main" val="2412467650"/>
       </p:ext>
     </p:extLst>
   </p:cSld>
@@ -1221,7 +1226,7 @@
           <a:p>
             <a:fld id="{E9C28C48-7862-44F9-B779-9D6C7FC5B6E9}" type="slidenum">
               <a:rPr lang="fr-FR" smtClean="0"/>
-              <a:t>20</a:t>
+              <a:t>19</a:t>
             </a:fld>
             <a:endParaRPr lang="fr-FR"/>
           </a:p>
@@ -1230,7 +1235,7 @@
     </p:spTree>
     <p:extLst>
       <p:ext uri="{BB962C8B-B14F-4D97-AF65-F5344CB8AC3E}">
-        <p14:creationId xmlns:p14="http://schemas.microsoft.com/office/powerpoint/2010/main" val="814297677"/>
+        <p14:creationId xmlns:p14="http://schemas.microsoft.com/office/powerpoint/2010/main" val="2356239685"/>
       </p:ext>
     </p:extLst>
   </p:cSld>
@@ -1305,6 +1310,90 @@
           <a:p>
             <a:fld id="{E9C28C48-7862-44F9-B779-9D6C7FC5B6E9}" type="slidenum">
               <a:rPr lang="fr-FR" smtClean="0"/>
+              <a:t>20</a:t>
+            </a:fld>
+            <a:endParaRPr lang="fr-FR"/>
+          </a:p>
+        </p:txBody>
+      </p:sp>
+    </p:spTree>
+    <p:extLst>
+      <p:ext uri="{BB962C8B-B14F-4D97-AF65-F5344CB8AC3E}">
+        <p14:creationId xmlns:p14="http://schemas.microsoft.com/office/powerpoint/2010/main" val="2367813415"/>
+      </p:ext>
+    </p:extLst>
+  </p:cSld>
+  <p:clrMapOvr>
+    <a:masterClrMapping/>
+  </p:clrMapOvr>
+</p:notes>
+</file>
+
+<file path=ppt/notesSlides/notesSlide19.xml><?xml version="1.0" encoding="utf-8"?>
+<p:notes xmlns:a="http://schemas.openxmlformats.org/drawingml/2006/main" xmlns:r="http://schemas.openxmlformats.org/officeDocument/2006/relationships" xmlns:p="http://schemas.openxmlformats.org/presentationml/2006/main">
+  <p:cSld>
+    <p:spTree>
+      <p:nvGrpSpPr>
+        <p:cNvPr id="1" name=""/>
+        <p:cNvGrpSpPr/>
+        <p:nvPr/>
+      </p:nvGrpSpPr>
+      <p:grpSpPr>
+        <a:xfrm>
+          <a:off x="0" y="0"/>
+          <a:ext cx="0" cy="0"/>
+          <a:chOff x="0" y="0"/>
+          <a:chExt cx="0" cy="0"/>
+        </a:xfrm>
+      </p:grpSpPr>
+      <p:sp>
+        <p:nvSpPr>
+          <p:cNvPr id="2" name="Espace réservé de l'image des diapositives 1"/>
+          <p:cNvSpPr>
+            <a:spLocks noGrp="1" noRot="1" noChangeAspect="1"/>
+          </p:cNvSpPr>
+          <p:nvPr>
+            <p:ph type="sldImg"/>
+          </p:nvPr>
+        </p:nvSpPr>
+        <p:spPr/>
+      </p:sp>
+      <p:sp>
+        <p:nvSpPr>
+          <p:cNvPr id="3" name="Espace réservé des notes 2"/>
+          <p:cNvSpPr>
+            <a:spLocks noGrp="1"/>
+          </p:cNvSpPr>
+          <p:nvPr>
+            <p:ph type="body" idx="1"/>
+          </p:nvPr>
+        </p:nvSpPr>
+        <p:spPr/>
+        <p:txBody>
+          <a:bodyPr/>
+          <a:lstStyle/>
+          <a:p>
+            <a:endParaRPr lang="fr-FR" dirty="0"/>
+          </a:p>
+        </p:txBody>
+      </p:sp>
+      <p:sp>
+        <p:nvSpPr>
+          <p:cNvPr id="4" name="Espace réservé du numéro de diapositive 3"/>
+          <p:cNvSpPr>
+            <a:spLocks noGrp="1"/>
+          </p:cNvSpPr>
+          <p:nvPr>
+            <p:ph type="sldNum" sz="quarter" idx="5"/>
+          </p:nvPr>
+        </p:nvSpPr>
+        <p:spPr/>
+        <p:txBody>
+          <a:bodyPr/>
+          <a:lstStyle/>
+          <a:p>
+            <a:fld id="{E9C28C48-7862-44F9-B779-9D6C7FC5B6E9}" type="slidenum">
+              <a:rPr lang="fr-FR" smtClean="0"/>
               <a:t>21</a:t>
             </a:fld>
             <a:endParaRPr lang="fr-FR"/>
@@ -1314,7 +1403,7 @@
     </p:spTree>
     <p:extLst>
       <p:ext uri="{BB962C8B-B14F-4D97-AF65-F5344CB8AC3E}">
-        <p14:creationId xmlns:p14="http://schemas.microsoft.com/office/powerpoint/2010/main" val="1684382601"/>
+        <p14:creationId xmlns:p14="http://schemas.microsoft.com/office/powerpoint/2010/main" val="814297677"/>
       </p:ext>
     </p:extLst>
   </p:cSld>
@@ -1402,6 +1491,426 @@
     <p:extLst>
       <p:ext uri="{BB962C8B-B14F-4D97-AF65-F5344CB8AC3E}">
         <p14:creationId xmlns:p14="http://schemas.microsoft.com/office/powerpoint/2010/main" val="3616909216"/>
+      </p:ext>
+    </p:extLst>
+  </p:cSld>
+  <p:clrMapOvr>
+    <a:masterClrMapping/>
+  </p:clrMapOvr>
+</p:notes>
+</file>
+
+<file path=ppt/notesSlides/notesSlide20.xml><?xml version="1.0" encoding="utf-8"?>
+<p:notes xmlns:a="http://schemas.openxmlformats.org/drawingml/2006/main" xmlns:r="http://schemas.openxmlformats.org/officeDocument/2006/relationships" xmlns:p="http://schemas.openxmlformats.org/presentationml/2006/main">
+  <p:cSld>
+    <p:spTree>
+      <p:nvGrpSpPr>
+        <p:cNvPr id="1" name=""/>
+        <p:cNvGrpSpPr/>
+        <p:nvPr/>
+      </p:nvGrpSpPr>
+      <p:grpSpPr>
+        <a:xfrm>
+          <a:off x="0" y="0"/>
+          <a:ext cx="0" cy="0"/>
+          <a:chOff x="0" y="0"/>
+          <a:chExt cx="0" cy="0"/>
+        </a:xfrm>
+      </p:grpSpPr>
+      <p:sp>
+        <p:nvSpPr>
+          <p:cNvPr id="2" name="Espace réservé de l'image des diapositives 1"/>
+          <p:cNvSpPr>
+            <a:spLocks noGrp="1" noRot="1" noChangeAspect="1"/>
+          </p:cNvSpPr>
+          <p:nvPr>
+            <p:ph type="sldImg"/>
+          </p:nvPr>
+        </p:nvSpPr>
+        <p:spPr/>
+      </p:sp>
+      <p:sp>
+        <p:nvSpPr>
+          <p:cNvPr id="3" name="Espace réservé des notes 2"/>
+          <p:cNvSpPr>
+            <a:spLocks noGrp="1"/>
+          </p:cNvSpPr>
+          <p:nvPr>
+            <p:ph type="body" idx="1"/>
+          </p:nvPr>
+        </p:nvSpPr>
+        <p:spPr/>
+        <p:txBody>
+          <a:bodyPr/>
+          <a:lstStyle/>
+          <a:p>
+            <a:endParaRPr lang="fr-FR" dirty="0"/>
+          </a:p>
+        </p:txBody>
+      </p:sp>
+      <p:sp>
+        <p:nvSpPr>
+          <p:cNvPr id="4" name="Espace réservé du numéro de diapositive 3"/>
+          <p:cNvSpPr>
+            <a:spLocks noGrp="1"/>
+          </p:cNvSpPr>
+          <p:nvPr>
+            <p:ph type="sldNum" sz="quarter" idx="5"/>
+          </p:nvPr>
+        </p:nvSpPr>
+        <p:spPr/>
+        <p:txBody>
+          <a:bodyPr/>
+          <a:lstStyle/>
+          <a:p>
+            <a:fld id="{E9C28C48-7862-44F9-B779-9D6C7FC5B6E9}" type="slidenum">
+              <a:rPr lang="fr-FR" smtClean="0"/>
+              <a:t>22</a:t>
+            </a:fld>
+            <a:endParaRPr lang="fr-FR"/>
+          </a:p>
+        </p:txBody>
+      </p:sp>
+    </p:spTree>
+    <p:extLst>
+      <p:ext uri="{BB962C8B-B14F-4D97-AF65-F5344CB8AC3E}">
+        <p14:creationId xmlns:p14="http://schemas.microsoft.com/office/powerpoint/2010/main" val="1684382601"/>
+      </p:ext>
+    </p:extLst>
+  </p:cSld>
+  <p:clrMapOvr>
+    <a:masterClrMapping/>
+  </p:clrMapOvr>
+</p:notes>
+</file>
+
+<file path=ppt/notesSlides/notesSlide21.xml><?xml version="1.0" encoding="utf-8"?>
+<p:notes xmlns:a="http://schemas.openxmlformats.org/drawingml/2006/main" xmlns:r="http://schemas.openxmlformats.org/officeDocument/2006/relationships" xmlns:p="http://schemas.openxmlformats.org/presentationml/2006/main">
+  <p:cSld>
+    <p:spTree>
+      <p:nvGrpSpPr>
+        <p:cNvPr id="1" name=""/>
+        <p:cNvGrpSpPr/>
+        <p:nvPr/>
+      </p:nvGrpSpPr>
+      <p:grpSpPr>
+        <a:xfrm>
+          <a:off x="0" y="0"/>
+          <a:ext cx="0" cy="0"/>
+          <a:chOff x="0" y="0"/>
+          <a:chExt cx="0" cy="0"/>
+        </a:xfrm>
+      </p:grpSpPr>
+      <p:sp>
+        <p:nvSpPr>
+          <p:cNvPr id="2" name="Espace réservé de l'image des diapositives 1"/>
+          <p:cNvSpPr>
+            <a:spLocks noGrp="1" noRot="1" noChangeAspect="1"/>
+          </p:cNvSpPr>
+          <p:nvPr>
+            <p:ph type="sldImg"/>
+          </p:nvPr>
+        </p:nvSpPr>
+        <p:spPr/>
+      </p:sp>
+      <p:sp>
+        <p:nvSpPr>
+          <p:cNvPr id="3" name="Espace réservé des notes 2"/>
+          <p:cNvSpPr>
+            <a:spLocks noGrp="1"/>
+          </p:cNvSpPr>
+          <p:nvPr>
+            <p:ph type="body" idx="1"/>
+          </p:nvPr>
+        </p:nvSpPr>
+        <p:spPr/>
+        <p:txBody>
+          <a:bodyPr/>
+          <a:lstStyle/>
+          <a:p>
+            <a:endParaRPr lang="fr-FR" dirty="0"/>
+          </a:p>
+        </p:txBody>
+      </p:sp>
+      <p:sp>
+        <p:nvSpPr>
+          <p:cNvPr id="4" name="Espace réservé du numéro de diapositive 3"/>
+          <p:cNvSpPr>
+            <a:spLocks noGrp="1"/>
+          </p:cNvSpPr>
+          <p:nvPr>
+            <p:ph type="sldNum" sz="quarter" idx="5"/>
+          </p:nvPr>
+        </p:nvSpPr>
+        <p:spPr/>
+        <p:txBody>
+          <a:bodyPr/>
+          <a:lstStyle/>
+          <a:p>
+            <a:fld id="{E9C28C48-7862-44F9-B779-9D6C7FC5B6E9}" type="slidenum">
+              <a:rPr lang="fr-FR" smtClean="0"/>
+              <a:t>23</a:t>
+            </a:fld>
+            <a:endParaRPr lang="fr-FR"/>
+          </a:p>
+        </p:txBody>
+      </p:sp>
+    </p:spTree>
+    <p:extLst>
+      <p:ext uri="{BB962C8B-B14F-4D97-AF65-F5344CB8AC3E}">
+        <p14:creationId xmlns:p14="http://schemas.microsoft.com/office/powerpoint/2010/main" val="2600371153"/>
+      </p:ext>
+    </p:extLst>
+  </p:cSld>
+  <p:clrMapOvr>
+    <a:masterClrMapping/>
+  </p:clrMapOvr>
+</p:notes>
+</file>
+
+<file path=ppt/notesSlides/notesSlide22.xml><?xml version="1.0" encoding="utf-8"?>
+<p:notes xmlns:a="http://schemas.openxmlformats.org/drawingml/2006/main" xmlns:r="http://schemas.openxmlformats.org/officeDocument/2006/relationships" xmlns:p="http://schemas.openxmlformats.org/presentationml/2006/main">
+  <p:cSld>
+    <p:spTree>
+      <p:nvGrpSpPr>
+        <p:cNvPr id="1" name=""/>
+        <p:cNvGrpSpPr/>
+        <p:nvPr/>
+      </p:nvGrpSpPr>
+      <p:grpSpPr>
+        <a:xfrm>
+          <a:off x="0" y="0"/>
+          <a:ext cx="0" cy="0"/>
+          <a:chOff x="0" y="0"/>
+          <a:chExt cx="0" cy="0"/>
+        </a:xfrm>
+      </p:grpSpPr>
+      <p:sp>
+        <p:nvSpPr>
+          <p:cNvPr id="2" name="Espace réservé de l'image des diapositives 1"/>
+          <p:cNvSpPr>
+            <a:spLocks noGrp="1" noRot="1" noChangeAspect="1"/>
+          </p:cNvSpPr>
+          <p:nvPr>
+            <p:ph type="sldImg"/>
+          </p:nvPr>
+        </p:nvSpPr>
+        <p:spPr/>
+      </p:sp>
+      <p:sp>
+        <p:nvSpPr>
+          <p:cNvPr id="3" name="Espace réservé des notes 2"/>
+          <p:cNvSpPr>
+            <a:spLocks noGrp="1"/>
+          </p:cNvSpPr>
+          <p:nvPr>
+            <p:ph type="body" idx="1"/>
+          </p:nvPr>
+        </p:nvSpPr>
+        <p:spPr/>
+        <p:txBody>
+          <a:bodyPr/>
+          <a:lstStyle/>
+          <a:p>
+            <a:endParaRPr lang="fr-FR" dirty="0"/>
+          </a:p>
+        </p:txBody>
+      </p:sp>
+      <p:sp>
+        <p:nvSpPr>
+          <p:cNvPr id="4" name="Espace réservé du numéro de diapositive 3"/>
+          <p:cNvSpPr>
+            <a:spLocks noGrp="1"/>
+          </p:cNvSpPr>
+          <p:nvPr>
+            <p:ph type="sldNum" sz="quarter" idx="5"/>
+          </p:nvPr>
+        </p:nvSpPr>
+        <p:spPr/>
+        <p:txBody>
+          <a:bodyPr/>
+          <a:lstStyle/>
+          <a:p>
+            <a:fld id="{E9C28C48-7862-44F9-B779-9D6C7FC5B6E9}" type="slidenum">
+              <a:rPr lang="fr-FR" smtClean="0"/>
+              <a:t>24</a:t>
+            </a:fld>
+            <a:endParaRPr lang="fr-FR"/>
+          </a:p>
+        </p:txBody>
+      </p:sp>
+    </p:spTree>
+    <p:extLst>
+      <p:ext uri="{BB962C8B-B14F-4D97-AF65-F5344CB8AC3E}">
+        <p14:creationId xmlns:p14="http://schemas.microsoft.com/office/powerpoint/2010/main" val="784192344"/>
+      </p:ext>
+    </p:extLst>
+  </p:cSld>
+  <p:clrMapOvr>
+    <a:masterClrMapping/>
+  </p:clrMapOvr>
+</p:notes>
+</file>
+
+<file path=ppt/notesSlides/notesSlide23.xml><?xml version="1.0" encoding="utf-8"?>
+<p:notes xmlns:a="http://schemas.openxmlformats.org/drawingml/2006/main" xmlns:r="http://schemas.openxmlformats.org/officeDocument/2006/relationships" xmlns:p="http://schemas.openxmlformats.org/presentationml/2006/main">
+  <p:cSld>
+    <p:spTree>
+      <p:nvGrpSpPr>
+        <p:cNvPr id="1" name=""/>
+        <p:cNvGrpSpPr/>
+        <p:nvPr/>
+      </p:nvGrpSpPr>
+      <p:grpSpPr>
+        <a:xfrm>
+          <a:off x="0" y="0"/>
+          <a:ext cx="0" cy="0"/>
+          <a:chOff x="0" y="0"/>
+          <a:chExt cx="0" cy="0"/>
+        </a:xfrm>
+      </p:grpSpPr>
+      <p:sp>
+        <p:nvSpPr>
+          <p:cNvPr id="2" name="Espace réservé de l'image des diapositives 1"/>
+          <p:cNvSpPr>
+            <a:spLocks noGrp="1" noRot="1" noChangeAspect="1"/>
+          </p:cNvSpPr>
+          <p:nvPr>
+            <p:ph type="sldImg"/>
+          </p:nvPr>
+        </p:nvSpPr>
+        <p:spPr/>
+      </p:sp>
+      <p:sp>
+        <p:nvSpPr>
+          <p:cNvPr id="3" name="Espace réservé des notes 2"/>
+          <p:cNvSpPr>
+            <a:spLocks noGrp="1"/>
+          </p:cNvSpPr>
+          <p:nvPr>
+            <p:ph type="body" idx="1"/>
+          </p:nvPr>
+        </p:nvSpPr>
+        <p:spPr/>
+        <p:txBody>
+          <a:bodyPr/>
+          <a:lstStyle/>
+          <a:p>
+            <a:endParaRPr lang="fr-FR" dirty="0"/>
+          </a:p>
+        </p:txBody>
+      </p:sp>
+      <p:sp>
+        <p:nvSpPr>
+          <p:cNvPr id="4" name="Espace réservé du numéro de diapositive 3"/>
+          <p:cNvSpPr>
+            <a:spLocks noGrp="1"/>
+          </p:cNvSpPr>
+          <p:nvPr>
+            <p:ph type="sldNum" sz="quarter" idx="5"/>
+          </p:nvPr>
+        </p:nvSpPr>
+        <p:spPr/>
+        <p:txBody>
+          <a:bodyPr/>
+          <a:lstStyle/>
+          <a:p>
+            <a:fld id="{E9C28C48-7862-44F9-B779-9D6C7FC5B6E9}" type="slidenum">
+              <a:rPr lang="fr-FR" smtClean="0"/>
+              <a:t>25</a:t>
+            </a:fld>
+            <a:endParaRPr lang="fr-FR"/>
+          </a:p>
+        </p:txBody>
+      </p:sp>
+    </p:spTree>
+    <p:extLst>
+      <p:ext uri="{BB962C8B-B14F-4D97-AF65-F5344CB8AC3E}">
+        <p14:creationId xmlns:p14="http://schemas.microsoft.com/office/powerpoint/2010/main" val="3445505030"/>
+      </p:ext>
+    </p:extLst>
+  </p:cSld>
+  <p:clrMapOvr>
+    <a:masterClrMapping/>
+  </p:clrMapOvr>
+</p:notes>
+</file>
+
+<file path=ppt/notesSlides/notesSlide24.xml><?xml version="1.0" encoding="utf-8"?>
+<p:notes xmlns:a="http://schemas.openxmlformats.org/drawingml/2006/main" xmlns:r="http://schemas.openxmlformats.org/officeDocument/2006/relationships" xmlns:p="http://schemas.openxmlformats.org/presentationml/2006/main">
+  <p:cSld>
+    <p:spTree>
+      <p:nvGrpSpPr>
+        <p:cNvPr id="1" name=""/>
+        <p:cNvGrpSpPr/>
+        <p:nvPr/>
+      </p:nvGrpSpPr>
+      <p:grpSpPr>
+        <a:xfrm>
+          <a:off x="0" y="0"/>
+          <a:ext cx="0" cy="0"/>
+          <a:chOff x="0" y="0"/>
+          <a:chExt cx="0" cy="0"/>
+        </a:xfrm>
+      </p:grpSpPr>
+      <p:sp>
+        <p:nvSpPr>
+          <p:cNvPr id="2" name="Espace réservé de l'image des diapositives 1"/>
+          <p:cNvSpPr>
+            <a:spLocks noGrp="1" noRot="1" noChangeAspect="1"/>
+          </p:cNvSpPr>
+          <p:nvPr>
+            <p:ph type="sldImg"/>
+          </p:nvPr>
+        </p:nvSpPr>
+        <p:spPr/>
+      </p:sp>
+      <p:sp>
+        <p:nvSpPr>
+          <p:cNvPr id="3" name="Espace réservé des notes 2"/>
+          <p:cNvSpPr>
+            <a:spLocks noGrp="1"/>
+          </p:cNvSpPr>
+          <p:nvPr>
+            <p:ph type="body" idx="1"/>
+          </p:nvPr>
+        </p:nvSpPr>
+        <p:spPr/>
+        <p:txBody>
+          <a:bodyPr/>
+          <a:lstStyle/>
+          <a:p>
+            <a:endParaRPr lang="fr-FR" dirty="0"/>
+          </a:p>
+        </p:txBody>
+      </p:sp>
+      <p:sp>
+        <p:nvSpPr>
+          <p:cNvPr id="4" name="Espace réservé du numéro de diapositive 3"/>
+          <p:cNvSpPr>
+            <a:spLocks noGrp="1"/>
+          </p:cNvSpPr>
+          <p:nvPr>
+            <p:ph type="sldNum" sz="quarter" idx="5"/>
+          </p:nvPr>
+        </p:nvSpPr>
+        <p:spPr/>
+        <p:txBody>
+          <a:bodyPr/>
+          <a:lstStyle/>
+          <a:p>
+            <a:fld id="{E9C28C48-7862-44F9-B779-9D6C7FC5B6E9}" type="slidenum">
+              <a:rPr lang="fr-FR" smtClean="0"/>
+              <a:t>26</a:t>
+            </a:fld>
+            <a:endParaRPr lang="fr-FR"/>
+          </a:p>
+        </p:txBody>
+      </p:sp>
+    </p:spTree>
+    <p:extLst>
+      <p:ext uri="{BB962C8B-B14F-4D97-AF65-F5344CB8AC3E}">
+        <p14:creationId xmlns:p14="http://schemas.microsoft.com/office/powerpoint/2010/main" val="2416185907"/>
       </p:ext>
     </p:extLst>
   </p:cSld>
@@ -1563,6 +2072,90 @@
           <a:p>
             <a:fld id="{E9C28C48-7862-44F9-B779-9D6C7FC5B6E9}" type="slidenum">
               <a:rPr lang="fr-FR" smtClean="0"/>
+              <a:t>5</a:t>
+            </a:fld>
+            <a:endParaRPr lang="fr-FR"/>
+          </a:p>
+        </p:txBody>
+      </p:sp>
+    </p:spTree>
+    <p:extLst>
+      <p:ext uri="{BB962C8B-B14F-4D97-AF65-F5344CB8AC3E}">
+        <p14:creationId xmlns:p14="http://schemas.microsoft.com/office/powerpoint/2010/main" val="3550456545"/>
+      </p:ext>
+    </p:extLst>
+  </p:cSld>
+  <p:clrMapOvr>
+    <a:masterClrMapping/>
+  </p:clrMapOvr>
+</p:notes>
+</file>
+
+<file path=ppt/notesSlides/notesSlide5.xml><?xml version="1.0" encoding="utf-8"?>
+<p:notes xmlns:a="http://schemas.openxmlformats.org/drawingml/2006/main" xmlns:r="http://schemas.openxmlformats.org/officeDocument/2006/relationships" xmlns:p="http://schemas.openxmlformats.org/presentationml/2006/main">
+  <p:cSld>
+    <p:spTree>
+      <p:nvGrpSpPr>
+        <p:cNvPr id="1" name=""/>
+        <p:cNvGrpSpPr/>
+        <p:nvPr/>
+      </p:nvGrpSpPr>
+      <p:grpSpPr>
+        <a:xfrm>
+          <a:off x="0" y="0"/>
+          <a:ext cx="0" cy="0"/>
+          <a:chOff x="0" y="0"/>
+          <a:chExt cx="0" cy="0"/>
+        </a:xfrm>
+      </p:grpSpPr>
+      <p:sp>
+        <p:nvSpPr>
+          <p:cNvPr id="2" name="Espace réservé de l'image des diapositives 1"/>
+          <p:cNvSpPr>
+            <a:spLocks noGrp="1" noRot="1" noChangeAspect="1"/>
+          </p:cNvSpPr>
+          <p:nvPr>
+            <p:ph type="sldImg"/>
+          </p:nvPr>
+        </p:nvSpPr>
+        <p:spPr/>
+      </p:sp>
+      <p:sp>
+        <p:nvSpPr>
+          <p:cNvPr id="3" name="Espace réservé des notes 2"/>
+          <p:cNvSpPr>
+            <a:spLocks noGrp="1"/>
+          </p:cNvSpPr>
+          <p:nvPr>
+            <p:ph type="body" idx="1"/>
+          </p:nvPr>
+        </p:nvSpPr>
+        <p:spPr/>
+        <p:txBody>
+          <a:bodyPr/>
+          <a:lstStyle/>
+          <a:p>
+            <a:endParaRPr lang="fr-FR" dirty="0"/>
+          </a:p>
+        </p:txBody>
+      </p:sp>
+      <p:sp>
+        <p:nvSpPr>
+          <p:cNvPr id="4" name="Espace réservé du numéro de diapositive 3"/>
+          <p:cNvSpPr>
+            <a:spLocks noGrp="1"/>
+          </p:cNvSpPr>
+          <p:nvPr>
+            <p:ph type="sldNum" sz="quarter" idx="5"/>
+          </p:nvPr>
+        </p:nvSpPr>
+        <p:spPr/>
+        <p:txBody>
+          <a:bodyPr/>
+          <a:lstStyle/>
+          <a:p>
+            <a:fld id="{E9C28C48-7862-44F9-B779-9D6C7FC5B6E9}" type="slidenum">
+              <a:rPr lang="fr-FR" smtClean="0"/>
               <a:t>6</a:t>
             </a:fld>
             <a:endParaRPr lang="fr-FR"/>
@@ -1582,7 +2175,7 @@
 </p:notes>
 </file>
 
-<file path=ppt/notesSlides/notesSlide5.xml><?xml version="1.0" encoding="utf-8"?>
+<file path=ppt/notesSlides/notesSlide6.xml><?xml version="1.0" encoding="utf-8"?>
 <p:notes xmlns:a="http://schemas.openxmlformats.org/drawingml/2006/main" xmlns:r="http://schemas.openxmlformats.org/officeDocument/2006/relationships" xmlns:p="http://schemas.openxmlformats.org/presentationml/2006/main">
   <p:cSld>
     <p:spTree>
@@ -1666,7 +2259,7 @@
 </p:notes>
 </file>
 
-<file path=ppt/notesSlides/notesSlide6.xml><?xml version="1.0" encoding="utf-8"?>
+<file path=ppt/notesSlides/notesSlide7.xml><?xml version="1.0" encoding="utf-8"?>
 <p:notes xmlns:a="http://schemas.openxmlformats.org/drawingml/2006/main" xmlns:r="http://schemas.openxmlformats.org/officeDocument/2006/relationships" xmlns:p="http://schemas.openxmlformats.org/presentationml/2006/main">
   <p:cSld>
     <p:spTree>
@@ -1750,7 +2343,7 @@
 </p:notes>
 </file>
 
-<file path=ppt/notesSlides/notesSlide7.xml><?xml version="1.0" encoding="utf-8"?>
+<file path=ppt/notesSlides/notesSlide8.xml><?xml version="1.0" encoding="utf-8"?>
 <p:notes xmlns:a="http://schemas.openxmlformats.org/drawingml/2006/main" xmlns:r="http://schemas.openxmlformats.org/officeDocument/2006/relationships" xmlns:p="http://schemas.openxmlformats.org/presentationml/2006/main">
   <p:cSld>
     <p:spTree>
@@ -1834,7 +2427,7 @@
 </p:notes>
 </file>
 
-<file path=ppt/notesSlides/notesSlide8.xml><?xml version="1.0" encoding="utf-8"?>
+<file path=ppt/notesSlides/notesSlide9.xml><?xml version="1.0" encoding="utf-8"?>
 <p:notes xmlns:a="http://schemas.openxmlformats.org/drawingml/2006/main" xmlns:r="http://schemas.openxmlformats.org/officeDocument/2006/relationships" xmlns:p="http://schemas.openxmlformats.org/presentationml/2006/main">
   <p:cSld>
     <p:spTree>
@@ -1909,90 +2502,6 @@
     <p:extLst>
       <p:ext uri="{BB962C8B-B14F-4D97-AF65-F5344CB8AC3E}">
         <p14:creationId xmlns:p14="http://schemas.microsoft.com/office/powerpoint/2010/main" val="1069336232"/>
-      </p:ext>
-    </p:extLst>
-  </p:cSld>
-  <p:clrMapOvr>
-    <a:masterClrMapping/>
-  </p:clrMapOvr>
-</p:notes>
-</file>
-
-<file path=ppt/notesSlides/notesSlide9.xml><?xml version="1.0" encoding="utf-8"?>
-<p:notes xmlns:a="http://schemas.openxmlformats.org/drawingml/2006/main" xmlns:r="http://schemas.openxmlformats.org/officeDocument/2006/relationships" xmlns:p="http://schemas.openxmlformats.org/presentationml/2006/main">
-  <p:cSld>
-    <p:spTree>
-      <p:nvGrpSpPr>
-        <p:cNvPr id="1" name=""/>
-        <p:cNvGrpSpPr/>
-        <p:nvPr/>
-      </p:nvGrpSpPr>
-      <p:grpSpPr>
-        <a:xfrm>
-          <a:off x="0" y="0"/>
-          <a:ext cx="0" cy="0"/>
-          <a:chOff x="0" y="0"/>
-          <a:chExt cx="0" cy="0"/>
-        </a:xfrm>
-      </p:grpSpPr>
-      <p:sp>
-        <p:nvSpPr>
-          <p:cNvPr id="2" name="Espace réservé de l'image des diapositives 1"/>
-          <p:cNvSpPr>
-            <a:spLocks noGrp="1" noRot="1" noChangeAspect="1"/>
-          </p:cNvSpPr>
-          <p:nvPr>
-            <p:ph type="sldImg"/>
-          </p:nvPr>
-        </p:nvSpPr>
-        <p:spPr/>
-      </p:sp>
-      <p:sp>
-        <p:nvSpPr>
-          <p:cNvPr id="3" name="Espace réservé des notes 2"/>
-          <p:cNvSpPr>
-            <a:spLocks noGrp="1"/>
-          </p:cNvSpPr>
-          <p:nvPr>
-            <p:ph type="body" idx="1"/>
-          </p:nvPr>
-        </p:nvSpPr>
-        <p:spPr/>
-        <p:txBody>
-          <a:bodyPr/>
-          <a:lstStyle/>
-          <a:p>
-            <a:endParaRPr lang="fr-FR" dirty="0"/>
-          </a:p>
-        </p:txBody>
-      </p:sp>
-      <p:sp>
-        <p:nvSpPr>
-          <p:cNvPr id="4" name="Espace réservé du numéro de diapositive 3"/>
-          <p:cNvSpPr>
-            <a:spLocks noGrp="1"/>
-          </p:cNvSpPr>
-          <p:nvPr>
-            <p:ph type="sldNum" sz="quarter" idx="5"/>
-          </p:nvPr>
-        </p:nvSpPr>
-        <p:spPr/>
-        <p:txBody>
-          <a:bodyPr/>
-          <a:lstStyle/>
-          <a:p>
-            <a:fld id="{E9C28C48-7862-44F9-B779-9D6C7FC5B6E9}" type="slidenum">
-              <a:rPr lang="fr-FR" smtClean="0"/>
-              <a:t>11</a:t>
-            </a:fld>
-            <a:endParaRPr lang="fr-FR"/>
-          </a:p>
-        </p:txBody>
-      </p:sp>
-    </p:spTree>
-    <p:extLst>
-      <p:ext uri="{BB962C8B-B14F-4D97-AF65-F5344CB8AC3E}">
-        <p14:creationId xmlns:p14="http://schemas.microsoft.com/office/powerpoint/2010/main" val="118765618"/>
       </p:ext>
     </p:extLst>
   </p:cSld>
@@ -2149,7 +2658,7 @@
           <a:p>
             <a:fld id="{D4E5B539-ACE7-4AE4-97AA-4A49E9854FF8}" type="datetimeFigureOut">
               <a:rPr lang="fr-FR" smtClean="0"/>
-              <a:t>23/10/2019</a:t>
+              <a:t>27/10/2019</a:t>
             </a:fld>
             <a:endParaRPr lang="fr-FR"/>
           </a:p>
@@ -2347,7 +2856,7 @@
           <a:p>
             <a:fld id="{D4E5B539-ACE7-4AE4-97AA-4A49E9854FF8}" type="datetimeFigureOut">
               <a:rPr lang="fr-FR" smtClean="0"/>
-              <a:t>23/10/2019</a:t>
+              <a:t>27/10/2019</a:t>
             </a:fld>
             <a:endParaRPr lang="fr-FR"/>
           </a:p>
@@ -2555,7 +3064,7 @@
           <a:p>
             <a:fld id="{D4E5B539-ACE7-4AE4-97AA-4A49E9854FF8}" type="datetimeFigureOut">
               <a:rPr lang="fr-FR" smtClean="0"/>
-              <a:t>23/10/2019</a:t>
+              <a:t>27/10/2019</a:t>
             </a:fld>
             <a:endParaRPr lang="fr-FR"/>
           </a:p>
@@ -3462,7 +3971,7 @@
           <a:p>
             <a:fld id="{D4E5B539-ACE7-4AE4-97AA-4A49E9854FF8}" type="datetimeFigureOut">
               <a:rPr lang="fr-FR" smtClean="0"/>
-              <a:t>23/10/2019</a:t>
+              <a:t>27/10/2019</a:t>
             </a:fld>
             <a:endParaRPr lang="fr-FR"/>
           </a:p>
@@ -3737,7 +4246,7 @@
           <a:p>
             <a:fld id="{D4E5B539-ACE7-4AE4-97AA-4A49E9854FF8}" type="datetimeFigureOut">
               <a:rPr lang="fr-FR" smtClean="0"/>
-              <a:t>23/10/2019</a:t>
+              <a:t>27/10/2019</a:t>
             </a:fld>
             <a:endParaRPr lang="fr-FR"/>
           </a:p>
@@ -4002,7 +4511,7 @@
           <a:p>
             <a:fld id="{D4E5B539-ACE7-4AE4-97AA-4A49E9854FF8}" type="datetimeFigureOut">
               <a:rPr lang="fr-FR" smtClean="0"/>
-              <a:t>23/10/2019</a:t>
+              <a:t>27/10/2019</a:t>
             </a:fld>
             <a:endParaRPr lang="fr-FR"/>
           </a:p>
@@ -4414,7 +4923,7 @@
           <a:p>
             <a:fld id="{D4E5B539-ACE7-4AE4-97AA-4A49E9854FF8}" type="datetimeFigureOut">
               <a:rPr lang="fr-FR" smtClean="0"/>
-              <a:t>23/10/2019</a:t>
+              <a:t>27/10/2019</a:t>
             </a:fld>
             <a:endParaRPr lang="fr-FR"/>
           </a:p>
@@ -4555,7 +5064,7 @@
           <a:p>
             <a:fld id="{D4E5B539-ACE7-4AE4-97AA-4A49E9854FF8}" type="datetimeFigureOut">
               <a:rPr lang="fr-FR" smtClean="0"/>
-              <a:t>23/10/2019</a:t>
+              <a:t>27/10/2019</a:t>
             </a:fld>
             <a:endParaRPr lang="fr-FR"/>
           </a:p>
@@ -4668,7 +5177,7 @@
           <a:p>
             <a:fld id="{D4E5B539-ACE7-4AE4-97AA-4A49E9854FF8}" type="datetimeFigureOut">
               <a:rPr lang="fr-FR" smtClean="0"/>
-              <a:t>23/10/2019</a:t>
+              <a:t>27/10/2019</a:t>
             </a:fld>
             <a:endParaRPr lang="fr-FR"/>
           </a:p>
@@ -4979,7 +5488,7 @@
           <a:p>
             <a:fld id="{D4E5B539-ACE7-4AE4-97AA-4A49E9854FF8}" type="datetimeFigureOut">
               <a:rPr lang="fr-FR" smtClean="0"/>
-              <a:t>23/10/2019</a:t>
+              <a:t>27/10/2019</a:t>
             </a:fld>
             <a:endParaRPr lang="fr-FR"/>
           </a:p>
@@ -5267,7 +5776,7 @@
           <a:p>
             <a:fld id="{D4E5B539-ACE7-4AE4-97AA-4A49E9854FF8}" type="datetimeFigureOut">
               <a:rPr lang="fr-FR" smtClean="0"/>
-              <a:t>23/10/2019</a:t>
+              <a:t>27/10/2019</a:t>
             </a:fld>
             <a:endParaRPr lang="fr-FR"/>
           </a:p>
@@ -5508,7 +6017,7 @@
           <a:p>
             <a:fld id="{D4E5B539-ACE7-4AE4-97AA-4A49E9854FF8}" type="datetimeFigureOut">
               <a:rPr lang="fr-FR" smtClean="0"/>
-              <a:t>23/10/2019</a:t>
+              <a:t>27/10/2019</a:t>
             </a:fld>
             <a:endParaRPr lang="fr-FR"/>
           </a:p>
@@ -6536,6 +7045,16 @@
 <file path=ppt/slides/slide11.xml><?xml version="1.0" encoding="utf-8"?>
 <p:sld xmlns:a="http://schemas.openxmlformats.org/drawingml/2006/main" xmlns:r="http://schemas.openxmlformats.org/officeDocument/2006/relationships" xmlns:p="http://schemas.openxmlformats.org/presentationml/2006/main">
   <p:cSld>
+    <p:bg>
+      <p:bgPr>
+        <a:solidFill>
+          <a:schemeClr val="bg1">
+            <a:alpha val="93000"/>
+          </a:schemeClr>
+        </a:solidFill>
+        <a:effectLst/>
+      </p:bgPr>
+    </p:bg>
     <p:spTree>
       <p:nvGrpSpPr>
         <p:cNvPr id="1" name=""/>
@@ -6752,6 +7271,987 @@
 <file path=ppt/slides/slide13.xml><?xml version="1.0" encoding="utf-8"?>
 <p:sld xmlns:a="http://schemas.openxmlformats.org/drawingml/2006/main" xmlns:r="http://schemas.openxmlformats.org/officeDocument/2006/relationships" xmlns:p="http://schemas.openxmlformats.org/presentationml/2006/main">
   <p:cSld>
+    <p:bg>
+      <p:bgPr>
+        <a:solidFill>
+          <a:schemeClr val="bg1"/>
+        </a:solidFill>
+        <a:effectLst/>
+      </p:bgPr>
+    </p:bg>
+    <p:spTree>
+      <p:nvGrpSpPr>
+        <p:cNvPr id="1" name=""/>
+        <p:cNvGrpSpPr/>
+        <p:nvPr/>
+      </p:nvGrpSpPr>
+      <p:grpSpPr>
+        <a:xfrm>
+          <a:off x="0" y="0"/>
+          <a:ext cx="0" cy="0"/>
+          <a:chOff x="0" y="0"/>
+          <a:chExt cx="0" cy="0"/>
+        </a:xfrm>
+      </p:grpSpPr>
+      <p:sp>
+        <p:nvSpPr>
+          <p:cNvPr id="31" name="Rectangle 30">
+            <a:extLst>
+              <a:ext uri="{FF2B5EF4-FFF2-40B4-BE49-F238E27FC236}">
+                <a16:creationId xmlns:a16="http://schemas.microsoft.com/office/drawing/2014/main" id="{D8ED2E39-AB4F-42B5-9617-D1779FC29121}"/>
+              </a:ext>
+            </a:extLst>
+          </p:cNvPr>
+          <p:cNvSpPr/>
+          <p:nvPr/>
+        </p:nvSpPr>
+        <p:spPr>
+          <a:xfrm>
+            <a:off x="0" y="0"/>
+            <a:ext cx="2710927" cy="839096"/>
+          </a:xfrm>
+          <a:prstGeom prst="rect">
+            <a:avLst/>
+          </a:prstGeom>
+          <a:solidFill>
+            <a:schemeClr val="accent1">
+              <a:alpha val="40000"/>
+            </a:schemeClr>
+          </a:solidFill>
+          <a:ln>
+            <a:noFill/>
+          </a:ln>
+        </p:spPr>
+        <p:style>
+          <a:lnRef idx="2">
+            <a:schemeClr val="accent1">
+              <a:shade val="50000"/>
+            </a:schemeClr>
+          </a:lnRef>
+          <a:fillRef idx="1">
+            <a:schemeClr val="accent1"/>
+          </a:fillRef>
+          <a:effectRef idx="0">
+            <a:schemeClr val="accent1"/>
+          </a:effectRef>
+          <a:fontRef idx="minor">
+            <a:schemeClr val="lt1"/>
+          </a:fontRef>
+        </p:style>
+        <p:txBody>
+          <a:bodyPr rtlCol="0" anchor="ctr"/>
+          <a:lstStyle/>
+          <a:p>
+            <a:pPr algn="ctr"/>
+            <a:r>
+              <a:rPr lang="en-US" b="1" dirty="0">
+                <a:solidFill>
+                  <a:schemeClr val="tx1"/>
+                </a:solidFill>
+              </a:rPr>
+              <a:t>SOA </a:t>
+            </a:r>
+            <a:r>
+              <a:rPr lang="en-US" b="1" dirty="0" err="1">
+                <a:solidFill>
+                  <a:schemeClr val="tx1"/>
+                </a:solidFill>
+              </a:rPr>
+              <a:t>ou</a:t>
+            </a:r>
+            <a:r>
+              <a:rPr lang="en-US" b="1" dirty="0">
+                <a:solidFill>
+                  <a:schemeClr val="tx1"/>
+                </a:solidFill>
+              </a:rPr>
+              <a:t> MSA</a:t>
+            </a:r>
+          </a:p>
+        </p:txBody>
+      </p:sp>
+      <p:sp>
+        <p:nvSpPr>
+          <p:cNvPr id="2" name="Triangle isocèle 1">
+            <a:extLst>
+              <a:ext uri="{FF2B5EF4-FFF2-40B4-BE49-F238E27FC236}">
+                <a16:creationId xmlns:a16="http://schemas.microsoft.com/office/drawing/2014/main" id="{7134A1B7-184E-492F-990A-DC4E12350EBE}"/>
+              </a:ext>
+            </a:extLst>
+          </p:cNvPr>
+          <p:cNvSpPr/>
+          <p:nvPr/>
+        </p:nvSpPr>
+        <p:spPr>
+          <a:xfrm>
+            <a:off x="4168345" y="2045044"/>
+            <a:ext cx="3855309" cy="3564924"/>
+          </a:xfrm>
+          <a:prstGeom prst="triangle">
+            <a:avLst/>
+          </a:prstGeom>
+          <a:gradFill flip="none" rotWithShape="1">
+            <a:gsLst>
+              <a:gs pos="0">
+                <a:srgbClr val="00B050"/>
+              </a:gs>
+              <a:gs pos="75000">
+                <a:schemeClr val="accent6">
+                  <a:lumMod val="40000"/>
+                  <a:lumOff val="60000"/>
+                </a:schemeClr>
+              </a:gs>
+              <a:gs pos="100000">
+                <a:schemeClr val="accent6">
+                  <a:lumMod val="40000"/>
+                  <a:lumOff val="60000"/>
+                </a:schemeClr>
+              </a:gs>
+            </a:gsLst>
+            <a:path path="circle">
+              <a:fillToRect t="100000" r="100000"/>
+            </a:path>
+            <a:tileRect l="-100000" b="-100000"/>
+          </a:gradFill>
+        </p:spPr>
+        <p:style>
+          <a:lnRef idx="2">
+            <a:schemeClr val="accent1">
+              <a:shade val="50000"/>
+            </a:schemeClr>
+          </a:lnRef>
+          <a:fillRef idx="1">
+            <a:schemeClr val="accent1"/>
+          </a:fillRef>
+          <a:effectRef idx="0">
+            <a:schemeClr val="accent1"/>
+          </a:effectRef>
+          <a:fontRef idx="minor">
+            <a:schemeClr val="lt1"/>
+          </a:fontRef>
+        </p:style>
+        <p:txBody>
+          <a:bodyPr rtlCol="0" anchor="ctr"/>
+          <a:lstStyle/>
+          <a:p>
+            <a:pPr algn="ctr"/>
+            <a:endParaRPr lang="fr-FR"/>
+          </a:p>
+        </p:txBody>
+      </p:sp>
+      <p:sp>
+        <p:nvSpPr>
+          <p:cNvPr id="3" name="ZoneTexte 2">
+            <a:extLst>
+              <a:ext uri="{FF2B5EF4-FFF2-40B4-BE49-F238E27FC236}">
+                <a16:creationId xmlns:a16="http://schemas.microsoft.com/office/drawing/2014/main" id="{977F25CA-9E9C-4D45-A745-40E0B26C2369}"/>
+              </a:ext>
+            </a:extLst>
+          </p:cNvPr>
+          <p:cNvSpPr txBox="1"/>
+          <p:nvPr/>
+        </p:nvSpPr>
+        <p:spPr>
+          <a:xfrm>
+            <a:off x="5397842" y="1515071"/>
+            <a:ext cx="1396314" cy="461665"/>
+          </a:xfrm>
+          <a:prstGeom prst="rect">
+            <a:avLst/>
+          </a:prstGeom>
+          <a:noFill/>
+        </p:spPr>
+        <p:txBody>
+          <a:bodyPr wrap="square" rtlCol="0">
+            <a:spAutoFit/>
+          </a:bodyPr>
+          <a:lstStyle/>
+          <a:p>
+            <a:pPr algn="ctr"/>
+            <a:r>
+              <a:rPr lang="fr-FR" sz="2400" dirty="0">
+                <a:latin typeface="Arial" panose="020B0604020202020204" pitchFamily="34" charset="0"/>
+                <a:cs typeface="Arial" panose="020B0604020202020204" pitchFamily="34" charset="0"/>
+              </a:rPr>
+              <a:t>Qualité</a:t>
+            </a:r>
+          </a:p>
+        </p:txBody>
+      </p:sp>
+      <p:sp>
+        <p:nvSpPr>
+          <p:cNvPr id="5" name="ZoneTexte 4">
+            <a:extLst>
+              <a:ext uri="{FF2B5EF4-FFF2-40B4-BE49-F238E27FC236}">
+                <a16:creationId xmlns:a16="http://schemas.microsoft.com/office/drawing/2014/main" id="{72636AC2-F53F-4617-AAE2-823B073500FF}"/>
+              </a:ext>
+            </a:extLst>
+          </p:cNvPr>
+          <p:cNvSpPr txBox="1"/>
+          <p:nvPr/>
+        </p:nvSpPr>
+        <p:spPr>
+          <a:xfrm>
+            <a:off x="2710927" y="5148303"/>
+            <a:ext cx="1396314" cy="461665"/>
+          </a:xfrm>
+          <a:prstGeom prst="rect">
+            <a:avLst/>
+          </a:prstGeom>
+          <a:noFill/>
+        </p:spPr>
+        <p:txBody>
+          <a:bodyPr wrap="square" rtlCol="0">
+            <a:spAutoFit/>
+          </a:bodyPr>
+          <a:lstStyle/>
+          <a:p>
+            <a:pPr algn="ctr"/>
+            <a:r>
+              <a:rPr lang="fr-FR" sz="2400" dirty="0">
+                <a:latin typeface="Arial" panose="020B0604020202020204" pitchFamily="34" charset="0"/>
+                <a:cs typeface="Arial" panose="020B0604020202020204" pitchFamily="34" charset="0"/>
+              </a:rPr>
+              <a:t>Coût</a:t>
+            </a:r>
+          </a:p>
+        </p:txBody>
+      </p:sp>
+      <p:sp>
+        <p:nvSpPr>
+          <p:cNvPr id="6" name="ZoneTexte 5">
+            <a:extLst>
+              <a:ext uri="{FF2B5EF4-FFF2-40B4-BE49-F238E27FC236}">
+                <a16:creationId xmlns:a16="http://schemas.microsoft.com/office/drawing/2014/main" id="{6CE4EF9D-730D-4656-9334-F0CA40332D91}"/>
+              </a:ext>
+            </a:extLst>
+          </p:cNvPr>
+          <p:cNvSpPr txBox="1"/>
+          <p:nvPr/>
+        </p:nvSpPr>
+        <p:spPr>
+          <a:xfrm>
+            <a:off x="8023654" y="5180909"/>
+            <a:ext cx="1396314" cy="461665"/>
+          </a:xfrm>
+          <a:prstGeom prst="rect">
+            <a:avLst/>
+          </a:prstGeom>
+          <a:noFill/>
+        </p:spPr>
+        <p:txBody>
+          <a:bodyPr wrap="square" rtlCol="0">
+            <a:spAutoFit/>
+          </a:bodyPr>
+          <a:lstStyle/>
+          <a:p>
+            <a:pPr algn="ctr"/>
+            <a:r>
+              <a:rPr lang="fr-FR" sz="2400" dirty="0">
+                <a:latin typeface="Arial" panose="020B0604020202020204" pitchFamily="34" charset="0"/>
+                <a:cs typeface="Arial" panose="020B0604020202020204" pitchFamily="34" charset="0"/>
+              </a:rPr>
+              <a:t>Délai</a:t>
+            </a:r>
+          </a:p>
+        </p:txBody>
+      </p:sp>
+      <p:sp>
+        <p:nvSpPr>
+          <p:cNvPr id="7" name="ZoneTexte 6">
+            <a:extLst>
+              <a:ext uri="{FF2B5EF4-FFF2-40B4-BE49-F238E27FC236}">
+                <a16:creationId xmlns:a16="http://schemas.microsoft.com/office/drawing/2014/main" id="{94AD86D5-9CD0-4114-875A-2BD1C65C24AA}"/>
+              </a:ext>
+            </a:extLst>
+          </p:cNvPr>
+          <p:cNvSpPr txBox="1"/>
+          <p:nvPr/>
+        </p:nvSpPr>
+        <p:spPr>
+          <a:xfrm>
+            <a:off x="4982860" y="4200606"/>
+            <a:ext cx="2226277" cy="523220"/>
+          </a:xfrm>
+          <a:prstGeom prst="rect">
+            <a:avLst/>
+          </a:prstGeom>
+          <a:noFill/>
+        </p:spPr>
+        <p:txBody>
+          <a:bodyPr wrap="square" rtlCol="0">
+            <a:spAutoFit/>
+          </a:bodyPr>
+          <a:lstStyle/>
+          <a:p>
+            <a:pPr algn="ctr"/>
+            <a:r>
+              <a:rPr lang="fr-FR" sz="2800" dirty="0">
+                <a:latin typeface="Arial" panose="020B0604020202020204" pitchFamily="34" charset="0"/>
+                <a:cs typeface="Arial" panose="020B0604020202020204" pitchFamily="34" charset="0"/>
+              </a:rPr>
+              <a:t>Planification</a:t>
+            </a:r>
+          </a:p>
+        </p:txBody>
+      </p:sp>
+      <p:sp>
+        <p:nvSpPr>
+          <p:cNvPr id="8" name="Freeform 32">
+            <a:extLst>
+              <a:ext uri="{FF2B5EF4-FFF2-40B4-BE49-F238E27FC236}">
+                <a16:creationId xmlns:a16="http://schemas.microsoft.com/office/drawing/2014/main" id="{93EBF210-7A03-4358-80AE-F644CCC4C374}"/>
+              </a:ext>
+            </a:extLst>
+          </p:cNvPr>
+          <p:cNvSpPr/>
+          <p:nvPr/>
+        </p:nvSpPr>
+        <p:spPr>
+          <a:xfrm>
+            <a:off x="5645944" y="628929"/>
+            <a:ext cx="900108" cy="817834"/>
+          </a:xfrm>
+          <a:custGeom>
+            <a:avLst/>
+            <a:gdLst/>
+            <a:ahLst/>
+            <a:cxnLst/>
+            <a:rect l="l" t="t" r="r" b="b"/>
+            <a:pathLst>
+              <a:path w="3210745" h="2940925">
+                <a:moveTo>
+                  <a:pt x="340528" y="2526682"/>
+                </a:moveTo>
+                <a:cubicBezTo>
+                  <a:pt x="280875" y="2526682"/>
+                  <a:pt x="232516" y="2575041"/>
+                  <a:pt x="232516" y="2634694"/>
+                </a:cubicBezTo>
+                <a:cubicBezTo>
+                  <a:pt x="232516" y="2694347"/>
+                  <a:pt x="280875" y="2742706"/>
+                  <a:pt x="340528" y="2742706"/>
+                </a:cubicBezTo>
+                <a:cubicBezTo>
+                  <a:pt x="400181" y="2742706"/>
+                  <a:pt x="448540" y="2694347"/>
+                  <a:pt x="448540" y="2634694"/>
+                </a:cubicBezTo>
+                <a:cubicBezTo>
+                  <a:pt x="448540" y="2575041"/>
+                  <a:pt x="400181" y="2526682"/>
+                  <a:pt x="340528" y="2526682"/>
+                </a:cubicBezTo>
+                <a:close/>
+                <a:moveTo>
+                  <a:pt x="1821636" y="152"/>
+                </a:moveTo>
+                <a:cubicBezTo>
+                  <a:pt x="1920275" y="-4956"/>
+                  <a:pt x="2051571" y="119306"/>
+                  <a:pt x="2102482" y="278737"/>
+                </a:cubicBezTo>
+                <a:cubicBezTo>
+                  <a:pt x="2192513" y="649582"/>
+                  <a:pt x="1575154" y="1213351"/>
+                  <a:pt x="2006019" y="1236931"/>
+                </a:cubicBezTo>
+                <a:cubicBezTo>
+                  <a:pt x="2310412" y="1206920"/>
+                  <a:pt x="2473326" y="1176910"/>
+                  <a:pt x="2803442" y="1166192"/>
+                </a:cubicBezTo>
+                <a:cubicBezTo>
+                  <a:pt x="3103547" y="1170479"/>
+                  <a:pt x="3152850" y="1361260"/>
+                  <a:pt x="3002798" y="1564903"/>
+                </a:cubicBezTo>
+                <a:cubicBezTo>
+                  <a:pt x="3191435" y="1575621"/>
+                  <a:pt x="3347919" y="1869296"/>
+                  <a:pt x="3022090" y="1989338"/>
+                </a:cubicBezTo>
+                <a:cubicBezTo>
+                  <a:pt x="3332913" y="2182262"/>
+                  <a:pt x="3154994" y="2426634"/>
+                  <a:pt x="2977074" y="2471650"/>
+                </a:cubicBezTo>
+                <a:cubicBezTo>
+                  <a:pt x="3127127" y="2606697"/>
+                  <a:pt x="3109978" y="2709590"/>
+                  <a:pt x="2957782" y="2793191"/>
+                </a:cubicBezTo>
+                <a:cubicBezTo>
+                  <a:pt x="2620164" y="2932526"/>
+                  <a:pt x="1747715" y="3028988"/>
+                  <a:pt x="1253613" y="2818914"/>
+                </a:cubicBezTo>
+                <a:cubicBezTo>
+                  <a:pt x="1018944" y="2738561"/>
+                  <a:pt x="869067" y="2654318"/>
+                  <a:pt x="700568" y="2648441"/>
+                </a:cubicBezTo>
+                <a:lnTo>
+                  <a:pt x="700568" y="2796242"/>
+                </a:lnTo>
+                <a:cubicBezTo>
+                  <a:pt x="700568" y="2860729"/>
+                  <a:pt x="648291" y="2913006"/>
+                  <a:pt x="583804" y="2913006"/>
+                </a:cubicBezTo>
+                <a:lnTo>
+                  <a:pt x="0" y="2913006"/>
+                </a:lnTo>
+                <a:lnTo>
+                  <a:pt x="0" y="1400838"/>
+                </a:lnTo>
+                <a:lnTo>
+                  <a:pt x="583804" y="1400838"/>
+                </a:lnTo>
+                <a:cubicBezTo>
+                  <a:pt x="648291" y="1400838"/>
+                  <a:pt x="700568" y="1453115"/>
+                  <a:pt x="700568" y="1517602"/>
+                </a:cubicBezTo>
+                <a:lnTo>
+                  <a:pt x="700568" y="1571674"/>
+                </a:lnTo>
+                <a:cubicBezTo>
+                  <a:pt x="721537" y="1568378"/>
+                  <a:pt x="746526" y="1559634"/>
+                  <a:pt x="784162" y="1539180"/>
+                </a:cubicBezTo>
+                <a:cubicBezTo>
+                  <a:pt x="831321" y="1421281"/>
+                  <a:pt x="890271" y="1323747"/>
+                  <a:pt x="1034964" y="1191915"/>
+                </a:cubicBezTo>
+                <a:cubicBezTo>
+                  <a:pt x="1257900" y="851081"/>
+                  <a:pt x="1628744" y="677449"/>
+                  <a:pt x="1703770" y="169413"/>
+                </a:cubicBezTo>
+                <a:cubicBezTo>
+                  <a:pt x="1715024" y="52855"/>
+                  <a:pt x="1762452" y="3217"/>
+                  <a:pt x="1821636" y="152"/>
+                </a:cubicBezTo>
+                <a:close/>
+              </a:path>
+            </a:pathLst>
+          </a:custGeom>
+          <a:solidFill>
+            <a:schemeClr val="accent1"/>
+          </a:solidFill>
+          <a:ln>
+            <a:noFill/>
+          </a:ln>
+        </p:spPr>
+        <p:style>
+          <a:lnRef idx="2">
+            <a:schemeClr val="accent1">
+              <a:shade val="50000"/>
+            </a:schemeClr>
+          </a:lnRef>
+          <a:fillRef idx="1">
+            <a:schemeClr val="accent1"/>
+          </a:fillRef>
+          <a:effectRef idx="0">
+            <a:schemeClr val="accent1"/>
+          </a:effectRef>
+          <a:fontRef idx="minor">
+            <a:schemeClr val="lt1"/>
+          </a:fontRef>
+        </p:style>
+        <p:txBody>
+          <a:bodyPr rot="0" spcFirstLastPara="0" vertOverflow="overflow" horzOverflow="overflow" vert="horz" wrap="square" lIns="91440" tIns="45720" rIns="91440" bIns="45720" numCol="1" spcCol="0" rtlCol="0" fromWordArt="0" anchor="ctr" anchorCtr="0" forceAA="0" compatLnSpc="1">
+            <a:prstTxWarp prst="textNoShape">
+              <a:avLst/>
+            </a:prstTxWarp>
+            <a:noAutofit/>
+          </a:bodyPr>
+          <a:lstStyle/>
+          <a:p>
+            <a:pPr algn="ctr"/>
+            <a:endParaRPr lang="ko-KR" altLang="en-US" sz="2700"/>
+          </a:p>
+        </p:txBody>
+      </p:sp>
+      <p:sp>
+        <p:nvSpPr>
+          <p:cNvPr id="9" name="Teardrop 1">
+            <a:extLst>
+              <a:ext uri="{FF2B5EF4-FFF2-40B4-BE49-F238E27FC236}">
+                <a16:creationId xmlns:a16="http://schemas.microsoft.com/office/drawing/2014/main" id="{E7CA1650-E88C-492E-BF32-85A5FA13589C}"/>
+              </a:ext>
+            </a:extLst>
+          </p:cNvPr>
+          <p:cNvSpPr/>
+          <p:nvPr/>
+        </p:nvSpPr>
+        <p:spPr>
+          <a:xfrm rot="18805991">
+            <a:off x="9047448" y="4923041"/>
+            <a:ext cx="977759" cy="997136"/>
+          </a:xfrm>
+          <a:custGeom>
+            <a:avLst/>
+            <a:gdLst/>
+            <a:ahLst/>
+            <a:cxnLst/>
+            <a:rect l="l" t="t" r="r" b="b"/>
+            <a:pathLst>
+              <a:path w="1807241" h="1788383">
+                <a:moveTo>
+                  <a:pt x="712876" y="1117592"/>
+                </a:moveTo>
+                <a:cubicBezTo>
+                  <a:pt x="771173" y="1181828"/>
+                  <a:pt x="811089" y="1255910"/>
+                  <a:pt x="847925" y="1348018"/>
+                </a:cubicBezTo>
+                <a:cubicBezTo>
+                  <a:pt x="814544" y="1418896"/>
+                  <a:pt x="753893" y="1474052"/>
+                  <a:pt x="679064" y="1498332"/>
+                </a:cubicBezTo>
+                <a:lnTo>
+                  <a:pt x="308226" y="1106637"/>
+                </a:lnTo>
+                <a:cubicBezTo>
+                  <a:pt x="336560" y="1033247"/>
+                  <a:pt x="394949" y="975701"/>
+                  <a:pt x="467546" y="946245"/>
+                </a:cubicBezTo>
+                <a:cubicBezTo>
+                  <a:pt x="577903" y="998968"/>
+                  <a:pt x="654580" y="1053357"/>
+                  <a:pt x="712876" y="1117592"/>
+                </a:cubicBezTo>
+                <a:close/>
+                <a:moveTo>
+                  <a:pt x="1038527" y="398886"/>
+                </a:moveTo>
+                <a:lnTo>
+                  <a:pt x="1405560" y="786562"/>
+                </a:lnTo>
+                <a:cubicBezTo>
+                  <a:pt x="1374476" y="799049"/>
+                  <a:pt x="1340402" y="804299"/>
+                  <a:pt x="1305054" y="803332"/>
+                </a:cubicBezTo>
+                <a:lnTo>
+                  <a:pt x="1008167" y="795212"/>
+                </a:lnTo>
+                <a:lnTo>
+                  <a:pt x="1016288" y="498325"/>
+                </a:lnTo>
+                <a:cubicBezTo>
+                  <a:pt x="1017255" y="462976"/>
+                  <a:pt x="1024360" y="429240"/>
+                  <a:pt x="1038527" y="398886"/>
+                </a:cubicBezTo>
+                <a:close/>
+                <a:moveTo>
+                  <a:pt x="1097925" y="218888"/>
+                </a:moveTo>
+                <a:cubicBezTo>
+                  <a:pt x="992582" y="279303"/>
+                  <a:pt x="921871" y="392886"/>
+                  <a:pt x="921053" y="523256"/>
+                </a:cubicBezTo>
+                <a:lnTo>
+                  <a:pt x="919136" y="828763"/>
+                </a:lnTo>
+                <a:lnTo>
+                  <a:pt x="830924" y="915875"/>
+                </a:lnTo>
+                <a:lnTo>
+                  <a:pt x="525417" y="913958"/>
+                </a:lnTo>
+                <a:cubicBezTo>
+                  <a:pt x="403891" y="913196"/>
+                  <a:pt x="296188" y="973343"/>
+                  <a:pt x="234366" y="1067831"/>
+                </a:cubicBezTo>
+                <a:lnTo>
+                  <a:pt x="710285" y="1570519"/>
+                </a:lnTo>
+                <a:cubicBezTo>
+                  <a:pt x="811872" y="1510375"/>
+                  <a:pt x="878808" y="1399439"/>
+                  <a:pt x="879603" y="1272618"/>
+                </a:cubicBezTo>
+                <a:lnTo>
+                  <a:pt x="881520" y="967111"/>
+                </a:lnTo>
+                <a:lnTo>
+                  <a:pt x="969732" y="879999"/>
+                </a:lnTo>
+                <a:lnTo>
+                  <a:pt x="1275239" y="881916"/>
+                </a:lnTo>
+                <a:cubicBezTo>
+                  <a:pt x="1400271" y="882701"/>
+                  <a:pt x="1510670" y="819011"/>
+                  <a:pt x="1573529" y="721242"/>
+                </a:cubicBezTo>
+                <a:close/>
+                <a:moveTo>
+                  <a:pt x="1162945" y="27894"/>
+                </a:moveTo>
+                <a:lnTo>
+                  <a:pt x="1782798" y="682611"/>
+                </a:lnTo>
+                <a:cubicBezTo>
+                  <a:pt x="1816692" y="718411"/>
+                  <a:pt x="1815147" y="774907"/>
+                  <a:pt x="1779347" y="808801"/>
+                </a:cubicBezTo>
+                <a:cubicBezTo>
+                  <a:pt x="1743547" y="842694"/>
+                  <a:pt x="1687050" y="841149"/>
+                  <a:pt x="1653157" y="805349"/>
+                </a:cubicBezTo>
+                <a:lnTo>
+                  <a:pt x="1644015" y="795693"/>
+                </a:lnTo>
+                <a:cubicBezTo>
+                  <a:pt x="1561789" y="910282"/>
+                  <a:pt x="1426630" y="983636"/>
+                  <a:pt x="1274606" y="982683"/>
+                </a:cubicBezTo>
+                <a:lnTo>
+                  <a:pt x="980378" y="980836"/>
+                </a:lnTo>
+                <a:lnTo>
+                  <a:pt x="980378" y="1270380"/>
+                </a:lnTo>
+                <a:cubicBezTo>
+                  <a:pt x="980378" y="1427425"/>
+                  <a:pt x="901198" y="1565976"/>
+                  <a:pt x="779756" y="1647056"/>
+                </a:cubicBezTo>
+                <a:cubicBezTo>
+                  <a:pt x="807405" y="1681913"/>
+                  <a:pt x="803595" y="1732594"/>
+                  <a:pt x="770486" y="1763941"/>
+                </a:cubicBezTo>
+                <a:cubicBezTo>
+                  <a:pt x="734686" y="1797834"/>
+                  <a:pt x="678189" y="1796289"/>
+                  <a:pt x="644296" y="1760489"/>
+                </a:cubicBezTo>
+                <a:lnTo>
+                  <a:pt x="24442" y="1105772"/>
+                </a:lnTo>
+                <a:cubicBezTo>
+                  <a:pt x="-9451" y="1069973"/>
+                  <a:pt x="-7906" y="1013476"/>
+                  <a:pt x="27894" y="979583"/>
+                </a:cubicBezTo>
+                <a:cubicBezTo>
+                  <a:pt x="63694" y="945689"/>
+                  <a:pt x="120190" y="947235"/>
+                  <a:pt x="154084" y="983034"/>
+                </a:cubicBezTo>
+                <a:lnTo>
+                  <a:pt x="163237" y="992702"/>
+                </a:lnTo>
+                <a:cubicBezTo>
+                  <a:pt x="244774" y="882877"/>
+                  <a:pt x="375836" y="813180"/>
+                  <a:pt x="523178" y="813180"/>
+                </a:cubicBezTo>
+                <a:lnTo>
+                  <a:pt x="818460" y="813180"/>
+                </a:lnTo>
+                <a:lnTo>
+                  <a:pt x="820284" y="522622"/>
+                </a:lnTo>
+                <a:cubicBezTo>
+                  <a:pt x="821285" y="363119"/>
+                  <a:pt x="903845" y="223207"/>
+                  <a:pt x="1028952" y="143673"/>
+                </a:cubicBezTo>
+                <a:cubicBezTo>
+                  <a:pt x="999689" y="108599"/>
+                  <a:pt x="1002953" y="56445"/>
+                  <a:pt x="1036755" y="24443"/>
+                </a:cubicBezTo>
+                <a:cubicBezTo>
+                  <a:pt x="1072555" y="-9451"/>
+                  <a:pt x="1129052" y="-7906"/>
+                  <a:pt x="1162945" y="27894"/>
+                </a:cubicBezTo>
+                <a:close/>
+              </a:path>
+            </a:pathLst>
+          </a:custGeom>
+          <a:solidFill>
+            <a:schemeClr val="accent1"/>
+          </a:solidFill>
+          <a:ln>
+            <a:noFill/>
+          </a:ln>
+        </p:spPr>
+        <p:style>
+          <a:lnRef idx="2">
+            <a:schemeClr val="accent1">
+              <a:shade val="50000"/>
+            </a:schemeClr>
+          </a:lnRef>
+          <a:fillRef idx="1">
+            <a:schemeClr val="accent1"/>
+          </a:fillRef>
+          <a:effectRef idx="0">
+            <a:schemeClr val="accent1"/>
+          </a:effectRef>
+          <a:fontRef idx="minor">
+            <a:schemeClr val="lt1"/>
+          </a:fontRef>
+        </p:style>
+        <p:txBody>
+          <a:bodyPr rot="0" spcFirstLastPara="0" vertOverflow="overflow" horzOverflow="overflow" vert="horz" wrap="square" lIns="91440" tIns="45720" rIns="91440" bIns="45720" numCol="1" spcCol="0" rtlCol="0" fromWordArt="0" anchor="ctr" anchorCtr="0" forceAA="0" compatLnSpc="1">
+            <a:prstTxWarp prst="textNoShape">
+              <a:avLst/>
+            </a:prstTxWarp>
+            <a:noAutofit/>
+          </a:bodyPr>
+          <a:lstStyle/>
+          <a:p>
+            <a:pPr algn="ctr"/>
+            <a:endParaRPr lang="ko-KR" altLang="en-US" sz="2700">
+              <a:solidFill>
+                <a:schemeClr val="tx1"/>
+              </a:solidFill>
+            </a:endParaRPr>
+          </a:p>
+        </p:txBody>
+      </p:sp>
+      <p:sp>
+        <p:nvSpPr>
+          <p:cNvPr id="10" name="Block Arc 11">
+            <a:extLst>
+              <a:ext uri="{FF2B5EF4-FFF2-40B4-BE49-F238E27FC236}">
+                <a16:creationId xmlns:a16="http://schemas.microsoft.com/office/drawing/2014/main" id="{88A6B5D8-A849-43F6-BA28-0416DD5ECAC8}"/>
+              </a:ext>
+            </a:extLst>
+          </p:cNvPr>
+          <p:cNvSpPr/>
+          <p:nvPr/>
+        </p:nvSpPr>
+        <p:spPr>
+          <a:xfrm rot="10800000">
+            <a:off x="2380665" y="4959587"/>
+            <a:ext cx="538315" cy="839095"/>
+          </a:xfrm>
+          <a:custGeom>
+            <a:avLst/>
+            <a:gdLst/>
+            <a:ahLst/>
+            <a:cxnLst/>
+            <a:rect l="l" t="t" r="r" b="b"/>
+            <a:pathLst>
+              <a:path w="3636337" h="7138182">
+                <a:moveTo>
+                  <a:pt x="1563551" y="3029061"/>
+                </a:moveTo>
+                <a:lnTo>
+                  <a:pt x="1563551" y="1171769"/>
+                </a:lnTo>
+                <a:cubicBezTo>
+                  <a:pt x="1444523" y="1201084"/>
+                  <a:pt x="1330799" y="1254073"/>
+                  <a:pt x="1228219" y="1328453"/>
+                </a:cubicBezTo>
+                <a:cubicBezTo>
+                  <a:pt x="927220" y="1546705"/>
+                  <a:pt x="771440" y="1913395"/>
+                  <a:pt x="823311" y="2281559"/>
+                </a:cubicBezTo>
+                <a:cubicBezTo>
+                  <a:pt x="886035" y="2761950"/>
+                  <a:pt x="1181988" y="2923981"/>
+                  <a:pt x="1563551" y="3029061"/>
+                </a:cubicBezTo>
+                <a:close/>
+                <a:moveTo>
+                  <a:pt x="2056123" y="5971053"/>
+                </a:moveTo>
+                <a:cubicBezTo>
+                  <a:pt x="2180706" y="5941789"/>
+                  <a:pt x="2300029" y="5887431"/>
+                  <a:pt x="2407191" y="5809729"/>
+                </a:cubicBezTo>
+                <a:cubicBezTo>
+                  <a:pt x="2708190" y="5591477"/>
+                  <a:pt x="2863970" y="5224787"/>
+                  <a:pt x="2812099" y="4856623"/>
+                </a:cubicBezTo>
+                <a:cubicBezTo>
+                  <a:pt x="2712300" y="4365494"/>
+                  <a:pt x="2419393" y="4148018"/>
+                  <a:pt x="2056123" y="4007016"/>
+                </a:cubicBezTo>
+                <a:close/>
+                <a:moveTo>
+                  <a:pt x="2056123" y="7138182"/>
+                </a:moveTo>
+                <a:lnTo>
+                  <a:pt x="1563551" y="7138182"/>
+                </a:lnTo>
+                <a:lnTo>
+                  <a:pt x="1563551" y="6796553"/>
+                </a:lnTo>
+                <a:cubicBezTo>
+                  <a:pt x="1376287" y="6771102"/>
+                  <a:pt x="1191751" y="6715291"/>
+                  <a:pt x="1016794" y="6629471"/>
+                </a:cubicBezTo>
+                <a:cubicBezTo>
+                  <a:pt x="412303" y="6332946"/>
+                  <a:pt x="21102" y="5726704"/>
+                  <a:pt x="0" y="5053734"/>
+                </a:cubicBezTo>
+                <a:lnTo>
+                  <a:pt x="813973" y="5028205"/>
+                </a:lnTo>
+                <a:cubicBezTo>
+                  <a:pt x="825624" y="5399818"/>
+                  <a:pt x="1041643" y="5734588"/>
+                  <a:pt x="1375441" y="5898325"/>
+                </a:cubicBezTo>
+                <a:cubicBezTo>
+                  <a:pt x="1436179" y="5928119"/>
+                  <a:pt x="1499008" y="5951362"/>
+                  <a:pt x="1563551" y="5965918"/>
+                </a:cubicBezTo>
+                <a:lnTo>
+                  <a:pt x="1563551" y="3847635"/>
+                </a:lnTo>
+                <a:cubicBezTo>
+                  <a:pt x="920238" y="3662345"/>
+                  <a:pt x="233045" y="3450393"/>
+                  <a:pt x="16852" y="2382091"/>
+                </a:cubicBezTo>
+                <a:cubicBezTo>
+                  <a:pt x="-73403" y="1719933"/>
+                  <a:pt x="208577" y="1061859"/>
+                  <a:pt x="750173" y="669157"/>
+                </a:cubicBezTo>
+                <a:cubicBezTo>
+                  <a:pt x="994931" y="491686"/>
+                  <a:pt x="1274723" y="381458"/>
+                  <a:pt x="1563551" y="341319"/>
+                </a:cubicBezTo>
+                <a:lnTo>
+                  <a:pt x="1563551" y="0"/>
+                </a:lnTo>
+                <a:lnTo>
+                  <a:pt x="2056123" y="0"/>
+                </a:lnTo>
+                <a:lnTo>
+                  <a:pt x="2056123" y="339268"/>
+                </a:lnTo>
+                <a:cubicBezTo>
+                  <a:pt x="2248752" y="363969"/>
+                  <a:pt x="2438747" y="420481"/>
+                  <a:pt x="2618616" y="508711"/>
+                </a:cubicBezTo>
+                <a:cubicBezTo>
+                  <a:pt x="3223107" y="805237"/>
+                  <a:pt x="3614308" y="1411478"/>
+                  <a:pt x="3635410" y="2084448"/>
+                </a:cubicBezTo>
+                <a:lnTo>
+                  <a:pt x="2821437" y="2109978"/>
+                </a:lnTo>
+                <a:cubicBezTo>
+                  <a:pt x="2809786" y="1738364"/>
+                  <a:pt x="2593767" y="1403594"/>
+                  <a:pt x="2259969" y="1239857"/>
+                </a:cubicBezTo>
+                <a:cubicBezTo>
+                  <a:pt x="2194243" y="1207617"/>
+                  <a:pt x="2126069" y="1183046"/>
+                  <a:pt x="2056123" y="1168235"/>
+                </a:cubicBezTo>
+                <a:lnTo>
+                  <a:pt x="2056123" y="3150890"/>
+                </a:lnTo>
+                <a:cubicBezTo>
+                  <a:pt x="2675271" y="3303511"/>
+                  <a:pt x="3347939" y="3564428"/>
+                  <a:pt x="3618512" y="4743007"/>
+                </a:cubicBezTo>
+                <a:cubicBezTo>
+                  <a:pt x="3712448" y="5409725"/>
+                  <a:pt x="3430336" y="6073786"/>
+                  <a:pt x="2885237" y="6469025"/>
+                </a:cubicBezTo>
+                <a:cubicBezTo>
+                  <a:pt x="2636047" y="6649712"/>
+                  <a:pt x="2350538" y="6760700"/>
+                  <a:pt x="2056123" y="6798748"/>
+                </a:cubicBezTo>
+                <a:close/>
+              </a:path>
+            </a:pathLst>
+          </a:custGeom>
+          <a:solidFill>
+            <a:schemeClr val="accent2"/>
+          </a:solidFill>
+          <a:ln>
+            <a:noFill/>
+          </a:ln>
+        </p:spPr>
+        <p:style>
+          <a:lnRef idx="2">
+            <a:schemeClr val="accent1">
+              <a:shade val="50000"/>
+            </a:schemeClr>
+          </a:lnRef>
+          <a:fillRef idx="1">
+            <a:schemeClr val="accent1"/>
+          </a:fillRef>
+          <a:effectRef idx="0">
+            <a:schemeClr val="accent1"/>
+          </a:effectRef>
+          <a:fontRef idx="minor">
+            <a:schemeClr val="lt1"/>
+          </a:fontRef>
+        </p:style>
+        <p:txBody>
+          <a:bodyPr rtlCol="0" anchor="ctr"/>
+          <a:lstStyle/>
+          <a:p>
+            <a:pPr algn="ctr"/>
+            <a:endParaRPr lang="ko-KR" altLang="en-US" sz="2700">
+              <a:solidFill>
+                <a:schemeClr val="tx1"/>
+              </a:solidFill>
+            </a:endParaRPr>
+          </a:p>
+        </p:txBody>
+      </p:sp>
+    </p:spTree>
+    <p:extLst>
+      <p:ext uri="{BB962C8B-B14F-4D97-AF65-F5344CB8AC3E}">
+        <p14:creationId xmlns:p14="http://schemas.microsoft.com/office/powerpoint/2010/main" val="3435633216"/>
+      </p:ext>
+    </p:extLst>
+  </p:cSld>
+  <p:clrMapOvr>
+    <a:masterClrMapping/>
+  </p:clrMapOvr>
+</p:sld>
+</file>
+
+<file path=ppt/slides/slide14.xml><?xml version="1.0" encoding="utf-8"?>
+<p:sld xmlns:a="http://schemas.openxmlformats.org/drawingml/2006/main" xmlns:r="http://schemas.openxmlformats.org/officeDocument/2006/relationships" xmlns:p="http://schemas.openxmlformats.org/presentationml/2006/main">
+  <p:cSld>
     <p:spTree>
       <p:nvGrpSpPr>
         <p:cNvPr id="1" name=""/>
@@ -6845,7 +8345,7 @@
 </p:sld>
 </file>
 
-<file path=ppt/slides/slide14.xml><?xml version="1.0" encoding="utf-8"?>
+<file path=ppt/slides/slide15.xml><?xml version="1.0" encoding="utf-8"?>
 <p:sld xmlns:a="http://schemas.openxmlformats.org/drawingml/2006/main" xmlns:r="http://schemas.openxmlformats.org/officeDocument/2006/relationships" xmlns:p="http://schemas.openxmlformats.org/presentationml/2006/main">
   <p:cSld>
     <p:spTree>
@@ -6941,7 +8441,7 @@
 </p:sld>
 </file>
 
-<file path=ppt/slides/slide15.xml><?xml version="1.0" encoding="utf-8"?>
+<file path=ppt/slides/slide16.xml><?xml version="1.0" encoding="utf-8"?>
 <p:sld xmlns:a="http://schemas.openxmlformats.org/drawingml/2006/main" xmlns:r="http://schemas.openxmlformats.org/officeDocument/2006/relationships" xmlns:p="http://schemas.openxmlformats.org/presentationml/2006/main">
   <p:cSld>
     <p:spTree>
@@ -7037,7 +8537,7 @@
 </p:sld>
 </file>
 
-<file path=ppt/slides/slide16.xml><?xml version="1.0" encoding="utf-8"?>
+<file path=ppt/slides/slide17.xml><?xml version="1.0" encoding="utf-8"?>
 <p:sld xmlns:a="http://schemas.openxmlformats.org/drawingml/2006/main" xmlns:r="http://schemas.openxmlformats.org/officeDocument/2006/relationships" xmlns:p="http://schemas.openxmlformats.org/presentationml/2006/main">
   <p:cSld>
     <p:spTree>
@@ -7654,7 +9154,7 @@
 </p:sld>
 </file>
 
-<file path=ppt/slides/slide17.xml><?xml version="1.0" encoding="utf-8"?>
+<file path=ppt/slides/slide18.xml><?xml version="1.0" encoding="utf-8"?>
 <p:sld xmlns:a="http://schemas.openxmlformats.org/drawingml/2006/main" xmlns:r="http://schemas.openxmlformats.org/officeDocument/2006/relationships" xmlns:p="http://schemas.openxmlformats.org/presentationml/2006/main">
   <p:cSld>
     <p:spTree>
@@ -7745,7 +9245,7 @@
 </p:sld>
 </file>
 
-<file path=ppt/slides/slide18.xml><?xml version="1.0" encoding="utf-8"?>
+<file path=ppt/slides/slide19.xml><?xml version="1.0" encoding="utf-8"?>
 <p:sld xmlns:a="http://schemas.openxmlformats.org/drawingml/2006/main" xmlns:r="http://schemas.openxmlformats.org/officeDocument/2006/relationships" xmlns:p="http://schemas.openxmlformats.org/presentationml/2006/main">
   <p:cSld>
     <p:spTree>
@@ -7827,110 +9327,6 @@
     <p:extLst>
       <p:ext uri="{BB962C8B-B14F-4D97-AF65-F5344CB8AC3E}">
         <p14:creationId xmlns:p14="http://schemas.microsoft.com/office/powerpoint/2010/main" val="1822575412"/>
-      </p:ext>
-    </p:extLst>
-  </p:cSld>
-  <p:clrMapOvr>
-    <a:masterClrMapping/>
-  </p:clrMapOvr>
-</p:sld>
-</file>
-
-<file path=ppt/slides/slide19.xml><?xml version="1.0" encoding="utf-8"?>
-<p:sld xmlns:a="http://schemas.openxmlformats.org/drawingml/2006/main" xmlns:r="http://schemas.openxmlformats.org/officeDocument/2006/relationships" xmlns:p="http://schemas.openxmlformats.org/presentationml/2006/main">
-  <p:cSld>
-    <p:spTree>
-      <p:nvGrpSpPr>
-        <p:cNvPr id="1" name=""/>
-        <p:cNvGrpSpPr/>
-        <p:nvPr/>
-      </p:nvGrpSpPr>
-      <p:grpSpPr>
-        <a:xfrm>
-          <a:off x="0" y="0"/>
-          <a:ext cx="0" cy="0"/>
-          <a:chOff x="0" y="0"/>
-          <a:chExt cx="0" cy="0"/>
-        </a:xfrm>
-      </p:grpSpPr>
-      <p:sp>
-        <p:nvSpPr>
-          <p:cNvPr id="31" name="Rectangle 30">
-            <a:extLst>
-              <a:ext uri="{FF2B5EF4-FFF2-40B4-BE49-F238E27FC236}">
-                <a16:creationId xmlns:a16="http://schemas.microsoft.com/office/drawing/2014/main" id="{D8ED2E39-AB4F-42B5-9617-D1779FC29121}"/>
-              </a:ext>
-            </a:extLst>
-          </p:cNvPr>
-          <p:cNvSpPr/>
-          <p:nvPr/>
-        </p:nvSpPr>
-        <p:spPr>
-          <a:xfrm>
-            <a:off x="0" y="0"/>
-            <a:ext cx="2710927" cy="839096"/>
-          </a:xfrm>
-          <a:prstGeom prst="rect">
-            <a:avLst/>
-          </a:prstGeom>
-          <a:solidFill>
-            <a:schemeClr val="accent1">
-              <a:alpha val="40000"/>
-            </a:schemeClr>
-          </a:solidFill>
-          <a:ln>
-            <a:noFill/>
-          </a:ln>
-        </p:spPr>
-        <p:style>
-          <a:lnRef idx="2">
-            <a:schemeClr val="accent1">
-              <a:shade val="50000"/>
-            </a:schemeClr>
-          </a:lnRef>
-          <a:fillRef idx="1">
-            <a:schemeClr val="accent1"/>
-          </a:fillRef>
-          <a:effectRef idx="0">
-            <a:schemeClr val="accent1"/>
-          </a:effectRef>
-          <a:fontRef idx="minor">
-            <a:schemeClr val="lt1"/>
-          </a:fontRef>
-        </p:style>
-        <p:txBody>
-          <a:bodyPr rtlCol="0" anchor="ctr"/>
-          <a:lstStyle/>
-          <a:p>
-            <a:pPr algn="ctr"/>
-            <a:r>
-              <a:rPr lang="en-US" b="1" dirty="0">
-                <a:solidFill>
-                  <a:schemeClr val="tx1"/>
-                </a:solidFill>
-              </a:rPr>
-              <a:t>Gestion de </a:t>
-            </a:r>
-            <a:r>
-              <a:rPr lang="en-US" b="1" dirty="0" err="1">
-                <a:solidFill>
-                  <a:schemeClr val="tx1"/>
-                </a:solidFill>
-              </a:rPr>
-              <a:t>projet</a:t>
-            </a:r>
-            <a:endParaRPr lang="en-US" b="1" dirty="0">
-              <a:solidFill>
-                <a:schemeClr val="tx1"/>
-              </a:solidFill>
-            </a:endParaRPr>
-          </a:p>
-        </p:txBody>
-      </p:sp>
-    </p:spTree>
-    <p:extLst>
-      <p:ext uri="{BB962C8B-B14F-4D97-AF65-F5344CB8AC3E}">
-        <p14:creationId xmlns:p14="http://schemas.microsoft.com/office/powerpoint/2010/main" val="3465884108"/>
       </p:ext>
     </p:extLst>
   </p:cSld>
@@ -9032,6 +10428,118 @@
 <file path=ppt/slides/slide20.xml><?xml version="1.0" encoding="utf-8"?>
 <p:sld xmlns:a="http://schemas.openxmlformats.org/drawingml/2006/main" xmlns:r="http://schemas.openxmlformats.org/officeDocument/2006/relationships" xmlns:p="http://schemas.openxmlformats.org/presentationml/2006/main">
   <p:cSld>
+    <p:bg>
+      <p:bgPr>
+        <a:solidFill>
+          <a:schemeClr val="bg1"/>
+        </a:solidFill>
+        <a:effectLst/>
+      </p:bgPr>
+    </p:bg>
+    <p:spTree>
+      <p:nvGrpSpPr>
+        <p:cNvPr id="1" name=""/>
+        <p:cNvGrpSpPr/>
+        <p:nvPr/>
+      </p:nvGrpSpPr>
+      <p:grpSpPr>
+        <a:xfrm>
+          <a:off x="0" y="0"/>
+          <a:ext cx="0" cy="0"/>
+          <a:chOff x="0" y="0"/>
+          <a:chExt cx="0" cy="0"/>
+        </a:xfrm>
+      </p:grpSpPr>
+      <p:sp>
+        <p:nvSpPr>
+          <p:cNvPr id="31" name="Rectangle 30">
+            <a:extLst>
+              <a:ext uri="{FF2B5EF4-FFF2-40B4-BE49-F238E27FC236}">
+                <a16:creationId xmlns:a16="http://schemas.microsoft.com/office/drawing/2014/main" id="{D8ED2E39-AB4F-42B5-9617-D1779FC29121}"/>
+              </a:ext>
+            </a:extLst>
+          </p:cNvPr>
+          <p:cNvSpPr/>
+          <p:nvPr/>
+        </p:nvSpPr>
+        <p:spPr>
+          <a:xfrm>
+            <a:off x="0" y="0"/>
+            <a:ext cx="2710927" cy="839096"/>
+          </a:xfrm>
+          <a:prstGeom prst="rect">
+            <a:avLst/>
+          </a:prstGeom>
+          <a:solidFill>
+            <a:schemeClr val="accent1">
+              <a:alpha val="40000"/>
+            </a:schemeClr>
+          </a:solidFill>
+          <a:ln>
+            <a:noFill/>
+          </a:ln>
+        </p:spPr>
+        <p:style>
+          <a:lnRef idx="2">
+            <a:schemeClr val="accent1">
+              <a:shade val="50000"/>
+            </a:schemeClr>
+          </a:lnRef>
+          <a:fillRef idx="1">
+            <a:schemeClr val="accent1"/>
+          </a:fillRef>
+          <a:effectRef idx="0">
+            <a:schemeClr val="accent1"/>
+          </a:effectRef>
+          <a:fontRef idx="minor">
+            <a:schemeClr val="lt1"/>
+          </a:fontRef>
+        </p:style>
+        <p:txBody>
+          <a:bodyPr rtlCol="0" anchor="ctr"/>
+          <a:lstStyle/>
+          <a:p>
+            <a:pPr algn="ctr"/>
+            <a:r>
+              <a:rPr lang="en-US" b="1" dirty="0">
+                <a:solidFill>
+                  <a:schemeClr val="tx1"/>
+                </a:solidFill>
+              </a:rPr>
+              <a:t>Gestion de </a:t>
+            </a:r>
+            <a:r>
+              <a:rPr lang="en-US" b="1" dirty="0" err="1">
+                <a:solidFill>
+                  <a:schemeClr val="tx1"/>
+                </a:solidFill>
+              </a:rPr>
+              <a:t>projet</a:t>
+            </a:r>
+            <a:endParaRPr lang="en-US" b="1" dirty="0">
+              <a:solidFill>
+                <a:schemeClr val="tx1"/>
+              </a:solidFill>
+            </a:endParaRPr>
+          </a:p>
+        </p:txBody>
+      </p:sp>
+    </p:spTree>
+    <p:extLst>
+      <p:ext uri="{BB962C8B-B14F-4D97-AF65-F5344CB8AC3E}">
+        <p14:creationId xmlns:p14="http://schemas.microsoft.com/office/powerpoint/2010/main" val="3465884108"/>
+      </p:ext>
+    </p:extLst>
+  </p:cSld>
+  <p:clrMapOvr>
+    <a:masterClrMapping/>
+  </p:clrMapOvr>
+</p:sld>
+</file>
+
+<file path=ppt/slides/slide21.xml><?xml version="1.0" encoding="utf-8"?>
+<p:sld xmlns:a="http://schemas.openxmlformats.org/drawingml/2006/main" xmlns:r="http://schemas.openxmlformats.org/officeDocument/2006/relationships" xmlns:p="http://schemas.openxmlformats.org/presentationml/2006/main">
+  <p:cSld>
     <p:spTree>
       <p:nvGrpSpPr>
         <p:cNvPr id="1" name=""/>
@@ -9152,7 +10660,7 @@
 </p:sld>
 </file>
 
-<file path=ppt/slides/slide21.xml><?xml version="1.0" encoding="utf-8"?>
+<file path=ppt/slides/slide22.xml><?xml version="1.0" encoding="utf-8"?>
 <p:sld xmlns:a="http://schemas.openxmlformats.org/drawingml/2006/main" xmlns:r="http://schemas.openxmlformats.org/officeDocument/2006/relationships" xmlns:p="http://schemas.openxmlformats.org/presentationml/2006/main">
   <p:cSld>
     <p:spTree>
@@ -9350,6 +10858,801 @@
     <p:extLst>
       <p:ext uri="{BB962C8B-B14F-4D97-AF65-F5344CB8AC3E}">
         <p14:creationId xmlns:p14="http://schemas.microsoft.com/office/powerpoint/2010/main" val="30145065"/>
+      </p:ext>
+    </p:extLst>
+  </p:cSld>
+  <p:clrMapOvr>
+    <a:masterClrMapping/>
+  </p:clrMapOvr>
+</p:sld>
+</file>
+
+<file path=ppt/slides/slide23.xml><?xml version="1.0" encoding="utf-8"?>
+<p:sld xmlns:a="http://schemas.openxmlformats.org/drawingml/2006/main" xmlns:r="http://schemas.openxmlformats.org/officeDocument/2006/relationships" xmlns:p="http://schemas.openxmlformats.org/presentationml/2006/main">
+  <p:cSld>
+    <p:spTree>
+      <p:nvGrpSpPr>
+        <p:cNvPr id="1" name=""/>
+        <p:cNvGrpSpPr/>
+        <p:nvPr/>
+      </p:nvGrpSpPr>
+      <p:grpSpPr>
+        <a:xfrm>
+          <a:off x="0" y="0"/>
+          <a:ext cx="0" cy="0"/>
+          <a:chOff x="0" y="0"/>
+          <a:chExt cx="0" cy="0"/>
+        </a:xfrm>
+      </p:grpSpPr>
+      <p:sp>
+        <p:nvSpPr>
+          <p:cNvPr id="3" name="Rectangle 2">
+            <a:extLst>
+              <a:ext uri="{FF2B5EF4-FFF2-40B4-BE49-F238E27FC236}">
+                <a16:creationId xmlns:a16="http://schemas.microsoft.com/office/drawing/2014/main" id="{F4818F94-9467-409C-97B4-9117954BC51E}"/>
+              </a:ext>
+            </a:extLst>
+          </p:cNvPr>
+          <p:cNvSpPr/>
+          <p:nvPr/>
+        </p:nvSpPr>
+        <p:spPr>
+          <a:xfrm>
+            <a:off x="944880" y="1897378"/>
+            <a:ext cx="10302240" cy="4960622"/>
+          </a:xfrm>
+          <a:prstGeom prst="rect">
+            <a:avLst/>
+          </a:prstGeom>
+          <a:gradFill flip="none" rotWithShape="1">
+            <a:gsLst>
+              <a:gs pos="0">
+                <a:schemeClr val="accent1">
+                  <a:lumMod val="20000"/>
+                  <a:lumOff val="80000"/>
+                </a:schemeClr>
+              </a:gs>
+              <a:gs pos="0">
+                <a:srgbClr val="DAE3F3">
+                  <a:alpha val="0"/>
+                </a:srgbClr>
+              </a:gs>
+              <a:gs pos="84000">
+                <a:schemeClr val="accent1">
+                  <a:lumMod val="75000"/>
+                </a:schemeClr>
+              </a:gs>
+            </a:gsLst>
+            <a:lin ang="5400000" scaled="1"/>
+            <a:tileRect/>
+          </a:gradFill>
+          <a:ln>
+            <a:noFill/>
+          </a:ln>
+        </p:spPr>
+        <p:style>
+          <a:lnRef idx="2">
+            <a:schemeClr val="accent1">
+              <a:shade val="50000"/>
+            </a:schemeClr>
+          </a:lnRef>
+          <a:fillRef idx="1">
+            <a:schemeClr val="accent1"/>
+          </a:fillRef>
+          <a:effectRef idx="0">
+            <a:schemeClr val="accent1"/>
+          </a:effectRef>
+          <a:fontRef idx="minor">
+            <a:schemeClr val="lt1"/>
+          </a:fontRef>
+        </p:style>
+        <p:txBody>
+          <a:bodyPr rtlCol="0" anchor="ctr"/>
+          <a:lstStyle/>
+          <a:p>
+            <a:pPr algn="ctr"/>
+            <a:endParaRPr lang="en-US"/>
+          </a:p>
+        </p:txBody>
+      </p:sp>
+      <p:sp>
+        <p:nvSpPr>
+          <p:cNvPr id="4" name="TextBox 3">
+            <a:extLst>
+              <a:ext uri="{FF2B5EF4-FFF2-40B4-BE49-F238E27FC236}">
+                <a16:creationId xmlns:a16="http://schemas.microsoft.com/office/drawing/2014/main" id="{FFCB70AB-01D4-4E9B-AEB3-C9942CF9DF32}"/>
+              </a:ext>
+            </a:extLst>
+          </p:cNvPr>
+          <p:cNvSpPr txBox="1"/>
+          <p:nvPr/>
+        </p:nvSpPr>
+        <p:spPr>
+          <a:xfrm>
+            <a:off x="2610112" y="5006545"/>
+            <a:ext cx="6971775" cy="830997"/>
+          </a:xfrm>
+          <a:prstGeom prst="rect">
+            <a:avLst/>
+          </a:prstGeom>
+          <a:noFill/>
+        </p:spPr>
+        <p:txBody>
+          <a:bodyPr wrap="square" rtlCol="0" anchor="ctr">
+            <a:spAutoFit/>
+          </a:bodyPr>
+          <a:lstStyle/>
+          <a:p>
+            <a:pPr algn="ctr"/>
+            <a:r>
+              <a:rPr lang="fr-FR" altLang="ko-KR" sz="4800" b="1" spc="300" dirty="0">
+                <a:solidFill>
+                  <a:schemeClr val="bg1"/>
+                </a:solidFill>
+                <a:latin typeface="Arial" panose="020B0604020202020204" pitchFamily="34" charset="0"/>
+                <a:cs typeface="Arial" panose="020B0604020202020204" pitchFamily="34" charset="0"/>
+              </a:rPr>
+              <a:t>Annexe</a:t>
+            </a:r>
+            <a:endParaRPr lang="ko-KR" altLang="en-US" sz="4800" b="1" spc="300" dirty="0">
+              <a:solidFill>
+                <a:schemeClr val="bg1"/>
+              </a:solidFill>
+              <a:latin typeface="Arial" panose="020B0604020202020204" pitchFamily="34" charset="0"/>
+              <a:cs typeface="Arial" panose="020B0604020202020204" pitchFamily="34" charset="0"/>
+            </a:endParaRPr>
+          </a:p>
+        </p:txBody>
+      </p:sp>
+    </p:spTree>
+    <p:extLst>
+      <p:ext uri="{BB962C8B-B14F-4D97-AF65-F5344CB8AC3E}">
+        <p14:creationId xmlns:p14="http://schemas.microsoft.com/office/powerpoint/2010/main" val="2895861876"/>
+      </p:ext>
+    </p:extLst>
+  </p:cSld>
+  <p:clrMapOvr>
+    <a:masterClrMapping/>
+  </p:clrMapOvr>
+</p:sld>
+</file>
+
+<file path=ppt/slides/slide24.xml><?xml version="1.0" encoding="utf-8"?>
+<p:sld xmlns:a="http://schemas.openxmlformats.org/drawingml/2006/main" xmlns:r="http://schemas.openxmlformats.org/officeDocument/2006/relationships" xmlns:p="http://schemas.openxmlformats.org/presentationml/2006/main">
+  <p:cSld>
+    <p:bg>
+      <p:bgPr>
+        <a:solidFill>
+          <a:schemeClr val="bg1"/>
+        </a:solidFill>
+        <a:effectLst/>
+      </p:bgPr>
+    </p:bg>
+    <p:spTree>
+      <p:nvGrpSpPr>
+        <p:cNvPr id="1" name=""/>
+        <p:cNvGrpSpPr/>
+        <p:nvPr/>
+      </p:nvGrpSpPr>
+      <p:grpSpPr>
+        <a:xfrm>
+          <a:off x="0" y="0"/>
+          <a:ext cx="0" cy="0"/>
+          <a:chOff x="0" y="0"/>
+          <a:chExt cx="0" cy="0"/>
+        </a:xfrm>
+      </p:grpSpPr>
+      <p:sp>
+        <p:nvSpPr>
+          <p:cNvPr id="49" name="Rectangle 44">
+            <a:extLst>
+              <a:ext uri="{FF2B5EF4-FFF2-40B4-BE49-F238E27FC236}">
+                <a16:creationId xmlns:a16="http://schemas.microsoft.com/office/drawing/2014/main" id="{A4AC5506-6312-4701-8D3C-40187889A947}"/>
+              </a:ext>
+              <a:ext uri="{C183D7F6-B498-43B3-948B-1728B52AA6E4}">
+                <adec:decorative xmlns:adec="http://schemas.microsoft.com/office/drawing/2017/decorative" val="1"/>
+              </a:ext>
+            </a:extLst>
+          </p:cNvPr>
+          <p:cNvSpPr>
+            <a:spLocks noGrp="1" noRot="1" noChangeAspect="1" noMove="1" noResize="1" noEditPoints="1" noAdjustHandles="1" noChangeArrowheads="1" noChangeShapeType="1" noTextEdit="1"/>
+          </p:cNvSpPr>
+          <p:nvPr>
+            <p:extLst>
+              <p:ext uri="{386F3935-93C4-4BCD-93E2-E3B085C9AB24}">
+                <p16:designElem xmlns:p16="http://schemas.microsoft.com/office/powerpoint/2015/main" val="1"/>
+              </p:ext>
+            </p:extLst>
+          </p:nvPr>
+        </p:nvSpPr>
+        <p:spPr>
+          <a:xfrm>
+            <a:off x="0" y="651752"/>
+            <a:ext cx="12192000" cy="736551"/>
+          </a:xfrm>
+          <a:prstGeom prst="rect">
+            <a:avLst/>
+          </a:prstGeom>
+          <a:solidFill>
+            <a:schemeClr val="tx1"/>
+          </a:solidFill>
+          <a:ln>
+            <a:noFill/>
+          </a:ln>
+        </p:spPr>
+        <p:style>
+          <a:lnRef idx="2">
+            <a:schemeClr val="accent1">
+              <a:shade val="50000"/>
+            </a:schemeClr>
+          </a:lnRef>
+          <a:fillRef idx="1">
+            <a:schemeClr val="accent1"/>
+          </a:fillRef>
+          <a:effectRef idx="0">
+            <a:schemeClr val="accent1"/>
+          </a:effectRef>
+          <a:fontRef idx="minor">
+            <a:schemeClr val="lt1"/>
+          </a:fontRef>
+        </p:style>
+        <p:txBody>
+          <a:bodyPr rtlCol="0" anchor="ctr"/>
+          <a:lstStyle/>
+          <a:p>
+            <a:pPr algn="ctr"/>
+            <a:endParaRPr lang="en-US"/>
+          </a:p>
+        </p:txBody>
+      </p:sp>
+      <p:sp>
+        <p:nvSpPr>
+          <p:cNvPr id="31" name="Rectangle 30">
+            <a:extLst>
+              <a:ext uri="{FF2B5EF4-FFF2-40B4-BE49-F238E27FC236}">
+                <a16:creationId xmlns:a16="http://schemas.microsoft.com/office/drawing/2014/main" id="{D8ED2E39-AB4F-42B5-9617-D1779FC29121}"/>
+              </a:ext>
+            </a:extLst>
+          </p:cNvPr>
+          <p:cNvSpPr/>
+          <p:nvPr/>
+        </p:nvSpPr>
+        <p:spPr>
+          <a:xfrm>
+            <a:off x="556532" y="643467"/>
+            <a:ext cx="11210925" cy="744836"/>
+          </a:xfrm>
+          <a:prstGeom prst="rect">
+            <a:avLst/>
+          </a:prstGeom>
+        </p:spPr>
+        <p:style>
+          <a:lnRef idx="2">
+            <a:schemeClr val="accent1">
+              <a:shade val="50000"/>
+            </a:schemeClr>
+          </a:lnRef>
+          <a:fillRef idx="1">
+            <a:schemeClr val="accent1"/>
+          </a:fillRef>
+          <a:effectRef idx="0">
+            <a:schemeClr val="accent1"/>
+          </a:effectRef>
+          <a:fontRef idx="minor">
+            <a:schemeClr val="lt1"/>
+          </a:fontRef>
+        </p:style>
+        <p:txBody>
+          <a:bodyPr vert="horz" lIns="91440" tIns="45720" rIns="91440" bIns="45720" rtlCol="0" anchor="ctr">
+            <a:normAutofit/>
+          </a:bodyPr>
+          <a:lstStyle/>
+          <a:p>
+            <a:pPr algn="ctr">
+              <a:lnSpc>
+                <a:spcPct val="90000"/>
+              </a:lnSpc>
+              <a:spcBef>
+                <a:spcPct val="0"/>
+              </a:spcBef>
+              <a:spcAft>
+                <a:spcPts val="600"/>
+              </a:spcAft>
+            </a:pPr>
+            <a:r>
+              <a:rPr lang="en-US" sz="3200" b="1" kern="1200">
+                <a:solidFill>
+                  <a:schemeClr val="bg1"/>
+                </a:solidFill>
+                <a:latin typeface="+mj-lt"/>
+                <a:ea typeface="+mj-ea"/>
+                <a:cs typeface="+mj-cs"/>
+              </a:rPr>
+              <a:t>Web service et api </a:t>
+            </a:r>
+          </a:p>
+        </p:txBody>
+      </p:sp>
+      <p:pic>
+        <p:nvPicPr>
+          <p:cNvPr id="3" name="Image 2" descr="Une image contenant horloge&#10;&#10;Description générée automatiquement">
+            <a:extLst>
+              <a:ext uri="{FF2B5EF4-FFF2-40B4-BE49-F238E27FC236}">
+                <a16:creationId xmlns:a16="http://schemas.microsoft.com/office/drawing/2014/main" id="{D15BB237-CEA6-4B0C-8534-257EA372F545}"/>
+              </a:ext>
+            </a:extLst>
+          </p:cNvPr>
+          <p:cNvPicPr>
+            <a:picLocks noChangeAspect="1"/>
+          </p:cNvPicPr>
+          <p:nvPr/>
+        </p:nvPicPr>
+        <p:blipFill>
+          <a:blip r:embed="rId3">
+            <a:extLst>
+              <a:ext uri="{28A0092B-C50C-407E-A947-70E740481C1C}">
+                <a14:useLocalDpi xmlns:a14="http://schemas.microsoft.com/office/drawing/2010/main" val="0"/>
+              </a:ext>
+            </a:extLst>
+          </a:blip>
+          <a:stretch>
+            <a:fillRect/>
+          </a:stretch>
+        </p:blipFill>
+        <p:spPr>
+          <a:xfrm>
+            <a:off x="1928893" y="1637649"/>
+            <a:ext cx="8334213" cy="4687995"/>
+          </a:xfrm>
+          <a:prstGeom prst="rect">
+            <a:avLst/>
+          </a:prstGeom>
+        </p:spPr>
+      </p:pic>
+    </p:spTree>
+    <p:extLst>
+      <p:ext uri="{BB962C8B-B14F-4D97-AF65-F5344CB8AC3E}">
+        <p14:creationId xmlns:p14="http://schemas.microsoft.com/office/powerpoint/2010/main" val="3975717626"/>
+      </p:ext>
+    </p:extLst>
+  </p:cSld>
+  <p:clrMapOvr>
+    <a:masterClrMapping/>
+  </p:clrMapOvr>
+</p:sld>
+</file>
+
+<file path=ppt/slides/slide25.xml><?xml version="1.0" encoding="utf-8"?>
+<p:sld xmlns:a="http://schemas.openxmlformats.org/drawingml/2006/main" xmlns:r="http://schemas.openxmlformats.org/officeDocument/2006/relationships" xmlns:p="http://schemas.openxmlformats.org/presentationml/2006/main" showMasterSp="0">
+  <p:cSld>
+    <p:bg>
+      <p:bgPr>
+        <a:solidFill>
+          <a:schemeClr val="bg1"/>
+        </a:solidFill>
+        <a:effectLst/>
+      </p:bgPr>
+    </p:bg>
+    <p:spTree>
+      <p:nvGrpSpPr>
+        <p:cNvPr id="1" name=""/>
+        <p:cNvGrpSpPr/>
+        <p:nvPr/>
+      </p:nvGrpSpPr>
+      <p:grpSpPr>
+        <a:xfrm>
+          <a:off x="0" y="0"/>
+          <a:ext cx="0" cy="0"/>
+          <a:chOff x="0" y="0"/>
+          <a:chExt cx="0" cy="0"/>
+        </a:xfrm>
+      </p:grpSpPr>
+      <p:sp>
+        <p:nvSpPr>
+          <p:cNvPr id="36" name="Rectangle 35">
+            <a:extLst>
+              <a:ext uri="{FF2B5EF4-FFF2-40B4-BE49-F238E27FC236}">
+                <a16:creationId xmlns:a16="http://schemas.microsoft.com/office/drawing/2014/main" id="{A4AC5506-6312-4701-8D3C-40187889A947}"/>
+              </a:ext>
+              <a:ext uri="{C183D7F6-B498-43B3-948B-1728B52AA6E4}">
+                <adec:decorative xmlns:adec="http://schemas.microsoft.com/office/drawing/2017/decorative" val="1"/>
+              </a:ext>
+            </a:extLst>
+          </p:cNvPr>
+          <p:cNvSpPr>
+            <a:spLocks noGrp="1" noRot="1" noChangeAspect="1" noMove="1" noResize="1" noEditPoints="1" noAdjustHandles="1" noChangeArrowheads="1" noChangeShapeType="1" noTextEdit="1"/>
+          </p:cNvSpPr>
+          <p:nvPr>
+            <p:extLst>
+              <p:ext uri="{386F3935-93C4-4BCD-93E2-E3B085C9AB24}">
+                <p16:designElem xmlns:p16="http://schemas.microsoft.com/office/powerpoint/2015/main" val="1"/>
+              </p:ext>
+            </p:extLst>
+          </p:nvPr>
+        </p:nvSpPr>
+        <p:spPr>
+          <a:xfrm>
+            <a:off x="0" y="651752"/>
+            <a:ext cx="12192000" cy="736551"/>
+          </a:xfrm>
+          <a:prstGeom prst="rect">
+            <a:avLst/>
+          </a:prstGeom>
+          <a:solidFill>
+            <a:schemeClr val="tx1"/>
+          </a:solidFill>
+          <a:ln>
+            <a:noFill/>
+          </a:ln>
+        </p:spPr>
+        <p:style>
+          <a:lnRef idx="2">
+            <a:schemeClr val="accent1">
+              <a:shade val="50000"/>
+            </a:schemeClr>
+          </a:lnRef>
+          <a:fillRef idx="1">
+            <a:schemeClr val="accent1"/>
+          </a:fillRef>
+          <a:effectRef idx="0">
+            <a:schemeClr val="accent1"/>
+          </a:effectRef>
+          <a:fontRef idx="minor">
+            <a:schemeClr val="lt1"/>
+          </a:fontRef>
+        </p:style>
+        <p:txBody>
+          <a:bodyPr rtlCol="0" anchor="ctr"/>
+          <a:lstStyle/>
+          <a:p>
+            <a:pPr algn="ctr"/>
+            <a:endParaRPr lang="en-US"/>
+          </a:p>
+        </p:txBody>
+      </p:sp>
+      <p:sp>
+        <p:nvSpPr>
+          <p:cNvPr id="31" name="Rectangle 30">
+            <a:extLst>
+              <a:ext uri="{FF2B5EF4-FFF2-40B4-BE49-F238E27FC236}">
+                <a16:creationId xmlns:a16="http://schemas.microsoft.com/office/drawing/2014/main" id="{D8ED2E39-AB4F-42B5-9617-D1779FC29121}"/>
+              </a:ext>
+            </a:extLst>
+          </p:cNvPr>
+          <p:cNvSpPr/>
+          <p:nvPr/>
+        </p:nvSpPr>
+        <p:spPr>
+          <a:xfrm>
+            <a:off x="556532" y="643467"/>
+            <a:ext cx="11210925" cy="744836"/>
+          </a:xfrm>
+          <a:prstGeom prst="rect">
+            <a:avLst/>
+          </a:prstGeom>
+        </p:spPr>
+        <p:style>
+          <a:lnRef idx="2">
+            <a:schemeClr val="accent1">
+              <a:shade val="50000"/>
+            </a:schemeClr>
+          </a:lnRef>
+          <a:fillRef idx="1">
+            <a:schemeClr val="accent1"/>
+          </a:fillRef>
+          <a:effectRef idx="0">
+            <a:schemeClr val="accent1"/>
+          </a:effectRef>
+          <a:fontRef idx="minor">
+            <a:schemeClr val="lt1"/>
+          </a:fontRef>
+        </p:style>
+        <p:txBody>
+          <a:bodyPr vert="horz" lIns="91440" tIns="45720" rIns="91440" bIns="45720" rtlCol="0" anchor="ctr">
+            <a:normAutofit/>
+          </a:bodyPr>
+          <a:lstStyle/>
+          <a:p>
+            <a:pPr algn="ctr">
+              <a:lnSpc>
+                <a:spcPct val="90000"/>
+              </a:lnSpc>
+              <a:spcBef>
+                <a:spcPct val="0"/>
+              </a:spcBef>
+              <a:spcAft>
+                <a:spcPts val="600"/>
+              </a:spcAft>
+            </a:pPr>
+            <a:r>
+              <a:rPr lang="en-US" sz="3200" b="1" kern="1200" dirty="0">
+                <a:solidFill>
+                  <a:schemeClr val="bg1"/>
+                </a:solidFill>
+                <a:latin typeface="+mj-lt"/>
+                <a:ea typeface="+mj-ea"/>
+                <a:cs typeface="+mj-cs"/>
+              </a:rPr>
+              <a:t>Soap </a:t>
+            </a:r>
+            <a:r>
+              <a:rPr lang="en-US" sz="3200" b="1" dirty="0">
+                <a:solidFill>
+                  <a:schemeClr val="bg1"/>
+                </a:solidFill>
+                <a:latin typeface="+mj-lt"/>
+                <a:ea typeface="+mj-ea"/>
+                <a:cs typeface="+mj-cs"/>
+              </a:rPr>
+              <a:t>et</a:t>
+            </a:r>
+            <a:r>
+              <a:rPr lang="en-US" sz="3200" b="1" kern="1200" dirty="0">
+                <a:solidFill>
+                  <a:schemeClr val="bg1"/>
+                </a:solidFill>
+                <a:latin typeface="+mj-lt"/>
+                <a:ea typeface="+mj-ea"/>
+                <a:cs typeface="+mj-cs"/>
+              </a:rPr>
+              <a:t> REST</a:t>
+            </a:r>
+          </a:p>
+        </p:txBody>
+      </p:sp>
+      <p:pic>
+        <p:nvPicPr>
+          <p:cNvPr id="3" name="Image 2" descr="Une image contenant horloge&#10;&#10;Description générée automatiquement">
+            <a:extLst>
+              <a:ext uri="{FF2B5EF4-FFF2-40B4-BE49-F238E27FC236}">
+                <a16:creationId xmlns:a16="http://schemas.microsoft.com/office/drawing/2014/main" id="{1A9E15A6-6283-4CF5-B99D-21763CDC4DC0}"/>
+              </a:ext>
+            </a:extLst>
+          </p:cNvPr>
+          <p:cNvPicPr>
+            <a:picLocks noChangeAspect="1"/>
+          </p:cNvPicPr>
+          <p:nvPr/>
+        </p:nvPicPr>
+        <p:blipFill>
+          <a:blip r:embed="rId3">
+            <a:extLst>
+              <a:ext uri="{28A0092B-C50C-407E-A947-70E740481C1C}">
+                <a14:useLocalDpi xmlns:a14="http://schemas.microsoft.com/office/drawing/2010/main" val="0"/>
+              </a:ext>
+            </a:extLst>
+          </a:blip>
+          <a:stretch>
+            <a:fillRect/>
+          </a:stretch>
+        </p:blipFill>
+        <p:spPr>
+          <a:xfrm>
+            <a:off x="2591765" y="1449759"/>
+            <a:ext cx="7008470" cy="4993536"/>
+          </a:xfrm>
+          <a:prstGeom prst="rect">
+            <a:avLst/>
+          </a:prstGeom>
+        </p:spPr>
+      </p:pic>
+    </p:spTree>
+    <p:extLst>
+      <p:ext uri="{BB962C8B-B14F-4D97-AF65-F5344CB8AC3E}">
+        <p14:creationId xmlns:p14="http://schemas.microsoft.com/office/powerpoint/2010/main" val="2246474822"/>
+      </p:ext>
+    </p:extLst>
+  </p:cSld>
+  <p:clrMapOvr>
+    <a:masterClrMapping/>
+  </p:clrMapOvr>
+</p:sld>
+</file>
+
+<file path=ppt/slides/slide26.xml><?xml version="1.0" encoding="utf-8"?>
+<p:sld xmlns:a="http://schemas.openxmlformats.org/drawingml/2006/main" xmlns:r="http://schemas.openxmlformats.org/officeDocument/2006/relationships" xmlns:p="http://schemas.openxmlformats.org/presentationml/2006/main" showMasterSp="0">
+  <p:cSld>
+    <p:bg>
+      <p:bgPr>
+        <a:solidFill>
+          <a:schemeClr val="bg1"/>
+        </a:solidFill>
+        <a:effectLst/>
+      </p:bgPr>
+    </p:bg>
+    <p:spTree>
+      <p:nvGrpSpPr>
+        <p:cNvPr id="1" name=""/>
+        <p:cNvGrpSpPr/>
+        <p:nvPr/>
+      </p:nvGrpSpPr>
+      <p:grpSpPr>
+        <a:xfrm>
+          <a:off x="0" y="0"/>
+          <a:ext cx="0" cy="0"/>
+          <a:chOff x="0" y="0"/>
+          <a:chExt cx="0" cy="0"/>
+        </a:xfrm>
+      </p:grpSpPr>
+      <p:sp>
+        <p:nvSpPr>
+          <p:cNvPr id="36" name="Rectangle 35">
+            <a:extLst>
+              <a:ext uri="{FF2B5EF4-FFF2-40B4-BE49-F238E27FC236}">
+                <a16:creationId xmlns:a16="http://schemas.microsoft.com/office/drawing/2014/main" id="{A4AC5506-6312-4701-8D3C-40187889A947}"/>
+              </a:ext>
+              <a:ext uri="{C183D7F6-B498-43B3-948B-1728B52AA6E4}">
+                <adec:decorative xmlns:adec="http://schemas.microsoft.com/office/drawing/2017/decorative" val="1"/>
+              </a:ext>
+            </a:extLst>
+          </p:cNvPr>
+          <p:cNvSpPr>
+            <a:spLocks noGrp="1" noRot="1" noChangeAspect="1" noMove="1" noResize="1" noEditPoints="1" noAdjustHandles="1" noChangeArrowheads="1" noChangeShapeType="1" noTextEdit="1"/>
+          </p:cNvSpPr>
+          <p:nvPr>
+            <p:extLst>
+              <p:ext uri="{386F3935-93C4-4BCD-93E2-E3B085C9AB24}">
+                <p16:designElem xmlns:p16="http://schemas.microsoft.com/office/powerpoint/2015/main" val="1"/>
+              </p:ext>
+            </p:extLst>
+          </p:nvPr>
+        </p:nvSpPr>
+        <p:spPr>
+          <a:xfrm>
+            <a:off x="0" y="651752"/>
+            <a:ext cx="12192000" cy="736551"/>
+          </a:xfrm>
+          <a:prstGeom prst="rect">
+            <a:avLst/>
+          </a:prstGeom>
+          <a:solidFill>
+            <a:schemeClr val="tx1"/>
+          </a:solidFill>
+          <a:ln>
+            <a:noFill/>
+          </a:ln>
+        </p:spPr>
+        <p:style>
+          <a:lnRef idx="2">
+            <a:schemeClr val="accent1">
+              <a:shade val="50000"/>
+            </a:schemeClr>
+          </a:lnRef>
+          <a:fillRef idx="1">
+            <a:schemeClr val="accent1"/>
+          </a:fillRef>
+          <a:effectRef idx="0">
+            <a:schemeClr val="accent1"/>
+          </a:effectRef>
+          <a:fontRef idx="minor">
+            <a:schemeClr val="lt1"/>
+          </a:fontRef>
+        </p:style>
+        <p:txBody>
+          <a:bodyPr rtlCol="0" anchor="ctr"/>
+          <a:lstStyle/>
+          <a:p>
+            <a:pPr algn="ctr"/>
+            <a:endParaRPr lang="en-US"/>
+          </a:p>
+        </p:txBody>
+      </p:sp>
+      <p:sp>
+        <p:nvSpPr>
+          <p:cNvPr id="31" name="Rectangle 30">
+            <a:extLst>
+              <a:ext uri="{FF2B5EF4-FFF2-40B4-BE49-F238E27FC236}">
+                <a16:creationId xmlns:a16="http://schemas.microsoft.com/office/drawing/2014/main" id="{D8ED2E39-AB4F-42B5-9617-D1779FC29121}"/>
+              </a:ext>
+            </a:extLst>
+          </p:cNvPr>
+          <p:cNvSpPr/>
+          <p:nvPr/>
+        </p:nvSpPr>
+        <p:spPr>
+          <a:xfrm>
+            <a:off x="556532" y="643467"/>
+            <a:ext cx="11210925" cy="744836"/>
+          </a:xfrm>
+          <a:prstGeom prst="rect">
+            <a:avLst/>
+          </a:prstGeom>
+        </p:spPr>
+        <p:style>
+          <a:lnRef idx="2">
+            <a:schemeClr val="accent1">
+              <a:shade val="50000"/>
+            </a:schemeClr>
+          </a:lnRef>
+          <a:fillRef idx="1">
+            <a:schemeClr val="accent1"/>
+          </a:fillRef>
+          <a:effectRef idx="0">
+            <a:schemeClr val="accent1"/>
+          </a:effectRef>
+          <a:fontRef idx="minor">
+            <a:schemeClr val="lt1"/>
+          </a:fontRef>
+        </p:style>
+        <p:txBody>
+          <a:bodyPr vert="horz" lIns="91440" tIns="45720" rIns="91440" bIns="45720" rtlCol="0" anchor="ctr">
+            <a:normAutofit/>
+          </a:bodyPr>
+          <a:lstStyle/>
+          <a:p>
+            <a:pPr algn="ctr">
+              <a:lnSpc>
+                <a:spcPct val="90000"/>
+              </a:lnSpc>
+              <a:spcBef>
+                <a:spcPct val="0"/>
+              </a:spcBef>
+              <a:spcAft>
+                <a:spcPts val="600"/>
+              </a:spcAft>
+            </a:pPr>
+            <a:r>
+              <a:rPr lang="en-US" sz="3200" b="1" dirty="0">
+                <a:solidFill>
+                  <a:schemeClr val="bg1"/>
+                </a:solidFill>
+                <a:latin typeface="+mj-lt"/>
+                <a:ea typeface="+mj-ea"/>
+                <a:cs typeface="+mj-cs"/>
+              </a:rPr>
+              <a:t>Architecture MVC</a:t>
+            </a:r>
+            <a:endParaRPr lang="en-US" sz="3200" b="1" kern="1200" dirty="0">
+              <a:solidFill>
+                <a:schemeClr val="bg1"/>
+              </a:solidFill>
+              <a:latin typeface="+mj-lt"/>
+              <a:ea typeface="+mj-ea"/>
+              <a:cs typeface="+mj-cs"/>
+            </a:endParaRPr>
+          </a:p>
+        </p:txBody>
+      </p:sp>
+      <p:pic>
+        <p:nvPicPr>
+          <p:cNvPr id="7" name="Image 6" descr="Une image contenant dessin&#10;&#10;Description générée automatiquement">
+            <a:extLst>
+              <a:ext uri="{FF2B5EF4-FFF2-40B4-BE49-F238E27FC236}">
+                <a16:creationId xmlns:a16="http://schemas.microsoft.com/office/drawing/2014/main" id="{0977C5FA-DFA8-45BE-8515-D314F5BA8006}"/>
+              </a:ext>
+            </a:extLst>
+          </p:cNvPr>
+          <p:cNvPicPr>
+            <a:picLocks noChangeAspect="1"/>
+          </p:cNvPicPr>
+          <p:nvPr/>
+        </p:nvPicPr>
+        <p:blipFill>
+          <a:blip r:embed="rId3">
+            <a:extLst>
+              <a:ext uri="{28A0092B-C50C-407E-A947-70E740481C1C}">
+                <a14:useLocalDpi xmlns:a14="http://schemas.microsoft.com/office/drawing/2010/main" val="0"/>
+              </a:ext>
+            </a:extLst>
+          </a:blip>
+          <a:stretch>
+            <a:fillRect/>
+          </a:stretch>
+        </p:blipFill>
+        <p:spPr>
+          <a:xfrm>
+            <a:off x="2217687" y="1865669"/>
+            <a:ext cx="7756625" cy="4159350"/>
+          </a:xfrm>
+          <a:prstGeom prst="rect">
+            <a:avLst/>
+          </a:prstGeom>
+        </p:spPr>
+      </p:pic>
+    </p:spTree>
+    <p:extLst>
+      <p:ext uri="{BB962C8B-B14F-4D97-AF65-F5344CB8AC3E}">
+        <p14:creationId xmlns:p14="http://schemas.microsoft.com/office/powerpoint/2010/main" val="4224528180"/>
       </p:ext>
     </p:extLst>
   </p:cSld>
@@ -40132,7 +42435,7 @@
         </p:nvSpPr>
         <p:spPr>
           <a:xfrm>
-            <a:off x="328032" y="4434899"/>
+            <a:off x="402174" y="4434899"/>
             <a:ext cx="4160113" cy="369332"/>
           </a:xfrm>
           <a:prstGeom prst="rect">
@@ -40717,7 +43020,7 @@
         </p:nvSpPr>
         <p:spPr>
           <a:xfrm rot="18805991">
-            <a:off x="10048440" y="2391668"/>
+            <a:off x="10154510" y="2412886"/>
             <a:ext cx="376862" cy="372930"/>
           </a:xfrm>
           <a:custGeom>
@@ -41340,7 +43643,7 @@
         </p:nvSpPr>
         <p:spPr>
           <a:xfrm rot="10800000">
-            <a:off x="0" y="4334412"/>
+            <a:off x="110527" y="4317329"/>
             <a:ext cx="320105" cy="520850"/>
           </a:xfrm>
           <a:custGeom>
